--- a/기획/TRASHES 직업 기획서 - 수정 의견 이정우.pptx
+++ b/기획/TRASHES 직업 기획서 - 수정 의견 이정우.pptx
@@ -12,6 +12,9 @@
     <p:sldId id="260" r:id="rId6"/>
     <p:sldId id="261" r:id="rId7"/>
     <p:sldId id="262" r:id="rId8"/>
+    <p:sldId id="263" r:id="rId9"/>
+    <p:sldId id="264" r:id="rId10"/>
+    <p:sldId id="265" r:id="rId11"/>
   </p:sldIdLst>
   <p:sldSz cx="12192000" cy="6858000"/>
   <p:notesSz cx="6858000" cy="9144000"/>
@@ -265,7 +268,7 @@
           <a:p>
             <a:fld id="{31274F74-C1B4-44DB-B185-FC08F0ACA9F7}" type="datetimeFigureOut">
               <a:rPr lang="ko-KR" altLang="en-US" smtClean="0"/>
-              <a:t>2023-10-13</a:t>
+              <a:t>2023-10-14</a:t>
             </a:fld>
             <a:endParaRPr lang="ko-KR" altLang="en-US"/>
           </a:p>
@@ -463,7 +466,7 @@
           <a:p>
             <a:fld id="{31274F74-C1B4-44DB-B185-FC08F0ACA9F7}" type="datetimeFigureOut">
               <a:rPr lang="ko-KR" altLang="en-US" smtClean="0"/>
-              <a:t>2023-10-13</a:t>
+              <a:t>2023-10-14</a:t>
             </a:fld>
             <a:endParaRPr lang="ko-KR" altLang="en-US"/>
           </a:p>
@@ -671,7 +674,7 @@
           <a:p>
             <a:fld id="{31274F74-C1B4-44DB-B185-FC08F0ACA9F7}" type="datetimeFigureOut">
               <a:rPr lang="ko-KR" altLang="en-US" smtClean="0"/>
-              <a:t>2023-10-13</a:t>
+              <a:t>2023-10-14</a:t>
             </a:fld>
             <a:endParaRPr lang="ko-KR" altLang="en-US"/>
           </a:p>
@@ -869,7 +872,7 @@
           <a:p>
             <a:fld id="{31274F74-C1B4-44DB-B185-FC08F0ACA9F7}" type="datetimeFigureOut">
               <a:rPr lang="ko-KR" altLang="en-US" smtClean="0"/>
-              <a:t>2023-10-13</a:t>
+              <a:t>2023-10-14</a:t>
             </a:fld>
             <a:endParaRPr lang="ko-KR" altLang="en-US"/>
           </a:p>
@@ -1144,7 +1147,7 @@
           <a:p>
             <a:fld id="{31274F74-C1B4-44DB-B185-FC08F0ACA9F7}" type="datetimeFigureOut">
               <a:rPr lang="ko-KR" altLang="en-US" smtClean="0"/>
-              <a:t>2023-10-13</a:t>
+              <a:t>2023-10-14</a:t>
             </a:fld>
             <a:endParaRPr lang="ko-KR" altLang="en-US"/>
           </a:p>
@@ -1409,7 +1412,7 @@
           <a:p>
             <a:fld id="{31274F74-C1B4-44DB-B185-FC08F0ACA9F7}" type="datetimeFigureOut">
               <a:rPr lang="ko-KR" altLang="en-US" smtClean="0"/>
-              <a:t>2023-10-13</a:t>
+              <a:t>2023-10-14</a:t>
             </a:fld>
             <a:endParaRPr lang="ko-KR" altLang="en-US"/>
           </a:p>
@@ -1821,7 +1824,7 @@
           <a:p>
             <a:fld id="{31274F74-C1B4-44DB-B185-FC08F0ACA9F7}" type="datetimeFigureOut">
               <a:rPr lang="ko-KR" altLang="en-US" smtClean="0"/>
-              <a:t>2023-10-13</a:t>
+              <a:t>2023-10-14</a:t>
             </a:fld>
             <a:endParaRPr lang="ko-KR" altLang="en-US"/>
           </a:p>
@@ -1962,7 +1965,7 @@
           <a:p>
             <a:fld id="{31274F74-C1B4-44DB-B185-FC08F0ACA9F7}" type="datetimeFigureOut">
               <a:rPr lang="ko-KR" altLang="en-US" smtClean="0"/>
-              <a:t>2023-10-13</a:t>
+              <a:t>2023-10-14</a:t>
             </a:fld>
             <a:endParaRPr lang="ko-KR" altLang="en-US"/>
           </a:p>
@@ -2075,7 +2078,7 @@
           <a:p>
             <a:fld id="{31274F74-C1B4-44DB-B185-FC08F0ACA9F7}" type="datetimeFigureOut">
               <a:rPr lang="ko-KR" altLang="en-US" smtClean="0"/>
-              <a:t>2023-10-13</a:t>
+              <a:t>2023-10-14</a:t>
             </a:fld>
             <a:endParaRPr lang="ko-KR" altLang="en-US"/>
           </a:p>
@@ -2386,7 +2389,7 @@
           <a:p>
             <a:fld id="{31274F74-C1B4-44DB-B185-FC08F0ACA9F7}" type="datetimeFigureOut">
               <a:rPr lang="ko-KR" altLang="en-US" smtClean="0"/>
-              <a:t>2023-10-13</a:t>
+              <a:t>2023-10-14</a:t>
             </a:fld>
             <a:endParaRPr lang="ko-KR" altLang="en-US"/>
           </a:p>
@@ -2674,7 +2677,7 @@
           <a:p>
             <a:fld id="{31274F74-C1B4-44DB-B185-FC08F0ACA9F7}" type="datetimeFigureOut">
               <a:rPr lang="ko-KR" altLang="en-US" smtClean="0"/>
-              <a:t>2023-10-13</a:t>
+              <a:t>2023-10-14</a:t>
             </a:fld>
             <a:endParaRPr lang="ko-KR" altLang="en-US"/>
           </a:p>
@@ -2915,7 +2918,7 @@
           <a:p>
             <a:fld id="{31274F74-C1B4-44DB-B185-FC08F0ACA9F7}" type="datetimeFigureOut">
               <a:rPr lang="ko-KR" altLang="en-US" smtClean="0"/>
-              <a:t>2023-10-13</a:t>
+              <a:t>2023-10-14</a:t>
             </a:fld>
             <a:endParaRPr lang="ko-KR" altLang="en-US"/>
           </a:p>
@@ -3405,6 +3408,2336 @@
 </p:sld>
 </file>
 
+<file path=ppt/slides/slide10.xml><?xml version="1.0" encoding="utf-8"?>
+<p:sld xmlns:a="http://schemas.openxmlformats.org/drawingml/2006/main" xmlns:r="http://schemas.openxmlformats.org/officeDocument/2006/relationships" xmlns:p="http://schemas.openxmlformats.org/presentationml/2006/main">
+  <p:cSld>
+    <p:spTree>
+      <p:nvGrpSpPr>
+        <p:cNvPr id="1" name=""/>
+        <p:cNvGrpSpPr/>
+        <p:nvPr/>
+      </p:nvGrpSpPr>
+      <p:grpSpPr>
+        <a:xfrm>
+          <a:off x="0" y="0"/>
+          <a:ext cx="0" cy="0"/>
+          <a:chOff x="0" y="0"/>
+          <a:chExt cx="0" cy="0"/>
+        </a:xfrm>
+      </p:grpSpPr>
+      <p:sp>
+        <p:nvSpPr>
+          <p:cNvPr id="2" name="제목 1">
+            <a:extLst>
+              <a:ext uri="{FF2B5EF4-FFF2-40B4-BE49-F238E27FC236}">
+                <a16:creationId xmlns:a16="http://schemas.microsoft.com/office/drawing/2014/main" id="{DDC64BBE-2F5F-3D17-016B-4D9EB1F89A33}"/>
+              </a:ext>
+            </a:extLst>
+          </p:cNvPr>
+          <p:cNvSpPr>
+            <a:spLocks noGrp="1"/>
+          </p:cNvSpPr>
+          <p:nvPr>
+            <p:ph type="title"/>
+          </p:nvPr>
+        </p:nvSpPr>
+        <p:spPr/>
+        <p:txBody>
+          <a:bodyPr/>
+          <a:lstStyle/>
+          <a:p>
+            <a:r>
+              <a:rPr lang="en-US" altLang="ko-KR" dirty="0"/>
+              <a:t>9. </a:t>
+            </a:r>
+            <a:r>
+              <a:rPr lang="ko-KR" altLang="en-US" dirty="0"/>
+              <a:t>탐지</a:t>
+            </a:r>
+          </a:p>
+        </p:txBody>
+      </p:sp>
+      <p:sp>
+        <p:nvSpPr>
+          <p:cNvPr id="3" name="내용 개체 틀 2">
+            <a:extLst>
+              <a:ext uri="{FF2B5EF4-FFF2-40B4-BE49-F238E27FC236}">
+                <a16:creationId xmlns:a16="http://schemas.microsoft.com/office/drawing/2014/main" id="{A2AD6ACE-68A0-7003-C05E-56FF5EBF5A50}"/>
+              </a:ext>
+            </a:extLst>
+          </p:cNvPr>
+          <p:cNvSpPr>
+            <a:spLocks noGrp="1"/>
+          </p:cNvSpPr>
+          <p:nvPr>
+            <p:ph idx="1"/>
+          </p:nvPr>
+        </p:nvSpPr>
+        <p:spPr>
+          <a:xfrm>
+            <a:off x="838200" y="1357493"/>
+            <a:ext cx="5257800" cy="2061077"/>
+          </a:xfrm>
+        </p:spPr>
+        <p:txBody>
+          <a:bodyPr>
+            <a:normAutofit/>
+          </a:bodyPr>
+          <a:lstStyle/>
+          <a:p>
+            <a:r>
+              <a:rPr lang="en-US" altLang="ko-KR" sz="1400" dirty="0"/>
+              <a:t>‘</a:t>
+            </a:r>
+            <a:r>
+              <a:rPr lang="ko-KR" altLang="en-US" sz="1400" dirty="0"/>
+              <a:t>방탄복</a:t>
+            </a:r>
+            <a:r>
+              <a:rPr lang="en-US" altLang="ko-KR" sz="1400" dirty="0"/>
+              <a:t>’</a:t>
+            </a:r>
+            <a:r>
+              <a:rPr lang="ko-KR" altLang="en-US" sz="1400" dirty="0"/>
+              <a:t>이라는 직업 아이템을 먹으면 전직 가능하다</a:t>
+            </a:r>
+            <a:r>
+              <a:rPr lang="en-US" altLang="ko-KR" sz="1400" dirty="0"/>
+              <a:t>.</a:t>
+            </a:r>
+          </a:p>
+          <a:p>
+            <a:r>
+              <a:rPr lang="ko-KR" altLang="en-US" sz="1400" dirty="0"/>
+              <a:t>단단한 탱커 컨셉으로 강화 방탄복을 입은 직업</a:t>
+            </a:r>
+            <a:endParaRPr lang="en-US" altLang="ko-KR" sz="1400" dirty="0"/>
+          </a:p>
+        </p:txBody>
+      </p:sp>
+      <p:graphicFrame>
+        <p:nvGraphicFramePr>
+          <p:cNvPr id="10" name="표 9">
+            <a:extLst>
+              <a:ext uri="{FF2B5EF4-FFF2-40B4-BE49-F238E27FC236}">
+                <a16:creationId xmlns:a16="http://schemas.microsoft.com/office/drawing/2014/main" id="{9796D849-39D6-143B-49A8-B4833851198E}"/>
+              </a:ext>
+            </a:extLst>
+          </p:cNvPr>
+          <p:cNvGraphicFramePr>
+            <a:graphicFrameLocks noGrp="1"/>
+          </p:cNvGraphicFramePr>
+          <p:nvPr/>
+        </p:nvGraphicFramePr>
+        <p:xfrm>
+          <a:off x="838200" y="5400829"/>
+          <a:ext cx="5373030" cy="1266213"/>
+        </p:xfrm>
+        <a:graphic>
+          <a:graphicData uri="http://schemas.openxmlformats.org/drawingml/2006/table">
+            <a:tbl>
+              <a:tblPr firstRow="1" bandRow="1">
+                <a:tableStyleId>{F5AB1C69-6EDB-4FF4-983F-18BD219EF322}</a:tableStyleId>
+              </a:tblPr>
+              <a:tblGrid>
+                <a:gridCol w="1429139">
+                  <a:extLst>
+                    <a:ext uri="{9D8B030D-6E8A-4147-A177-3AD203B41FA5}">
+                      <a16:colId xmlns:a16="http://schemas.microsoft.com/office/drawing/2014/main" val="1096772183"/>
+                    </a:ext>
+                  </a:extLst>
+                </a:gridCol>
+                <a:gridCol w="1156996">
+                  <a:extLst>
+                    <a:ext uri="{9D8B030D-6E8A-4147-A177-3AD203B41FA5}">
+                      <a16:colId xmlns:a16="http://schemas.microsoft.com/office/drawing/2014/main" val="3276011012"/>
+                    </a:ext>
+                  </a:extLst>
+                </a:gridCol>
+                <a:gridCol w="2786895">
+                  <a:extLst>
+                    <a:ext uri="{9D8B030D-6E8A-4147-A177-3AD203B41FA5}">
+                      <a16:colId xmlns:a16="http://schemas.microsoft.com/office/drawing/2014/main" val="1120309742"/>
+                    </a:ext>
+                  </a:extLst>
+                </a:gridCol>
+              </a:tblGrid>
+              <a:tr h="422071">
+                <a:tc>
+                  <a:txBody>
+                    <a:bodyPr/>
+                    <a:lstStyle/>
+                    <a:p>
+                      <a:pPr algn="ctr" latinLnBrk="1"/>
+                      <a:r>
+                        <a:rPr lang="ko-KR" altLang="en-US" sz="1800" dirty="0" err="1"/>
+                        <a:t>스킬명</a:t>
+                      </a:r>
+                      <a:endParaRPr lang="ko-KR" altLang="en-US" sz="1800" dirty="0"/>
+                    </a:p>
+                  </a:txBody>
+                  <a:tcPr anchor="ctr">
+                    <a:lnL w="12700" cap="flat" cmpd="sng" algn="ctr">
+                      <a:solidFill>
+                        <a:schemeClr val="tx1"/>
+                      </a:solidFill>
+                      <a:prstDash val="solid"/>
+                      <a:round/>
+                      <a:headEnd type="none" w="med" len="med"/>
+                      <a:tailEnd type="none" w="med" len="med"/>
+                    </a:lnL>
+                    <a:lnR w="12700" cap="flat" cmpd="sng" algn="ctr">
+                      <a:solidFill>
+                        <a:schemeClr val="tx1"/>
+                      </a:solidFill>
+                      <a:prstDash val="solid"/>
+                      <a:round/>
+                      <a:headEnd type="none" w="med" len="med"/>
+                      <a:tailEnd type="none" w="med" len="med"/>
+                    </a:lnR>
+                    <a:lnT w="12700" cap="flat" cmpd="sng" algn="ctr">
+                      <a:solidFill>
+                        <a:schemeClr val="tx1"/>
+                      </a:solidFill>
+                      <a:prstDash val="solid"/>
+                      <a:round/>
+                      <a:headEnd type="none" w="med" len="med"/>
+                      <a:tailEnd type="none" w="med" len="med"/>
+                    </a:lnT>
+                    <a:lnB w="12700" cap="flat" cmpd="sng" algn="ctr">
+                      <a:solidFill>
+                        <a:schemeClr val="tx1"/>
+                      </a:solidFill>
+                      <a:prstDash val="solid"/>
+                      <a:round/>
+                      <a:headEnd type="none" w="med" len="med"/>
+                      <a:tailEnd type="none" w="med" len="med"/>
+                    </a:lnB>
+                  </a:tcPr>
+                </a:tc>
+                <a:tc>
+                  <a:txBody>
+                    <a:bodyPr/>
+                    <a:lstStyle/>
+                    <a:p>
+                      <a:pPr algn="ctr" latinLnBrk="1"/>
+                      <a:r>
+                        <a:rPr lang="ko-KR" altLang="en-US" sz="1800" dirty="0" err="1"/>
+                        <a:t>쿨타임</a:t>
+                      </a:r>
+                      <a:endParaRPr lang="ko-KR" altLang="en-US" sz="1800" dirty="0"/>
+                    </a:p>
+                  </a:txBody>
+                  <a:tcPr anchor="ctr">
+                    <a:lnL w="12700" cap="flat" cmpd="sng" algn="ctr">
+                      <a:solidFill>
+                        <a:schemeClr val="tx1"/>
+                      </a:solidFill>
+                      <a:prstDash val="solid"/>
+                      <a:round/>
+                      <a:headEnd type="none" w="med" len="med"/>
+                      <a:tailEnd type="none" w="med" len="med"/>
+                    </a:lnL>
+                    <a:lnR w="12700" cap="flat" cmpd="sng" algn="ctr">
+                      <a:solidFill>
+                        <a:schemeClr val="tx1"/>
+                      </a:solidFill>
+                      <a:prstDash val="solid"/>
+                      <a:round/>
+                      <a:headEnd type="none" w="med" len="med"/>
+                      <a:tailEnd type="none" w="med" len="med"/>
+                    </a:lnR>
+                    <a:lnT w="12700" cap="flat" cmpd="sng" algn="ctr">
+                      <a:solidFill>
+                        <a:schemeClr val="tx1"/>
+                      </a:solidFill>
+                      <a:prstDash val="solid"/>
+                      <a:round/>
+                      <a:headEnd type="none" w="med" len="med"/>
+                      <a:tailEnd type="none" w="med" len="med"/>
+                    </a:lnT>
+                    <a:lnB w="12700" cap="flat" cmpd="sng" algn="ctr">
+                      <a:solidFill>
+                        <a:schemeClr val="tx1"/>
+                      </a:solidFill>
+                      <a:prstDash val="solid"/>
+                      <a:round/>
+                      <a:headEnd type="none" w="med" len="med"/>
+                      <a:tailEnd type="none" w="med" len="med"/>
+                    </a:lnB>
+                  </a:tcPr>
+                </a:tc>
+                <a:tc>
+                  <a:txBody>
+                    <a:bodyPr/>
+                    <a:lstStyle/>
+                    <a:p>
+                      <a:pPr algn="ctr" latinLnBrk="1"/>
+                      <a:r>
+                        <a:rPr lang="ko-KR" altLang="en-US" sz="1800" dirty="0"/>
+                        <a:t>설명</a:t>
+                      </a:r>
+                    </a:p>
+                  </a:txBody>
+                  <a:tcPr anchor="ctr">
+                    <a:lnL w="12700" cap="flat" cmpd="sng" algn="ctr">
+                      <a:solidFill>
+                        <a:schemeClr val="tx1"/>
+                      </a:solidFill>
+                      <a:prstDash val="solid"/>
+                      <a:round/>
+                      <a:headEnd type="none" w="med" len="med"/>
+                      <a:tailEnd type="none" w="med" len="med"/>
+                    </a:lnL>
+                    <a:lnR w="12700" cap="flat" cmpd="sng" algn="ctr">
+                      <a:solidFill>
+                        <a:schemeClr val="tx1"/>
+                      </a:solidFill>
+                      <a:prstDash val="solid"/>
+                      <a:round/>
+                      <a:headEnd type="none" w="med" len="med"/>
+                      <a:tailEnd type="none" w="med" len="med"/>
+                    </a:lnR>
+                    <a:lnT w="12700" cap="flat" cmpd="sng" algn="ctr">
+                      <a:solidFill>
+                        <a:schemeClr val="tx1"/>
+                      </a:solidFill>
+                      <a:prstDash val="solid"/>
+                      <a:round/>
+                      <a:headEnd type="none" w="med" len="med"/>
+                      <a:tailEnd type="none" w="med" len="med"/>
+                    </a:lnT>
+                    <a:lnB w="12700" cap="flat" cmpd="sng" algn="ctr">
+                      <a:solidFill>
+                        <a:schemeClr val="tx1"/>
+                      </a:solidFill>
+                      <a:prstDash val="solid"/>
+                      <a:round/>
+                      <a:headEnd type="none" w="med" len="med"/>
+                      <a:tailEnd type="none" w="med" len="med"/>
+                    </a:lnB>
+                  </a:tcPr>
+                </a:tc>
+                <a:extLst>
+                  <a:ext uri="{0D108BD9-81ED-4DB2-BD59-A6C34878D82A}">
+                    <a16:rowId xmlns:a16="http://schemas.microsoft.com/office/drawing/2014/main" val="3934898473"/>
+                  </a:ext>
+                </a:extLst>
+              </a:tr>
+              <a:tr h="422071">
+                <a:tc>
+                  <a:txBody>
+                    <a:bodyPr/>
+                    <a:lstStyle/>
+                    <a:p>
+                      <a:pPr algn="ctr" latinLnBrk="1"/>
+                      <a:r>
+                        <a:rPr lang="ko-KR" altLang="en-US" sz="1200" dirty="0"/>
+                        <a:t>유체화</a:t>
+                      </a:r>
+                    </a:p>
+                  </a:txBody>
+                  <a:tcPr anchor="ctr">
+                    <a:lnL w="12700" cap="flat" cmpd="sng" algn="ctr">
+                      <a:solidFill>
+                        <a:schemeClr val="tx1"/>
+                      </a:solidFill>
+                      <a:prstDash val="solid"/>
+                      <a:round/>
+                      <a:headEnd type="none" w="med" len="med"/>
+                      <a:tailEnd type="none" w="med" len="med"/>
+                    </a:lnL>
+                    <a:lnR w="12700" cap="flat" cmpd="sng" algn="ctr">
+                      <a:solidFill>
+                        <a:schemeClr val="tx1"/>
+                      </a:solidFill>
+                      <a:prstDash val="solid"/>
+                      <a:round/>
+                      <a:headEnd type="none" w="med" len="med"/>
+                      <a:tailEnd type="none" w="med" len="med"/>
+                    </a:lnR>
+                    <a:lnT w="12700" cap="flat" cmpd="sng" algn="ctr">
+                      <a:solidFill>
+                        <a:schemeClr val="tx1"/>
+                      </a:solidFill>
+                      <a:prstDash val="solid"/>
+                      <a:round/>
+                      <a:headEnd type="none" w="med" len="med"/>
+                      <a:tailEnd type="none" w="med" len="med"/>
+                    </a:lnT>
+                    <a:lnB w="12700" cap="flat" cmpd="sng" algn="ctr">
+                      <a:solidFill>
+                        <a:schemeClr val="tx1"/>
+                      </a:solidFill>
+                      <a:prstDash val="solid"/>
+                      <a:round/>
+                      <a:headEnd type="none" w="med" len="med"/>
+                      <a:tailEnd type="none" w="med" len="med"/>
+                    </a:lnB>
+                  </a:tcPr>
+                </a:tc>
+                <a:tc>
+                  <a:txBody>
+                    <a:bodyPr/>
+                    <a:lstStyle/>
+                    <a:p>
+                      <a:pPr algn="ctr" latinLnBrk="1"/>
+                      <a:r>
+                        <a:rPr lang="en-US" altLang="ko-KR" sz="1200" dirty="0"/>
+                        <a:t>10</a:t>
+                      </a:r>
+                      <a:r>
+                        <a:rPr lang="ko-KR" altLang="en-US" sz="1200" dirty="0"/>
+                        <a:t>초</a:t>
+                      </a:r>
+                    </a:p>
+                  </a:txBody>
+                  <a:tcPr anchor="ctr">
+                    <a:lnL w="12700" cap="flat" cmpd="sng" algn="ctr">
+                      <a:solidFill>
+                        <a:schemeClr val="tx1"/>
+                      </a:solidFill>
+                      <a:prstDash val="solid"/>
+                      <a:round/>
+                      <a:headEnd type="none" w="med" len="med"/>
+                      <a:tailEnd type="none" w="med" len="med"/>
+                    </a:lnL>
+                    <a:lnR w="12700" cap="flat" cmpd="sng" algn="ctr">
+                      <a:solidFill>
+                        <a:schemeClr val="tx1"/>
+                      </a:solidFill>
+                      <a:prstDash val="solid"/>
+                      <a:round/>
+                      <a:headEnd type="none" w="med" len="med"/>
+                      <a:tailEnd type="none" w="med" len="med"/>
+                    </a:lnR>
+                    <a:lnT w="12700" cap="flat" cmpd="sng" algn="ctr">
+                      <a:solidFill>
+                        <a:schemeClr val="tx1"/>
+                      </a:solidFill>
+                      <a:prstDash val="solid"/>
+                      <a:round/>
+                      <a:headEnd type="none" w="med" len="med"/>
+                      <a:tailEnd type="none" w="med" len="med"/>
+                    </a:lnT>
+                    <a:lnB w="12700" cap="flat" cmpd="sng" algn="ctr">
+                      <a:solidFill>
+                        <a:schemeClr val="tx1"/>
+                      </a:solidFill>
+                      <a:prstDash val="solid"/>
+                      <a:round/>
+                      <a:headEnd type="none" w="med" len="med"/>
+                      <a:tailEnd type="none" w="med" len="med"/>
+                    </a:lnB>
+                  </a:tcPr>
+                </a:tc>
+                <a:tc>
+                  <a:txBody>
+                    <a:bodyPr/>
+                    <a:lstStyle/>
+                    <a:p>
+                      <a:pPr algn="ctr" latinLnBrk="1"/>
+                      <a:r>
+                        <a:rPr lang="en-US" altLang="ko-KR" sz="1200" dirty="0"/>
+                        <a:t>1</a:t>
+                      </a:r>
+                      <a:r>
+                        <a:rPr lang="ko-KR" altLang="en-US" sz="1200" dirty="0"/>
+                        <a:t>초간 이동속도가 </a:t>
+                      </a:r>
+                      <a:r>
+                        <a:rPr lang="en-US" altLang="ko-KR" sz="1200" dirty="0"/>
+                        <a:t>0.5 </a:t>
+                      </a:r>
+                      <a:r>
+                        <a:rPr lang="ko-KR" altLang="en-US" sz="1200" dirty="0"/>
+                        <a:t>증가한다</a:t>
+                      </a:r>
+                      <a:r>
+                        <a:rPr lang="en-US" altLang="ko-KR" sz="1200" dirty="0"/>
+                        <a:t>.</a:t>
+                      </a:r>
+                      <a:endParaRPr lang="ko-KR" altLang="en-US" sz="1200" dirty="0"/>
+                    </a:p>
+                  </a:txBody>
+                  <a:tcPr anchor="ctr">
+                    <a:lnL w="12700" cap="flat" cmpd="sng" algn="ctr">
+                      <a:solidFill>
+                        <a:schemeClr val="tx1"/>
+                      </a:solidFill>
+                      <a:prstDash val="solid"/>
+                      <a:round/>
+                      <a:headEnd type="none" w="med" len="med"/>
+                      <a:tailEnd type="none" w="med" len="med"/>
+                    </a:lnL>
+                    <a:lnR w="12700" cap="flat" cmpd="sng" algn="ctr">
+                      <a:solidFill>
+                        <a:schemeClr val="tx1"/>
+                      </a:solidFill>
+                      <a:prstDash val="solid"/>
+                      <a:round/>
+                      <a:headEnd type="none" w="med" len="med"/>
+                      <a:tailEnd type="none" w="med" len="med"/>
+                    </a:lnR>
+                    <a:lnT w="12700" cap="flat" cmpd="sng" algn="ctr">
+                      <a:solidFill>
+                        <a:schemeClr val="tx1"/>
+                      </a:solidFill>
+                      <a:prstDash val="solid"/>
+                      <a:round/>
+                      <a:headEnd type="none" w="med" len="med"/>
+                      <a:tailEnd type="none" w="med" len="med"/>
+                    </a:lnT>
+                    <a:lnB w="12700" cap="flat" cmpd="sng" algn="ctr">
+                      <a:solidFill>
+                        <a:schemeClr val="tx1"/>
+                      </a:solidFill>
+                      <a:prstDash val="solid"/>
+                      <a:round/>
+                      <a:headEnd type="none" w="med" len="med"/>
+                      <a:tailEnd type="none" w="med" len="med"/>
+                    </a:lnB>
+                  </a:tcPr>
+                </a:tc>
+                <a:extLst>
+                  <a:ext uri="{0D108BD9-81ED-4DB2-BD59-A6C34878D82A}">
+                    <a16:rowId xmlns:a16="http://schemas.microsoft.com/office/drawing/2014/main" val="3806283605"/>
+                  </a:ext>
+                </a:extLst>
+              </a:tr>
+              <a:tr h="422071">
+                <a:tc>
+                  <a:txBody>
+                    <a:bodyPr/>
+                    <a:lstStyle/>
+                    <a:p>
+                      <a:pPr algn="ctr" latinLnBrk="1"/>
+                      <a:endParaRPr lang="ko-KR" altLang="en-US" sz="1200" dirty="0"/>
+                    </a:p>
+                  </a:txBody>
+                  <a:tcPr anchor="ctr">
+                    <a:lnL w="12700" cap="flat" cmpd="sng" algn="ctr">
+                      <a:solidFill>
+                        <a:schemeClr val="tx1"/>
+                      </a:solidFill>
+                      <a:prstDash val="solid"/>
+                      <a:round/>
+                      <a:headEnd type="none" w="med" len="med"/>
+                      <a:tailEnd type="none" w="med" len="med"/>
+                    </a:lnL>
+                    <a:lnR w="12700" cap="flat" cmpd="sng" algn="ctr">
+                      <a:solidFill>
+                        <a:schemeClr val="tx1"/>
+                      </a:solidFill>
+                      <a:prstDash val="solid"/>
+                      <a:round/>
+                      <a:headEnd type="none" w="med" len="med"/>
+                      <a:tailEnd type="none" w="med" len="med"/>
+                    </a:lnR>
+                    <a:lnT w="12700" cap="flat" cmpd="sng" algn="ctr">
+                      <a:solidFill>
+                        <a:schemeClr val="tx1"/>
+                      </a:solidFill>
+                      <a:prstDash val="solid"/>
+                      <a:round/>
+                      <a:headEnd type="none" w="med" len="med"/>
+                      <a:tailEnd type="none" w="med" len="med"/>
+                    </a:lnT>
+                    <a:lnB w="12700" cap="flat" cmpd="sng" algn="ctr">
+                      <a:solidFill>
+                        <a:schemeClr val="tx1"/>
+                      </a:solidFill>
+                      <a:prstDash val="solid"/>
+                      <a:round/>
+                      <a:headEnd type="none" w="med" len="med"/>
+                      <a:tailEnd type="none" w="med" len="med"/>
+                    </a:lnB>
+                  </a:tcPr>
+                </a:tc>
+                <a:tc>
+                  <a:txBody>
+                    <a:bodyPr/>
+                    <a:lstStyle/>
+                    <a:p>
+                      <a:pPr algn="ctr" latinLnBrk="1"/>
+                      <a:endParaRPr lang="ko-KR" altLang="en-US" sz="1200" dirty="0"/>
+                    </a:p>
+                  </a:txBody>
+                  <a:tcPr anchor="ctr">
+                    <a:lnL w="12700" cap="flat" cmpd="sng" algn="ctr">
+                      <a:solidFill>
+                        <a:schemeClr val="tx1"/>
+                      </a:solidFill>
+                      <a:prstDash val="solid"/>
+                      <a:round/>
+                      <a:headEnd type="none" w="med" len="med"/>
+                      <a:tailEnd type="none" w="med" len="med"/>
+                    </a:lnL>
+                    <a:lnR w="12700" cap="flat" cmpd="sng" algn="ctr">
+                      <a:solidFill>
+                        <a:schemeClr val="tx1"/>
+                      </a:solidFill>
+                      <a:prstDash val="solid"/>
+                      <a:round/>
+                      <a:headEnd type="none" w="med" len="med"/>
+                      <a:tailEnd type="none" w="med" len="med"/>
+                    </a:lnR>
+                    <a:lnT w="12700" cap="flat" cmpd="sng" algn="ctr">
+                      <a:solidFill>
+                        <a:schemeClr val="tx1"/>
+                      </a:solidFill>
+                      <a:prstDash val="solid"/>
+                      <a:round/>
+                      <a:headEnd type="none" w="med" len="med"/>
+                      <a:tailEnd type="none" w="med" len="med"/>
+                    </a:lnT>
+                    <a:lnB w="12700" cap="flat" cmpd="sng" algn="ctr">
+                      <a:solidFill>
+                        <a:schemeClr val="tx1"/>
+                      </a:solidFill>
+                      <a:prstDash val="solid"/>
+                      <a:round/>
+                      <a:headEnd type="none" w="med" len="med"/>
+                      <a:tailEnd type="none" w="med" len="med"/>
+                    </a:lnB>
+                  </a:tcPr>
+                </a:tc>
+                <a:tc>
+                  <a:txBody>
+                    <a:bodyPr/>
+                    <a:lstStyle/>
+                    <a:p>
+                      <a:pPr algn="ctr" latinLnBrk="1"/>
+                      <a:endParaRPr lang="ko-KR" altLang="en-US" sz="1200" dirty="0"/>
+                    </a:p>
+                  </a:txBody>
+                  <a:tcPr anchor="ctr">
+                    <a:lnL w="12700" cap="flat" cmpd="sng" algn="ctr">
+                      <a:solidFill>
+                        <a:schemeClr val="tx1"/>
+                      </a:solidFill>
+                      <a:prstDash val="solid"/>
+                      <a:round/>
+                      <a:headEnd type="none" w="med" len="med"/>
+                      <a:tailEnd type="none" w="med" len="med"/>
+                    </a:lnL>
+                    <a:lnR w="12700" cap="flat" cmpd="sng" algn="ctr">
+                      <a:solidFill>
+                        <a:schemeClr val="tx1"/>
+                      </a:solidFill>
+                      <a:prstDash val="solid"/>
+                      <a:round/>
+                      <a:headEnd type="none" w="med" len="med"/>
+                      <a:tailEnd type="none" w="med" len="med"/>
+                    </a:lnR>
+                    <a:lnT w="12700" cap="flat" cmpd="sng" algn="ctr">
+                      <a:solidFill>
+                        <a:schemeClr val="tx1"/>
+                      </a:solidFill>
+                      <a:prstDash val="solid"/>
+                      <a:round/>
+                      <a:headEnd type="none" w="med" len="med"/>
+                      <a:tailEnd type="none" w="med" len="med"/>
+                    </a:lnT>
+                    <a:lnB w="12700" cap="flat" cmpd="sng" algn="ctr">
+                      <a:solidFill>
+                        <a:schemeClr val="tx1"/>
+                      </a:solidFill>
+                      <a:prstDash val="solid"/>
+                      <a:round/>
+                      <a:headEnd type="none" w="med" len="med"/>
+                      <a:tailEnd type="none" w="med" len="med"/>
+                    </a:lnB>
+                  </a:tcPr>
+                </a:tc>
+                <a:extLst>
+                  <a:ext uri="{0D108BD9-81ED-4DB2-BD59-A6C34878D82A}">
+                    <a16:rowId xmlns:a16="http://schemas.microsoft.com/office/drawing/2014/main" val="377653799"/>
+                  </a:ext>
+                </a:extLst>
+              </a:tr>
+            </a:tbl>
+          </a:graphicData>
+        </a:graphic>
+      </p:graphicFrame>
+      <p:sp>
+        <p:nvSpPr>
+          <p:cNvPr id="11" name="내용 개체 틀 2">
+            <a:extLst>
+              <a:ext uri="{FF2B5EF4-FFF2-40B4-BE49-F238E27FC236}">
+                <a16:creationId xmlns:a16="http://schemas.microsoft.com/office/drawing/2014/main" id="{8F71B3B7-083C-1D06-E635-FFF32162D3A7}"/>
+              </a:ext>
+            </a:extLst>
+          </p:cNvPr>
+          <p:cNvSpPr txBox="1">
+            <a:spLocks/>
+          </p:cNvSpPr>
+          <p:nvPr/>
+        </p:nvSpPr>
+        <p:spPr>
+          <a:xfrm>
+            <a:off x="6625866" y="6034702"/>
+            <a:ext cx="5257800" cy="563203"/>
+          </a:xfrm>
+          <a:prstGeom prst="rect">
+            <a:avLst/>
+          </a:prstGeom>
+        </p:spPr>
+        <p:txBody>
+          <a:bodyPr vert="horz" lIns="91440" tIns="45720" rIns="91440" bIns="45720" rtlCol="0">
+            <a:normAutofit/>
+          </a:bodyPr>
+          <a:lstStyle>
+            <a:lvl1pPr marL="228600" indent="-228600" algn="l" defTabSz="914400" rtl="0" eaLnBrk="1" latinLnBrk="1" hangingPunct="1">
+              <a:lnSpc>
+                <a:spcPct val="90000"/>
+              </a:lnSpc>
+              <a:spcBef>
+                <a:spcPts val="1000"/>
+              </a:spcBef>
+              <a:buFont typeface="Arial" panose="020B0604020202020204" pitchFamily="34" charset="0"/>
+              <a:buChar char="•"/>
+              <a:defRPr sz="2800" kern="1200">
+                <a:solidFill>
+                  <a:schemeClr val="tx1"/>
+                </a:solidFill>
+                <a:latin typeface="+mn-lt"/>
+                <a:ea typeface="+mn-ea"/>
+                <a:cs typeface="+mn-cs"/>
+              </a:defRPr>
+            </a:lvl1pPr>
+            <a:lvl2pPr marL="685800" indent="-228600" algn="l" defTabSz="914400" rtl="0" eaLnBrk="1" latinLnBrk="1" hangingPunct="1">
+              <a:lnSpc>
+                <a:spcPct val="90000"/>
+              </a:lnSpc>
+              <a:spcBef>
+                <a:spcPts val="500"/>
+              </a:spcBef>
+              <a:buFont typeface="Arial" panose="020B0604020202020204" pitchFamily="34" charset="0"/>
+              <a:buChar char="•"/>
+              <a:defRPr sz="2400" kern="1200">
+                <a:solidFill>
+                  <a:schemeClr val="tx1"/>
+                </a:solidFill>
+                <a:latin typeface="+mn-lt"/>
+                <a:ea typeface="+mn-ea"/>
+                <a:cs typeface="+mn-cs"/>
+              </a:defRPr>
+            </a:lvl2pPr>
+            <a:lvl3pPr marL="1143000" indent="-228600" algn="l" defTabSz="914400" rtl="0" eaLnBrk="1" latinLnBrk="1" hangingPunct="1">
+              <a:lnSpc>
+                <a:spcPct val="90000"/>
+              </a:lnSpc>
+              <a:spcBef>
+                <a:spcPts val="500"/>
+              </a:spcBef>
+              <a:buFont typeface="Arial" panose="020B0604020202020204" pitchFamily="34" charset="0"/>
+              <a:buChar char="•"/>
+              <a:defRPr sz="2000" kern="1200">
+                <a:solidFill>
+                  <a:schemeClr val="tx1"/>
+                </a:solidFill>
+                <a:latin typeface="+mn-lt"/>
+                <a:ea typeface="+mn-ea"/>
+                <a:cs typeface="+mn-cs"/>
+              </a:defRPr>
+            </a:lvl3pPr>
+            <a:lvl4pPr marL="1600200" indent="-228600" algn="l" defTabSz="914400" rtl="0" eaLnBrk="1" latinLnBrk="1" hangingPunct="1">
+              <a:lnSpc>
+                <a:spcPct val="90000"/>
+              </a:lnSpc>
+              <a:spcBef>
+                <a:spcPts val="500"/>
+              </a:spcBef>
+              <a:buFont typeface="Arial" panose="020B0604020202020204" pitchFamily="34" charset="0"/>
+              <a:buChar char="•"/>
+              <a:defRPr sz="1800" kern="1200">
+                <a:solidFill>
+                  <a:schemeClr val="tx1"/>
+                </a:solidFill>
+                <a:latin typeface="+mn-lt"/>
+                <a:ea typeface="+mn-ea"/>
+                <a:cs typeface="+mn-cs"/>
+              </a:defRPr>
+            </a:lvl4pPr>
+            <a:lvl5pPr marL="2057400" indent="-228600" algn="l" defTabSz="914400" rtl="0" eaLnBrk="1" latinLnBrk="1" hangingPunct="1">
+              <a:lnSpc>
+                <a:spcPct val="90000"/>
+              </a:lnSpc>
+              <a:spcBef>
+                <a:spcPts val="500"/>
+              </a:spcBef>
+              <a:buFont typeface="Arial" panose="020B0604020202020204" pitchFamily="34" charset="0"/>
+              <a:buChar char="•"/>
+              <a:defRPr sz="1800" kern="1200">
+                <a:solidFill>
+                  <a:schemeClr val="tx1"/>
+                </a:solidFill>
+                <a:latin typeface="+mn-lt"/>
+                <a:ea typeface="+mn-ea"/>
+                <a:cs typeface="+mn-cs"/>
+              </a:defRPr>
+            </a:lvl5pPr>
+            <a:lvl6pPr marL="2514600" indent="-228600" algn="l" defTabSz="914400" rtl="0" eaLnBrk="1" latinLnBrk="1" hangingPunct="1">
+              <a:lnSpc>
+                <a:spcPct val="90000"/>
+              </a:lnSpc>
+              <a:spcBef>
+                <a:spcPts val="500"/>
+              </a:spcBef>
+              <a:buFont typeface="Arial" panose="020B0604020202020204" pitchFamily="34" charset="0"/>
+              <a:buChar char="•"/>
+              <a:defRPr sz="1800" kern="1200">
+                <a:solidFill>
+                  <a:schemeClr val="tx1"/>
+                </a:solidFill>
+                <a:latin typeface="+mn-lt"/>
+                <a:ea typeface="+mn-ea"/>
+                <a:cs typeface="+mn-cs"/>
+              </a:defRPr>
+            </a:lvl6pPr>
+            <a:lvl7pPr marL="2971800" indent="-228600" algn="l" defTabSz="914400" rtl="0" eaLnBrk="1" latinLnBrk="1" hangingPunct="1">
+              <a:lnSpc>
+                <a:spcPct val="90000"/>
+              </a:lnSpc>
+              <a:spcBef>
+                <a:spcPts val="500"/>
+              </a:spcBef>
+              <a:buFont typeface="Arial" panose="020B0604020202020204" pitchFamily="34" charset="0"/>
+              <a:buChar char="•"/>
+              <a:defRPr sz="1800" kern="1200">
+                <a:solidFill>
+                  <a:schemeClr val="tx1"/>
+                </a:solidFill>
+                <a:latin typeface="+mn-lt"/>
+                <a:ea typeface="+mn-ea"/>
+                <a:cs typeface="+mn-cs"/>
+              </a:defRPr>
+            </a:lvl7pPr>
+            <a:lvl8pPr marL="3429000" indent="-228600" algn="l" defTabSz="914400" rtl="0" eaLnBrk="1" latinLnBrk="1" hangingPunct="1">
+              <a:lnSpc>
+                <a:spcPct val="90000"/>
+              </a:lnSpc>
+              <a:spcBef>
+                <a:spcPts val="500"/>
+              </a:spcBef>
+              <a:buFont typeface="Arial" panose="020B0604020202020204" pitchFamily="34" charset="0"/>
+              <a:buChar char="•"/>
+              <a:defRPr sz="1800" kern="1200">
+                <a:solidFill>
+                  <a:schemeClr val="tx1"/>
+                </a:solidFill>
+                <a:latin typeface="+mn-lt"/>
+                <a:ea typeface="+mn-ea"/>
+                <a:cs typeface="+mn-cs"/>
+              </a:defRPr>
+            </a:lvl8pPr>
+            <a:lvl9pPr marL="3886200" indent="-228600" algn="l" defTabSz="914400" rtl="0" eaLnBrk="1" latinLnBrk="1" hangingPunct="1">
+              <a:lnSpc>
+                <a:spcPct val="90000"/>
+              </a:lnSpc>
+              <a:spcBef>
+                <a:spcPts val="500"/>
+              </a:spcBef>
+              <a:buFont typeface="Arial" panose="020B0604020202020204" pitchFamily="34" charset="0"/>
+              <a:buChar char="•"/>
+              <a:defRPr sz="1800" kern="1200">
+                <a:solidFill>
+                  <a:schemeClr val="tx1"/>
+                </a:solidFill>
+                <a:latin typeface="+mn-lt"/>
+                <a:ea typeface="+mn-ea"/>
+                <a:cs typeface="+mn-cs"/>
+              </a:defRPr>
+            </a:lvl9pPr>
+          </a:lstStyle>
+          <a:p>
+            <a:pPr marL="0" indent="0" algn="ctr">
+              <a:buNone/>
+            </a:pPr>
+            <a:r>
+              <a:rPr lang="ko-KR" altLang="en-US" dirty="0"/>
+              <a:t>예시 캐릭터 사진</a:t>
+            </a:r>
+            <a:endParaRPr lang="en-US" altLang="ko-KR" sz="1400" dirty="0"/>
+          </a:p>
+        </p:txBody>
+      </p:sp>
+      <p:graphicFrame>
+        <p:nvGraphicFramePr>
+          <p:cNvPr id="7" name="표 6">
+            <a:extLst>
+              <a:ext uri="{FF2B5EF4-FFF2-40B4-BE49-F238E27FC236}">
+                <a16:creationId xmlns:a16="http://schemas.microsoft.com/office/drawing/2014/main" id="{191A037D-BD59-A58F-18D8-CEE9ADE721BF}"/>
+              </a:ext>
+            </a:extLst>
+          </p:cNvPr>
+          <p:cNvGraphicFramePr>
+            <a:graphicFrameLocks noGrp="1"/>
+          </p:cNvGraphicFramePr>
+          <p:nvPr/>
+        </p:nvGraphicFramePr>
+        <p:xfrm>
+          <a:off x="838200" y="2465768"/>
+          <a:ext cx="5373031" cy="2779588"/>
+        </p:xfrm>
+        <a:graphic>
+          <a:graphicData uri="http://schemas.openxmlformats.org/drawingml/2006/table">
+            <a:tbl>
+              <a:tblPr firstRow="1" bandRow="1">
+                <a:tableStyleId>{21E4AEA4-8DFA-4A89-87EB-49C32662AFE0}</a:tableStyleId>
+              </a:tblPr>
+              <a:tblGrid>
+                <a:gridCol w="1429282">
+                  <a:extLst>
+                    <a:ext uri="{9D8B030D-6E8A-4147-A177-3AD203B41FA5}">
+                      <a16:colId xmlns:a16="http://schemas.microsoft.com/office/drawing/2014/main" val="649444370"/>
+                    </a:ext>
+                  </a:extLst>
+                </a:gridCol>
+                <a:gridCol w="1167767">
+                  <a:extLst>
+                    <a:ext uri="{9D8B030D-6E8A-4147-A177-3AD203B41FA5}">
+                      <a16:colId xmlns:a16="http://schemas.microsoft.com/office/drawing/2014/main" val="894170241"/>
+                    </a:ext>
+                  </a:extLst>
+                </a:gridCol>
+                <a:gridCol w="2775982">
+                  <a:extLst>
+                    <a:ext uri="{9D8B030D-6E8A-4147-A177-3AD203B41FA5}">
+                      <a16:colId xmlns:a16="http://schemas.microsoft.com/office/drawing/2014/main" val="788308112"/>
+                    </a:ext>
+                  </a:extLst>
+                </a:gridCol>
+              </a:tblGrid>
+              <a:tr h="397084">
+                <a:tc>
+                  <a:txBody>
+                    <a:bodyPr/>
+                    <a:lstStyle/>
+                    <a:p>
+                      <a:pPr algn="ctr" latinLnBrk="1"/>
+                      <a:r>
+                        <a:rPr lang="ko-KR" altLang="en-US" sz="1800" dirty="0" err="1"/>
+                        <a:t>스텟</a:t>
+                      </a:r>
+                      <a:endParaRPr lang="ko-KR" altLang="en-US" sz="1800" dirty="0"/>
+                    </a:p>
+                  </a:txBody>
+                  <a:tcPr anchor="ctr">
+                    <a:lnL w="12700" cap="flat" cmpd="sng" algn="ctr">
+                      <a:solidFill>
+                        <a:schemeClr val="tx1"/>
+                      </a:solidFill>
+                      <a:prstDash val="solid"/>
+                      <a:round/>
+                      <a:headEnd type="none" w="med" len="med"/>
+                      <a:tailEnd type="none" w="med" len="med"/>
+                    </a:lnL>
+                    <a:lnR w="12700" cap="flat" cmpd="sng" algn="ctr">
+                      <a:solidFill>
+                        <a:schemeClr val="tx1"/>
+                      </a:solidFill>
+                      <a:prstDash val="solid"/>
+                      <a:round/>
+                      <a:headEnd type="none" w="med" len="med"/>
+                      <a:tailEnd type="none" w="med" len="med"/>
+                    </a:lnR>
+                    <a:lnT w="12700" cap="flat" cmpd="sng" algn="ctr">
+                      <a:solidFill>
+                        <a:schemeClr val="tx1"/>
+                      </a:solidFill>
+                      <a:prstDash val="solid"/>
+                      <a:round/>
+                      <a:headEnd type="none" w="med" len="med"/>
+                      <a:tailEnd type="none" w="med" len="med"/>
+                    </a:lnT>
+                    <a:lnB w="12700" cap="flat" cmpd="sng" algn="ctr">
+                      <a:solidFill>
+                        <a:schemeClr val="tx1"/>
+                      </a:solidFill>
+                      <a:prstDash val="solid"/>
+                      <a:round/>
+                      <a:headEnd type="none" w="med" len="med"/>
+                      <a:tailEnd type="none" w="med" len="med"/>
+                    </a:lnB>
+                    <a:lnTlToBr w="12700" cmpd="sng">
+                      <a:noFill/>
+                      <a:prstDash val="solid"/>
+                    </a:lnTlToBr>
+                    <a:lnBlToTr w="12700" cmpd="sng">
+                      <a:noFill/>
+                      <a:prstDash val="solid"/>
+                    </a:lnBlToTr>
+                  </a:tcPr>
+                </a:tc>
+                <a:tc>
+                  <a:txBody>
+                    <a:bodyPr/>
+                    <a:lstStyle/>
+                    <a:p>
+                      <a:pPr algn="ctr" latinLnBrk="1"/>
+                      <a:r>
+                        <a:rPr lang="ko-KR" altLang="en-US" sz="1800" dirty="0"/>
+                        <a:t>수치</a:t>
+                      </a:r>
+                    </a:p>
+                  </a:txBody>
+                  <a:tcPr anchor="ctr">
+                    <a:lnL w="12700" cap="flat" cmpd="sng" algn="ctr">
+                      <a:solidFill>
+                        <a:schemeClr val="tx1"/>
+                      </a:solidFill>
+                      <a:prstDash val="solid"/>
+                      <a:round/>
+                      <a:headEnd type="none" w="med" len="med"/>
+                      <a:tailEnd type="none" w="med" len="med"/>
+                    </a:lnL>
+                    <a:lnR w="12700" cap="flat" cmpd="sng" algn="ctr">
+                      <a:solidFill>
+                        <a:schemeClr val="tx1"/>
+                      </a:solidFill>
+                      <a:prstDash val="solid"/>
+                      <a:round/>
+                      <a:headEnd type="none" w="med" len="med"/>
+                      <a:tailEnd type="none" w="med" len="med"/>
+                    </a:lnR>
+                    <a:lnT w="12700" cap="flat" cmpd="sng" algn="ctr">
+                      <a:solidFill>
+                        <a:schemeClr val="tx1"/>
+                      </a:solidFill>
+                      <a:prstDash val="solid"/>
+                      <a:round/>
+                      <a:headEnd type="none" w="med" len="med"/>
+                      <a:tailEnd type="none" w="med" len="med"/>
+                    </a:lnT>
+                    <a:lnB w="12700" cap="flat" cmpd="sng" algn="ctr">
+                      <a:solidFill>
+                        <a:schemeClr val="tx1"/>
+                      </a:solidFill>
+                      <a:prstDash val="solid"/>
+                      <a:round/>
+                      <a:headEnd type="none" w="med" len="med"/>
+                      <a:tailEnd type="none" w="med" len="med"/>
+                    </a:lnB>
+                    <a:lnTlToBr w="12700" cmpd="sng">
+                      <a:noFill/>
+                      <a:prstDash val="solid"/>
+                    </a:lnTlToBr>
+                    <a:lnBlToTr w="12700" cmpd="sng">
+                      <a:noFill/>
+                      <a:prstDash val="solid"/>
+                    </a:lnBlToTr>
+                  </a:tcPr>
+                </a:tc>
+                <a:tc>
+                  <a:txBody>
+                    <a:bodyPr/>
+                    <a:lstStyle/>
+                    <a:p>
+                      <a:pPr algn="ctr" latinLnBrk="1"/>
+                      <a:r>
+                        <a:rPr lang="ko-KR" altLang="en-US" sz="1800" dirty="0"/>
+                        <a:t>주석</a:t>
+                      </a:r>
+                    </a:p>
+                  </a:txBody>
+                  <a:tcPr anchor="ctr">
+                    <a:lnL w="12700" cap="flat" cmpd="sng" algn="ctr">
+                      <a:solidFill>
+                        <a:schemeClr val="tx1"/>
+                      </a:solidFill>
+                      <a:prstDash val="solid"/>
+                      <a:round/>
+                      <a:headEnd type="none" w="med" len="med"/>
+                      <a:tailEnd type="none" w="med" len="med"/>
+                    </a:lnL>
+                    <a:lnR w="12700" cap="flat" cmpd="sng" algn="ctr">
+                      <a:solidFill>
+                        <a:schemeClr val="tx1"/>
+                      </a:solidFill>
+                      <a:prstDash val="solid"/>
+                      <a:round/>
+                      <a:headEnd type="none" w="med" len="med"/>
+                      <a:tailEnd type="none" w="med" len="med"/>
+                    </a:lnR>
+                    <a:lnT w="12700" cap="flat" cmpd="sng" algn="ctr">
+                      <a:solidFill>
+                        <a:schemeClr val="tx1"/>
+                      </a:solidFill>
+                      <a:prstDash val="solid"/>
+                      <a:round/>
+                      <a:headEnd type="none" w="med" len="med"/>
+                      <a:tailEnd type="none" w="med" len="med"/>
+                    </a:lnT>
+                    <a:lnB w="12700" cap="flat" cmpd="sng" algn="ctr">
+                      <a:solidFill>
+                        <a:schemeClr val="tx1"/>
+                      </a:solidFill>
+                      <a:prstDash val="solid"/>
+                      <a:round/>
+                      <a:headEnd type="none" w="med" len="med"/>
+                      <a:tailEnd type="none" w="med" len="med"/>
+                    </a:lnB>
+                    <a:lnTlToBr w="12700" cmpd="sng">
+                      <a:noFill/>
+                      <a:prstDash val="solid"/>
+                    </a:lnTlToBr>
+                    <a:lnBlToTr w="12700" cmpd="sng">
+                      <a:noFill/>
+                      <a:prstDash val="solid"/>
+                    </a:lnBlToTr>
+                  </a:tcPr>
+                </a:tc>
+                <a:extLst>
+                  <a:ext uri="{0D108BD9-81ED-4DB2-BD59-A6C34878D82A}">
+                    <a16:rowId xmlns:a16="http://schemas.microsoft.com/office/drawing/2014/main" val="3952501529"/>
+                  </a:ext>
+                </a:extLst>
+              </a:tr>
+              <a:tr h="397084">
+                <a:tc>
+                  <a:txBody>
+                    <a:bodyPr/>
+                    <a:lstStyle/>
+                    <a:p>
+                      <a:pPr marL="0" indent="0" algn="ctr" latinLnBrk="1">
+                        <a:buFont typeface="+mj-lt"/>
+                        <a:buNone/>
+                      </a:pPr>
+                      <a:r>
+                        <a:rPr lang="en-US" altLang="ko-KR" sz="1200" dirty="0"/>
+                        <a:t>HP</a:t>
+                      </a:r>
+                      <a:endParaRPr lang="ko-KR" altLang="en-US" sz="1200" dirty="0"/>
+                    </a:p>
+                  </a:txBody>
+                  <a:tcPr anchor="ctr">
+                    <a:lnL w="12700" cap="flat" cmpd="sng" algn="ctr">
+                      <a:solidFill>
+                        <a:schemeClr val="tx1"/>
+                      </a:solidFill>
+                      <a:prstDash val="solid"/>
+                      <a:round/>
+                      <a:headEnd type="none" w="med" len="med"/>
+                      <a:tailEnd type="none" w="med" len="med"/>
+                    </a:lnL>
+                    <a:lnR w="12700" cap="flat" cmpd="sng" algn="ctr">
+                      <a:solidFill>
+                        <a:schemeClr val="tx1"/>
+                      </a:solidFill>
+                      <a:prstDash val="solid"/>
+                      <a:round/>
+                      <a:headEnd type="none" w="med" len="med"/>
+                      <a:tailEnd type="none" w="med" len="med"/>
+                    </a:lnR>
+                    <a:lnT w="12700" cap="flat" cmpd="sng" algn="ctr">
+                      <a:solidFill>
+                        <a:schemeClr val="tx1"/>
+                      </a:solidFill>
+                      <a:prstDash val="solid"/>
+                      <a:round/>
+                      <a:headEnd type="none" w="med" len="med"/>
+                      <a:tailEnd type="none" w="med" len="med"/>
+                    </a:lnT>
+                    <a:lnB w="12700" cap="flat" cmpd="sng" algn="ctr">
+                      <a:solidFill>
+                        <a:schemeClr val="tx1"/>
+                      </a:solidFill>
+                      <a:prstDash val="solid"/>
+                      <a:round/>
+                      <a:headEnd type="none" w="med" len="med"/>
+                      <a:tailEnd type="none" w="med" len="med"/>
+                    </a:lnB>
+                    <a:lnTlToBr w="12700" cmpd="sng">
+                      <a:noFill/>
+                      <a:prstDash val="solid"/>
+                    </a:lnTlToBr>
+                    <a:lnBlToTr w="12700" cmpd="sng">
+                      <a:noFill/>
+                      <a:prstDash val="solid"/>
+                    </a:lnBlToTr>
+                  </a:tcPr>
+                </a:tc>
+                <a:tc>
+                  <a:txBody>
+                    <a:bodyPr/>
+                    <a:lstStyle/>
+                    <a:p>
+                      <a:pPr marL="0" indent="0" algn="ctr" latinLnBrk="1">
+                        <a:buFont typeface="+mj-lt"/>
+                        <a:buNone/>
+                      </a:pPr>
+                      <a:r>
+                        <a:rPr lang="en-US" altLang="ko-KR" sz="1200" dirty="0"/>
+                        <a:t>3</a:t>
+                      </a:r>
+                      <a:r>
+                        <a:rPr lang="ko-KR" altLang="en-US" sz="1200" dirty="0"/>
+                        <a:t>칸</a:t>
+                      </a:r>
+                    </a:p>
+                  </a:txBody>
+                  <a:tcPr anchor="ctr">
+                    <a:lnL w="12700" cap="flat" cmpd="sng" algn="ctr">
+                      <a:solidFill>
+                        <a:schemeClr val="tx1"/>
+                      </a:solidFill>
+                      <a:prstDash val="solid"/>
+                      <a:round/>
+                      <a:headEnd type="none" w="med" len="med"/>
+                      <a:tailEnd type="none" w="med" len="med"/>
+                    </a:lnL>
+                    <a:lnR w="12700" cap="flat" cmpd="sng" algn="ctr">
+                      <a:solidFill>
+                        <a:schemeClr val="tx1"/>
+                      </a:solidFill>
+                      <a:prstDash val="solid"/>
+                      <a:round/>
+                      <a:headEnd type="none" w="med" len="med"/>
+                      <a:tailEnd type="none" w="med" len="med"/>
+                    </a:lnR>
+                    <a:lnT w="12700" cap="flat" cmpd="sng" algn="ctr">
+                      <a:solidFill>
+                        <a:schemeClr val="tx1"/>
+                      </a:solidFill>
+                      <a:prstDash val="solid"/>
+                      <a:round/>
+                      <a:headEnd type="none" w="med" len="med"/>
+                      <a:tailEnd type="none" w="med" len="med"/>
+                    </a:lnT>
+                    <a:lnB w="12700" cap="flat" cmpd="sng" algn="ctr">
+                      <a:solidFill>
+                        <a:schemeClr val="tx1"/>
+                      </a:solidFill>
+                      <a:prstDash val="solid"/>
+                      <a:round/>
+                      <a:headEnd type="none" w="med" len="med"/>
+                      <a:tailEnd type="none" w="med" len="med"/>
+                    </a:lnB>
+                    <a:lnTlToBr w="12700" cmpd="sng">
+                      <a:noFill/>
+                      <a:prstDash val="solid"/>
+                    </a:lnTlToBr>
+                    <a:lnBlToTr w="12700" cmpd="sng">
+                      <a:noFill/>
+                      <a:prstDash val="solid"/>
+                    </a:lnBlToTr>
+                  </a:tcPr>
+                </a:tc>
+                <a:tc>
+                  <a:txBody>
+                    <a:bodyPr/>
+                    <a:lstStyle/>
+                    <a:p>
+                      <a:pPr marL="0" indent="0" algn="ctr" latinLnBrk="1">
+                        <a:buFont typeface="+mj-lt"/>
+                        <a:buNone/>
+                      </a:pPr>
+                      <a:r>
+                        <a:rPr lang="ko-KR" altLang="en-US" sz="1200" dirty="0"/>
+                        <a:t>총</a:t>
+                      </a:r>
+                      <a:r>
+                        <a:rPr lang="en-US" altLang="ko-KR" sz="1200" dirty="0"/>
+                        <a:t>, </a:t>
+                      </a:r>
+                      <a:r>
+                        <a:rPr lang="ko-KR" altLang="en-US" sz="1200" dirty="0"/>
+                        <a:t>몬스터에게 피격 시 </a:t>
+                      </a:r>
+                      <a:r>
+                        <a:rPr lang="en-US" altLang="ko-KR" sz="1200" dirty="0"/>
+                        <a:t>1</a:t>
+                      </a:r>
+                      <a:r>
+                        <a:rPr lang="ko-KR" altLang="en-US" sz="1200" dirty="0" err="1"/>
+                        <a:t>칸씩</a:t>
+                      </a:r>
+                      <a:r>
+                        <a:rPr lang="ko-KR" altLang="en-US" sz="1200" dirty="0"/>
+                        <a:t> 닳음</a:t>
+                      </a:r>
+                      <a:r>
+                        <a:rPr lang="en-US" altLang="ko-KR" sz="1200" dirty="0"/>
+                        <a:t>.</a:t>
+                      </a:r>
+                      <a:endParaRPr lang="ko-KR" altLang="en-US" sz="1200" dirty="0"/>
+                    </a:p>
+                  </a:txBody>
+                  <a:tcPr anchor="ctr">
+                    <a:lnL w="12700" cap="flat" cmpd="sng" algn="ctr">
+                      <a:solidFill>
+                        <a:schemeClr val="tx1"/>
+                      </a:solidFill>
+                      <a:prstDash val="solid"/>
+                      <a:round/>
+                      <a:headEnd type="none" w="med" len="med"/>
+                      <a:tailEnd type="none" w="med" len="med"/>
+                    </a:lnL>
+                    <a:lnR w="12700" cap="flat" cmpd="sng" algn="ctr">
+                      <a:solidFill>
+                        <a:schemeClr val="tx1"/>
+                      </a:solidFill>
+                      <a:prstDash val="solid"/>
+                      <a:round/>
+                      <a:headEnd type="none" w="med" len="med"/>
+                      <a:tailEnd type="none" w="med" len="med"/>
+                    </a:lnR>
+                    <a:lnT w="12700" cap="flat" cmpd="sng" algn="ctr">
+                      <a:solidFill>
+                        <a:schemeClr val="tx1"/>
+                      </a:solidFill>
+                      <a:prstDash val="solid"/>
+                      <a:round/>
+                      <a:headEnd type="none" w="med" len="med"/>
+                      <a:tailEnd type="none" w="med" len="med"/>
+                    </a:lnT>
+                    <a:lnB w="12700" cap="flat" cmpd="sng" algn="ctr">
+                      <a:solidFill>
+                        <a:schemeClr val="tx1"/>
+                      </a:solidFill>
+                      <a:prstDash val="solid"/>
+                      <a:round/>
+                      <a:headEnd type="none" w="med" len="med"/>
+                      <a:tailEnd type="none" w="med" len="med"/>
+                    </a:lnB>
+                    <a:lnTlToBr w="12700" cmpd="sng">
+                      <a:noFill/>
+                      <a:prstDash val="solid"/>
+                    </a:lnTlToBr>
+                    <a:lnBlToTr w="12700" cmpd="sng">
+                      <a:noFill/>
+                      <a:prstDash val="solid"/>
+                    </a:lnBlToTr>
+                  </a:tcPr>
+                </a:tc>
+                <a:extLst>
+                  <a:ext uri="{0D108BD9-81ED-4DB2-BD59-A6C34878D82A}">
+                    <a16:rowId xmlns:a16="http://schemas.microsoft.com/office/drawing/2014/main" val="2347358794"/>
+                  </a:ext>
+                </a:extLst>
+              </a:tr>
+              <a:tr h="397084">
+                <a:tc>
+                  <a:txBody>
+                    <a:bodyPr/>
+                    <a:lstStyle/>
+                    <a:p>
+                      <a:pPr marL="0" indent="0" algn="ctr" latinLnBrk="1">
+                        <a:buFont typeface="+mj-lt"/>
+                        <a:buNone/>
+                      </a:pPr>
+                      <a:r>
+                        <a:rPr lang="ko-KR" altLang="en-US" sz="1200" dirty="0"/>
+                        <a:t>폭탄 목걸이</a:t>
+                      </a:r>
+                    </a:p>
+                  </a:txBody>
+                  <a:tcPr anchor="ctr">
+                    <a:lnL w="12700" cap="flat" cmpd="sng" algn="ctr">
+                      <a:solidFill>
+                        <a:schemeClr val="tx1"/>
+                      </a:solidFill>
+                      <a:prstDash val="solid"/>
+                      <a:round/>
+                      <a:headEnd type="none" w="med" len="med"/>
+                      <a:tailEnd type="none" w="med" len="med"/>
+                    </a:lnL>
+                    <a:lnR w="12700" cap="flat" cmpd="sng" algn="ctr">
+                      <a:solidFill>
+                        <a:schemeClr val="tx1"/>
+                      </a:solidFill>
+                      <a:prstDash val="solid"/>
+                      <a:round/>
+                      <a:headEnd type="none" w="med" len="med"/>
+                      <a:tailEnd type="none" w="med" len="med"/>
+                    </a:lnR>
+                    <a:lnT w="12700" cap="flat" cmpd="sng" algn="ctr">
+                      <a:solidFill>
+                        <a:schemeClr val="tx1"/>
+                      </a:solidFill>
+                      <a:prstDash val="solid"/>
+                      <a:round/>
+                      <a:headEnd type="none" w="med" len="med"/>
+                      <a:tailEnd type="none" w="med" len="med"/>
+                    </a:lnT>
+                    <a:lnB w="12700" cap="flat" cmpd="sng" algn="ctr">
+                      <a:solidFill>
+                        <a:schemeClr val="tx1"/>
+                      </a:solidFill>
+                      <a:prstDash val="solid"/>
+                      <a:round/>
+                      <a:headEnd type="none" w="med" len="med"/>
+                      <a:tailEnd type="none" w="med" len="med"/>
+                    </a:lnB>
+                    <a:lnTlToBr w="12700" cmpd="sng">
+                      <a:noFill/>
+                      <a:prstDash val="solid"/>
+                    </a:lnTlToBr>
+                    <a:lnBlToTr w="12700" cmpd="sng">
+                      <a:noFill/>
+                      <a:prstDash val="solid"/>
+                    </a:lnBlToTr>
+                  </a:tcPr>
+                </a:tc>
+                <a:tc>
+                  <a:txBody>
+                    <a:bodyPr/>
+                    <a:lstStyle/>
+                    <a:p>
+                      <a:pPr marL="0" indent="0" algn="ctr" latinLnBrk="1">
+                        <a:buFont typeface="+mj-lt"/>
+                        <a:buNone/>
+                      </a:pPr>
+                      <a:r>
+                        <a:rPr lang="en-US" altLang="ko-KR" sz="1200" dirty="0"/>
+                        <a:t>240</a:t>
+                      </a:r>
+                      <a:r>
+                        <a:rPr lang="ko-KR" altLang="en-US" sz="1200" dirty="0"/>
+                        <a:t>초</a:t>
+                      </a:r>
+                    </a:p>
+                  </a:txBody>
+                  <a:tcPr anchor="ctr">
+                    <a:lnL w="12700" cap="flat" cmpd="sng" algn="ctr">
+                      <a:solidFill>
+                        <a:schemeClr val="tx1"/>
+                      </a:solidFill>
+                      <a:prstDash val="solid"/>
+                      <a:round/>
+                      <a:headEnd type="none" w="med" len="med"/>
+                      <a:tailEnd type="none" w="med" len="med"/>
+                    </a:lnL>
+                    <a:lnR w="12700" cap="flat" cmpd="sng" algn="ctr">
+                      <a:solidFill>
+                        <a:schemeClr val="tx1"/>
+                      </a:solidFill>
+                      <a:prstDash val="solid"/>
+                      <a:round/>
+                      <a:headEnd type="none" w="med" len="med"/>
+                      <a:tailEnd type="none" w="med" len="med"/>
+                    </a:lnR>
+                    <a:lnT w="12700" cap="flat" cmpd="sng" algn="ctr">
+                      <a:solidFill>
+                        <a:schemeClr val="tx1"/>
+                      </a:solidFill>
+                      <a:prstDash val="solid"/>
+                      <a:round/>
+                      <a:headEnd type="none" w="med" len="med"/>
+                      <a:tailEnd type="none" w="med" len="med"/>
+                    </a:lnT>
+                    <a:lnB w="12700" cap="flat" cmpd="sng" algn="ctr">
+                      <a:solidFill>
+                        <a:schemeClr val="tx1"/>
+                      </a:solidFill>
+                      <a:prstDash val="solid"/>
+                      <a:round/>
+                      <a:headEnd type="none" w="med" len="med"/>
+                      <a:tailEnd type="none" w="med" len="med"/>
+                    </a:lnB>
+                    <a:lnTlToBr w="12700" cmpd="sng">
+                      <a:noFill/>
+                      <a:prstDash val="solid"/>
+                    </a:lnTlToBr>
+                    <a:lnBlToTr w="12700" cmpd="sng">
+                      <a:noFill/>
+                      <a:prstDash val="solid"/>
+                    </a:lnBlToTr>
+                  </a:tcPr>
+                </a:tc>
+                <a:tc>
+                  <a:txBody>
+                    <a:bodyPr/>
+                    <a:lstStyle/>
+                    <a:p>
+                      <a:pPr marL="0" indent="0" algn="ctr" latinLnBrk="1">
+                        <a:buFont typeface="+mj-lt"/>
+                        <a:buNone/>
+                      </a:pPr>
+                      <a:r>
+                        <a:rPr lang="ko-KR" altLang="en-US" sz="1200" dirty="0"/>
+                        <a:t>총에 피격 시 </a:t>
+                      </a:r>
+                      <a:r>
+                        <a:rPr lang="en-US" altLang="ko-KR" sz="1200" dirty="0"/>
+                        <a:t>30</a:t>
+                      </a:r>
+                      <a:r>
+                        <a:rPr lang="ko-KR" altLang="en-US" sz="1200" dirty="0"/>
+                        <a:t>초 </a:t>
+                      </a:r>
+                      <a:r>
+                        <a:rPr lang="ko-KR" altLang="en-US" sz="1200" dirty="0" err="1"/>
+                        <a:t>줄어듬</a:t>
+                      </a:r>
+                      <a:r>
+                        <a:rPr lang="en-US" altLang="ko-KR" sz="1200" dirty="0"/>
+                        <a:t>.</a:t>
+                      </a:r>
+                      <a:endParaRPr lang="ko-KR" altLang="en-US" sz="1200" dirty="0"/>
+                    </a:p>
+                  </a:txBody>
+                  <a:tcPr anchor="ctr">
+                    <a:lnL w="12700" cap="flat" cmpd="sng" algn="ctr">
+                      <a:solidFill>
+                        <a:schemeClr val="tx1"/>
+                      </a:solidFill>
+                      <a:prstDash val="solid"/>
+                      <a:round/>
+                      <a:headEnd type="none" w="med" len="med"/>
+                      <a:tailEnd type="none" w="med" len="med"/>
+                    </a:lnL>
+                    <a:lnR w="12700" cap="flat" cmpd="sng" algn="ctr">
+                      <a:solidFill>
+                        <a:schemeClr val="tx1"/>
+                      </a:solidFill>
+                      <a:prstDash val="solid"/>
+                      <a:round/>
+                      <a:headEnd type="none" w="med" len="med"/>
+                      <a:tailEnd type="none" w="med" len="med"/>
+                    </a:lnR>
+                    <a:lnT w="12700" cap="flat" cmpd="sng" algn="ctr">
+                      <a:solidFill>
+                        <a:schemeClr val="tx1"/>
+                      </a:solidFill>
+                      <a:prstDash val="solid"/>
+                      <a:round/>
+                      <a:headEnd type="none" w="med" len="med"/>
+                      <a:tailEnd type="none" w="med" len="med"/>
+                    </a:lnT>
+                    <a:lnB w="12700" cap="flat" cmpd="sng" algn="ctr">
+                      <a:solidFill>
+                        <a:schemeClr val="tx1"/>
+                      </a:solidFill>
+                      <a:prstDash val="solid"/>
+                      <a:round/>
+                      <a:headEnd type="none" w="med" len="med"/>
+                      <a:tailEnd type="none" w="med" len="med"/>
+                    </a:lnB>
+                    <a:lnTlToBr w="12700" cmpd="sng">
+                      <a:noFill/>
+                      <a:prstDash val="solid"/>
+                    </a:lnTlToBr>
+                    <a:lnBlToTr w="12700" cmpd="sng">
+                      <a:noFill/>
+                      <a:prstDash val="solid"/>
+                    </a:lnBlToTr>
+                  </a:tcPr>
+                </a:tc>
+                <a:extLst>
+                  <a:ext uri="{0D108BD9-81ED-4DB2-BD59-A6C34878D82A}">
+                    <a16:rowId xmlns:a16="http://schemas.microsoft.com/office/drawing/2014/main" val="2422118565"/>
+                  </a:ext>
+                </a:extLst>
+              </a:tr>
+              <a:tr h="397084">
+                <a:tc>
+                  <a:txBody>
+                    <a:bodyPr/>
+                    <a:lstStyle/>
+                    <a:p>
+                      <a:pPr marL="0" indent="0" algn="ctr" latinLnBrk="1">
+                        <a:buFont typeface="+mj-lt"/>
+                        <a:buNone/>
+                      </a:pPr>
+                      <a:r>
+                        <a:rPr lang="ko-KR" altLang="en-US" sz="1200" dirty="0"/>
+                        <a:t>탄알 주머니</a:t>
+                      </a:r>
+                    </a:p>
+                  </a:txBody>
+                  <a:tcPr anchor="ctr">
+                    <a:lnL w="12700" cap="flat" cmpd="sng" algn="ctr">
+                      <a:solidFill>
+                        <a:schemeClr val="tx1"/>
+                      </a:solidFill>
+                      <a:prstDash val="solid"/>
+                      <a:round/>
+                      <a:headEnd type="none" w="med" len="med"/>
+                      <a:tailEnd type="none" w="med" len="med"/>
+                    </a:lnL>
+                    <a:lnR w="12700" cap="flat" cmpd="sng" algn="ctr">
+                      <a:solidFill>
+                        <a:schemeClr val="tx1"/>
+                      </a:solidFill>
+                      <a:prstDash val="solid"/>
+                      <a:round/>
+                      <a:headEnd type="none" w="med" len="med"/>
+                      <a:tailEnd type="none" w="med" len="med"/>
+                    </a:lnR>
+                    <a:lnT w="12700" cap="flat" cmpd="sng" algn="ctr">
+                      <a:solidFill>
+                        <a:schemeClr val="tx1"/>
+                      </a:solidFill>
+                      <a:prstDash val="solid"/>
+                      <a:round/>
+                      <a:headEnd type="none" w="med" len="med"/>
+                      <a:tailEnd type="none" w="med" len="med"/>
+                    </a:lnT>
+                    <a:lnB w="12700" cap="flat" cmpd="sng" algn="ctr">
+                      <a:solidFill>
+                        <a:schemeClr val="tx1"/>
+                      </a:solidFill>
+                      <a:prstDash val="solid"/>
+                      <a:round/>
+                      <a:headEnd type="none" w="med" len="med"/>
+                      <a:tailEnd type="none" w="med" len="med"/>
+                    </a:lnB>
+                    <a:lnTlToBr w="12700" cmpd="sng">
+                      <a:noFill/>
+                      <a:prstDash val="solid"/>
+                    </a:lnTlToBr>
+                    <a:lnBlToTr w="12700" cmpd="sng">
+                      <a:noFill/>
+                      <a:prstDash val="solid"/>
+                    </a:lnBlToTr>
+                  </a:tcPr>
+                </a:tc>
+                <a:tc>
+                  <a:txBody>
+                    <a:bodyPr/>
+                    <a:lstStyle/>
+                    <a:p>
+                      <a:pPr marL="0" indent="0" algn="ctr" latinLnBrk="1">
+                        <a:buFont typeface="+mj-lt"/>
+                        <a:buNone/>
+                      </a:pPr>
+                      <a:r>
+                        <a:rPr lang="en-US" altLang="ko-KR" sz="1200" dirty="0"/>
+                        <a:t>6</a:t>
+                      </a:r>
+                      <a:r>
+                        <a:rPr lang="ko-KR" altLang="en-US" sz="1200" dirty="0"/>
+                        <a:t>개</a:t>
+                      </a:r>
+                    </a:p>
+                  </a:txBody>
+                  <a:tcPr anchor="ctr">
+                    <a:lnL w="12700" cap="flat" cmpd="sng" algn="ctr">
+                      <a:solidFill>
+                        <a:schemeClr val="tx1"/>
+                      </a:solidFill>
+                      <a:prstDash val="solid"/>
+                      <a:round/>
+                      <a:headEnd type="none" w="med" len="med"/>
+                      <a:tailEnd type="none" w="med" len="med"/>
+                    </a:lnL>
+                    <a:lnR w="12700" cap="flat" cmpd="sng" algn="ctr">
+                      <a:solidFill>
+                        <a:schemeClr val="tx1"/>
+                      </a:solidFill>
+                      <a:prstDash val="solid"/>
+                      <a:round/>
+                      <a:headEnd type="none" w="med" len="med"/>
+                      <a:tailEnd type="none" w="med" len="med"/>
+                    </a:lnR>
+                    <a:lnT w="12700" cap="flat" cmpd="sng" algn="ctr">
+                      <a:solidFill>
+                        <a:schemeClr val="tx1"/>
+                      </a:solidFill>
+                      <a:prstDash val="solid"/>
+                      <a:round/>
+                      <a:headEnd type="none" w="med" len="med"/>
+                      <a:tailEnd type="none" w="med" len="med"/>
+                    </a:lnT>
+                    <a:lnB w="12700" cap="flat" cmpd="sng" algn="ctr">
+                      <a:solidFill>
+                        <a:schemeClr val="tx1"/>
+                      </a:solidFill>
+                      <a:prstDash val="solid"/>
+                      <a:round/>
+                      <a:headEnd type="none" w="med" len="med"/>
+                      <a:tailEnd type="none" w="med" len="med"/>
+                    </a:lnB>
+                    <a:lnTlToBr w="12700" cmpd="sng">
+                      <a:noFill/>
+                      <a:prstDash val="solid"/>
+                    </a:lnTlToBr>
+                    <a:lnBlToTr w="12700" cmpd="sng">
+                      <a:noFill/>
+                      <a:prstDash val="solid"/>
+                    </a:lnBlToTr>
+                  </a:tcPr>
+                </a:tc>
+                <a:tc>
+                  <a:txBody>
+                    <a:bodyPr/>
+                    <a:lstStyle/>
+                    <a:p>
+                      <a:pPr marL="0" indent="0" algn="ctr" latinLnBrk="1">
+                        <a:buFont typeface="+mj-lt"/>
+                        <a:buNone/>
+                      </a:pPr>
+                      <a:r>
+                        <a:rPr lang="ko-KR" altLang="en-US" sz="1200" dirty="0"/>
+                        <a:t>총알을 많이 수집할 수 있다</a:t>
+                      </a:r>
+                      <a:r>
+                        <a:rPr lang="en-US" altLang="ko-KR" sz="1200" dirty="0"/>
+                        <a:t>.</a:t>
+                      </a:r>
+                      <a:endParaRPr lang="ko-KR" altLang="en-US" sz="1200" dirty="0"/>
+                    </a:p>
+                  </a:txBody>
+                  <a:tcPr anchor="ctr">
+                    <a:lnL w="12700" cap="flat" cmpd="sng" algn="ctr">
+                      <a:solidFill>
+                        <a:schemeClr val="tx1"/>
+                      </a:solidFill>
+                      <a:prstDash val="solid"/>
+                      <a:round/>
+                      <a:headEnd type="none" w="med" len="med"/>
+                      <a:tailEnd type="none" w="med" len="med"/>
+                    </a:lnL>
+                    <a:lnR w="12700" cap="flat" cmpd="sng" algn="ctr">
+                      <a:solidFill>
+                        <a:schemeClr val="tx1"/>
+                      </a:solidFill>
+                      <a:prstDash val="solid"/>
+                      <a:round/>
+                      <a:headEnd type="none" w="med" len="med"/>
+                      <a:tailEnd type="none" w="med" len="med"/>
+                    </a:lnR>
+                    <a:lnT w="12700" cap="flat" cmpd="sng" algn="ctr">
+                      <a:solidFill>
+                        <a:schemeClr val="tx1"/>
+                      </a:solidFill>
+                      <a:prstDash val="solid"/>
+                      <a:round/>
+                      <a:headEnd type="none" w="med" len="med"/>
+                      <a:tailEnd type="none" w="med" len="med"/>
+                    </a:lnT>
+                    <a:lnB w="12700" cap="flat" cmpd="sng" algn="ctr">
+                      <a:solidFill>
+                        <a:schemeClr val="tx1"/>
+                      </a:solidFill>
+                      <a:prstDash val="solid"/>
+                      <a:round/>
+                      <a:headEnd type="none" w="med" len="med"/>
+                      <a:tailEnd type="none" w="med" len="med"/>
+                    </a:lnB>
+                    <a:lnTlToBr w="12700" cmpd="sng">
+                      <a:noFill/>
+                      <a:prstDash val="solid"/>
+                    </a:lnTlToBr>
+                    <a:lnBlToTr w="12700" cmpd="sng">
+                      <a:noFill/>
+                      <a:prstDash val="solid"/>
+                    </a:lnBlToTr>
+                  </a:tcPr>
+                </a:tc>
+                <a:extLst>
+                  <a:ext uri="{0D108BD9-81ED-4DB2-BD59-A6C34878D82A}">
+                    <a16:rowId xmlns:a16="http://schemas.microsoft.com/office/drawing/2014/main" val="4210688304"/>
+                  </a:ext>
+                </a:extLst>
+              </a:tr>
+              <a:tr h="397084">
+                <a:tc>
+                  <a:txBody>
+                    <a:bodyPr/>
+                    <a:lstStyle/>
+                    <a:p>
+                      <a:pPr marL="0" indent="0" algn="ctr" latinLnBrk="1">
+                        <a:buFont typeface="+mj-lt"/>
+                        <a:buNone/>
+                      </a:pPr>
+                      <a:r>
+                        <a:rPr lang="ko-KR" altLang="en-US" sz="1200" dirty="0"/>
+                        <a:t>이동속도</a:t>
+                      </a:r>
+                    </a:p>
+                  </a:txBody>
+                  <a:tcPr anchor="ctr">
+                    <a:lnL w="12700" cap="flat" cmpd="sng" algn="ctr">
+                      <a:solidFill>
+                        <a:schemeClr val="tx1"/>
+                      </a:solidFill>
+                      <a:prstDash val="solid"/>
+                      <a:round/>
+                      <a:headEnd type="none" w="med" len="med"/>
+                      <a:tailEnd type="none" w="med" len="med"/>
+                    </a:lnL>
+                    <a:lnR w="12700" cap="flat" cmpd="sng" algn="ctr">
+                      <a:solidFill>
+                        <a:schemeClr val="tx1"/>
+                      </a:solidFill>
+                      <a:prstDash val="solid"/>
+                      <a:round/>
+                      <a:headEnd type="none" w="med" len="med"/>
+                      <a:tailEnd type="none" w="med" len="med"/>
+                    </a:lnR>
+                    <a:lnT w="12700" cap="flat" cmpd="sng" algn="ctr">
+                      <a:solidFill>
+                        <a:schemeClr val="tx1"/>
+                      </a:solidFill>
+                      <a:prstDash val="solid"/>
+                      <a:round/>
+                      <a:headEnd type="none" w="med" len="med"/>
+                      <a:tailEnd type="none" w="med" len="med"/>
+                    </a:lnT>
+                    <a:lnB w="12700" cap="flat" cmpd="sng" algn="ctr">
+                      <a:solidFill>
+                        <a:schemeClr val="tx1"/>
+                      </a:solidFill>
+                      <a:prstDash val="solid"/>
+                      <a:round/>
+                      <a:headEnd type="none" w="med" len="med"/>
+                      <a:tailEnd type="none" w="med" len="med"/>
+                    </a:lnB>
+                    <a:lnTlToBr w="12700" cmpd="sng">
+                      <a:noFill/>
+                      <a:prstDash val="solid"/>
+                    </a:lnTlToBr>
+                    <a:lnBlToTr w="12700" cmpd="sng">
+                      <a:noFill/>
+                      <a:prstDash val="solid"/>
+                    </a:lnBlToTr>
+                  </a:tcPr>
+                </a:tc>
+                <a:tc>
+                  <a:txBody>
+                    <a:bodyPr/>
+                    <a:lstStyle/>
+                    <a:p>
+                      <a:pPr marL="0" indent="0" algn="ctr" latinLnBrk="1">
+                        <a:buFont typeface="+mj-lt"/>
+                        <a:buNone/>
+                      </a:pPr>
+                      <a:r>
+                        <a:rPr lang="en-US" altLang="ko-KR" sz="1200" dirty="0"/>
+                        <a:t>0.9</a:t>
+                      </a:r>
+                      <a:endParaRPr lang="ko-KR" altLang="en-US" sz="1200" dirty="0"/>
+                    </a:p>
+                  </a:txBody>
+                  <a:tcPr anchor="ctr">
+                    <a:lnL w="12700" cap="flat" cmpd="sng" algn="ctr">
+                      <a:solidFill>
+                        <a:schemeClr val="tx1"/>
+                      </a:solidFill>
+                      <a:prstDash val="solid"/>
+                      <a:round/>
+                      <a:headEnd type="none" w="med" len="med"/>
+                      <a:tailEnd type="none" w="med" len="med"/>
+                    </a:lnL>
+                    <a:lnR w="12700" cap="flat" cmpd="sng" algn="ctr">
+                      <a:solidFill>
+                        <a:schemeClr val="tx1"/>
+                      </a:solidFill>
+                      <a:prstDash val="solid"/>
+                      <a:round/>
+                      <a:headEnd type="none" w="med" len="med"/>
+                      <a:tailEnd type="none" w="med" len="med"/>
+                    </a:lnR>
+                    <a:lnT w="12700" cap="flat" cmpd="sng" algn="ctr">
+                      <a:solidFill>
+                        <a:schemeClr val="tx1"/>
+                      </a:solidFill>
+                      <a:prstDash val="solid"/>
+                      <a:round/>
+                      <a:headEnd type="none" w="med" len="med"/>
+                      <a:tailEnd type="none" w="med" len="med"/>
+                    </a:lnT>
+                    <a:lnB w="12700" cap="flat" cmpd="sng" algn="ctr">
+                      <a:solidFill>
+                        <a:schemeClr val="tx1"/>
+                      </a:solidFill>
+                      <a:prstDash val="solid"/>
+                      <a:round/>
+                      <a:headEnd type="none" w="med" len="med"/>
+                      <a:tailEnd type="none" w="med" len="med"/>
+                    </a:lnB>
+                    <a:lnTlToBr w="12700" cmpd="sng">
+                      <a:noFill/>
+                      <a:prstDash val="solid"/>
+                    </a:lnTlToBr>
+                    <a:lnBlToTr w="12700" cmpd="sng">
+                      <a:noFill/>
+                      <a:prstDash val="solid"/>
+                    </a:lnBlToTr>
+                  </a:tcPr>
+                </a:tc>
+                <a:tc>
+                  <a:txBody>
+                    <a:bodyPr/>
+                    <a:lstStyle/>
+                    <a:p>
+                      <a:pPr marL="0" indent="0" algn="ctr" latinLnBrk="1">
+                        <a:buFont typeface="+mj-lt"/>
+                        <a:buNone/>
+                      </a:pPr>
+                      <a:r>
+                        <a:rPr lang="ko-KR" altLang="en-US" sz="1200" dirty="0"/>
+                        <a:t>기본 이동속도보다 살짝 빠르다</a:t>
+                      </a:r>
+                      <a:r>
+                        <a:rPr lang="en-US" altLang="ko-KR" sz="1200" dirty="0"/>
+                        <a:t>.</a:t>
+                      </a:r>
+                      <a:endParaRPr lang="ko-KR" altLang="en-US" sz="1200" dirty="0"/>
+                    </a:p>
+                  </a:txBody>
+                  <a:tcPr anchor="ctr">
+                    <a:lnL w="12700" cap="flat" cmpd="sng" algn="ctr">
+                      <a:solidFill>
+                        <a:schemeClr val="tx1"/>
+                      </a:solidFill>
+                      <a:prstDash val="solid"/>
+                      <a:round/>
+                      <a:headEnd type="none" w="med" len="med"/>
+                      <a:tailEnd type="none" w="med" len="med"/>
+                    </a:lnL>
+                    <a:lnR w="12700" cap="flat" cmpd="sng" algn="ctr">
+                      <a:solidFill>
+                        <a:schemeClr val="tx1"/>
+                      </a:solidFill>
+                      <a:prstDash val="solid"/>
+                      <a:round/>
+                      <a:headEnd type="none" w="med" len="med"/>
+                      <a:tailEnd type="none" w="med" len="med"/>
+                    </a:lnR>
+                    <a:lnT w="12700" cap="flat" cmpd="sng" algn="ctr">
+                      <a:solidFill>
+                        <a:schemeClr val="tx1"/>
+                      </a:solidFill>
+                      <a:prstDash val="solid"/>
+                      <a:round/>
+                      <a:headEnd type="none" w="med" len="med"/>
+                      <a:tailEnd type="none" w="med" len="med"/>
+                    </a:lnT>
+                    <a:lnB w="12700" cap="flat" cmpd="sng" algn="ctr">
+                      <a:solidFill>
+                        <a:schemeClr val="tx1"/>
+                      </a:solidFill>
+                      <a:prstDash val="solid"/>
+                      <a:round/>
+                      <a:headEnd type="none" w="med" len="med"/>
+                      <a:tailEnd type="none" w="med" len="med"/>
+                    </a:lnB>
+                    <a:lnTlToBr w="12700" cmpd="sng">
+                      <a:noFill/>
+                      <a:prstDash val="solid"/>
+                    </a:lnTlToBr>
+                    <a:lnBlToTr w="12700" cmpd="sng">
+                      <a:noFill/>
+                      <a:prstDash val="solid"/>
+                    </a:lnBlToTr>
+                  </a:tcPr>
+                </a:tc>
+                <a:extLst>
+                  <a:ext uri="{0D108BD9-81ED-4DB2-BD59-A6C34878D82A}">
+                    <a16:rowId xmlns:a16="http://schemas.microsoft.com/office/drawing/2014/main" val="2738056909"/>
+                  </a:ext>
+                </a:extLst>
+              </a:tr>
+              <a:tr h="397084">
+                <a:tc>
+                  <a:txBody>
+                    <a:bodyPr/>
+                    <a:lstStyle/>
+                    <a:p>
+                      <a:pPr marL="0" indent="0" algn="ctr" latinLnBrk="1">
+                        <a:buFont typeface="+mj-lt"/>
+                        <a:buNone/>
+                      </a:pPr>
+                      <a:r>
+                        <a:rPr lang="ko-KR" altLang="en-US" sz="1200" dirty="0"/>
+                        <a:t>총알 발사 딜레이</a:t>
+                      </a:r>
+                    </a:p>
+                  </a:txBody>
+                  <a:tcPr anchor="ctr">
+                    <a:lnL w="12700" cap="flat" cmpd="sng" algn="ctr">
+                      <a:solidFill>
+                        <a:schemeClr val="tx1"/>
+                      </a:solidFill>
+                      <a:prstDash val="solid"/>
+                      <a:round/>
+                      <a:headEnd type="none" w="med" len="med"/>
+                      <a:tailEnd type="none" w="med" len="med"/>
+                    </a:lnL>
+                    <a:lnR w="12700" cap="flat" cmpd="sng" algn="ctr">
+                      <a:solidFill>
+                        <a:schemeClr val="tx1"/>
+                      </a:solidFill>
+                      <a:prstDash val="solid"/>
+                      <a:round/>
+                      <a:headEnd type="none" w="med" len="med"/>
+                      <a:tailEnd type="none" w="med" len="med"/>
+                    </a:lnR>
+                    <a:lnT w="12700" cap="flat" cmpd="sng" algn="ctr">
+                      <a:solidFill>
+                        <a:schemeClr val="tx1"/>
+                      </a:solidFill>
+                      <a:prstDash val="solid"/>
+                      <a:round/>
+                      <a:headEnd type="none" w="med" len="med"/>
+                      <a:tailEnd type="none" w="med" len="med"/>
+                    </a:lnT>
+                    <a:lnB w="12700" cap="flat" cmpd="sng" algn="ctr">
+                      <a:solidFill>
+                        <a:schemeClr val="tx1"/>
+                      </a:solidFill>
+                      <a:prstDash val="solid"/>
+                      <a:round/>
+                      <a:headEnd type="none" w="med" len="med"/>
+                      <a:tailEnd type="none" w="med" len="med"/>
+                    </a:lnB>
+                    <a:lnTlToBr w="12700" cmpd="sng">
+                      <a:noFill/>
+                      <a:prstDash val="solid"/>
+                    </a:lnTlToBr>
+                    <a:lnBlToTr w="12700" cmpd="sng">
+                      <a:noFill/>
+                      <a:prstDash val="solid"/>
+                    </a:lnBlToTr>
+                  </a:tcPr>
+                </a:tc>
+                <a:tc>
+                  <a:txBody>
+                    <a:bodyPr/>
+                    <a:lstStyle/>
+                    <a:p>
+                      <a:pPr marL="0" indent="0" algn="ctr" latinLnBrk="1">
+                        <a:buFont typeface="+mj-lt"/>
+                        <a:buNone/>
+                      </a:pPr>
+                      <a:r>
+                        <a:rPr lang="en-US" altLang="ko-KR" sz="1200" dirty="0"/>
+                        <a:t>2.0</a:t>
+                      </a:r>
+                      <a:endParaRPr lang="ko-KR" altLang="en-US" sz="1200" dirty="0"/>
+                    </a:p>
+                  </a:txBody>
+                  <a:tcPr anchor="ctr">
+                    <a:lnL w="12700" cap="flat" cmpd="sng" algn="ctr">
+                      <a:solidFill>
+                        <a:schemeClr val="tx1"/>
+                      </a:solidFill>
+                      <a:prstDash val="solid"/>
+                      <a:round/>
+                      <a:headEnd type="none" w="med" len="med"/>
+                      <a:tailEnd type="none" w="med" len="med"/>
+                    </a:lnL>
+                    <a:lnR w="12700" cap="flat" cmpd="sng" algn="ctr">
+                      <a:solidFill>
+                        <a:schemeClr val="tx1"/>
+                      </a:solidFill>
+                      <a:prstDash val="solid"/>
+                      <a:round/>
+                      <a:headEnd type="none" w="med" len="med"/>
+                      <a:tailEnd type="none" w="med" len="med"/>
+                    </a:lnR>
+                    <a:lnT w="12700" cap="flat" cmpd="sng" algn="ctr">
+                      <a:solidFill>
+                        <a:schemeClr val="tx1"/>
+                      </a:solidFill>
+                      <a:prstDash val="solid"/>
+                      <a:round/>
+                      <a:headEnd type="none" w="med" len="med"/>
+                      <a:tailEnd type="none" w="med" len="med"/>
+                    </a:lnT>
+                    <a:lnB w="12700" cap="flat" cmpd="sng" algn="ctr">
+                      <a:solidFill>
+                        <a:schemeClr val="tx1"/>
+                      </a:solidFill>
+                      <a:prstDash val="solid"/>
+                      <a:round/>
+                      <a:headEnd type="none" w="med" len="med"/>
+                      <a:tailEnd type="none" w="med" len="med"/>
+                    </a:lnB>
+                    <a:lnTlToBr w="12700" cmpd="sng">
+                      <a:noFill/>
+                      <a:prstDash val="solid"/>
+                    </a:lnTlToBr>
+                    <a:lnBlToTr w="12700" cmpd="sng">
+                      <a:noFill/>
+                      <a:prstDash val="solid"/>
+                    </a:lnBlToTr>
+                  </a:tcPr>
+                </a:tc>
+                <a:tc>
+                  <a:txBody>
+                    <a:bodyPr/>
+                    <a:lstStyle/>
+                    <a:p>
+                      <a:pPr marL="0" indent="0" algn="ctr" latinLnBrk="1">
+                        <a:buFont typeface="+mj-lt"/>
+                        <a:buNone/>
+                      </a:pPr>
+                      <a:r>
+                        <a:rPr lang="ko-KR" altLang="en-US" sz="1200" dirty="0"/>
+                        <a:t>기본 발사 딜레이보다 느리다</a:t>
+                      </a:r>
+                    </a:p>
+                  </a:txBody>
+                  <a:tcPr anchor="ctr">
+                    <a:lnL w="12700" cap="flat" cmpd="sng" algn="ctr">
+                      <a:solidFill>
+                        <a:schemeClr val="tx1"/>
+                      </a:solidFill>
+                      <a:prstDash val="solid"/>
+                      <a:round/>
+                      <a:headEnd type="none" w="med" len="med"/>
+                      <a:tailEnd type="none" w="med" len="med"/>
+                    </a:lnL>
+                    <a:lnR w="12700" cap="flat" cmpd="sng" algn="ctr">
+                      <a:solidFill>
+                        <a:schemeClr val="tx1"/>
+                      </a:solidFill>
+                      <a:prstDash val="solid"/>
+                      <a:round/>
+                      <a:headEnd type="none" w="med" len="med"/>
+                      <a:tailEnd type="none" w="med" len="med"/>
+                    </a:lnR>
+                    <a:lnT w="12700" cap="flat" cmpd="sng" algn="ctr">
+                      <a:solidFill>
+                        <a:schemeClr val="tx1"/>
+                      </a:solidFill>
+                      <a:prstDash val="solid"/>
+                      <a:round/>
+                      <a:headEnd type="none" w="med" len="med"/>
+                      <a:tailEnd type="none" w="med" len="med"/>
+                    </a:lnT>
+                    <a:lnB w="12700" cap="flat" cmpd="sng" algn="ctr">
+                      <a:solidFill>
+                        <a:schemeClr val="tx1"/>
+                      </a:solidFill>
+                      <a:prstDash val="solid"/>
+                      <a:round/>
+                      <a:headEnd type="none" w="med" len="med"/>
+                      <a:tailEnd type="none" w="med" len="med"/>
+                    </a:lnB>
+                    <a:lnTlToBr w="12700" cmpd="sng">
+                      <a:noFill/>
+                      <a:prstDash val="solid"/>
+                    </a:lnTlToBr>
+                    <a:lnBlToTr w="12700" cmpd="sng">
+                      <a:noFill/>
+                      <a:prstDash val="solid"/>
+                    </a:lnBlToTr>
+                  </a:tcPr>
+                </a:tc>
+                <a:extLst>
+                  <a:ext uri="{0D108BD9-81ED-4DB2-BD59-A6C34878D82A}">
+                    <a16:rowId xmlns:a16="http://schemas.microsoft.com/office/drawing/2014/main" val="2677022759"/>
+                  </a:ext>
+                </a:extLst>
+              </a:tr>
+              <a:tr h="397084">
+                <a:tc>
+                  <a:txBody>
+                    <a:bodyPr/>
+                    <a:lstStyle/>
+                    <a:p>
+                      <a:pPr marL="0" indent="0" algn="ctr" latinLnBrk="1">
+                        <a:buFont typeface="+mj-lt"/>
+                        <a:buNone/>
+                      </a:pPr>
+                      <a:r>
+                        <a:rPr lang="ko-KR" altLang="en-US" sz="1200" dirty="0"/>
+                        <a:t>총알 발사 속도</a:t>
+                      </a:r>
+                    </a:p>
+                  </a:txBody>
+                  <a:tcPr anchor="ctr">
+                    <a:lnL w="12700" cap="flat" cmpd="sng" algn="ctr">
+                      <a:solidFill>
+                        <a:schemeClr val="tx1"/>
+                      </a:solidFill>
+                      <a:prstDash val="solid"/>
+                      <a:round/>
+                      <a:headEnd type="none" w="med" len="med"/>
+                      <a:tailEnd type="none" w="med" len="med"/>
+                    </a:lnL>
+                    <a:lnR w="12700" cap="flat" cmpd="sng" algn="ctr">
+                      <a:solidFill>
+                        <a:schemeClr val="tx1"/>
+                      </a:solidFill>
+                      <a:prstDash val="solid"/>
+                      <a:round/>
+                      <a:headEnd type="none" w="med" len="med"/>
+                      <a:tailEnd type="none" w="med" len="med"/>
+                    </a:lnR>
+                    <a:lnT w="12700" cap="flat" cmpd="sng" algn="ctr">
+                      <a:solidFill>
+                        <a:schemeClr val="tx1"/>
+                      </a:solidFill>
+                      <a:prstDash val="solid"/>
+                      <a:round/>
+                      <a:headEnd type="none" w="med" len="med"/>
+                      <a:tailEnd type="none" w="med" len="med"/>
+                    </a:lnT>
+                    <a:lnB w="12700" cap="flat" cmpd="sng" algn="ctr">
+                      <a:solidFill>
+                        <a:schemeClr val="tx1"/>
+                      </a:solidFill>
+                      <a:prstDash val="solid"/>
+                      <a:round/>
+                      <a:headEnd type="none" w="med" len="med"/>
+                      <a:tailEnd type="none" w="med" len="med"/>
+                    </a:lnB>
+                    <a:lnTlToBr w="12700" cmpd="sng">
+                      <a:noFill/>
+                      <a:prstDash val="solid"/>
+                    </a:lnTlToBr>
+                    <a:lnBlToTr w="12700" cmpd="sng">
+                      <a:noFill/>
+                      <a:prstDash val="solid"/>
+                    </a:lnBlToTr>
+                  </a:tcPr>
+                </a:tc>
+                <a:tc>
+                  <a:txBody>
+                    <a:bodyPr/>
+                    <a:lstStyle/>
+                    <a:p>
+                      <a:pPr marL="0" indent="0" algn="ctr" latinLnBrk="1">
+                        <a:buFont typeface="+mj-lt"/>
+                        <a:buNone/>
+                      </a:pPr>
+                      <a:r>
+                        <a:rPr lang="en-US" altLang="ko-KR" sz="1200" dirty="0"/>
+                        <a:t>0.5</a:t>
+                      </a:r>
+                      <a:endParaRPr lang="ko-KR" altLang="en-US" sz="1200" dirty="0"/>
+                    </a:p>
+                  </a:txBody>
+                  <a:tcPr anchor="ctr">
+                    <a:lnL w="12700" cap="flat" cmpd="sng" algn="ctr">
+                      <a:solidFill>
+                        <a:schemeClr val="tx1"/>
+                      </a:solidFill>
+                      <a:prstDash val="solid"/>
+                      <a:round/>
+                      <a:headEnd type="none" w="med" len="med"/>
+                      <a:tailEnd type="none" w="med" len="med"/>
+                    </a:lnL>
+                    <a:lnR w="12700" cap="flat" cmpd="sng" algn="ctr">
+                      <a:solidFill>
+                        <a:schemeClr val="tx1"/>
+                      </a:solidFill>
+                      <a:prstDash val="solid"/>
+                      <a:round/>
+                      <a:headEnd type="none" w="med" len="med"/>
+                      <a:tailEnd type="none" w="med" len="med"/>
+                    </a:lnR>
+                    <a:lnT w="12700" cap="flat" cmpd="sng" algn="ctr">
+                      <a:solidFill>
+                        <a:schemeClr val="tx1"/>
+                      </a:solidFill>
+                      <a:prstDash val="solid"/>
+                      <a:round/>
+                      <a:headEnd type="none" w="med" len="med"/>
+                      <a:tailEnd type="none" w="med" len="med"/>
+                    </a:lnT>
+                    <a:lnB w="12700" cap="flat" cmpd="sng" algn="ctr">
+                      <a:solidFill>
+                        <a:schemeClr val="tx1"/>
+                      </a:solidFill>
+                      <a:prstDash val="solid"/>
+                      <a:round/>
+                      <a:headEnd type="none" w="med" len="med"/>
+                      <a:tailEnd type="none" w="med" len="med"/>
+                    </a:lnB>
+                    <a:lnTlToBr w="12700" cmpd="sng">
+                      <a:noFill/>
+                      <a:prstDash val="solid"/>
+                    </a:lnTlToBr>
+                    <a:lnBlToTr w="12700" cmpd="sng">
+                      <a:noFill/>
+                      <a:prstDash val="solid"/>
+                    </a:lnBlToTr>
+                  </a:tcPr>
+                </a:tc>
+                <a:tc>
+                  <a:txBody>
+                    <a:bodyPr/>
+                    <a:lstStyle/>
+                    <a:p>
+                      <a:pPr marL="0" indent="0" algn="ctr" latinLnBrk="1">
+                        <a:buFont typeface="+mj-lt"/>
+                        <a:buNone/>
+                      </a:pPr>
+                      <a:r>
+                        <a:rPr lang="ko-KR" altLang="en-US" sz="1200" dirty="0"/>
+                        <a:t>기본 총알 발사 속도</a:t>
+                      </a:r>
+                    </a:p>
+                  </a:txBody>
+                  <a:tcPr anchor="ctr">
+                    <a:lnL w="12700" cap="flat" cmpd="sng" algn="ctr">
+                      <a:solidFill>
+                        <a:schemeClr val="tx1"/>
+                      </a:solidFill>
+                      <a:prstDash val="solid"/>
+                      <a:round/>
+                      <a:headEnd type="none" w="med" len="med"/>
+                      <a:tailEnd type="none" w="med" len="med"/>
+                    </a:lnL>
+                    <a:lnR w="12700" cap="flat" cmpd="sng" algn="ctr">
+                      <a:solidFill>
+                        <a:schemeClr val="tx1"/>
+                      </a:solidFill>
+                      <a:prstDash val="solid"/>
+                      <a:round/>
+                      <a:headEnd type="none" w="med" len="med"/>
+                      <a:tailEnd type="none" w="med" len="med"/>
+                    </a:lnR>
+                    <a:lnT w="12700" cap="flat" cmpd="sng" algn="ctr">
+                      <a:solidFill>
+                        <a:schemeClr val="tx1"/>
+                      </a:solidFill>
+                      <a:prstDash val="solid"/>
+                      <a:round/>
+                      <a:headEnd type="none" w="med" len="med"/>
+                      <a:tailEnd type="none" w="med" len="med"/>
+                    </a:lnT>
+                    <a:lnB w="12700" cap="flat" cmpd="sng" algn="ctr">
+                      <a:solidFill>
+                        <a:schemeClr val="tx1"/>
+                      </a:solidFill>
+                      <a:prstDash val="solid"/>
+                      <a:round/>
+                      <a:headEnd type="none" w="med" len="med"/>
+                      <a:tailEnd type="none" w="med" len="med"/>
+                    </a:lnB>
+                    <a:lnTlToBr w="12700" cmpd="sng">
+                      <a:noFill/>
+                      <a:prstDash val="solid"/>
+                    </a:lnTlToBr>
+                    <a:lnBlToTr w="12700" cmpd="sng">
+                      <a:noFill/>
+                      <a:prstDash val="solid"/>
+                    </a:lnBlToTr>
+                  </a:tcPr>
+                </a:tc>
+                <a:extLst>
+                  <a:ext uri="{0D108BD9-81ED-4DB2-BD59-A6C34878D82A}">
+                    <a16:rowId xmlns:a16="http://schemas.microsoft.com/office/drawing/2014/main" val="3949302187"/>
+                  </a:ext>
+                </a:extLst>
+              </a:tr>
+            </a:tbl>
+          </a:graphicData>
+        </a:graphic>
+      </p:graphicFrame>
+    </p:spTree>
+    <p:extLst>
+      <p:ext uri="{BB962C8B-B14F-4D97-AF65-F5344CB8AC3E}">
+        <p14:creationId xmlns:p14="http://schemas.microsoft.com/office/powerpoint/2010/main" val="3875540452"/>
+      </p:ext>
+    </p:extLst>
+  </p:cSld>
+  <p:clrMapOvr>
+    <a:masterClrMapping/>
+  </p:clrMapOvr>
+</p:sld>
+</file>
+
 <file path=ppt/slides/slide2.xml><?xml version="1.0" encoding="utf-8"?>
 <p:sld xmlns:a="http://schemas.openxmlformats.org/drawingml/2006/main" xmlns:r="http://schemas.openxmlformats.org/officeDocument/2006/relationships" xmlns:p="http://schemas.openxmlformats.org/presentationml/2006/main">
   <p:cSld>
@@ -18344,6 +20677,4684 @@
 </p:sld>
 </file>
 
+<file path=ppt/slides/slide8.xml><?xml version="1.0" encoding="utf-8"?>
+<p:sld xmlns:a="http://schemas.openxmlformats.org/drawingml/2006/main" xmlns:r="http://schemas.openxmlformats.org/officeDocument/2006/relationships" xmlns:p="http://schemas.openxmlformats.org/presentationml/2006/main">
+  <p:cSld>
+    <p:spTree>
+      <p:nvGrpSpPr>
+        <p:cNvPr id="1" name=""/>
+        <p:cNvGrpSpPr/>
+        <p:nvPr/>
+      </p:nvGrpSpPr>
+      <p:grpSpPr>
+        <a:xfrm>
+          <a:off x="0" y="0"/>
+          <a:ext cx="0" cy="0"/>
+          <a:chOff x="0" y="0"/>
+          <a:chExt cx="0" cy="0"/>
+        </a:xfrm>
+      </p:grpSpPr>
+      <p:sp>
+        <p:nvSpPr>
+          <p:cNvPr id="2" name="제목 1">
+            <a:extLst>
+              <a:ext uri="{FF2B5EF4-FFF2-40B4-BE49-F238E27FC236}">
+                <a16:creationId xmlns:a16="http://schemas.microsoft.com/office/drawing/2014/main" id="{DDC64BBE-2F5F-3D17-016B-4D9EB1F89A33}"/>
+              </a:ext>
+            </a:extLst>
+          </p:cNvPr>
+          <p:cNvSpPr>
+            <a:spLocks noGrp="1"/>
+          </p:cNvSpPr>
+          <p:nvPr>
+            <p:ph type="title"/>
+          </p:nvPr>
+        </p:nvSpPr>
+        <p:spPr/>
+        <p:txBody>
+          <a:bodyPr/>
+          <a:lstStyle/>
+          <a:p>
+            <a:r>
+              <a:rPr lang="en-US" altLang="ko-KR" dirty="0"/>
+              <a:t>7. </a:t>
+            </a:r>
+            <a:r>
+              <a:rPr lang="ko-KR" altLang="en-US" dirty="0"/>
+              <a:t>침투요원</a:t>
+            </a:r>
+            <a:r>
+              <a:rPr lang="en-US" altLang="ko-KR" dirty="0"/>
+              <a:t> </a:t>
+            </a:r>
+            <a:endParaRPr lang="ko-KR" altLang="en-US" dirty="0"/>
+          </a:p>
+        </p:txBody>
+      </p:sp>
+      <p:sp>
+        <p:nvSpPr>
+          <p:cNvPr id="3" name="내용 개체 틀 2">
+            <a:extLst>
+              <a:ext uri="{FF2B5EF4-FFF2-40B4-BE49-F238E27FC236}">
+                <a16:creationId xmlns:a16="http://schemas.microsoft.com/office/drawing/2014/main" id="{A2AD6ACE-68A0-7003-C05E-56FF5EBF5A50}"/>
+              </a:ext>
+            </a:extLst>
+          </p:cNvPr>
+          <p:cNvSpPr>
+            <a:spLocks noGrp="1"/>
+          </p:cNvSpPr>
+          <p:nvPr>
+            <p:ph idx="1"/>
+          </p:nvPr>
+        </p:nvSpPr>
+        <p:spPr>
+          <a:xfrm>
+            <a:off x="838200" y="1357493"/>
+            <a:ext cx="5257800" cy="2061077"/>
+          </a:xfrm>
+        </p:spPr>
+        <p:txBody>
+          <a:bodyPr>
+            <a:normAutofit/>
+          </a:bodyPr>
+          <a:lstStyle/>
+          <a:p>
+            <a:r>
+              <a:rPr lang="en-US" altLang="ko-KR" sz="1400" dirty="0"/>
+              <a:t>‘</a:t>
+            </a:r>
+            <a:r>
+              <a:rPr lang="ko-KR" altLang="en-US" sz="1400" dirty="0"/>
+              <a:t>야간투시경</a:t>
+            </a:r>
+            <a:r>
+              <a:rPr lang="en-US" altLang="ko-KR" sz="1400" dirty="0"/>
+              <a:t>’</a:t>
+            </a:r>
+            <a:r>
+              <a:rPr lang="ko-KR" altLang="en-US" sz="1400" dirty="0"/>
+              <a:t>이라는 직업 아이템을 먹으면 전직 가능하다</a:t>
+            </a:r>
+            <a:r>
+              <a:rPr lang="en-US" altLang="ko-KR" sz="1400" dirty="0"/>
+              <a:t>.</a:t>
+            </a:r>
+          </a:p>
+          <a:p>
+            <a:r>
+              <a:rPr lang="ko-KR" altLang="en-US" sz="1400" dirty="0"/>
+              <a:t>은신 플레이 컨셉의 투명화 스킬을  사용하는 직업</a:t>
+            </a:r>
+            <a:endParaRPr lang="en-US" altLang="ko-KR" sz="1400" dirty="0"/>
+          </a:p>
+        </p:txBody>
+      </p:sp>
+      <p:graphicFrame>
+        <p:nvGraphicFramePr>
+          <p:cNvPr id="10" name="표 9">
+            <a:extLst>
+              <a:ext uri="{FF2B5EF4-FFF2-40B4-BE49-F238E27FC236}">
+                <a16:creationId xmlns:a16="http://schemas.microsoft.com/office/drawing/2014/main" id="{9796D849-39D6-143B-49A8-B4833851198E}"/>
+              </a:ext>
+            </a:extLst>
+          </p:cNvPr>
+          <p:cNvGraphicFramePr>
+            <a:graphicFrameLocks noGrp="1"/>
+          </p:cNvGraphicFramePr>
+          <p:nvPr>
+            <p:extLst>
+              <p:ext uri="{D42A27DB-BD31-4B8C-83A1-F6EECF244321}">
+                <p14:modId xmlns:p14="http://schemas.microsoft.com/office/powerpoint/2010/main" val="1488841171"/>
+              </p:ext>
+            </p:extLst>
+          </p:nvPr>
+        </p:nvGraphicFramePr>
+        <p:xfrm>
+          <a:off x="838200" y="5400829"/>
+          <a:ext cx="5373030" cy="1266213"/>
+        </p:xfrm>
+        <a:graphic>
+          <a:graphicData uri="http://schemas.openxmlformats.org/drawingml/2006/table">
+            <a:tbl>
+              <a:tblPr firstRow="1" bandRow="1">
+                <a:tableStyleId>{F5AB1C69-6EDB-4FF4-983F-18BD219EF322}</a:tableStyleId>
+              </a:tblPr>
+              <a:tblGrid>
+                <a:gridCol w="1429139">
+                  <a:extLst>
+                    <a:ext uri="{9D8B030D-6E8A-4147-A177-3AD203B41FA5}">
+                      <a16:colId xmlns:a16="http://schemas.microsoft.com/office/drawing/2014/main" val="1096772183"/>
+                    </a:ext>
+                  </a:extLst>
+                </a:gridCol>
+                <a:gridCol w="1156996">
+                  <a:extLst>
+                    <a:ext uri="{9D8B030D-6E8A-4147-A177-3AD203B41FA5}">
+                      <a16:colId xmlns:a16="http://schemas.microsoft.com/office/drawing/2014/main" val="3276011012"/>
+                    </a:ext>
+                  </a:extLst>
+                </a:gridCol>
+                <a:gridCol w="2786895">
+                  <a:extLst>
+                    <a:ext uri="{9D8B030D-6E8A-4147-A177-3AD203B41FA5}">
+                      <a16:colId xmlns:a16="http://schemas.microsoft.com/office/drawing/2014/main" val="1120309742"/>
+                    </a:ext>
+                  </a:extLst>
+                </a:gridCol>
+              </a:tblGrid>
+              <a:tr h="422071">
+                <a:tc>
+                  <a:txBody>
+                    <a:bodyPr/>
+                    <a:lstStyle/>
+                    <a:p>
+                      <a:pPr algn="ctr" latinLnBrk="1"/>
+                      <a:r>
+                        <a:rPr lang="ko-KR" altLang="en-US" sz="1800" dirty="0" err="1"/>
+                        <a:t>스킬명</a:t>
+                      </a:r>
+                      <a:endParaRPr lang="ko-KR" altLang="en-US" sz="1800" dirty="0"/>
+                    </a:p>
+                  </a:txBody>
+                  <a:tcPr anchor="ctr">
+                    <a:lnL w="12700" cap="flat" cmpd="sng" algn="ctr">
+                      <a:solidFill>
+                        <a:schemeClr val="tx1"/>
+                      </a:solidFill>
+                      <a:prstDash val="solid"/>
+                      <a:round/>
+                      <a:headEnd type="none" w="med" len="med"/>
+                      <a:tailEnd type="none" w="med" len="med"/>
+                    </a:lnL>
+                    <a:lnR w="12700" cap="flat" cmpd="sng" algn="ctr">
+                      <a:solidFill>
+                        <a:schemeClr val="tx1"/>
+                      </a:solidFill>
+                      <a:prstDash val="solid"/>
+                      <a:round/>
+                      <a:headEnd type="none" w="med" len="med"/>
+                      <a:tailEnd type="none" w="med" len="med"/>
+                    </a:lnR>
+                    <a:lnT w="12700" cap="flat" cmpd="sng" algn="ctr">
+                      <a:solidFill>
+                        <a:schemeClr val="tx1"/>
+                      </a:solidFill>
+                      <a:prstDash val="solid"/>
+                      <a:round/>
+                      <a:headEnd type="none" w="med" len="med"/>
+                      <a:tailEnd type="none" w="med" len="med"/>
+                    </a:lnT>
+                    <a:lnB w="12700" cap="flat" cmpd="sng" algn="ctr">
+                      <a:solidFill>
+                        <a:schemeClr val="tx1"/>
+                      </a:solidFill>
+                      <a:prstDash val="solid"/>
+                      <a:round/>
+                      <a:headEnd type="none" w="med" len="med"/>
+                      <a:tailEnd type="none" w="med" len="med"/>
+                    </a:lnB>
+                  </a:tcPr>
+                </a:tc>
+                <a:tc>
+                  <a:txBody>
+                    <a:bodyPr/>
+                    <a:lstStyle/>
+                    <a:p>
+                      <a:pPr algn="ctr" latinLnBrk="1"/>
+                      <a:r>
+                        <a:rPr lang="ko-KR" altLang="en-US" sz="1800" dirty="0" err="1"/>
+                        <a:t>쿨타임</a:t>
+                      </a:r>
+                      <a:endParaRPr lang="ko-KR" altLang="en-US" sz="1800" dirty="0"/>
+                    </a:p>
+                  </a:txBody>
+                  <a:tcPr anchor="ctr">
+                    <a:lnL w="12700" cap="flat" cmpd="sng" algn="ctr">
+                      <a:solidFill>
+                        <a:schemeClr val="tx1"/>
+                      </a:solidFill>
+                      <a:prstDash val="solid"/>
+                      <a:round/>
+                      <a:headEnd type="none" w="med" len="med"/>
+                      <a:tailEnd type="none" w="med" len="med"/>
+                    </a:lnL>
+                    <a:lnR w="12700" cap="flat" cmpd="sng" algn="ctr">
+                      <a:solidFill>
+                        <a:schemeClr val="tx1"/>
+                      </a:solidFill>
+                      <a:prstDash val="solid"/>
+                      <a:round/>
+                      <a:headEnd type="none" w="med" len="med"/>
+                      <a:tailEnd type="none" w="med" len="med"/>
+                    </a:lnR>
+                    <a:lnT w="12700" cap="flat" cmpd="sng" algn="ctr">
+                      <a:solidFill>
+                        <a:schemeClr val="tx1"/>
+                      </a:solidFill>
+                      <a:prstDash val="solid"/>
+                      <a:round/>
+                      <a:headEnd type="none" w="med" len="med"/>
+                      <a:tailEnd type="none" w="med" len="med"/>
+                    </a:lnT>
+                    <a:lnB w="12700" cap="flat" cmpd="sng" algn="ctr">
+                      <a:solidFill>
+                        <a:schemeClr val="tx1"/>
+                      </a:solidFill>
+                      <a:prstDash val="solid"/>
+                      <a:round/>
+                      <a:headEnd type="none" w="med" len="med"/>
+                      <a:tailEnd type="none" w="med" len="med"/>
+                    </a:lnB>
+                  </a:tcPr>
+                </a:tc>
+                <a:tc>
+                  <a:txBody>
+                    <a:bodyPr/>
+                    <a:lstStyle/>
+                    <a:p>
+                      <a:pPr algn="ctr" latinLnBrk="1"/>
+                      <a:r>
+                        <a:rPr lang="ko-KR" altLang="en-US" sz="1800" dirty="0"/>
+                        <a:t>설명</a:t>
+                      </a:r>
+                    </a:p>
+                  </a:txBody>
+                  <a:tcPr anchor="ctr">
+                    <a:lnL w="12700" cap="flat" cmpd="sng" algn="ctr">
+                      <a:solidFill>
+                        <a:schemeClr val="tx1"/>
+                      </a:solidFill>
+                      <a:prstDash val="solid"/>
+                      <a:round/>
+                      <a:headEnd type="none" w="med" len="med"/>
+                      <a:tailEnd type="none" w="med" len="med"/>
+                    </a:lnL>
+                    <a:lnR w="12700" cap="flat" cmpd="sng" algn="ctr">
+                      <a:solidFill>
+                        <a:schemeClr val="tx1"/>
+                      </a:solidFill>
+                      <a:prstDash val="solid"/>
+                      <a:round/>
+                      <a:headEnd type="none" w="med" len="med"/>
+                      <a:tailEnd type="none" w="med" len="med"/>
+                    </a:lnR>
+                    <a:lnT w="12700" cap="flat" cmpd="sng" algn="ctr">
+                      <a:solidFill>
+                        <a:schemeClr val="tx1"/>
+                      </a:solidFill>
+                      <a:prstDash val="solid"/>
+                      <a:round/>
+                      <a:headEnd type="none" w="med" len="med"/>
+                      <a:tailEnd type="none" w="med" len="med"/>
+                    </a:lnT>
+                    <a:lnB w="12700" cap="flat" cmpd="sng" algn="ctr">
+                      <a:solidFill>
+                        <a:schemeClr val="tx1"/>
+                      </a:solidFill>
+                      <a:prstDash val="solid"/>
+                      <a:round/>
+                      <a:headEnd type="none" w="med" len="med"/>
+                      <a:tailEnd type="none" w="med" len="med"/>
+                    </a:lnB>
+                  </a:tcPr>
+                </a:tc>
+                <a:extLst>
+                  <a:ext uri="{0D108BD9-81ED-4DB2-BD59-A6C34878D82A}">
+                    <a16:rowId xmlns:a16="http://schemas.microsoft.com/office/drawing/2014/main" val="3934898473"/>
+                  </a:ext>
+                </a:extLst>
+              </a:tr>
+              <a:tr h="422071">
+                <a:tc>
+                  <a:txBody>
+                    <a:bodyPr/>
+                    <a:lstStyle/>
+                    <a:p>
+                      <a:pPr algn="ctr" latinLnBrk="1"/>
+                      <a:r>
+                        <a:rPr lang="ko-KR" altLang="en-US" sz="1200" dirty="0"/>
+                        <a:t>유체화</a:t>
+                      </a:r>
+                    </a:p>
+                  </a:txBody>
+                  <a:tcPr anchor="ctr">
+                    <a:lnL w="12700" cap="flat" cmpd="sng" algn="ctr">
+                      <a:solidFill>
+                        <a:schemeClr val="tx1"/>
+                      </a:solidFill>
+                      <a:prstDash val="solid"/>
+                      <a:round/>
+                      <a:headEnd type="none" w="med" len="med"/>
+                      <a:tailEnd type="none" w="med" len="med"/>
+                    </a:lnL>
+                    <a:lnR w="12700" cap="flat" cmpd="sng" algn="ctr">
+                      <a:solidFill>
+                        <a:schemeClr val="tx1"/>
+                      </a:solidFill>
+                      <a:prstDash val="solid"/>
+                      <a:round/>
+                      <a:headEnd type="none" w="med" len="med"/>
+                      <a:tailEnd type="none" w="med" len="med"/>
+                    </a:lnR>
+                    <a:lnT w="12700" cap="flat" cmpd="sng" algn="ctr">
+                      <a:solidFill>
+                        <a:schemeClr val="tx1"/>
+                      </a:solidFill>
+                      <a:prstDash val="solid"/>
+                      <a:round/>
+                      <a:headEnd type="none" w="med" len="med"/>
+                      <a:tailEnd type="none" w="med" len="med"/>
+                    </a:lnT>
+                    <a:lnB w="12700" cap="flat" cmpd="sng" algn="ctr">
+                      <a:solidFill>
+                        <a:schemeClr val="tx1"/>
+                      </a:solidFill>
+                      <a:prstDash val="solid"/>
+                      <a:round/>
+                      <a:headEnd type="none" w="med" len="med"/>
+                      <a:tailEnd type="none" w="med" len="med"/>
+                    </a:lnB>
+                  </a:tcPr>
+                </a:tc>
+                <a:tc>
+                  <a:txBody>
+                    <a:bodyPr/>
+                    <a:lstStyle/>
+                    <a:p>
+                      <a:pPr algn="ctr" latinLnBrk="1"/>
+                      <a:r>
+                        <a:rPr lang="en-US" altLang="ko-KR" sz="1200" dirty="0"/>
+                        <a:t>10</a:t>
+                      </a:r>
+                      <a:r>
+                        <a:rPr lang="ko-KR" altLang="en-US" sz="1200" dirty="0"/>
+                        <a:t>초</a:t>
+                      </a:r>
+                    </a:p>
+                  </a:txBody>
+                  <a:tcPr anchor="ctr">
+                    <a:lnL w="12700" cap="flat" cmpd="sng" algn="ctr">
+                      <a:solidFill>
+                        <a:schemeClr val="tx1"/>
+                      </a:solidFill>
+                      <a:prstDash val="solid"/>
+                      <a:round/>
+                      <a:headEnd type="none" w="med" len="med"/>
+                      <a:tailEnd type="none" w="med" len="med"/>
+                    </a:lnL>
+                    <a:lnR w="12700" cap="flat" cmpd="sng" algn="ctr">
+                      <a:solidFill>
+                        <a:schemeClr val="tx1"/>
+                      </a:solidFill>
+                      <a:prstDash val="solid"/>
+                      <a:round/>
+                      <a:headEnd type="none" w="med" len="med"/>
+                      <a:tailEnd type="none" w="med" len="med"/>
+                    </a:lnR>
+                    <a:lnT w="12700" cap="flat" cmpd="sng" algn="ctr">
+                      <a:solidFill>
+                        <a:schemeClr val="tx1"/>
+                      </a:solidFill>
+                      <a:prstDash val="solid"/>
+                      <a:round/>
+                      <a:headEnd type="none" w="med" len="med"/>
+                      <a:tailEnd type="none" w="med" len="med"/>
+                    </a:lnT>
+                    <a:lnB w="12700" cap="flat" cmpd="sng" algn="ctr">
+                      <a:solidFill>
+                        <a:schemeClr val="tx1"/>
+                      </a:solidFill>
+                      <a:prstDash val="solid"/>
+                      <a:round/>
+                      <a:headEnd type="none" w="med" len="med"/>
+                      <a:tailEnd type="none" w="med" len="med"/>
+                    </a:lnB>
+                  </a:tcPr>
+                </a:tc>
+                <a:tc>
+                  <a:txBody>
+                    <a:bodyPr/>
+                    <a:lstStyle/>
+                    <a:p>
+                      <a:pPr algn="ctr" latinLnBrk="1"/>
+                      <a:r>
+                        <a:rPr lang="en-US" altLang="ko-KR" sz="1200" dirty="0"/>
+                        <a:t>1</a:t>
+                      </a:r>
+                      <a:r>
+                        <a:rPr lang="ko-KR" altLang="en-US" sz="1200" dirty="0"/>
+                        <a:t>초간 이동속도가 </a:t>
+                      </a:r>
+                      <a:r>
+                        <a:rPr lang="en-US" altLang="ko-KR" sz="1200" dirty="0"/>
+                        <a:t>0.5 </a:t>
+                      </a:r>
+                      <a:r>
+                        <a:rPr lang="ko-KR" altLang="en-US" sz="1200" dirty="0"/>
+                        <a:t>증가한다</a:t>
+                      </a:r>
+                      <a:r>
+                        <a:rPr lang="en-US" altLang="ko-KR" sz="1200" dirty="0"/>
+                        <a:t>.</a:t>
+                      </a:r>
+                      <a:endParaRPr lang="ko-KR" altLang="en-US" sz="1200" dirty="0"/>
+                    </a:p>
+                  </a:txBody>
+                  <a:tcPr anchor="ctr">
+                    <a:lnL w="12700" cap="flat" cmpd="sng" algn="ctr">
+                      <a:solidFill>
+                        <a:schemeClr val="tx1"/>
+                      </a:solidFill>
+                      <a:prstDash val="solid"/>
+                      <a:round/>
+                      <a:headEnd type="none" w="med" len="med"/>
+                      <a:tailEnd type="none" w="med" len="med"/>
+                    </a:lnL>
+                    <a:lnR w="12700" cap="flat" cmpd="sng" algn="ctr">
+                      <a:solidFill>
+                        <a:schemeClr val="tx1"/>
+                      </a:solidFill>
+                      <a:prstDash val="solid"/>
+                      <a:round/>
+                      <a:headEnd type="none" w="med" len="med"/>
+                      <a:tailEnd type="none" w="med" len="med"/>
+                    </a:lnR>
+                    <a:lnT w="12700" cap="flat" cmpd="sng" algn="ctr">
+                      <a:solidFill>
+                        <a:schemeClr val="tx1"/>
+                      </a:solidFill>
+                      <a:prstDash val="solid"/>
+                      <a:round/>
+                      <a:headEnd type="none" w="med" len="med"/>
+                      <a:tailEnd type="none" w="med" len="med"/>
+                    </a:lnT>
+                    <a:lnB w="12700" cap="flat" cmpd="sng" algn="ctr">
+                      <a:solidFill>
+                        <a:schemeClr val="tx1"/>
+                      </a:solidFill>
+                      <a:prstDash val="solid"/>
+                      <a:round/>
+                      <a:headEnd type="none" w="med" len="med"/>
+                      <a:tailEnd type="none" w="med" len="med"/>
+                    </a:lnB>
+                  </a:tcPr>
+                </a:tc>
+                <a:extLst>
+                  <a:ext uri="{0D108BD9-81ED-4DB2-BD59-A6C34878D82A}">
+                    <a16:rowId xmlns:a16="http://schemas.microsoft.com/office/drawing/2014/main" val="3806283605"/>
+                  </a:ext>
+                </a:extLst>
+              </a:tr>
+              <a:tr h="422071">
+                <a:tc>
+                  <a:txBody>
+                    <a:bodyPr/>
+                    <a:lstStyle/>
+                    <a:p>
+                      <a:pPr algn="ctr" latinLnBrk="1"/>
+                      <a:endParaRPr lang="ko-KR" altLang="en-US" sz="1200" dirty="0"/>
+                    </a:p>
+                  </a:txBody>
+                  <a:tcPr anchor="ctr">
+                    <a:lnL w="12700" cap="flat" cmpd="sng" algn="ctr">
+                      <a:solidFill>
+                        <a:schemeClr val="tx1"/>
+                      </a:solidFill>
+                      <a:prstDash val="solid"/>
+                      <a:round/>
+                      <a:headEnd type="none" w="med" len="med"/>
+                      <a:tailEnd type="none" w="med" len="med"/>
+                    </a:lnL>
+                    <a:lnR w="12700" cap="flat" cmpd="sng" algn="ctr">
+                      <a:solidFill>
+                        <a:schemeClr val="tx1"/>
+                      </a:solidFill>
+                      <a:prstDash val="solid"/>
+                      <a:round/>
+                      <a:headEnd type="none" w="med" len="med"/>
+                      <a:tailEnd type="none" w="med" len="med"/>
+                    </a:lnR>
+                    <a:lnT w="12700" cap="flat" cmpd="sng" algn="ctr">
+                      <a:solidFill>
+                        <a:schemeClr val="tx1"/>
+                      </a:solidFill>
+                      <a:prstDash val="solid"/>
+                      <a:round/>
+                      <a:headEnd type="none" w="med" len="med"/>
+                      <a:tailEnd type="none" w="med" len="med"/>
+                    </a:lnT>
+                    <a:lnB w="12700" cap="flat" cmpd="sng" algn="ctr">
+                      <a:solidFill>
+                        <a:schemeClr val="tx1"/>
+                      </a:solidFill>
+                      <a:prstDash val="solid"/>
+                      <a:round/>
+                      <a:headEnd type="none" w="med" len="med"/>
+                      <a:tailEnd type="none" w="med" len="med"/>
+                    </a:lnB>
+                  </a:tcPr>
+                </a:tc>
+                <a:tc>
+                  <a:txBody>
+                    <a:bodyPr/>
+                    <a:lstStyle/>
+                    <a:p>
+                      <a:pPr algn="ctr" latinLnBrk="1"/>
+                      <a:endParaRPr lang="ko-KR" altLang="en-US" sz="1200" dirty="0"/>
+                    </a:p>
+                  </a:txBody>
+                  <a:tcPr anchor="ctr">
+                    <a:lnL w="12700" cap="flat" cmpd="sng" algn="ctr">
+                      <a:solidFill>
+                        <a:schemeClr val="tx1"/>
+                      </a:solidFill>
+                      <a:prstDash val="solid"/>
+                      <a:round/>
+                      <a:headEnd type="none" w="med" len="med"/>
+                      <a:tailEnd type="none" w="med" len="med"/>
+                    </a:lnL>
+                    <a:lnR w="12700" cap="flat" cmpd="sng" algn="ctr">
+                      <a:solidFill>
+                        <a:schemeClr val="tx1"/>
+                      </a:solidFill>
+                      <a:prstDash val="solid"/>
+                      <a:round/>
+                      <a:headEnd type="none" w="med" len="med"/>
+                      <a:tailEnd type="none" w="med" len="med"/>
+                    </a:lnR>
+                    <a:lnT w="12700" cap="flat" cmpd="sng" algn="ctr">
+                      <a:solidFill>
+                        <a:schemeClr val="tx1"/>
+                      </a:solidFill>
+                      <a:prstDash val="solid"/>
+                      <a:round/>
+                      <a:headEnd type="none" w="med" len="med"/>
+                      <a:tailEnd type="none" w="med" len="med"/>
+                    </a:lnT>
+                    <a:lnB w="12700" cap="flat" cmpd="sng" algn="ctr">
+                      <a:solidFill>
+                        <a:schemeClr val="tx1"/>
+                      </a:solidFill>
+                      <a:prstDash val="solid"/>
+                      <a:round/>
+                      <a:headEnd type="none" w="med" len="med"/>
+                      <a:tailEnd type="none" w="med" len="med"/>
+                    </a:lnB>
+                  </a:tcPr>
+                </a:tc>
+                <a:tc>
+                  <a:txBody>
+                    <a:bodyPr/>
+                    <a:lstStyle/>
+                    <a:p>
+                      <a:pPr algn="ctr" latinLnBrk="1"/>
+                      <a:endParaRPr lang="ko-KR" altLang="en-US" sz="1200" dirty="0"/>
+                    </a:p>
+                  </a:txBody>
+                  <a:tcPr anchor="ctr">
+                    <a:lnL w="12700" cap="flat" cmpd="sng" algn="ctr">
+                      <a:solidFill>
+                        <a:schemeClr val="tx1"/>
+                      </a:solidFill>
+                      <a:prstDash val="solid"/>
+                      <a:round/>
+                      <a:headEnd type="none" w="med" len="med"/>
+                      <a:tailEnd type="none" w="med" len="med"/>
+                    </a:lnL>
+                    <a:lnR w="12700" cap="flat" cmpd="sng" algn="ctr">
+                      <a:solidFill>
+                        <a:schemeClr val="tx1"/>
+                      </a:solidFill>
+                      <a:prstDash val="solid"/>
+                      <a:round/>
+                      <a:headEnd type="none" w="med" len="med"/>
+                      <a:tailEnd type="none" w="med" len="med"/>
+                    </a:lnR>
+                    <a:lnT w="12700" cap="flat" cmpd="sng" algn="ctr">
+                      <a:solidFill>
+                        <a:schemeClr val="tx1"/>
+                      </a:solidFill>
+                      <a:prstDash val="solid"/>
+                      <a:round/>
+                      <a:headEnd type="none" w="med" len="med"/>
+                      <a:tailEnd type="none" w="med" len="med"/>
+                    </a:lnT>
+                    <a:lnB w="12700" cap="flat" cmpd="sng" algn="ctr">
+                      <a:solidFill>
+                        <a:schemeClr val="tx1"/>
+                      </a:solidFill>
+                      <a:prstDash val="solid"/>
+                      <a:round/>
+                      <a:headEnd type="none" w="med" len="med"/>
+                      <a:tailEnd type="none" w="med" len="med"/>
+                    </a:lnB>
+                  </a:tcPr>
+                </a:tc>
+                <a:extLst>
+                  <a:ext uri="{0D108BD9-81ED-4DB2-BD59-A6C34878D82A}">
+                    <a16:rowId xmlns:a16="http://schemas.microsoft.com/office/drawing/2014/main" val="377653799"/>
+                  </a:ext>
+                </a:extLst>
+              </a:tr>
+            </a:tbl>
+          </a:graphicData>
+        </a:graphic>
+      </p:graphicFrame>
+      <p:sp>
+        <p:nvSpPr>
+          <p:cNvPr id="11" name="내용 개체 틀 2">
+            <a:extLst>
+              <a:ext uri="{FF2B5EF4-FFF2-40B4-BE49-F238E27FC236}">
+                <a16:creationId xmlns:a16="http://schemas.microsoft.com/office/drawing/2014/main" id="{8F71B3B7-083C-1D06-E635-FFF32162D3A7}"/>
+              </a:ext>
+            </a:extLst>
+          </p:cNvPr>
+          <p:cNvSpPr txBox="1">
+            <a:spLocks/>
+          </p:cNvSpPr>
+          <p:nvPr/>
+        </p:nvSpPr>
+        <p:spPr>
+          <a:xfrm>
+            <a:off x="6625866" y="6034702"/>
+            <a:ext cx="5257800" cy="563203"/>
+          </a:xfrm>
+          <a:prstGeom prst="rect">
+            <a:avLst/>
+          </a:prstGeom>
+        </p:spPr>
+        <p:txBody>
+          <a:bodyPr vert="horz" lIns="91440" tIns="45720" rIns="91440" bIns="45720" rtlCol="0">
+            <a:normAutofit/>
+          </a:bodyPr>
+          <a:lstStyle>
+            <a:lvl1pPr marL="228600" indent="-228600" algn="l" defTabSz="914400" rtl="0" eaLnBrk="1" latinLnBrk="1" hangingPunct="1">
+              <a:lnSpc>
+                <a:spcPct val="90000"/>
+              </a:lnSpc>
+              <a:spcBef>
+                <a:spcPts val="1000"/>
+              </a:spcBef>
+              <a:buFont typeface="Arial" panose="020B0604020202020204" pitchFamily="34" charset="0"/>
+              <a:buChar char="•"/>
+              <a:defRPr sz="2800" kern="1200">
+                <a:solidFill>
+                  <a:schemeClr val="tx1"/>
+                </a:solidFill>
+                <a:latin typeface="+mn-lt"/>
+                <a:ea typeface="+mn-ea"/>
+                <a:cs typeface="+mn-cs"/>
+              </a:defRPr>
+            </a:lvl1pPr>
+            <a:lvl2pPr marL="685800" indent="-228600" algn="l" defTabSz="914400" rtl="0" eaLnBrk="1" latinLnBrk="1" hangingPunct="1">
+              <a:lnSpc>
+                <a:spcPct val="90000"/>
+              </a:lnSpc>
+              <a:spcBef>
+                <a:spcPts val="500"/>
+              </a:spcBef>
+              <a:buFont typeface="Arial" panose="020B0604020202020204" pitchFamily="34" charset="0"/>
+              <a:buChar char="•"/>
+              <a:defRPr sz="2400" kern="1200">
+                <a:solidFill>
+                  <a:schemeClr val="tx1"/>
+                </a:solidFill>
+                <a:latin typeface="+mn-lt"/>
+                <a:ea typeface="+mn-ea"/>
+                <a:cs typeface="+mn-cs"/>
+              </a:defRPr>
+            </a:lvl2pPr>
+            <a:lvl3pPr marL="1143000" indent="-228600" algn="l" defTabSz="914400" rtl="0" eaLnBrk="1" latinLnBrk="1" hangingPunct="1">
+              <a:lnSpc>
+                <a:spcPct val="90000"/>
+              </a:lnSpc>
+              <a:spcBef>
+                <a:spcPts val="500"/>
+              </a:spcBef>
+              <a:buFont typeface="Arial" panose="020B0604020202020204" pitchFamily="34" charset="0"/>
+              <a:buChar char="•"/>
+              <a:defRPr sz="2000" kern="1200">
+                <a:solidFill>
+                  <a:schemeClr val="tx1"/>
+                </a:solidFill>
+                <a:latin typeface="+mn-lt"/>
+                <a:ea typeface="+mn-ea"/>
+                <a:cs typeface="+mn-cs"/>
+              </a:defRPr>
+            </a:lvl3pPr>
+            <a:lvl4pPr marL="1600200" indent="-228600" algn="l" defTabSz="914400" rtl="0" eaLnBrk="1" latinLnBrk="1" hangingPunct="1">
+              <a:lnSpc>
+                <a:spcPct val="90000"/>
+              </a:lnSpc>
+              <a:spcBef>
+                <a:spcPts val="500"/>
+              </a:spcBef>
+              <a:buFont typeface="Arial" panose="020B0604020202020204" pitchFamily="34" charset="0"/>
+              <a:buChar char="•"/>
+              <a:defRPr sz="1800" kern="1200">
+                <a:solidFill>
+                  <a:schemeClr val="tx1"/>
+                </a:solidFill>
+                <a:latin typeface="+mn-lt"/>
+                <a:ea typeface="+mn-ea"/>
+                <a:cs typeface="+mn-cs"/>
+              </a:defRPr>
+            </a:lvl4pPr>
+            <a:lvl5pPr marL="2057400" indent="-228600" algn="l" defTabSz="914400" rtl="0" eaLnBrk="1" latinLnBrk="1" hangingPunct="1">
+              <a:lnSpc>
+                <a:spcPct val="90000"/>
+              </a:lnSpc>
+              <a:spcBef>
+                <a:spcPts val="500"/>
+              </a:spcBef>
+              <a:buFont typeface="Arial" panose="020B0604020202020204" pitchFamily="34" charset="0"/>
+              <a:buChar char="•"/>
+              <a:defRPr sz="1800" kern="1200">
+                <a:solidFill>
+                  <a:schemeClr val="tx1"/>
+                </a:solidFill>
+                <a:latin typeface="+mn-lt"/>
+                <a:ea typeface="+mn-ea"/>
+                <a:cs typeface="+mn-cs"/>
+              </a:defRPr>
+            </a:lvl5pPr>
+            <a:lvl6pPr marL="2514600" indent="-228600" algn="l" defTabSz="914400" rtl="0" eaLnBrk="1" latinLnBrk="1" hangingPunct="1">
+              <a:lnSpc>
+                <a:spcPct val="90000"/>
+              </a:lnSpc>
+              <a:spcBef>
+                <a:spcPts val="500"/>
+              </a:spcBef>
+              <a:buFont typeface="Arial" panose="020B0604020202020204" pitchFamily="34" charset="0"/>
+              <a:buChar char="•"/>
+              <a:defRPr sz="1800" kern="1200">
+                <a:solidFill>
+                  <a:schemeClr val="tx1"/>
+                </a:solidFill>
+                <a:latin typeface="+mn-lt"/>
+                <a:ea typeface="+mn-ea"/>
+                <a:cs typeface="+mn-cs"/>
+              </a:defRPr>
+            </a:lvl6pPr>
+            <a:lvl7pPr marL="2971800" indent="-228600" algn="l" defTabSz="914400" rtl="0" eaLnBrk="1" latinLnBrk="1" hangingPunct="1">
+              <a:lnSpc>
+                <a:spcPct val="90000"/>
+              </a:lnSpc>
+              <a:spcBef>
+                <a:spcPts val="500"/>
+              </a:spcBef>
+              <a:buFont typeface="Arial" panose="020B0604020202020204" pitchFamily="34" charset="0"/>
+              <a:buChar char="•"/>
+              <a:defRPr sz="1800" kern="1200">
+                <a:solidFill>
+                  <a:schemeClr val="tx1"/>
+                </a:solidFill>
+                <a:latin typeface="+mn-lt"/>
+                <a:ea typeface="+mn-ea"/>
+                <a:cs typeface="+mn-cs"/>
+              </a:defRPr>
+            </a:lvl7pPr>
+            <a:lvl8pPr marL="3429000" indent="-228600" algn="l" defTabSz="914400" rtl="0" eaLnBrk="1" latinLnBrk="1" hangingPunct="1">
+              <a:lnSpc>
+                <a:spcPct val="90000"/>
+              </a:lnSpc>
+              <a:spcBef>
+                <a:spcPts val="500"/>
+              </a:spcBef>
+              <a:buFont typeface="Arial" panose="020B0604020202020204" pitchFamily="34" charset="0"/>
+              <a:buChar char="•"/>
+              <a:defRPr sz="1800" kern="1200">
+                <a:solidFill>
+                  <a:schemeClr val="tx1"/>
+                </a:solidFill>
+                <a:latin typeface="+mn-lt"/>
+                <a:ea typeface="+mn-ea"/>
+                <a:cs typeface="+mn-cs"/>
+              </a:defRPr>
+            </a:lvl8pPr>
+            <a:lvl9pPr marL="3886200" indent="-228600" algn="l" defTabSz="914400" rtl="0" eaLnBrk="1" latinLnBrk="1" hangingPunct="1">
+              <a:lnSpc>
+                <a:spcPct val="90000"/>
+              </a:lnSpc>
+              <a:spcBef>
+                <a:spcPts val="500"/>
+              </a:spcBef>
+              <a:buFont typeface="Arial" panose="020B0604020202020204" pitchFamily="34" charset="0"/>
+              <a:buChar char="•"/>
+              <a:defRPr sz="1800" kern="1200">
+                <a:solidFill>
+                  <a:schemeClr val="tx1"/>
+                </a:solidFill>
+                <a:latin typeface="+mn-lt"/>
+                <a:ea typeface="+mn-ea"/>
+                <a:cs typeface="+mn-cs"/>
+              </a:defRPr>
+            </a:lvl9pPr>
+          </a:lstStyle>
+          <a:p>
+            <a:pPr marL="0" indent="0" algn="ctr">
+              <a:buNone/>
+            </a:pPr>
+            <a:r>
+              <a:rPr lang="ko-KR" altLang="en-US" dirty="0"/>
+              <a:t>예시 캐릭터 사진</a:t>
+            </a:r>
+            <a:endParaRPr lang="en-US" altLang="ko-KR" sz="1400" dirty="0"/>
+          </a:p>
+        </p:txBody>
+      </p:sp>
+      <p:graphicFrame>
+        <p:nvGraphicFramePr>
+          <p:cNvPr id="7" name="표 6">
+            <a:extLst>
+              <a:ext uri="{FF2B5EF4-FFF2-40B4-BE49-F238E27FC236}">
+                <a16:creationId xmlns:a16="http://schemas.microsoft.com/office/drawing/2014/main" id="{191A037D-BD59-A58F-18D8-CEE9ADE721BF}"/>
+              </a:ext>
+            </a:extLst>
+          </p:cNvPr>
+          <p:cNvGraphicFramePr>
+            <a:graphicFrameLocks noGrp="1"/>
+          </p:cNvGraphicFramePr>
+          <p:nvPr>
+            <p:extLst>
+              <p:ext uri="{D42A27DB-BD31-4B8C-83A1-F6EECF244321}">
+                <p14:modId xmlns:p14="http://schemas.microsoft.com/office/powerpoint/2010/main" val="3201624477"/>
+              </p:ext>
+            </p:extLst>
+          </p:nvPr>
+        </p:nvGraphicFramePr>
+        <p:xfrm>
+          <a:off x="838200" y="2465768"/>
+          <a:ext cx="5373031" cy="2779588"/>
+        </p:xfrm>
+        <a:graphic>
+          <a:graphicData uri="http://schemas.openxmlformats.org/drawingml/2006/table">
+            <a:tbl>
+              <a:tblPr firstRow="1" bandRow="1">
+                <a:tableStyleId>{21E4AEA4-8DFA-4A89-87EB-49C32662AFE0}</a:tableStyleId>
+              </a:tblPr>
+              <a:tblGrid>
+                <a:gridCol w="1429282">
+                  <a:extLst>
+                    <a:ext uri="{9D8B030D-6E8A-4147-A177-3AD203B41FA5}">
+                      <a16:colId xmlns:a16="http://schemas.microsoft.com/office/drawing/2014/main" val="649444370"/>
+                    </a:ext>
+                  </a:extLst>
+                </a:gridCol>
+                <a:gridCol w="1167767">
+                  <a:extLst>
+                    <a:ext uri="{9D8B030D-6E8A-4147-A177-3AD203B41FA5}">
+                      <a16:colId xmlns:a16="http://schemas.microsoft.com/office/drawing/2014/main" val="894170241"/>
+                    </a:ext>
+                  </a:extLst>
+                </a:gridCol>
+                <a:gridCol w="2775982">
+                  <a:extLst>
+                    <a:ext uri="{9D8B030D-6E8A-4147-A177-3AD203B41FA5}">
+                      <a16:colId xmlns:a16="http://schemas.microsoft.com/office/drawing/2014/main" val="788308112"/>
+                    </a:ext>
+                  </a:extLst>
+                </a:gridCol>
+              </a:tblGrid>
+              <a:tr h="397084">
+                <a:tc>
+                  <a:txBody>
+                    <a:bodyPr/>
+                    <a:lstStyle/>
+                    <a:p>
+                      <a:pPr algn="ctr" latinLnBrk="1"/>
+                      <a:r>
+                        <a:rPr lang="ko-KR" altLang="en-US" sz="1800" dirty="0" err="1"/>
+                        <a:t>스텟</a:t>
+                      </a:r>
+                      <a:endParaRPr lang="ko-KR" altLang="en-US" sz="1800" dirty="0"/>
+                    </a:p>
+                  </a:txBody>
+                  <a:tcPr anchor="ctr">
+                    <a:lnL w="12700" cap="flat" cmpd="sng" algn="ctr">
+                      <a:solidFill>
+                        <a:schemeClr val="tx1"/>
+                      </a:solidFill>
+                      <a:prstDash val="solid"/>
+                      <a:round/>
+                      <a:headEnd type="none" w="med" len="med"/>
+                      <a:tailEnd type="none" w="med" len="med"/>
+                    </a:lnL>
+                    <a:lnR w="12700" cap="flat" cmpd="sng" algn="ctr">
+                      <a:solidFill>
+                        <a:schemeClr val="tx1"/>
+                      </a:solidFill>
+                      <a:prstDash val="solid"/>
+                      <a:round/>
+                      <a:headEnd type="none" w="med" len="med"/>
+                      <a:tailEnd type="none" w="med" len="med"/>
+                    </a:lnR>
+                    <a:lnT w="12700" cap="flat" cmpd="sng" algn="ctr">
+                      <a:solidFill>
+                        <a:schemeClr val="tx1"/>
+                      </a:solidFill>
+                      <a:prstDash val="solid"/>
+                      <a:round/>
+                      <a:headEnd type="none" w="med" len="med"/>
+                      <a:tailEnd type="none" w="med" len="med"/>
+                    </a:lnT>
+                    <a:lnB w="12700" cap="flat" cmpd="sng" algn="ctr">
+                      <a:solidFill>
+                        <a:schemeClr val="tx1"/>
+                      </a:solidFill>
+                      <a:prstDash val="solid"/>
+                      <a:round/>
+                      <a:headEnd type="none" w="med" len="med"/>
+                      <a:tailEnd type="none" w="med" len="med"/>
+                    </a:lnB>
+                    <a:lnTlToBr w="12700" cmpd="sng">
+                      <a:noFill/>
+                      <a:prstDash val="solid"/>
+                    </a:lnTlToBr>
+                    <a:lnBlToTr w="12700" cmpd="sng">
+                      <a:noFill/>
+                      <a:prstDash val="solid"/>
+                    </a:lnBlToTr>
+                  </a:tcPr>
+                </a:tc>
+                <a:tc>
+                  <a:txBody>
+                    <a:bodyPr/>
+                    <a:lstStyle/>
+                    <a:p>
+                      <a:pPr algn="ctr" latinLnBrk="1"/>
+                      <a:r>
+                        <a:rPr lang="ko-KR" altLang="en-US" sz="1800" dirty="0"/>
+                        <a:t>수치</a:t>
+                      </a:r>
+                    </a:p>
+                  </a:txBody>
+                  <a:tcPr anchor="ctr">
+                    <a:lnL w="12700" cap="flat" cmpd="sng" algn="ctr">
+                      <a:solidFill>
+                        <a:schemeClr val="tx1"/>
+                      </a:solidFill>
+                      <a:prstDash val="solid"/>
+                      <a:round/>
+                      <a:headEnd type="none" w="med" len="med"/>
+                      <a:tailEnd type="none" w="med" len="med"/>
+                    </a:lnL>
+                    <a:lnR w="12700" cap="flat" cmpd="sng" algn="ctr">
+                      <a:solidFill>
+                        <a:schemeClr val="tx1"/>
+                      </a:solidFill>
+                      <a:prstDash val="solid"/>
+                      <a:round/>
+                      <a:headEnd type="none" w="med" len="med"/>
+                      <a:tailEnd type="none" w="med" len="med"/>
+                    </a:lnR>
+                    <a:lnT w="12700" cap="flat" cmpd="sng" algn="ctr">
+                      <a:solidFill>
+                        <a:schemeClr val="tx1"/>
+                      </a:solidFill>
+                      <a:prstDash val="solid"/>
+                      <a:round/>
+                      <a:headEnd type="none" w="med" len="med"/>
+                      <a:tailEnd type="none" w="med" len="med"/>
+                    </a:lnT>
+                    <a:lnB w="12700" cap="flat" cmpd="sng" algn="ctr">
+                      <a:solidFill>
+                        <a:schemeClr val="tx1"/>
+                      </a:solidFill>
+                      <a:prstDash val="solid"/>
+                      <a:round/>
+                      <a:headEnd type="none" w="med" len="med"/>
+                      <a:tailEnd type="none" w="med" len="med"/>
+                    </a:lnB>
+                    <a:lnTlToBr w="12700" cmpd="sng">
+                      <a:noFill/>
+                      <a:prstDash val="solid"/>
+                    </a:lnTlToBr>
+                    <a:lnBlToTr w="12700" cmpd="sng">
+                      <a:noFill/>
+                      <a:prstDash val="solid"/>
+                    </a:lnBlToTr>
+                  </a:tcPr>
+                </a:tc>
+                <a:tc>
+                  <a:txBody>
+                    <a:bodyPr/>
+                    <a:lstStyle/>
+                    <a:p>
+                      <a:pPr algn="ctr" latinLnBrk="1"/>
+                      <a:r>
+                        <a:rPr lang="ko-KR" altLang="en-US" sz="1800" dirty="0"/>
+                        <a:t>주석</a:t>
+                      </a:r>
+                    </a:p>
+                  </a:txBody>
+                  <a:tcPr anchor="ctr">
+                    <a:lnL w="12700" cap="flat" cmpd="sng" algn="ctr">
+                      <a:solidFill>
+                        <a:schemeClr val="tx1"/>
+                      </a:solidFill>
+                      <a:prstDash val="solid"/>
+                      <a:round/>
+                      <a:headEnd type="none" w="med" len="med"/>
+                      <a:tailEnd type="none" w="med" len="med"/>
+                    </a:lnL>
+                    <a:lnR w="12700" cap="flat" cmpd="sng" algn="ctr">
+                      <a:solidFill>
+                        <a:schemeClr val="tx1"/>
+                      </a:solidFill>
+                      <a:prstDash val="solid"/>
+                      <a:round/>
+                      <a:headEnd type="none" w="med" len="med"/>
+                      <a:tailEnd type="none" w="med" len="med"/>
+                    </a:lnR>
+                    <a:lnT w="12700" cap="flat" cmpd="sng" algn="ctr">
+                      <a:solidFill>
+                        <a:schemeClr val="tx1"/>
+                      </a:solidFill>
+                      <a:prstDash val="solid"/>
+                      <a:round/>
+                      <a:headEnd type="none" w="med" len="med"/>
+                      <a:tailEnd type="none" w="med" len="med"/>
+                    </a:lnT>
+                    <a:lnB w="12700" cap="flat" cmpd="sng" algn="ctr">
+                      <a:solidFill>
+                        <a:schemeClr val="tx1"/>
+                      </a:solidFill>
+                      <a:prstDash val="solid"/>
+                      <a:round/>
+                      <a:headEnd type="none" w="med" len="med"/>
+                      <a:tailEnd type="none" w="med" len="med"/>
+                    </a:lnB>
+                    <a:lnTlToBr w="12700" cmpd="sng">
+                      <a:noFill/>
+                      <a:prstDash val="solid"/>
+                    </a:lnTlToBr>
+                    <a:lnBlToTr w="12700" cmpd="sng">
+                      <a:noFill/>
+                      <a:prstDash val="solid"/>
+                    </a:lnBlToTr>
+                  </a:tcPr>
+                </a:tc>
+                <a:extLst>
+                  <a:ext uri="{0D108BD9-81ED-4DB2-BD59-A6C34878D82A}">
+                    <a16:rowId xmlns:a16="http://schemas.microsoft.com/office/drawing/2014/main" val="3952501529"/>
+                  </a:ext>
+                </a:extLst>
+              </a:tr>
+              <a:tr h="397084">
+                <a:tc>
+                  <a:txBody>
+                    <a:bodyPr/>
+                    <a:lstStyle/>
+                    <a:p>
+                      <a:pPr marL="0" indent="0" algn="ctr" latinLnBrk="1">
+                        <a:buFont typeface="+mj-lt"/>
+                        <a:buNone/>
+                      </a:pPr>
+                      <a:r>
+                        <a:rPr lang="en-US" altLang="ko-KR" sz="1200" dirty="0"/>
+                        <a:t>HP</a:t>
+                      </a:r>
+                      <a:endParaRPr lang="ko-KR" altLang="en-US" sz="1200" dirty="0"/>
+                    </a:p>
+                  </a:txBody>
+                  <a:tcPr anchor="ctr">
+                    <a:lnL w="12700" cap="flat" cmpd="sng" algn="ctr">
+                      <a:solidFill>
+                        <a:schemeClr val="tx1"/>
+                      </a:solidFill>
+                      <a:prstDash val="solid"/>
+                      <a:round/>
+                      <a:headEnd type="none" w="med" len="med"/>
+                      <a:tailEnd type="none" w="med" len="med"/>
+                    </a:lnL>
+                    <a:lnR w="12700" cap="flat" cmpd="sng" algn="ctr">
+                      <a:solidFill>
+                        <a:schemeClr val="tx1"/>
+                      </a:solidFill>
+                      <a:prstDash val="solid"/>
+                      <a:round/>
+                      <a:headEnd type="none" w="med" len="med"/>
+                      <a:tailEnd type="none" w="med" len="med"/>
+                    </a:lnR>
+                    <a:lnT w="12700" cap="flat" cmpd="sng" algn="ctr">
+                      <a:solidFill>
+                        <a:schemeClr val="tx1"/>
+                      </a:solidFill>
+                      <a:prstDash val="solid"/>
+                      <a:round/>
+                      <a:headEnd type="none" w="med" len="med"/>
+                      <a:tailEnd type="none" w="med" len="med"/>
+                    </a:lnT>
+                    <a:lnB w="12700" cap="flat" cmpd="sng" algn="ctr">
+                      <a:solidFill>
+                        <a:schemeClr val="tx1"/>
+                      </a:solidFill>
+                      <a:prstDash val="solid"/>
+                      <a:round/>
+                      <a:headEnd type="none" w="med" len="med"/>
+                      <a:tailEnd type="none" w="med" len="med"/>
+                    </a:lnB>
+                    <a:lnTlToBr w="12700" cmpd="sng">
+                      <a:noFill/>
+                      <a:prstDash val="solid"/>
+                    </a:lnTlToBr>
+                    <a:lnBlToTr w="12700" cmpd="sng">
+                      <a:noFill/>
+                      <a:prstDash val="solid"/>
+                    </a:lnBlToTr>
+                  </a:tcPr>
+                </a:tc>
+                <a:tc>
+                  <a:txBody>
+                    <a:bodyPr/>
+                    <a:lstStyle/>
+                    <a:p>
+                      <a:pPr marL="0" indent="0" algn="ctr" latinLnBrk="1">
+                        <a:buFont typeface="+mj-lt"/>
+                        <a:buNone/>
+                      </a:pPr>
+                      <a:r>
+                        <a:rPr lang="en-US" altLang="ko-KR" sz="1200" dirty="0"/>
+                        <a:t>3</a:t>
+                      </a:r>
+                      <a:r>
+                        <a:rPr lang="ko-KR" altLang="en-US" sz="1200" dirty="0"/>
+                        <a:t>칸</a:t>
+                      </a:r>
+                    </a:p>
+                  </a:txBody>
+                  <a:tcPr anchor="ctr">
+                    <a:lnL w="12700" cap="flat" cmpd="sng" algn="ctr">
+                      <a:solidFill>
+                        <a:schemeClr val="tx1"/>
+                      </a:solidFill>
+                      <a:prstDash val="solid"/>
+                      <a:round/>
+                      <a:headEnd type="none" w="med" len="med"/>
+                      <a:tailEnd type="none" w="med" len="med"/>
+                    </a:lnL>
+                    <a:lnR w="12700" cap="flat" cmpd="sng" algn="ctr">
+                      <a:solidFill>
+                        <a:schemeClr val="tx1"/>
+                      </a:solidFill>
+                      <a:prstDash val="solid"/>
+                      <a:round/>
+                      <a:headEnd type="none" w="med" len="med"/>
+                      <a:tailEnd type="none" w="med" len="med"/>
+                    </a:lnR>
+                    <a:lnT w="12700" cap="flat" cmpd="sng" algn="ctr">
+                      <a:solidFill>
+                        <a:schemeClr val="tx1"/>
+                      </a:solidFill>
+                      <a:prstDash val="solid"/>
+                      <a:round/>
+                      <a:headEnd type="none" w="med" len="med"/>
+                      <a:tailEnd type="none" w="med" len="med"/>
+                    </a:lnT>
+                    <a:lnB w="12700" cap="flat" cmpd="sng" algn="ctr">
+                      <a:solidFill>
+                        <a:schemeClr val="tx1"/>
+                      </a:solidFill>
+                      <a:prstDash val="solid"/>
+                      <a:round/>
+                      <a:headEnd type="none" w="med" len="med"/>
+                      <a:tailEnd type="none" w="med" len="med"/>
+                    </a:lnB>
+                    <a:lnTlToBr w="12700" cmpd="sng">
+                      <a:noFill/>
+                      <a:prstDash val="solid"/>
+                    </a:lnTlToBr>
+                    <a:lnBlToTr w="12700" cmpd="sng">
+                      <a:noFill/>
+                      <a:prstDash val="solid"/>
+                    </a:lnBlToTr>
+                  </a:tcPr>
+                </a:tc>
+                <a:tc>
+                  <a:txBody>
+                    <a:bodyPr/>
+                    <a:lstStyle/>
+                    <a:p>
+                      <a:pPr marL="0" indent="0" algn="ctr" latinLnBrk="1">
+                        <a:buFont typeface="+mj-lt"/>
+                        <a:buNone/>
+                      </a:pPr>
+                      <a:r>
+                        <a:rPr lang="ko-KR" altLang="en-US" sz="1200" dirty="0"/>
+                        <a:t>총</a:t>
+                      </a:r>
+                      <a:r>
+                        <a:rPr lang="en-US" altLang="ko-KR" sz="1200" dirty="0"/>
+                        <a:t>, </a:t>
+                      </a:r>
+                      <a:r>
+                        <a:rPr lang="ko-KR" altLang="en-US" sz="1200" dirty="0"/>
+                        <a:t>몬스터에게 피격 시 </a:t>
+                      </a:r>
+                      <a:r>
+                        <a:rPr lang="en-US" altLang="ko-KR" sz="1200" dirty="0"/>
+                        <a:t>1</a:t>
+                      </a:r>
+                      <a:r>
+                        <a:rPr lang="ko-KR" altLang="en-US" sz="1200" dirty="0" err="1"/>
+                        <a:t>칸씩</a:t>
+                      </a:r>
+                      <a:r>
+                        <a:rPr lang="ko-KR" altLang="en-US" sz="1200" dirty="0"/>
+                        <a:t> 닳음</a:t>
+                      </a:r>
+                      <a:r>
+                        <a:rPr lang="en-US" altLang="ko-KR" sz="1200" dirty="0"/>
+                        <a:t>.</a:t>
+                      </a:r>
+                      <a:endParaRPr lang="ko-KR" altLang="en-US" sz="1200" dirty="0"/>
+                    </a:p>
+                  </a:txBody>
+                  <a:tcPr anchor="ctr">
+                    <a:lnL w="12700" cap="flat" cmpd="sng" algn="ctr">
+                      <a:solidFill>
+                        <a:schemeClr val="tx1"/>
+                      </a:solidFill>
+                      <a:prstDash val="solid"/>
+                      <a:round/>
+                      <a:headEnd type="none" w="med" len="med"/>
+                      <a:tailEnd type="none" w="med" len="med"/>
+                    </a:lnL>
+                    <a:lnR w="12700" cap="flat" cmpd="sng" algn="ctr">
+                      <a:solidFill>
+                        <a:schemeClr val="tx1"/>
+                      </a:solidFill>
+                      <a:prstDash val="solid"/>
+                      <a:round/>
+                      <a:headEnd type="none" w="med" len="med"/>
+                      <a:tailEnd type="none" w="med" len="med"/>
+                    </a:lnR>
+                    <a:lnT w="12700" cap="flat" cmpd="sng" algn="ctr">
+                      <a:solidFill>
+                        <a:schemeClr val="tx1"/>
+                      </a:solidFill>
+                      <a:prstDash val="solid"/>
+                      <a:round/>
+                      <a:headEnd type="none" w="med" len="med"/>
+                      <a:tailEnd type="none" w="med" len="med"/>
+                    </a:lnT>
+                    <a:lnB w="12700" cap="flat" cmpd="sng" algn="ctr">
+                      <a:solidFill>
+                        <a:schemeClr val="tx1"/>
+                      </a:solidFill>
+                      <a:prstDash val="solid"/>
+                      <a:round/>
+                      <a:headEnd type="none" w="med" len="med"/>
+                      <a:tailEnd type="none" w="med" len="med"/>
+                    </a:lnB>
+                    <a:lnTlToBr w="12700" cmpd="sng">
+                      <a:noFill/>
+                      <a:prstDash val="solid"/>
+                    </a:lnTlToBr>
+                    <a:lnBlToTr w="12700" cmpd="sng">
+                      <a:noFill/>
+                      <a:prstDash val="solid"/>
+                    </a:lnBlToTr>
+                  </a:tcPr>
+                </a:tc>
+                <a:extLst>
+                  <a:ext uri="{0D108BD9-81ED-4DB2-BD59-A6C34878D82A}">
+                    <a16:rowId xmlns:a16="http://schemas.microsoft.com/office/drawing/2014/main" val="2347358794"/>
+                  </a:ext>
+                </a:extLst>
+              </a:tr>
+              <a:tr h="397084">
+                <a:tc>
+                  <a:txBody>
+                    <a:bodyPr/>
+                    <a:lstStyle/>
+                    <a:p>
+                      <a:pPr marL="0" indent="0" algn="ctr" latinLnBrk="1">
+                        <a:buFont typeface="+mj-lt"/>
+                        <a:buNone/>
+                      </a:pPr>
+                      <a:r>
+                        <a:rPr lang="ko-KR" altLang="en-US" sz="1200" dirty="0"/>
+                        <a:t>폭탄 목걸이</a:t>
+                      </a:r>
+                    </a:p>
+                  </a:txBody>
+                  <a:tcPr anchor="ctr">
+                    <a:lnL w="12700" cap="flat" cmpd="sng" algn="ctr">
+                      <a:solidFill>
+                        <a:schemeClr val="tx1"/>
+                      </a:solidFill>
+                      <a:prstDash val="solid"/>
+                      <a:round/>
+                      <a:headEnd type="none" w="med" len="med"/>
+                      <a:tailEnd type="none" w="med" len="med"/>
+                    </a:lnL>
+                    <a:lnR w="12700" cap="flat" cmpd="sng" algn="ctr">
+                      <a:solidFill>
+                        <a:schemeClr val="tx1"/>
+                      </a:solidFill>
+                      <a:prstDash val="solid"/>
+                      <a:round/>
+                      <a:headEnd type="none" w="med" len="med"/>
+                      <a:tailEnd type="none" w="med" len="med"/>
+                    </a:lnR>
+                    <a:lnT w="12700" cap="flat" cmpd="sng" algn="ctr">
+                      <a:solidFill>
+                        <a:schemeClr val="tx1"/>
+                      </a:solidFill>
+                      <a:prstDash val="solid"/>
+                      <a:round/>
+                      <a:headEnd type="none" w="med" len="med"/>
+                      <a:tailEnd type="none" w="med" len="med"/>
+                    </a:lnT>
+                    <a:lnB w="12700" cap="flat" cmpd="sng" algn="ctr">
+                      <a:solidFill>
+                        <a:schemeClr val="tx1"/>
+                      </a:solidFill>
+                      <a:prstDash val="solid"/>
+                      <a:round/>
+                      <a:headEnd type="none" w="med" len="med"/>
+                      <a:tailEnd type="none" w="med" len="med"/>
+                    </a:lnB>
+                    <a:lnTlToBr w="12700" cmpd="sng">
+                      <a:noFill/>
+                      <a:prstDash val="solid"/>
+                    </a:lnTlToBr>
+                    <a:lnBlToTr w="12700" cmpd="sng">
+                      <a:noFill/>
+                      <a:prstDash val="solid"/>
+                    </a:lnBlToTr>
+                  </a:tcPr>
+                </a:tc>
+                <a:tc>
+                  <a:txBody>
+                    <a:bodyPr/>
+                    <a:lstStyle/>
+                    <a:p>
+                      <a:pPr marL="0" indent="0" algn="ctr" latinLnBrk="1">
+                        <a:buFont typeface="+mj-lt"/>
+                        <a:buNone/>
+                      </a:pPr>
+                      <a:r>
+                        <a:rPr lang="en-US" altLang="ko-KR" sz="1200" dirty="0"/>
+                        <a:t>240</a:t>
+                      </a:r>
+                      <a:r>
+                        <a:rPr lang="ko-KR" altLang="en-US" sz="1200" dirty="0"/>
+                        <a:t>초</a:t>
+                      </a:r>
+                    </a:p>
+                  </a:txBody>
+                  <a:tcPr anchor="ctr">
+                    <a:lnL w="12700" cap="flat" cmpd="sng" algn="ctr">
+                      <a:solidFill>
+                        <a:schemeClr val="tx1"/>
+                      </a:solidFill>
+                      <a:prstDash val="solid"/>
+                      <a:round/>
+                      <a:headEnd type="none" w="med" len="med"/>
+                      <a:tailEnd type="none" w="med" len="med"/>
+                    </a:lnL>
+                    <a:lnR w="12700" cap="flat" cmpd="sng" algn="ctr">
+                      <a:solidFill>
+                        <a:schemeClr val="tx1"/>
+                      </a:solidFill>
+                      <a:prstDash val="solid"/>
+                      <a:round/>
+                      <a:headEnd type="none" w="med" len="med"/>
+                      <a:tailEnd type="none" w="med" len="med"/>
+                    </a:lnR>
+                    <a:lnT w="12700" cap="flat" cmpd="sng" algn="ctr">
+                      <a:solidFill>
+                        <a:schemeClr val="tx1"/>
+                      </a:solidFill>
+                      <a:prstDash val="solid"/>
+                      <a:round/>
+                      <a:headEnd type="none" w="med" len="med"/>
+                      <a:tailEnd type="none" w="med" len="med"/>
+                    </a:lnT>
+                    <a:lnB w="12700" cap="flat" cmpd="sng" algn="ctr">
+                      <a:solidFill>
+                        <a:schemeClr val="tx1"/>
+                      </a:solidFill>
+                      <a:prstDash val="solid"/>
+                      <a:round/>
+                      <a:headEnd type="none" w="med" len="med"/>
+                      <a:tailEnd type="none" w="med" len="med"/>
+                    </a:lnB>
+                    <a:lnTlToBr w="12700" cmpd="sng">
+                      <a:noFill/>
+                      <a:prstDash val="solid"/>
+                    </a:lnTlToBr>
+                    <a:lnBlToTr w="12700" cmpd="sng">
+                      <a:noFill/>
+                      <a:prstDash val="solid"/>
+                    </a:lnBlToTr>
+                  </a:tcPr>
+                </a:tc>
+                <a:tc>
+                  <a:txBody>
+                    <a:bodyPr/>
+                    <a:lstStyle/>
+                    <a:p>
+                      <a:pPr marL="0" indent="0" algn="ctr" latinLnBrk="1">
+                        <a:buFont typeface="+mj-lt"/>
+                        <a:buNone/>
+                      </a:pPr>
+                      <a:r>
+                        <a:rPr lang="ko-KR" altLang="en-US" sz="1200" dirty="0"/>
+                        <a:t>총에 피격 시 </a:t>
+                      </a:r>
+                      <a:r>
+                        <a:rPr lang="en-US" altLang="ko-KR" sz="1200" dirty="0"/>
+                        <a:t>30</a:t>
+                      </a:r>
+                      <a:r>
+                        <a:rPr lang="ko-KR" altLang="en-US" sz="1200" dirty="0"/>
+                        <a:t>초 </a:t>
+                      </a:r>
+                      <a:r>
+                        <a:rPr lang="ko-KR" altLang="en-US" sz="1200" dirty="0" err="1"/>
+                        <a:t>줄어듬</a:t>
+                      </a:r>
+                      <a:r>
+                        <a:rPr lang="en-US" altLang="ko-KR" sz="1200" dirty="0"/>
+                        <a:t>.</a:t>
+                      </a:r>
+                      <a:endParaRPr lang="ko-KR" altLang="en-US" sz="1200" dirty="0"/>
+                    </a:p>
+                  </a:txBody>
+                  <a:tcPr anchor="ctr">
+                    <a:lnL w="12700" cap="flat" cmpd="sng" algn="ctr">
+                      <a:solidFill>
+                        <a:schemeClr val="tx1"/>
+                      </a:solidFill>
+                      <a:prstDash val="solid"/>
+                      <a:round/>
+                      <a:headEnd type="none" w="med" len="med"/>
+                      <a:tailEnd type="none" w="med" len="med"/>
+                    </a:lnL>
+                    <a:lnR w="12700" cap="flat" cmpd="sng" algn="ctr">
+                      <a:solidFill>
+                        <a:schemeClr val="tx1"/>
+                      </a:solidFill>
+                      <a:prstDash val="solid"/>
+                      <a:round/>
+                      <a:headEnd type="none" w="med" len="med"/>
+                      <a:tailEnd type="none" w="med" len="med"/>
+                    </a:lnR>
+                    <a:lnT w="12700" cap="flat" cmpd="sng" algn="ctr">
+                      <a:solidFill>
+                        <a:schemeClr val="tx1"/>
+                      </a:solidFill>
+                      <a:prstDash val="solid"/>
+                      <a:round/>
+                      <a:headEnd type="none" w="med" len="med"/>
+                      <a:tailEnd type="none" w="med" len="med"/>
+                    </a:lnT>
+                    <a:lnB w="12700" cap="flat" cmpd="sng" algn="ctr">
+                      <a:solidFill>
+                        <a:schemeClr val="tx1"/>
+                      </a:solidFill>
+                      <a:prstDash val="solid"/>
+                      <a:round/>
+                      <a:headEnd type="none" w="med" len="med"/>
+                      <a:tailEnd type="none" w="med" len="med"/>
+                    </a:lnB>
+                    <a:lnTlToBr w="12700" cmpd="sng">
+                      <a:noFill/>
+                      <a:prstDash val="solid"/>
+                    </a:lnTlToBr>
+                    <a:lnBlToTr w="12700" cmpd="sng">
+                      <a:noFill/>
+                      <a:prstDash val="solid"/>
+                    </a:lnBlToTr>
+                  </a:tcPr>
+                </a:tc>
+                <a:extLst>
+                  <a:ext uri="{0D108BD9-81ED-4DB2-BD59-A6C34878D82A}">
+                    <a16:rowId xmlns:a16="http://schemas.microsoft.com/office/drawing/2014/main" val="2422118565"/>
+                  </a:ext>
+                </a:extLst>
+              </a:tr>
+              <a:tr h="397084">
+                <a:tc>
+                  <a:txBody>
+                    <a:bodyPr/>
+                    <a:lstStyle/>
+                    <a:p>
+                      <a:pPr marL="0" indent="0" algn="ctr" latinLnBrk="1">
+                        <a:buFont typeface="+mj-lt"/>
+                        <a:buNone/>
+                      </a:pPr>
+                      <a:r>
+                        <a:rPr lang="ko-KR" altLang="en-US" sz="1200" dirty="0"/>
+                        <a:t>탄알 주머니</a:t>
+                      </a:r>
+                    </a:p>
+                  </a:txBody>
+                  <a:tcPr anchor="ctr">
+                    <a:lnL w="12700" cap="flat" cmpd="sng" algn="ctr">
+                      <a:solidFill>
+                        <a:schemeClr val="tx1"/>
+                      </a:solidFill>
+                      <a:prstDash val="solid"/>
+                      <a:round/>
+                      <a:headEnd type="none" w="med" len="med"/>
+                      <a:tailEnd type="none" w="med" len="med"/>
+                    </a:lnL>
+                    <a:lnR w="12700" cap="flat" cmpd="sng" algn="ctr">
+                      <a:solidFill>
+                        <a:schemeClr val="tx1"/>
+                      </a:solidFill>
+                      <a:prstDash val="solid"/>
+                      <a:round/>
+                      <a:headEnd type="none" w="med" len="med"/>
+                      <a:tailEnd type="none" w="med" len="med"/>
+                    </a:lnR>
+                    <a:lnT w="12700" cap="flat" cmpd="sng" algn="ctr">
+                      <a:solidFill>
+                        <a:schemeClr val="tx1"/>
+                      </a:solidFill>
+                      <a:prstDash val="solid"/>
+                      <a:round/>
+                      <a:headEnd type="none" w="med" len="med"/>
+                      <a:tailEnd type="none" w="med" len="med"/>
+                    </a:lnT>
+                    <a:lnB w="12700" cap="flat" cmpd="sng" algn="ctr">
+                      <a:solidFill>
+                        <a:schemeClr val="tx1"/>
+                      </a:solidFill>
+                      <a:prstDash val="solid"/>
+                      <a:round/>
+                      <a:headEnd type="none" w="med" len="med"/>
+                      <a:tailEnd type="none" w="med" len="med"/>
+                    </a:lnB>
+                    <a:lnTlToBr w="12700" cmpd="sng">
+                      <a:noFill/>
+                      <a:prstDash val="solid"/>
+                    </a:lnTlToBr>
+                    <a:lnBlToTr w="12700" cmpd="sng">
+                      <a:noFill/>
+                      <a:prstDash val="solid"/>
+                    </a:lnBlToTr>
+                  </a:tcPr>
+                </a:tc>
+                <a:tc>
+                  <a:txBody>
+                    <a:bodyPr/>
+                    <a:lstStyle/>
+                    <a:p>
+                      <a:pPr marL="0" indent="0" algn="ctr" latinLnBrk="1">
+                        <a:buFont typeface="+mj-lt"/>
+                        <a:buNone/>
+                      </a:pPr>
+                      <a:r>
+                        <a:rPr lang="en-US" altLang="ko-KR" sz="1200" dirty="0"/>
+                        <a:t>6</a:t>
+                      </a:r>
+                      <a:r>
+                        <a:rPr lang="ko-KR" altLang="en-US" sz="1200" dirty="0"/>
+                        <a:t>개</a:t>
+                      </a:r>
+                    </a:p>
+                  </a:txBody>
+                  <a:tcPr anchor="ctr">
+                    <a:lnL w="12700" cap="flat" cmpd="sng" algn="ctr">
+                      <a:solidFill>
+                        <a:schemeClr val="tx1"/>
+                      </a:solidFill>
+                      <a:prstDash val="solid"/>
+                      <a:round/>
+                      <a:headEnd type="none" w="med" len="med"/>
+                      <a:tailEnd type="none" w="med" len="med"/>
+                    </a:lnL>
+                    <a:lnR w="12700" cap="flat" cmpd="sng" algn="ctr">
+                      <a:solidFill>
+                        <a:schemeClr val="tx1"/>
+                      </a:solidFill>
+                      <a:prstDash val="solid"/>
+                      <a:round/>
+                      <a:headEnd type="none" w="med" len="med"/>
+                      <a:tailEnd type="none" w="med" len="med"/>
+                    </a:lnR>
+                    <a:lnT w="12700" cap="flat" cmpd="sng" algn="ctr">
+                      <a:solidFill>
+                        <a:schemeClr val="tx1"/>
+                      </a:solidFill>
+                      <a:prstDash val="solid"/>
+                      <a:round/>
+                      <a:headEnd type="none" w="med" len="med"/>
+                      <a:tailEnd type="none" w="med" len="med"/>
+                    </a:lnT>
+                    <a:lnB w="12700" cap="flat" cmpd="sng" algn="ctr">
+                      <a:solidFill>
+                        <a:schemeClr val="tx1"/>
+                      </a:solidFill>
+                      <a:prstDash val="solid"/>
+                      <a:round/>
+                      <a:headEnd type="none" w="med" len="med"/>
+                      <a:tailEnd type="none" w="med" len="med"/>
+                    </a:lnB>
+                    <a:lnTlToBr w="12700" cmpd="sng">
+                      <a:noFill/>
+                      <a:prstDash val="solid"/>
+                    </a:lnTlToBr>
+                    <a:lnBlToTr w="12700" cmpd="sng">
+                      <a:noFill/>
+                      <a:prstDash val="solid"/>
+                    </a:lnBlToTr>
+                  </a:tcPr>
+                </a:tc>
+                <a:tc>
+                  <a:txBody>
+                    <a:bodyPr/>
+                    <a:lstStyle/>
+                    <a:p>
+                      <a:pPr marL="0" indent="0" algn="ctr" latinLnBrk="1">
+                        <a:buFont typeface="+mj-lt"/>
+                        <a:buNone/>
+                      </a:pPr>
+                      <a:r>
+                        <a:rPr lang="ko-KR" altLang="en-US" sz="1200" dirty="0"/>
+                        <a:t>총알을 많이 수집할 수 있다</a:t>
+                      </a:r>
+                      <a:r>
+                        <a:rPr lang="en-US" altLang="ko-KR" sz="1200" dirty="0"/>
+                        <a:t>.</a:t>
+                      </a:r>
+                      <a:endParaRPr lang="ko-KR" altLang="en-US" sz="1200" dirty="0"/>
+                    </a:p>
+                  </a:txBody>
+                  <a:tcPr anchor="ctr">
+                    <a:lnL w="12700" cap="flat" cmpd="sng" algn="ctr">
+                      <a:solidFill>
+                        <a:schemeClr val="tx1"/>
+                      </a:solidFill>
+                      <a:prstDash val="solid"/>
+                      <a:round/>
+                      <a:headEnd type="none" w="med" len="med"/>
+                      <a:tailEnd type="none" w="med" len="med"/>
+                    </a:lnL>
+                    <a:lnR w="12700" cap="flat" cmpd="sng" algn="ctr">
+                      <a:solidFill>
+                        <a:schemeClr val="tx1"/>
+                      </a:solidFill>
+                      <a:prstDash val="solid"/>
+                      <a:round/>
+                      <a:headEnd type="none" w="med" len="med"/>
+                      <a:tailEnd type="none" w="med" len="med"/>
+                    </a:lnR>
+                    <a:lnT w="12700" cap="flat" cmpd="sng" algn="ctr">
+                      <a:solidFill>
+                        <a:schemeClr val="tx1"/>
+                      </a:solidFill>
+                      <a:prstDash val="solid"/>
+                      <a:round/>
+                      <a:headEnd type="none" w="med" len="med"/>
+                      <a:tailEnd type="none" w="med" len="med"/>
+                    </a:lnT>
+                    <a:lnB w="12700" cap="flat" cmpd="sng" algn="ctr">
+                      <a:solidFill>
+                        <a:schemeClr val="tx1"/>
+                      </a:solidFill>
+                      <a:prstDash val="solid"/>
+                      <a:round/>
+                      <a:headEnd type="none" w="med" len="med"/>
+                      <a:tailEnd type="none" w="med" len="med"/>
+                    </a:lnB>
+                    <a:lnTlToBr w="12700" cmpd="sng">
+                      <a:noFill/>
+                      <a:prstDash val="solid"/>
+                    </a:lnTlToBr>
+                    <a:lnBlToTr w="12700" cmpd="sng">
+                      <a:noFill/>
+                      <a:prstDash val="solid"/>
+                    </a:lnBlToTr>
+                  </a:tcPr>
+                </a:tc>
+                <a:extLst>
+                  <a:ext uri="{0D108BD9-81ED-4DB2-BD59-A6C34878D82A}">
+                    <a16:rowId xmlns:a16="http://schemas.microsoft.com/office/drawing/2014/main" val="4210688304"/>
+                  </a:ext>
+                </a:extLst>
+              </a:tr>
+              <a:tr h="397084">
+                <a:tc>
+                  <a:txBody>
+                    <a:bodyPr/>
+                    <a:lstStyle/>
+                    <a:p>
+                      <a:pPr marL="0" indent="0" algn="ctr" latinLnBrk="1">
+                        <a:buFont typeface="+mj-lt"/>
+                        <a:buNone/>
+                      </a:pPr>
+                      <a:r>
+                        <a:rPr lang="ko-KR" altLang="en-US" sz="1200" dirty="0"/>
+                        <a:t>이동속도</a:t>
+                      </a:r>
+                    </a:p>
+                  </a:txBody>
+                  <a:tcPr anchor="ctr">
+                    <a:lnL w="12700" cap="flat" cmpd="sng" algn="ctr">
+                      <a:solidFill>
+                        <a:schemeClr val="tx1"/>
+                      </a:solidFill>
+                      <a:prstDash val="solid"/>
+                      <a:round/>
+                      <a:headEnd type="none" w="med" len="med"/>
+                      <a:tailEnd type="none" w="med" len="med"/>
+                    </a:lnL>
+                    <a:lnR w="12700" cap="flat" cmpd="sng" algn="ctr">
+                      <a:solidFill>
+                        <a:schemeClr val="tx1"/>
+                      </a:solidFill>
+                      <a:prstDash val="solid"/>
+                      <a:round/>
+                      <a:headEnd type="none" w="med" len="med"/>
+                      <a:tailEnd type="none" w="med" len="med"/>
+                    </a:lnR>
+                    <a:lnT w="12700" cap="flat" cmpd="sng" algn="ctr">
+                      <a:solidFill>
+                        <a:schemeClr val="tx1"/>
+                      </a:solidFill>
+                      <a:prstDash val="solid"/>
+                      <a:round/>
+                      <a:headEnd type="none" w="med" len="med"/>
+                      <a:tailEnd type="none" w="med" len="med"/>
+                    </a:lnT>
+                    <a:lnB w="12700" cap="flat" cmpd="sng" algn="ctr">
+                      <a:solidFill>
+                        <a:schemeClr val="tx1"/>
+                      </a:solidFill>
+                      <a:prstDash val="solid"/>
+                      <a:round/>
+                      <a:headEnd type="none" w="med" len="med"/>
+                      <a:tailEnd type="none" w="med" len="med"/>
+                    </a:lnB>
+                    <a:lnTlToBr w="12700" cmpd="sng">
+                      <a:noFill/>
+                      <a:prstDash val="solid"/>
+                    </a:lnTlToBr>
+                    <a:lnBlToTr w="12700" cmpd="sng">
+                      <a:noFill/>
+                      <a:prstDash val="solid"/>
+                    </a:lnBlToTr>
+                  </a:tcPr>
+                </a:tc>
+                <a:tc>
+                  <a:txBody>
+                    <a:bodyPr/>
+                    <a:lstStyle/>
+                    <a:p>
+                      <a:pPr marL="0" indent="0" algn="ctr" latinLnBrk="1">
+                        <a:buFont typeface="+mj-lt"/>
+                        <a:buNone/>
+                      </a:pPr>
+                      <a:r>
+                        <a:rPr lang="en-US" altLang="ko-KR" sz="1200" dirty="0"/>
+                        <a:t>0.9</a:t>
+                      </a:r>
+                      <a:endParaRPr lang="ko-KR" altLang="en-US" sz="1200" dirty="0"/>
+                    </a:p>
+                  </a:txBody>
+                  <a:tcPr anchor="ctr">
+                    <a:lnL w="12700" cap="flat" cmpd="sng" algn="ctr">
+                      <a:solidFill>
+                        <a:schemeClr val="tx1"/>
+                      </a:solidFill>
+                      <a:prstDash val="solid"/>
+                      <a:round/>
+                      <a:headEnd type="none" w="med" len="med"/>
+                      <a:tailEnd type="none" w="med" len="med"/>
+                    </a:lnL>
+                    <a:lnR w="12700" cap="flat" cmpd="sng" algn="ctr">
+                      <a:solidFill>
+                        <a:schemeClr val="tx1"/>
+                      </a:solidFill>
+                      <a:prstDash val="solid"/>
+                      <a:round/>
+                      <a:headEnd type="none" w="med" len="med"/>
+                      <a:tailEnd type="none" w="med" len="med"/>
+                    </a:lnR>
+                    <a:lnT w="12700" cap="flat" cmpd="sng" algn="ctr">
+                      <a:solidFill>
+                        <a:schemeClr val="tx1"/>
+                      </a:solidFill>
+                      <a:prstDash val="solid"/>
+                      <a:round/>
+                      <a:headEnd type="none" w="med" len="med"/>
+                      <a:tailEnd type="none" w="med" len="med"/>
+                    </a:lnT>
+                    <a:lnB w="12700" cap="flat" cmpd="sng" algn="ctr">
+                      <a:solidFill>
+                        <a:schemeClr val="tx1"/>
+                      </a:solidFill>
+                      <a:prstDash val="solid"/>
+                      <a:round/>
+                      <a:headEnd type="none" w="med" len="med"/>
+                      <a:tailEnd type="none" w="med" len="med"/>
+                    </a:lnB>
+                    <a:lnTlToBr w="12700" cmpd="sng">
+                      <a:noFill/>
+                      <a:prstDash val="solid"/>
+                    </a:lnTlToBr>
+                    <a:lnBlToTr w="12700" cmpd="sng">
+                      <a:noFill/>
+                      <a:prstDash val="solid"/>
+                    </a:lnBlToTr>
+                  </a:tcPr>
+                </a:tc>
+                <a:tc>
+                  <a:txBody>
+                    <a:bodyPr/>
+                    <a:lstStyle/>
+                    <a:p>
+                      <a:pPr marL="0" indent="0" algn="ctr" latinLnBrk="1">
+                        <a:buFont typeface="+mj-lt"/>
+                        <a:buNone/>
+                      </a:pPr>
+                      <a:r>
+                        <a:rPr lang="ko-KR" altLang="en-US" sz="1200" dirty="0"/>
+                        <a:t>기본 이동속도보다 살짝 빠르다</a:t>
+                      </a:r>
+                      <a:r>
+                        <a:rPr lang="en-US" altLang="ko-KR" sz="1200" dirty="0"/>
+                        <a:t>.</a:t>
+                      </a:r>
+                      <a:endParaRPr lang="ko-KR" altLang="en-US" sz="1200" dirty="0"/>
+                    </a:p>
+                  </a:txBody>
+                  <a:tcPr anchor="ctr">
+                    <a:lnL w="12700" cap="flat" cmpd="sng" algn="ctr">
+                      <a:solidFill>
+                        <a:schemeClr val="tx1"/>
+                      </a:solidFill>
+                      <a:prstDash val="solid"/>
+                      <a:round/>
+                      <a:headEnd type="none" w="med" len="med"/>
+                      <a:tailEnd type="none" w="med" len="med"/>
+                    </a:lnL>
+                    <a:lnR w="12700" cap="flat" cmpd="sng" algn="ctr">
+                      <a:solidFill>
+                        <a:schemeClr val="tx1"/>
+                      </a:solidFill>
+                      <a:prstDash val="solid"/>
+                      <a:round/>
+                      <a:headEnd type="none" w="med" len="med"/>
+                      <a:tailEnd type="none" w="med" len="med"/>
+                    </a:lnR>
+                    <a:lnT w="12700" cap="flat" cmpd="sng" algn="ctr">
+                      <a:solidFill>
+                        <a:schemeClr val="tx1"/>
+                      </a:solidFill>
+                      <a:prstDash val="solid"/>
+                      <a:round/>
+                      <a:headEnd type="none" w="med" len="med"/>
+                      <a:tailEnd type="none" w="med" len="med"/>
+                    </a:lnT>
+                    <a:lnB w="12700" cap="flat" cmpd="sng" algn="ctr">
+                      <a:solidFill>
+                        <a:schemeClr val="tx1"/>
+                      </a:solidFill>
+                      <a:prstDash val="solid"/>
+                      <a:round/>
+                      <a:headEnd type="none" w="med" len="med"/>
+                      <a:tailEnd type="none" w="med" len="med"/>
+                    </a:lnB>
+                    <a:lnTlToBr w="12700" cmpd="sng">
+                      <a:noFill/>
+                      <a:prstDash val="solid"/>
+                    </a:lnTlToBr>
+                    <a:lnBlToTr w="12700" cmpd="sng">
+                      <a:noFill/>
+                      <a:prstDash val="solid"/>
+                    </a:lnBlToTr>
+                  </a:tcPr>
+                </a:tc>
+                <a:extLst>
+                  <a:ext uri="{0D108BD9-81ED-4DB2-BD59-A6C34878D82A}">
+                    <a16:rowId xmlns:a16="http://schemas.microsoft.com/office/drawing/2014/main" val="2738056909"/>
+                  </a:ext>
+                </a:extLst>
+              </a:tr>
+              <a:tr h="397084">
+                <a:tc>
+                  <a:txBody>
+                    <a:bodyPr/>
+                    <a:lstStyle/>
+                    <a:p>
+                      <a:pPr marL="0" indent="0" algn="ctr" latinLnBrk="1">
+                        <a:buFont typeface="+mj-lt"/>
+                        <a:buNone/>
+                      </a:pPr>
+                      <a:r>
+                        <a:rPr lang="ko-KR" altLang="en-US" sz="1200" dirty="0"/>
+                        <a:t>총알 발사 딜레이</a:t>
+                      </a:r>
+                    </a:p>
+                  </a:txBody>
+                  <a:tcPr anchor="ctr">
+                    <a:lnL w="12700" cap="flat" cmpd="sng" algn="ctr">
+                      <a:solidFill>
+                        <a:schemeClr val="tx1"/>
+                      </a:solidFill>
+                      <a:prstDash val="solid"/>
+                      <a:round/>
+                      <a:headEnd type="none" w="med" len="med"/>
+                      <a:tailEnd type="none" w="med" len="med"/>
+                    </a:lnL>
+                    <a:lnR w="12700" cap="flat" cmpd="sng" algn="ctr">
+                      <a:solidFill>
+                        <a:schemeClr val="tx1"/>
+                      </a:solidFill>
+                      <a:prstDash val="solid"/>
+                      <a:round/>
+                      <a:headEnd type="none" w="med" len="med"/>
+                      <a:tailEnd type="none" w="med" len="med"/>
+                    </a:lnR>
+                    <a:lnT w="12700" cap="flat" cmpd="sng" algn="ctr">
+                      <a:solidFill>
+                        <a:schemeClr val="tx1"/>
+                      </a:solidFill>
+                      <a:prstDash val="solid"/>
+                      <a:round/>
+                      <a:headEnd type="none" w="med" len="med"/>
+                      <a:tailEnd type="none" w="med" len="med"/>
+                    </a:lnT>
+                    <a:lnB w="12700" cap="flat" cmpd="sng" algn="ctr">
+                      <a:solidFill>
+                        <a:schemeClr val="tx1"/>
+                      </a:solidFill>
+                      <a:prstDash val="solid"/>
+                      <a:round/>
+                      <a:headEnd type="none" w="med" len="med"/>
+                      <a:tailEnd type="none" w="med" len="med"/>
+                    </a:lnB>
+                    <a:lnTlToBr w="12700" cmpd="sng">
+                      <a:noFill/>
+                      <a:prstDash val="solid"/>
+                    </a:lnTlToBr>
+                    <a:lnBlToTr w="12700" cmpd="sng">
+                      <a:noFill/>
+                      <a:prstDash val="solid"/>
+                    </a:lnBlToTr>
+                  </a:tcPr>
+                </a:tc>
+                <a:tc>
+                  <a:txBody>
+                    <a:bodyPr/>
+                    <a:lstStyle/>
+                    <a:p>
+                      <a:pPr marL="0" indent="0" algn="ctr" latinLnBrk="1">
+                        <a:buFont typeface="+mj-lt"/>
+                        <a:buNone/>
+                      </a:pPr>
+                      <a:r>
+                        <a:rPr lang="en-US" altLang="ko-KR" sz="1200" dirty="0"/>
+                        <a:t>2.0</a:t>
+                      </a:r>
+                      <a:endParaRPr lang="ko-KR" altLang="en-US" sz="1200" dirty="0"/>
+                    </a:p>
+                  </a:txBody>
+                  <a:tcPr anchor="ctr">
+                    <a:lnL w="12700" cap="flat" cmpd="sng" algn="ctr">
+                      <a:solidFill>
+                        <a:schemeClr val="tx1"/>
+                      </a:solidFill>
+                      <a:prstDash val="solid"/>
+                      <a:round/>
+                      <a:headEnd type="none" w="med" len="med"/>
+                      <a:tailEnd type="none" w="med" len="med"/>
+                    </a:lnL>
+                    <a:lnR w="12700" cap="flat" cmpd="sng" algn="ctr">
+                      <a:solidFill>
+                        <a:schemeClr val="tx1"/>
+                      </a:solidFill>
+                      <a:prstDash val="solid"/>
+                      <a:round/>
+                      <a:headEnd type="none" w="med" len="med"/>
+                      <a:tailEnd type="none" w="med" len="med"/>
+                    </a:lnR>
+                    <a:lnT w="12700" cap="flat" cmpd="sng" algn="ctr">
+                      <a:solidFill>
+                        <a:schemeClr val="tx1"/>
+                      </a:solidFill>
+                      <a:prstDash val="solid"/>
+                      <a:round/>
+                      <a:headEnd type="none" w="med" len="med"/>
+                      <a:tailEnd type="none" w="med" len="med"/>
+                    </a:lnT>
+                    <a:lnB w="12700" cap="flat" cmpd="sng" algn="ctr">
+                      <a:solidFill>
+                        <a:schemeClr val="tx1"/>
+                      </a:solidFill>
+                      <a:prstDash val="solid"/>
+                      <a:round/>
+                      <a:headEnd type="none" w="med" len="med"/>
+                      <a:tailEnd type="none" w="med" len="med"/>
+                    </a:lnB>
+                    <a:lnTlToBr w="12700" cmpd="sng">
+                      <a:noFill/>
+                      <a:prstDash val="solid"/>
+                    </a:lnTlToBr>
+                    <a:lnBlToTr w="12700" cmpd="sng">
+                      <a:noFill/>
+                      <a:prstDash val="solid"/>
+                    </a:lnBlToTr>
+                  </a:tcPr>
+                </a:tc>
+                <a:tc>
+                  <a:txBody>
+                    <a:bodyPr/>
+                    <a:lstStyle/>
+                    <a:p>
+                      <a:pPr marL="0" indent="0" algn="ctr" latinLnBrk="1">
+                        <a:buFont typeface="+mj-lt"/>
+                        <a:buNone/>
+                      </a:pPr>
+                      <a:r>
+                        <a:rPr lang="ko-KR" altLang="en-US" sz="1200" dirty="0"/>
+                        <a:t>기본 발사 딜레이보다 느리다</a:t>
+                      </a:r>
+                    </a:p>
+                  </a:txBody>
+                  <a:tcPr anchor="ctr">
+                    <a:lnL w="12700" cap="flat" cmpd="sng" algn="ctr">
+                      <a:solidFill>
+                        <a:schemeClr val="tx1"/>
+                      </a:solidFill>
+                      <a:prstDash val="solid"/>
+                      <a:round/>
+                      <a:headEnd type="none" w="med" len="med"/>
+                      <a:tailEnd type="none" w="med" len="med"/>
+                    </a:lnL>
+                    <a:lnR w="12700" cap="flat" cmpd="sng" algn="ctr">
+                      <a:solidFill>
+                        <a:schemeClr val="tx1"/>
+                      </a:solidFill>
+                      <a:prstDash val="solid"/>
+                      <a:round/>
+                      <a:headEnd type="none" w="med" len="med"/>
+                      <a:tailEnd type="none" w="med" len="med"/>
+                    </a:lnR>
+                    <a:lnT w="12700" cap="flat" cmpd="sng" algn="ctr">
+                      <a:solidFill>
+                        <a:schemeClr val="tx1"/>
+                      </a:solidFill>
+                      <a:prstDash val="solid"/>
+                      <a:round/>
+                      <a:headEnd type="none" w="med" len="med"/>
+                      <a:tailEnd type="none" w="med" len="med"/>
+                    </a:lnT>
+                    <a:lnB w="12700" cap="flat" cmpd="sng" algn="ctr">
+                      <a:solidFill>
+                        <a:schemeClr val="tx1"/>
+                      </a:solidFill>
+                      <a:prstDash val="solid"/>
+                      <a:round/>
+                      <a:headEnd type="none" w="med" len="med"/>
+                      <a:tailEnd type="none" w="med" len="med"/>
+                    </a:lnB>
+                    <a:lnTlToBr w="12700" cmpd="sng">
+                      <a:noFill/>
+                      <a:prstDash val="solid"/>
+                    </a:lnTlToBr>
+                    <a:lnBlToTr w="12700" cmpd="sng">
+                      <a:noFill/>
+                      <a:prstDash val="solid"/>
+                    </a:lnBlToTr>
+                  </a:tcPr>
+                </a:tc>
+                <a:extLst>
+                  <a:ext uri="{0D108BD9-81ED-4DB2-BD59-A6C34878D82A}">
+                    <a16:rowId xmlns:a16="http://schemas.microsoft.com/office/drawing/2014/main" val="2677022759"/>
+                  </a:ext>
+                </a:extLst>
+              </a:tr>
+              <a:tr h="397084">
+                <a:tc>
+                  <a:txBody>
+                    <a:bodyPr/>
+                    <a:lstStyle/>
+                    <a:p>
+                      <a:pPr marL="0" indent="0" algn="ctr" latinLnBrk="1">
+                        <a:buFont typeface="+mj-lt"/>
+                        <a:buNone/>
+                      </a:pPr>
+                      <a:r>
+                        <a:rPr lang="ko-KR" altLang="en-US" sz="1200" dirty="0"/>
+                        <a:t>총알 발사 속도</a:t>
+                      </a:r>
+                    </a:p>
+                  </a:txBody>
+                  <a:tcPr anchor="ctr">
+                    <a:lnL w="12700" cap="flat" cmpd="sng" algn="ctr">
+                      <a:solidFill>
+                        <a:schemeClr val="tx1"/>
+                      </a:solidFill>
+                      <a:prstDash val="solid"/>
+                      <a:round/>
+                      <a:headEnd type="none" w="med" len="med"/>
+                      <a:tailEnd type="none" w="med" len="med"/>
+                    </a:lnL>
+                    <a:lnR w="12700" cap="flat" cmpd="sng" algn="ctr">
+                      <a:solidFill>
+                        <a:schemeClr val="tx1"/>
+                      </a:solidFill>
+                      <a:prstDash val="solid"/>
+                      <a:round/>
+                      <a:headEnd type="none" w="med" len="med"/>
+                      <a:tailEnd type="none" w="med" len="med"/>
+                    </a:lnR>
+                    <a:lnT w="12700" cap="flat" cmpd="sng" algn="ctr">
+                      <a:solidFill>
+                        <a:schemeClr val="tx1"/>
+                      </a:solidFill>
+                      <a:prstDash val="solid"/>
+                      <a:round/>
+                      <a:headEnd type="none" w="med" len="med"/>
+                      <a:tailEnd type="none" w="med" len="med"/>
+                    </a:lnT>
+                    <a:lnB w="12700" cap="flat" cmpd="sng" algn="ctr">
+                      <a:solidFill>
+                        <a:schemeClr val="tx1"/>
+                      </a:solidFill>
+                      <a:prstDash val="solid"/>
+                      <a:round/>
+                      <a:headEnd type="none" w="med" len="med"/>
+                      <a:tailEnd type="none" w="med" len="med"/>
+                    </a:lnB>
+                    <a:lnTlToBr w="12700" cmpd="sng">
+                      <a:noFill/>
+                      <a:prstDash val="solid"/>
+                    </a:lnTlToBr>
+                    <a:lnBlToTr w="12700" cmpd="sng">
+                      <a:noFill/>
+                      <a:prstDash val="solid"/>
+                    </a:lnBlToTr>
+                  </a:tcPr>
+                </a:tc>
+                <a:tc>
+                  <a:txBody>
+                    <a:bodyPr/>
+                    <a:lstStyle/>
+                    <a:p>
+                      <a:pPr marL="0" indent="0" algn="ctr" latinLnBrk="1">
+                        <a:buFont typeface="+mj-lt"/>
+                        <a:buNone/>
+                      </a:pPr>
+                      <a:r>
+                        <a:rPr lang="en-US" altLang="ko-KR" sz="1200" dirty="0"/>
+                        <a:t>0.5</a:t>
+                      </a:r>
+                      <a:endParaRPr lang="ko-KR" altLang="en-US" sz="1200" dirty="0"/>
+                    </a:p>
+                  </a:txBody>
+                  <a:tcPr anchor="ctr">
+                    <a:lnL w="12700" cap="flat" cmpd="sng" algn="ctr">
+                      <a:solidFill>
+                        <a:schemeClr val="tx1"/>
+                      </a:solidFill>
+                      <a:prstDash val="solid"/>
+                      <a:round/>
+                      <a:headEnd type="none" w="med" len="med"/>
+                      <a:tailEnd type="none" w="med" len="med"/>
+                    </a:lnL>
+                    <a:lnR w="12700" cap="flat" cmpd="sng" algn="ctr">
+                      <a:solidFill>
+                        <a:schemeClr val="tx1"/>
+                      </a:solidFill>
+                      <a:prstDash val="solid"/>
+                      <a:round/>
+                      <a:headEnd type="none" w="med" len="med"/>
+                      <a:tailEnd type="none" w="med" len="med"/>
+                    </a:lnR>
+                    <a:lnT w="12700" cap="flat" cmpd="sng" algn="ctr">
+                      <a:solidFill>
+                        <a:schemeClr val="tx1"/>
+                      </a:solidFill>
+                      <a:prstDash val="solid"/>
+                      <a:round/>
+                      <a:headEnd type="none" w="med" len="med"/>
+                      <a:tailEnd type="none" w="med" len="med"/>
+                    </a:lnT>
+                    <a:lnB w="12700" cap="flat" cmpd="sng" algn="ctr">
+                      <a:solidFill>
+                        <a:schemeClr val="tx1"/>
+                      </a:solidFill>
+                      <a:prstDash val="solid"/>
+                      <a:round/>
+                      <a:headEnd type="none" w="med" len="med"/>
+                      <a:tailEnd type="none" w="med" len="med"/>
+                    </a:lnB>
+                    <a:lnTlToBr w="12700" cmpd="sng">
+                      <a:noFill/>
+                      <a:prstDash val="solid"/>
+                    </a:lnTlToBr>
+                    <a:lnBlToTr w="12700" cmpd="sng">
+                      <a:noFill/>
+                      <a:prstDash val="solid"/>
+                    </a:lnBlToTr>
+                  </a:tcPr>
+                </a:tc>
+                <a:tc>
+                  <a:txBody>
+                    <a:bodyPr/>
+                    <a:lstStyle/>
+                    <a:p>
+                      <a:pPr marL="0" indent="0" algn="ctr" latinLnBrk="1">
+                        <a:buFont typeface="+mj-lt"/>
+                        <a:buNone/>
+                      </a:pPr>
+                      <a:r>
+                        <a:rPr lang="ko-KR" altLang="en-US" sz="1200" dirty="0"/>
+                        <a:t>기본 총알 발사 속도</a:t>
+                      </a:r>
+                    </a:p>
+                  </a:txBody>
+                  <a:tcPr anchor="ctr">
+                    <a:lnL w="12700" cap="flat" cmpd="sng" algn="ctr">
+                      <a:solidFill>
+                        <a:schemeClr val="tx1"/>
+                      </a:solidFill>
+                      <a:prstDash val="solid"/>
+                      <a:round/>
+                      <a:headEnd type="none" w="med" len="med"/>
+                      <a:tailEnd type="none" w="med" len="med"/>
+                    </a:lnL>
+                    <a:lnR w="12700" cap="flat" cmpd="sng" algn="ctr">
+                      <a:solidFill>
+                        <a:schemeClr val="tx1"/>
+                      </a:solidFill>
+                      <a:prstDash val="solid"/>
+                      <a:round/>
+                      <a:headEnd type="none" w="med" len="med"/>
+                      <a:tailEnd type="none" w="med" len="med"/>
+                    </a:lnR>
+                    <a:lnT w="12700" cap="flat" cmpd="sng" algn="ctr">
+                      <a:solidFill>
+                        <a:schemeClr val="tx1"/>
+                      </a:solidFill>
+                      <a:prstDash val="solid"/>
+                      <a:round/>
+                      <a:headEnd type="none" w="med" len="med"/>
+                      <a:tailEnd type="none" w="med" len="med"/>
+                    </a:lnT>
+                    <a:lnB w="12700" cap="flat" cmpd="sng" algn="ctr">
+                      <a:solidFill>
+                        <a:schemeClr val="tx1"/>
+                      </a:solidFill>
+                      <a:prstDash val="solid"/>
+                      <a:round/>
+                      <a:headEnd type="none" w="med" len="med"/>
+                      <a:tailEnd type="none" w="med" len="med"/>
+                    </a:lnB>
+                    <a:lnTlToBr w="12700" cmpd="sng">
+                      <a:noFill/>
+                      <a:prstDash val="solid"/>
+                    </a:lnTlToBr>
+                    <a:lnBlToTr w="12700" cmpd="sng">
+                      <a:noFill/>
+                      <a:prstDash val="solid"/>
+                    </a:lnBlToTr>
+                  </a:tcPr>
+                </a:tc>
+                <a:extLst>
+                  <a:ext uri="{0D108BD9-81ED-4DB2-BD59-A6C34878D82A}">
+                    <a16:rowId xmlns:a16="http://schemas.microsoft.com/office/drawing/2014/main" val="3949302187"/>
+                  </a:ext>
+                </a:extLst>
+              </a:tr>
+            </a:tbl>
+          </a:graphicData>
+        </a:graphic>
+      </p:graphicFrame>
+    </p:spTree>
+    <p:extLst>
+      <p:ext uri="{BB962C8B-B14F-4D97-AF65-F5344CB8AC3E}">
+        <p14:creationId xmlns:p14="http://schemas.microsoft.com/office/powerpoint/2010/main" val="2072468480"/>
+      </p:ext>
+    </p:extLst>
+  </p:cSld>
+  <p:clrMapOvr>
+    <a:masterClrMapping/>
+  </p:clrMapOvr>
+</p:sld>
+</file>
+
+<file path=ppt/slides/slide9.xml><?xml version="1.0" encoding="utf-8"?>
+<p:sld xmlns:a="http://schemas.openxmlformats.org/drawingml/2006/main" xmlns:r="http://schemas.openxmlformats.org/officeDocument/2006/relationships" xmlns:p="http://schemas.openxmlformats.org/presentationml/2006/main">
+  <p:cSld>
+    <p:spTree>
+      <p:nvGrpSpPr>
+        <p:cNvPr id="1" name=""/>
+        <p:cNvGrpSpPr/>
+        <p:nvPr/>
+      </p:nvGrpSpPr>
+      <p:grpSpPr>
+        <a:xfrm>
+          <a:off x="0" y="0"/>
+          <a:ext cx="0" cy="0"/>
+          <a:chOff x="0" y="0"/>
+          <a:chExt cx="0" cy="0"/>
+        </a:xfrm>
+      </p:grpSpPr>
+      <p:sp>
+        <p:nvSpPr>
+          <p:cNvPr id="2" name="제목 1">
+            <a:extLst>
+              <a:ext uri="{FF2B5EF4-FFF2-40B4-BE49-F238E27FC236}">
+                <a16:creationId xmlns:a16="http://schemas.microsoft.com/office/drawing/2014/main" id="{DDC64BBE-2F5F-3D17-016B-4D9EB1F89A33}"/>
+              </a:ext>
+            </a:extLst>
+          </p:cNvPr>
+          <p:cNvSpPr>
+            <a:spLocks noGrp="1"/>
+          </p:cNvSpPr>
+          <p:nvPr>
+            <p:ph type="title"/>
+          </p:nvPr>
+        </p:nvSpPr>
+        <p:spPr/>
+        <p:txBody>
+          <a:bodyPr/>
+          <a:lstStyle/>
+          <a:p>
+            <a:r>
+              <a:rPr lang="en-US" altLang="ko-KR" dirty="0"/>
+              <a:t>8. </a:t>
+            </a:r>
+            <a:r>
+              <a:rPr lang="ko-KR" altLang="en-US" dirty="0" err="1"/>
+              <a:t>저거너트</a:t>
+            </a:r>
+            <a:endParaRPr lang="ko-KR" altLang="en-US" dirty="0"/>
+          </a:p>
+        </p:txBody>
+      </p:sp>
+      <p:sp>
+        <p:nvSpPr>
+          <p:cNvPr id="3" name="내용 개체 틀 2">
+            <a:extLst>
+              <a:ext uri="{FF2B5EF4-FFF2-40B4-BE49-F238E27FC236}">
+                <a16:creationId xmlns:a16="http://schemas.microsoft.com/office/drawing/2014/main" id="{A2AD6ACE-68A0-7003-C05E-56FF5EBF5A50}"/>
+              </a:ext>
+            </a:extLst>
+          </p:cNvPr>
+          <p:cNvSpPr>
+            <a:spLocks noGrp="1"/>
+          </p:cNvSpPr>
+          <p:nvPr>
+            <p:ph idx="1"/>
+          </p:nvPr>
+        </p:nvSpPr>
+        <p:spPr>
+          <a:xfrm>
+            <a:off x="838200" y="1357493"/>
+            <a:ext cx="5257800" cy="2061077"/>
+          </a:xfrm>
+        </p:spPr>
+        <p:txBody>
+          <a:bodyPr>
+            <a:normAutofit/>
+          </a:bodyPr>
+          <a:lstStyle/>
+          <a:p>
+            <a:r>
+              <a:rPr lang="en-US" altLang="ko-KR" sz="1400" dirty="0"/>
+              <a:t>‘</a:t>
+            </a:r>
+            <a:r>
+              <a:rPr lang="ko-KR" altLang="en-US" sz="1400" dirty="0"/>
+              <a:t>방탄복</a:t>
+            </a:r>
+            <a:r>
+              <a:rPr lang="en-US" altLang="ko-KR" sz="1400" dirty="0"/>
+              <a:t>’</a:t>
+            </a:r>
+            <a:r>
+              <a:rPr lang="ko-KR" altLang="en-US" sz="1400" dirty="0"/>
+              <a:t>이라는 직업 아이템을 먹으면 전직 가능하다</a:t>
+            </a:r>
+            <a:r>
+              <a:rPr lang="en-US" altLang="ko-KR" sz="1400" dirty="0"/>
+              <a:t>.</a:t>
+            </a:r>
+          </a:p>
+          <a:p>
+            <a:r>
+              <a:rPr lang="ko-KR" altLang="en-US" sz="1400" dirty="0"/>
+              <a:t>단단한 탱커 컨셉으로 강화 방탄복을 입은 직업</a:t>
+            </a:r>
+            <a:endParaRPr lang="en-US" altLang="ko-KR" sz="1400" dirty="0"/>
+          </a:p>
+        </p:txBody>
+      </p:sp>
+      <p:graphicFrame>
+        <p:nvGraphicFramePr>
+          <p:cNvPr id="10" name="표 9">
+            <a:extLst>
+              <a:ext uri="{FF2B5EF4-FFF2-40B4-BE49-F238E27FC236}">
+                <a16:creationId xmlns:a16="http://schemas.microsoft.com/office/drawing/2014/main" id="{9796D849-39D6-143B-49A8-B4833851198E}"/>
+              </a:ext>
+            </a:extLst>
+          </p:cNvPr>
+          <p:cNvGraphicFramePr>
+            <a:graphicFrameLocks noGrp="1"/>
+          </p:cNvGraphicFramePr>
+          <p:nvPr/>
+        </p:nvGraphicFramePr>
+        <p:xfrm>
+          <a:off x="838200" y="5400829"/>
+          <a:ext cx="5373030" cy="1266213"/>
+        </p:xfrm>
+        <a:graphic>
+          <a:graphicData uri="http://schemas.openxmlformats.org/drawingml/2006/table">
+            <a:tbl>
+              <a:tblPr firstRow="1" bandRow="1">
+                <a:tableStyleId>{F5AB1C69-6EDB-4FF4-983F-18BD219EF322}</a:tableStyleId>
+              </a:tblPr>
+              <a:tblGrid>
+                <a:gridCol w="1429139">
+                  <a:extLst>
+                    <a:ext uri="{9D8B030D-6E8A-4147-A177-3AD203B41FA5}">
+                      <a16:colId xmlns:a16="http://schemas.microsoft.com/office/drawing/2014/main" val="1096772183"/>
+                    </a:ext>
+                  </a:extLst>
+                </a:gridCol>
+                <a:gridCol w="1156996">
+                  <a:extLst>
+                    <a:ext uri="{9D8B030D-6E8A-4147-A177-3AD203B41FA5}">
+                      <a16:colId xmlns:a16="http://schemas.microsoft.com/office/drawing/2014/main" val="3276011012"/>
+                    </a:ext>
+                  </a:extLst>
+                </a:gridCol>
+                <a:gridCol w="2786895">
+                  <a:extLst>
+                    <a:ext uri="{9D8B030D-6E8A-4147-A177-3AD203B41FA5}">
+                      <a16:colId xmlns:a16="http://schemas.microsoft.com/office/drawing/2014/main" val="1120309742"/>
+                    </a:ext>
+                  </a:extLst>
+                </a:gridCol>
+              </a:tblGrid>
+              <a:tr h="422071">
+                <a:tc>
+                  <a:txBody>
+                    <a:bodyPr/>
+                    <a:lstStyle/>
+                    <a:p>
+                      <a:pPr algn="ctr" latinLnBrk="1"/>
+                      <a:r>
+                        <a:rPr lang="ko-KR" altLang="en-US" sz="1800" dirty="0" err="1"/>
+                        <a:t>스킬명</a:t>
+                      </a:r>
+                      <a:endParaRPr lang="ko-KR" altLang="en-US" sz="1800" dirty="0"/>
+                    </a:p>
+                  </a:txBody>
+                  <a:tcPr anchor="ctr">
+                    <a:lnL w="12700" cap="flat" cmpd="sng" algn="ctr">
+                      <a:solidFill>
+                        <a:schemeClr val="tx1"/>
+                      </a:solidFill>
+                      <a:prstDash val="solid"/>
+                      <a:round/>
+                      <a:headEnd type="none" w="med" len="med"/>
+                      <a:tailEnd type="none" w="med" len="med"/>
+                    </a:lnL>
+                    <a:lnR w="12700" cap="flat" cmpd="sng" algn="ctr">
+                      <a:solidFill>
+                        <a:schemeClr val="tx1"/>
+                      </a:solidFill>
+                      <a:prstDash val="solid"/>
+                      <a:round/>
+                      <a:headEnd type="none" w="med" len="med"/>
+                      <a:tailEnd type="none" w="med" len="med"/>
+                    </a:lnR>
+                    <a:lnT w="12700" cap="flat" cmpd="sng" algn="ctr">
+                      <a:solidFill>
+                        <a:schemeClr val="tx1"/>
+                      </a:solidFill>
+                      <a:prstDash val="solid"/>
+                      <a:round/>
+                      <a:headEnd type="none" w="med" len="med"/>
+                      <a:tailEnd type="none" w="med" len="med"/>
+                    </a:lnT>
+                    <a:lnB w="12700" cap="flat" cmpd="sng" algn="ctr">
+                      <a:solidFill>
+                        <a:schemeClr val="tx1"/>
+                      </a:solidFill>
+                      <a:prstDash val="solid"/>
+                      <a:round/>
+                      <a:headEnd type="none" w="med" len="med"/>
+                      <a:tailEnd type="none" w="med" len="med"/>
+                    </a:lnB>
+                  </a:tcPr>
+                </a:tc>
+                <a:tc>
+                  <a:txBody>
+                    <a:bodyPr/>
+                    <a:lstStyle/>
+                    <a:p>
+                      <a:pPr algn="ctr" latinLnBrk="1"/>
+                      <a:r>
+                        <a:rPr lang="ko-KR" altLang="en-US" sz="1800" dirty="0" err="1"/>
+                        <a:t>쿨타임</a:t>
+                      </a:r>
+                      <a:endParaRPr lang="ko-KR" altLang="en-US" sz="1800" dirty="0"/>
+                    </a:p>
+                  </a:txBody>
+                  <a:tcPr anchor="ctr">
+                    <a:lnL w="12700" cap="flat" cmpd="sng" algn="ctr">
+                      <a:solidFill>
+                        <a:schemeClr val="tx1"/>
+                      </a:solidFill>
+                      <a:prstDash val="solid"/>
+                      <a:round/>
+                      <a:headEnd type="none" w="med" len="med"/>
+                      <a:tailEnd type="none" w="med" len="med"/>
+                    </a:lnL>
+                    <a:lnR w="12700" cap="flat" cmpd="sng" algn="ctr">
+                      <a:solidFill>
+                        <a:schemeClr val="tx1"/>
+                      </a:solidFill>
+                      <a:prstDash val="solid"/>
+                      <a:round/>
+                      <a:headEnd type="none" w="med" len="med"/>
+                      <a:tailEnd type="none" w="med" len="med"/>
+                    </a:lnR>
+                    <a:lnT w="12700" cap="flat" cmpd="sng" algn="ctr">
+                      <a:solidFill>
+                        <a:schemeClr val="tx1"/>
+                      </a:solidFill>
+                      <a:prstDash val="solid"/>
+                      <a:round/>
+                      <a:headEnd type="none" w="med" len="med"/>
+                      <a:tailEnd type="none" w="med" len="med"/>
+                    </a:lnT>
+                    <a:lnB w="12700" cap="flat" cmpd="sng" algn="ctr">
+                      <a:solidFill>
+                        <a:schemeClr val="tx1"/>
+                      </a:solidFill>
+                      <a:prstDash val="solid"/>
+                      <a:round/>
+                      <a:headEnd type="none" w="med" len="med"/>
+                      <a:tailEnd type="none" w="med" len="med"/>
+                    </a:lnB>
+                  </a:tcPr>
+                </a:tc>
+                <a:tc>
+                  <a:txBody>
+                    <a:bodyPr/>
+                    <a:lstStyle/>
+                    <a:p>
+                      <a:pPr algn="ctr" latinLnBrk="1"/>
+                      <a:r>
+                        <a:rPr lang="ko-KR" altLang="en-US" sz="1800" dirty="0"/>
+                        <a:t>설명</a:t>
+                      </a:r>
+                    </a:p>
+                  </a:txBody>
+                  <a:tcPr anchor="ctr">
+                    <a:lnL w="12700" cap="flat" cmpd="sng" algn="ctr">
+                      <a:solidFill>
+                        <a:schemeClr val="tx1"/>
+                      </a:solidFill>
+                      <a:prstDash val="solid"/>
+                      <a:round/>
+                      <a:headEnd type="none" w="med" len="med"/>
+                      <a:tailEnd type="none" w="med" len="med"/>
+                    </a:lnL>
+                    <a:lnR w="12700" cap="flat" cmpd="sng" algn="ctr">
+                      <a:solidFill>
+                        <a:schemeClr val="tx1"/>
+                      </a:solidFill>
+                      <a:prstDash val="solid"/>
+                      <a:round/>
+                      <a:headEnd type="none" w="med" len="med"/>
+                      <a:tailEnd type="none" w="med" len="med"/>
+                    </a:lnR>
+                    <a:lnT w="12700" cap="flat" cmpd="sng" algn="ctr">
+                      <a:solidFill>
+                        <a:schemeClr val="tx1"/>
+                      </a:solidFill>
+                      <a:prstDash val="solid"/>
+                      <a:round/>
+                      <a:headEnd type="none" w="med" len="med"/>
+                      <a:tailEnd type="none" w="med" len="med"/>
+                    </a:lnT>
+                    <a:lnB w="12700" cap="flat" cmpd="sng" algn="ctr">
+                      <a:solidFill>
+                        <a:schemeClr val="tx1"/>
+                      </a:solidFill>
+                      <a:prstDash val="solid"/>
+                      <a:round/>
+                      <a:headEnd type="none" w="med" len="med"/>
+                      <a:tailEnd type="none" w="med" len="med"/>
+                    </a:lnB>
+                  </a:tcPr>
+                </a:tc>
+                <a:extLst>
+                  <a:ext uri="{0D108BD9-81ED-4DB2-BD59-A6C34878D82A}">
+                    <a16:rowId xmlns:a16="http://schemas.microsoft.com/office/drawing/2014/main" val="3934898473"/>
+                  </a:ext>
+                </a:extLst>
+              </a:tr>
+              <a:tr h="422071">
+                <a:tc>
+                  <a:txBody>
+                    <a:bodyPr/>
+                    <a:lstStyle/>
+                    <a:p>
+                      <a:pPr algn="ctr" latinLnBrk="1"/>
+                      <a:r>
+                        <a:rPr lang="ko-KR" altLang="en-US" sz="1200" dirty="0"/>
+                        <a:t>유체화</a:t>
+                      </a:r>
+                    </a:p>
+                  </a:txBody>
+                  <a:tcPr anchor="ctr">
+                    <a:lnL w="12700" cap="flat" cmpd="sng" algn="ctr">
+                      <a:solidFill>
+                        <a:schemeClr val="tx1"/>
+                      </a:solidFill>
+                      <a:prstDash val="solid"/>
+                      <a:round/>
+                      <a:headEnd type="none" w="med" len="med"/>
+                      <a:tailEnd type="none" w="med" len="med"/>
+                    </a:lnL>
+                    <a:lnR w="12700" cap="flat" cmpd="sng" algn="ctr">
+                      <a:solidFill>
+                        <a:schemeClr val="tx1"/>
+                      </a:solidFill>
+                      <a:prstDash val="solid"/>
+                      <a:round/>
+                      <a:headEnd type="none" w="med" len="med"/>
+                      <a:tailEnd type="none" w="med" len="med"/>
+                    </a:lnR>
+                    <a:lnT w="12700" cap="flat" cmpd="sng" algn="ctr">
+                      <a:solidFill>
+                        <a:schemeClr val="tx1"/>
+                      </a:solidFill>
+                      <a:prstDash val="solid"/>
+                      <a:round/>
+                      <a:headEnd type="none" w="med" len="med"/>
+                      <a:tailEnd type="none" w="med" len="med"/>
+                    </a:lnT>
+                    <a:lnB w="12700" cap="flat" cmpd="sng" algn="ctr">
+                      <a:solidFill>
+                        <a:schemeClr val="tx1"/>
+                      </a:solidFill>
+                      <a:prstDash val="solid"/>
+                      <a:round/>
+                      <a:headEnd type="none" w="med" len="med"/>
+                      <a:tailEnd type="none" w="med" len="med"/>
+                    </a:lnB>
+                  </a:tcPr>
+                </a:tc>
+                <a:tc>
+                  <a:txBody>
+                    <a:bodyPr/>
+                    <a:lstStyle/>
+                    <a:p>
+                      <a:pPr algn="ctr" latinLnBrk="1"/>
+                      <a:r>
+                        <a:rPr lang="en-US" altLang="ko-KR" sz="1200" dirty="0"/>
+                        <a:t>10</a:t>
+                      </a:r>
+                      <a:r>
+                        <a:rPr lang="ko-KR" altLang="en-US" sz="1200" dirty="0"/>
+                        <a:t>초</a:t>
+                      </a:r>
+                    </a:p>
+                  </a:txBody>
+                  <a:tcPr anchor="ctr">
+                    <a:lnL w="12700" cap="flat" cmpd="sng" algn="ctr">
+                      <a:solidFill>
+                        <a:schemeClr val="tx1"/>
+                      </a:solidFill>
+                      <a:prstDash val="solid"/>
+                      <a:round/>
+                      <a:headEnd type="none" w="med" len="med"/>
+                      <a:tailEnd type="none" w="med" len="med"/>
+                    </a:lnL>
+                    <a:lnR w="12700" cap="flat" cmpd="sng" algn="ctr">
+                      <a:solidFill>
+                        <a:schemeClr val="tx1"/>
+                      </a:solidFill>
+                      <a:prstDash val="solid"/>
+                      <a:round/>
+                      <a:headEnd type="none" w="med" len="med"/>
+                      <a:tailEnd type="none" w="med" len="med"/>
+                    </a:lnR>
+                    <a:lnT w="12700" cap="flat" cmpd="sng" algn="ctr">
+                      <a:solidFill>
+                        <a:schemeClr val="tx1"/>
+                      </a:solidFill>
+                      <a:prstDash val="solid"/>
+                      <a:round/>
+                      <a:headEnd type="none" w="med" len="med"/>
+                      <a:tailEnd type="none" w="med" len="med"/>
+                    </a:lnT>
+                    <a:lnB w="12700" cap="flat" cmpd="sng" algn="ctr">
+                      <a:solidFill>
+                        <a:schemeClr val="tx1"/>
+                      </a:solidFill>
+                      <a:prstDash val="solid"/>
+                      <a:round/>
+                      <a:headEnd type="none" w="med" len="med"/>
+                      <a:tailEnd type="none" w="med" len="med"/>
+                    </a:lnB>
+                  </a:tcPr>
+                </a:tc>
+                <a:tc>
+                  <a:txBody>
+                    <a:bodyPr/>
+                    <a:lstStyle/>
+                    <a:p>
+                      <a:pPr algn="ctr" latinLnBrk="1"/>
+                      <a:r>
+                        <a:rPr lang="en-US" altLang="ko-KR" sz="1200" dirty="0"/>
+                        <a:t>1</a:t>
+                      </a:r>
+                      <a:r>
+                        <a:rPr lang="ko-KR" altLang="en-US" sz="1200" dirty="0"/>
+                        <a:t>초간 이동속도가 </a:t>
+                      </a:r>
+                      <a:r>
+                        <a:rPr lang="en-US" altLang="ko-KR" sz="1200" dirty="0"/>
+                        <a:t>0.5 </a:t>
+                      </a:r>
+                      <a:r>
+                        <a:rPr lang="ko-KR" altLang="en-US" sz="1200" dirty="0"/>
+                        <a:t>증가한다</a:t>
+                      </a:r>
+                      <a:r>
+                        <a:rPr lang="en-US" altLang="ko-KR" sz="1200" dirty="0"/>
+                        <a:t>.</a:t>
+                      </a:r>
+                      <a:endParaRPr lang="ko-KR" altLang="en-US" sz="1200" dirty="0"/>
+                    </a:p>
+                  </a:txBody>
+                  <a:tcPr anchor="ctr">
+                    <a:lnL w="12700" cap="flat" cmpd="sng" algn="ctr">
+                      <a:solidFill>
+                        <a:schemeClr val="tx1"/>
+                      </a:solidFill>
+                      <a:prstDash val="solid"/>
+                      <a:round/>
+                      <a:headEnd type="none" w="med" len="med"/>
+                      <a:tailEnd type="none" w="med" len="med"/>
+                    </a:lnL>
+                    <a:lnR w="12700" cap="flat" cmpd="sng" algn="ctr">
+                      <a:solidFill>
+                        <a:schemeClr val="tx1"/>
+                      </a:solidFill>
+                      <a:prstDash val="solid"/>
+                      <a:round/>
+                      <a:headEnd type="none" w="med" len="med"/>
+                      <a:tailEnd type="none" w="med" len="med"/>
+                    </a:lnR>
+                    <a:lnT w="12700" cap="flat" cmpd="sng" algn="ctr">
+                      <a:solidFill>
+                        <a:schemeClr val="tx1"/>
+                      </a:solidFill>
+                      <a:prstDash val="solid"/>
+                      <a:round/>
+                      <a:headEnd type="none" w="med" len="med"/>
+                      <a:tailEnd type="none" w="med" len="med"/>
+                    </a:lnT>
+                    <a:lnB w="12700" cap="flat" cmpd="sng" algn="ctr">
+                      <a:solidFill>
+                        <a:schemeClr val="tx1"/>
+                      </a:solidFill>
+                      <a:prstDash val="solid"/>
+                      <a:round/>
+                      <a:headEnd type="none" w="med" len="med"/>
+                      <a:tailEnd type="none" w="med" len="med"/>
+                    </a:lnB>
+                  </a:tcPr>
+                </a:tc>
+                <a:extLst>
+                  <a:ext uri="{0D108BD9-81ED-4DB2-BD59-A6C34878D82A}">
+                    <a16:rowId xmlns:a16="http://schemas.microsoft.com/office/drawing/2014/main" val="3806283605"/>
+                  </a:ext>
+                </a:extLst>
+              </a:tr>
+              <a:tr h="422071">
+                <a:tc>
+                  <a:txBody>
+                    <a:bodyPr/>
+                    <a:lstStyle/>
+                    <a:p>
+                      <a:pPr algn="ctr" latinLnBrk="1"/>
+                      <a:endParaRPr lang="ko-KR" altLang="en-US" sz="1200" dirty="0"/>
+                    </a:p>
+                  </a:txBody>
+                  <a:tcPr anchor="ctr">
+                    <a:lnL w="12700" cap="flat" cmpd="sng" algn="ctr">
+                      <a:solidFill>
+                        <a:schemeClr val="tx1"/>
+                      </a:solidFill>
+                      <a:prstDash val="solid"/>
+                      <a:round/>
+                      <a:headEnd type="none" w="med" len="med"/>
+                      <a:tailEnd type="none" w="med" len="med"/>
+                    </a:lnL>
+                    <a:lnR w="12700" cap="flat" cmpd="sng" algn="ctr">
+                      <a:solidFill>
+                        <a:schemeClr val="tx1"/>
+                      </a:solidFill>
+                      <a:prstDash val="solid"/>
+                      <a:round/>
+                      <a:headEnd type="none" w="med" len="med"/>
+                      <a:tailEnd type="none" w="med" len="med"/>
+                    </a:lnR>
+                    <a:lnT w="12700" cap="flat" cmpd="sng" algn="ctr">
+                      <a:solidFill>
+                        <a:schemeClr val="tx1"/>
+                      </a:solidFill>
+                      <a:prstDash val="solid"/>
+                      <a:round/>
+                      <a:headEnd type="none" w="med" len="med"/>
+                      <a:tailEnd type="none" w="med" len="med"/>
+                    </a:lnT>
+                    <a:lnB w="12700" cap="flat" cmpd="sng" algn="ctr">
+                      <a:solidFill>
+                        <a:schemeClr val="tx1"/>
+                      </a:solidFill>
+                      <a:prstDash val="solid"/>
+                      <a:round/>
+                      <a:headEnd type="none" w="med" len="med"/>
+                      <a:tailEnd type="none" w="med" len="med"/>
+                    </a:lnB>
+                  </a:tcPr>
+                </a:tc>
+                <a:tc>
+                  <a:txBody>
+                    <a:bodyPr/>
+                    <a:lstStyle/>
+                    <a:p>
+                      <a:pPr algn="ctr" latinLnBrk="1"/>
+                      <a:endParaRPr lang="ko-KR" altLang="en-US" sz="1200" dirty="0"/>
+                    </a:p>
+                  </a:txBody>
+                  <a:tcPr anchor="ctr">
+                    <a:lnL w="12700" cap="flat" cmpd="sng" algn="ctr">
+                      <a:solidFill>
+                        <a:schemeClr val="tx1"/>
+                      </a:solidFill>
+                      <a:prstDash val="solid"/>
+                      <a:round/>
+                      <a:headEnd type="none" w="med" len="med"/>
+                      <a:tailEnd type="none" w="med" len="med"/>
+                    </a:lnL>
+                    <a:lnR w="12700" cap="flat" cmpd="sng" algn="ctr">
+                      <a:solidFill>
+                        <a:schemeClr val="tx1"/>
+                      </a:solidFill>
+                      <a:prstDash val="solid"/>
+                      <a:round/>
+                      <a:headEnd type="none" w="med" len="med"/>
+                      <a:tailEnd type="none" w="med" len="med"/>
+                    </a:lnR>
+                    <a:lnT w="12700" cap="flat" cmpd="sng" algn="ctr">
+                      <a:solidFill>
+                        <a:schemeClr val="tx1"/>
+                      </a:solidFill>
+                      <a:prstDash val="solid"/>
+                      <a:round/>
+                      <a:headEnd type="none" w="med" len="med"/>
+                      <a:tailEnd type="none" w="med" len="med"/>
+                    </a:lnT>
+                    <a:lnB w="12700" cap="flat" cmpd="sng" algn="ctr">
+                      <a:solidFill>
+                        <a:schemeClr val="tx1"/>
+                      </a:solidFill>
+                      <a:prstDash val="solid"/>
+                      <a:round/>
+                      <a:headEnd type="none" w="med" len="med"/>
+                      <a:tailEnd type="none" w="med" len="med"/>
+                    </a:lnB>
+                  </a:tcPr>
+                </a:tc>
+                <a:tc>
+                  <a:txBody>
+                    <a:bodyPr/>
+                    <a:lstStyle/>
+                    <a:p>
+                      <a:pPr algn="ctr" latinLnBrk="1"/>
+                      <a:endParaRPr lang="ko-KR" altLang="en-US" sz="1200" dirty="0"/>
+                    </a:p>
+                  </a:txBody>
+                  <a:tcPr anchor="ctr">
+                    <a:lnL w="12700" cap="flat" cmpd="sng" algn="ctr">
+                      <a:solidFill>
+                        <a:schemeClr val="tx1"/>
+                      </a:solidFill>
+                      <a:prstDash val="solid"/>
+                      <a:round/>
+                      <a:headEnd type="none" w="med" len="med"/>
+                      <a:tailEnd type="none" w="med" len="med"/>
+                    </a:lnL>
+                    <a:lnR w="12700" cap="flat" cmpd="sng" algn="ctr">
+                      <a:solidFill>
+                        <a:schemeClr val="tx1"/>
+                      </a:solidFill>
+                      <a:prstDash val="solid"/>
+                      <a:round/>
+                      <a:headEnd type="none" w="med" len="med"/>
+                      <a:tailEnd type="none" w="med" len="med"/>
+                    </a:lnR>
+                    <a:lnT w="12700" cap="flat" cmpd="sng" algn="ctr">
+                      <a:solidFill>
+                        <a:schemeClr val="tx1"/>
+                      </a:solidFill>
+                      <a:prstDash val="solid"/>
+                      <a:round/>
+                      <a:headEnd type="none" w="med" len="med"/>
+                      <a:tailEnd type="none" w="med" len="med"/>
+                    </a:lnT>
+                    <a:lnB w="12700" cap="flat" cmpd="sng" algn="ctr">
+                      <a:solidFill>
+                        <a:schemeClr val="tx1"/>
+                      </a:solidFill>
+                      <a:prstDash val="solid"/>
+                      <a:round/>
+                      <a:headEnd type="none" w="med" len="med"/>
+                      <a:tailEnd type="none" w="med" len="med"/>
+                    </a:lnB>
+                  </a:tcPr>
+                </a:tc>
+                <a:extLst>
+                  <a:ext uri="{0D108BD9-81ED-4DB2-BD59-A6C34878D82A}">
+                    <a16:rowId xmlns:a16="http://schemas.microsoft.com/office/drawing/2014/main" val="377653799"/>
+                  </a:ext>
+                </a:extLst>
+              </a:tr>
+            </a:tbl>
+          </a:graphicData>
+        </a:graphic>
+      </p:graphicFrame>
+      <p:sp>
+        <p:nvSpPr>
+          <p:cNvPr id="11" name="내용 개체 틀 2">
+            <a:extLst>
+              <a:ext uri="{FF2B5EF4-FFF2-40B4-BE49-F238E27FC236}">
+                <a16:creationId xmlns:a16="http://schemas.microsoft.com/office/drawing/2014/main" id="{8F71B3B7-083C-1D06-E635-FFF32162D3A7}"/>
+              </a:ext>
+            </a:extLst>
+          </p:cNvPr>
+          <p:cNvSpPr txBox="1">
+            <a:spLocks/>
+          </p:cNvSpPr>
+          <p:nvPr/>
+        </p:nvSpPr>
+        <p:spPr>
+          <a:xfrm>
+            <a:off x="6625866" y="6034702"/>
+            <a:ext cx="5257800" cy="563203"/>
+          </a:xfrm>
+          <a:prstGeom prst="rect">
+            <a:avLst/>
+          </a:prstGeom>
+        </p:spPr>
+        <p:txBody>
+          <a:bodyPr vert="horz" lIns="91440" tIns="45720" rIns="91440" bIns="45720" rtlCol="0">
+            <a:normAutofit/>
+          </a:bodyPr>
+          <a:lstStyle>
+            <a:lvl1pPr marL="228600" indent="-228600" algn="l" defTabSz="914400" rtl="0" eaLnBrk="1" latinLnBrk="1" hangingPunct="1">
+              <a:lnSpc>
+                <a:spcPct val="90000"/>
+              </a:lnSpc>
+              <a:spcBef>
+                <a:spcPts val="1000"/>
+              </a:spcBef>
+              <a:buFont typeface="Arial" panose="020B0604020202020204" pitchFamily="34" charset="0"/>
+              <a:buChar char="•"/>
+              <a:defRPr sz="2800" kern="1200">
+                <a:solidFill>
+                  <a:schemeClr val="tx1"/>
+                </a:solidFill>
+                <a:latin typeface="+mn-lt"/>
+                <a:ea typeface="+mn-ea"/>
+                <a:cs typeface="+mn-cs"/>
+              </a:defRPr>
+            </a:lvl1pPr>
+            <a:lvl2pPr marL="685800" indent="-228600" algn="l" defTabSz="914400" rtl="0" eaLnBrk="1" latinLnBrk="1" hangingPunct="1">
+              <a:lnSpc>
+                <a:spcPct val="90000"/>
+              </a:lnSpc>
+              <a:spcBef>
+                <a:spcPts val="500"/>
+              </a:spcBef>
+              <a:buFont typeface="Arial" panose="020B0604020202020204" pitchFamily="34" charset="0"/>
+              <a:buChar char="•"/>
+              <a:defRPr sz="2400" kern="1200">
+                <a:solidFill>
+                  <a:schemeClr val="tx1"/>
+                </a:solidFill>
+                <a:latin typeface="+mn-lt"/>
+                <a:ea typeface="+mn-ea"/>
+                <a:cs typeface="+mn-cs"/>
+              </a:defRPr>
+            </a:lvl2pPr>
+            <a:lvl3pPr marL="1143000" indent="-228600" algn="l" defTabSz="914400" rtl="0" eaLnBrk="1" latinLnBrk="1" hangingPunct="1">
+              <a:lnSpc>
+                <a:spcPct val="90000"/>
+              </a:lnSpc>
+              <a:spcBef>
+                <a:spcPts val="500"/>
+              </a:spcBef>
+              <a:buFont typeface="Arial" panose="020B0604020202020204" pitchFamily="34" charset="0"/>
+              <a:buChar char="•"/>
+              <a:defRPr sz="2000" kern="1200">
+                <a:solidFill>
+                  <a:schemeClr val="tx1"/>
+                </a:solidFill>
+                <a:latin typeface="+mn-lt"/>
+                <a:ea typeface="+mn-ea"/>
+                <a:cs typeface="+mn-cs"/>
+              </a:defRPr>
+            </a:lvl3pPr>
+            <a:lvl4pPr marL="1600200" indent="-228600" algn="l" defTabSz="914400" rtl="0" eaLnBrk="1" latinLnBrk="1" hangingPunct="1">
+              <a:lnSpc>
+                <a:spcPct val="90000"/>
+              </a:lnSpc>
+              <a:spcBef>
+                <a:spcPts val="500"/>
+              </a:spcBef>
+              <a:buFont typeface="Arial" panose="020B0604020202020204" pitchFamily="34" charset="0"/>
+              <a:buChar char="•"/>
+              <a:defRPr sz="1800" kern="1200">
+                <a:solidFill>
+                  <a:schemeClr val="tx1"/>
+                </a:solidFill>
+                <a:latin typeface="+mn-lt"/>
+                <a:ea typeface="+mn-ea"/>
+                <a:cs typeface="+mn-cs"/>
+              </a:defRPr>
+            </a:lvl4pPr>
+            <a:lvl5pPr marL="2057400" indent="-228600" algn="l" defTabSz="914400" rtl="0" eaLnBrk="1" latinLnBrk="1" hangingPunct="1">
+              <a:lnSpc>
+                <a:spcPct val="90000"/>
+              </a:lnSpc>
+              <a:spcBef>
+                <a:spcPts val="500"/>
+              </a:spcBef>
+              <a:buFont typeface="Arial" panose="020B0604020202020204" pitchFamily="34" charset="0"/>
+              <a:buChar char="•"/>
+              <a:defRPr sz="1800" kern="1200">
+                <a:solidFill>
+                  <a:schemeClr val="tx1"/>
+                </a:solidFill>
+                <a:latin typeface="+mn-lt"/>
+                <a:ea typeface="+mn-ea"/>
+                <a:cs typeface="+mn-cs"/>
+              </a:defRPr>
+            </a:lvl5pPr>
+            <a:lvl6pPr marL="2514600" indent="-228600" algn="l" defTabSz="914400" rtl="0" eaLnBrk="1" latinLnBrk="1" hangingPunct="1">
+              <a:lnSpc>
+                <a:spcPct val="90000"/>
+              </a:lnSpc>
+              <a:spcBef>
+                <a:spcPts val="500"/>
+              </a:spcBef>
+              <a:buFont typeface="Arial" panose="020B0604020202020204" pitchFamily="34" charset="0"/>
+              <a:buChar char="•"/>
+              <a:defRPr sz="1800" kern="1200">
+                <a:solidFill>
+                  <a:schemeClr val="tx1"/>
+                </a:solidFill>
+                <a:latin typeface="+mn-lt"/>
+                <a:ea typeface="+mn-ea"/>
+                <a:cs typeface="+mn-cs"/>
+              </a:defRPr>
+            </a:lvl6pPr>
+            <a:lvl7pPr marL="2971800" indent="-228600" algn="l" defTabSz="914400" rtl="0" eaLnBrk="1" latinLnBrk="1" hangingPunct="1">
+              <a:lnSpc>
+                <a:spcPct val="90000"/>
+              </a:lnSpc>
+              <a:spcBef>
+                <a:spcPts val="500"/>
+              </a:spcBef>
+              <a:buFont typeface="Arial" panose="020B0604020202020204" pitchFamily="34" charset="0"/>
+              <a:buChar char="•"/>
+              <a:defRPr sz="1800" kern="1200">
+                <a:solidFill>
+                  <a:schemeClr val="tx1"/>
+                </a:solidFill>
+                <a:latin typeface="+mn-lt"/>
+                <a:ea typeface="+mn-ea"/>
+                <a:cs typeface="+mn-cs"/>
+              </a:defRPr>
+            </a:lvl7pPr>
+            <a:lvl8pPr marL="3429000" indent="-228600" algn="l" defTabSz="914400" rtl="0" eaLnBrk="1" latinLnBrk="1" hangingPunct="1">
+              <a:lnSpc>
+                <a:spcPct val="90000"/>
+              </a:lnSpc>
+              <a:spcBef>
+                <a:spcPts val="500"/>
+              </a:spcBef>
+              <a:buFont typeface="Arial" panose="020B0604020202020204" pitchFamily="34" charset="0"/>
+              <a:buChar char="•"/>
+              <a:defRPr sz="1800" kern="1200">
+                <a:solidFill>
+                  <a:schemeClr val="tx1"/>
+                </a:solidFill>
+                <a:latin typeface="+mn-lt"/>
+                <a:ea typeface="+mn-ea"/>
+                <a:cs typeface="+mn-cs"/>
+              </a:defRPr>
+            </a:lvl8pPr>
+            <a:lvl9pPr marL="3886200" indent="-228600" algn="l" defTabSz="914400" rtl="0" eaLnBrk="1" latinLnBrk="1" hangingPunct="1">
+              <a:lnSpc>
+                <a:spcPct val="90000"/>
+              </a:lnSpc>
+              <a:spcBef>
+                <a:spcPts val="500"/>
+              </a:spcBef>
+              <a:buFont typeface="Arial" panose="020B0604020202020204" pitchFamily="34" charset="0"/>
+              <a:buChar char="•"/>
+              <a:defRPr sz="1800" kern="1200">
+                <a:solidFill>
+                  <a:schemeClr val="tx1"/>
+                </a:solidFill>
+                <a:latin typeface="+mn-lt"/>
+                <a:ea typeface="+mn-ea"/>
+                <a:cs typeface="+mn-cs"/>
+              </a:defRPr>
+            </a:lvl9pPr>
+          </a:lstStyle>
+          <a:p>
+            <a:pPr marL="0" indent="0" algn="ctr">
+              <a:buNone/>
+            </a:pPr>
+            <a:r>
+              <a:rPr lang="ko-KR" altLang="en-US" dirty="0"/>
+              <a:t>예시 캐릭터 사진</a:t>
+            </a:r>
+            <a:endParaRPr lang="en-US" altLang="ko-KR" sz="1400" dirty="0"/>
+          </a:p>
+        </p:txBody>
+      </p:sp>
+      <p:graphicFrame>
+        <p:nvGraphicFramePr>
+          <p:cNvPr id="7" name="표 6">
+            <a:extLst>
+              <a:ext uri="{FF2B5EF4-FFF2-40B4-BE49-F238E27FC236}">
+                <a16:creationId xmlns:a16="http://schemas.microsoft.com/office/drawing/2014/main" id="{191A037D-BD59-A58F-18D8-CEE9ADE721BF}"/>
+              </a:ext>
+            </a:extLst>
+          </p:cNvPr>
+          <p:cNvGraphicFramePr>
+            <a:graphicFrameLocks noGrp="1"/>
+          </p:cNvGraphicFramePr>
+          <p:nvPr/>
+        </p:nvGraphicFramePr>
+        <p:xfrm>
+          <a:off x="838200" y="2465768"/>
+          <a:ext cx="5373031" cy="2779588"/>
+        </p:xfrm>
+        <a:graphic>
+          <a:graphicData uri="http://schemas.openxmlformats.org/drawingml/2006/table">
+            <a:tbl>
+              <a:tblPr firstRow="1" bandRow="1">
+                <a:tableStyleId>{21E4AEA4-8DFA-4A89-87EB-49C32662AFE0}</a:tableStyleId>
+              </a:tblPr>
+              <a:tblGrid>
+                <a:gridCol w="1429282">
+                  <a:extLst>
+                    <a:ext uri="{9D8B030D-6E8A-4147-A177-3AD203B41FA5}">
+                      <a16:colId xmlns:a16="http://schemas.microsoft.com/office/drawing/2014/main" val="649444370"/>
+                    </a:ext>
+                  </a:extLst>
+                </a:gridCol>
+                <a:gridCol w="1167767">
+                  <a:extLst>
+                    <a:ext uri="{9D8B030D-6E8A-4147-A177-3AD203B41FA5}">
+                      <a16:colId xmlns:a16="http://schemas.microsoft.com/office/drawing/2014/main" val="894170241"/>
+                    </a:ext>
+                  </a:extLst>
+                </a:gridCol>
+                <a:gridCol w="2775982">
+                  <a:extLst>
+                    <a:ext uri="{9D8B030D-6E8A-4147-A177-3AD203B41FA5}">
+                      <a16:colId xmlns:a16="http://schemas.microsoft.com/office/drawing/2014/main" val="788308112"/>
+                    </a:ext>
+                  </a:extLst>
+                </a:gridCol>
+              </a:tblGrid>
+              <a:tr h="397084">
+                <a:tc>
+                  <a:txBody>
+                    <a:bodyPr/>
+                    <a:lstStyle/>
+                    <a:p>
+                      <a:pPr algn="ctr" latinLnBrk="1"/>
+                      <a:r>
+                        <a:rPr lang="ko-KR" altLang="en-US" sz="1800" dirty="0" err="1"/>
+                        <a:t>스텟</a:t>
+                      </a:r>
+                      <a:endParaRPr lang="ko-KR" altLang="en-US" sz="1800" dirty="0"/>
+                    </a:p>
+                  </a:txBody>
+                  <a:tcPr anchor="ctr">
+                    <a:lnL w="12700" cap="flat" cmpd="sng" algn="ctr">
+                      <a:solidFill>
+                        <a:schemeClr val="tx1"/>
+                      </a:solidFill>
+                      <a:prstDash val="solid"/>
+                      <a:round/>
+                      <a:headEnd type="none" w="med" len="med"/>
+                      <a:tailEnd type="none" w="med" len="med"/>
+                    </a:lnL>
+                    <a:lnR w="12700" cap="flat" cmpd="sng" algn="ctr">
+                      <a:solidFill>
+                        <a:schemeClr val="tx1"/>
+                      </a:solidFill>
+                      <a:prstDash val="solid"/>
+                      <a:round/>
+                      <a:headEnd type="none" w="med" len="med"/>
+                      <a:tailEnd type="none" w="med" len="med"/>
+                    </a:lnR>
+                    <a:lnT w="12700" cap="flat" cmpd="sng" algn="ctr">
+                      <a:solidFill>
+                        <a:schemeClr val="tx1"/>
+                      </a:solidFill>
+                      <a:prstDash val="solid"/>
+                      <a:round/>
+                      <a:headEnd type="none" w="med" len="med"/>
+                      <a:tailEnd type="none" w="med" len="med"/>
+                    </a:lnT>
+                    <a:lnB w="12700" cap="flat" cmpd="sng" algn="ctr">
+                      <a:solidFill>
+                        <a:schemeClr val="tx1"/>
+                      </a:solidFill>
+                      <a:prstDash val="solid"/>
+                      <a:round/>
+                      <a:headEnd type="none" w="med" len="med"/>
+                      <a:tailEnd type="none" w="med" len="med"/>
+                    </a:lnB>
+                    <a:lnTlToBr w="12700" cmpd="sng">
+                      <a:noFill/>
+                      <a:prstDash val="solid"/>
+                    </a:lnTlToBr>
+                    <a:lnBlToTr w="12700" cmpd="sng">
+                      <a:noFill/>
+                      <a:prstDash val="solid"/>
+                    </a:lnBlToTr>
+                  </a:tcPr>
+                </a:tc>
+                <a:tc>
+                  <a:txBody>
+                    <a:bodyPr/>
+                    <a:lstStyle/>
+                    <a:p>
+                      <a:pPr algn="ctr" latinLnBrk="1"/>
+                      <a:r>
+                        <a:rPr lang="ko-KR" altLang="en-US" sz="1800" dirty="0"/>
+                        <a:t>수치</a:t>
+                      </a:r>
+                    </a:p>
+                  </a:txBody>
+                  <a:tcPr anchor="ctr">
+                    <a:lnL w="12700" cap="flat" cmpd="sng" algn="ctr">
+                      <a:solidFill>
+                        <a:schemeClr val="tx1"/>
+                      </a:solidFill>
+                      <a:prstDash val="solid"/>
+                      <a:round/>
+                      <a:headEnd type="none" w="med" len="med"/>
+                      <a:tailEnd type="none" w="med" len="med"/>
+                    </a:lnL>
+                    <a:lnR w="12700" cap="flat" cmpd="sng" algn="ctr">
+                      <a:solidFill>
+                        <a:schemeClr val="tx1"/>
+                      </a:solidFill>
+                      <a:prstDash val="solid"/>
+                      <a:round/>
+                      <a:headEnd type="none" w="med" len="med"/>
+                      <a:tailEnd type="none" w="med" len="med"/>
+                    </a:lnR>
+                    <a:lnT w="12700" cap="flat" cmpd="sng" algn="ctr">
+                      <a:solidFill>
+                        <a:schemeClr val="tx1"/>
+                      </a:solidFill>
+                      <a:prstDash val="solid"/>
+                      <a:round/>
+                      <a:headEnd type="none" w="med" len="med"/>
+                      <a:tailEnd type="none" w="med" len="med"/>
+                    </a:lnT>
+                    <a:lnB w="12700" cap="flat" cmpd="sng" algn="ctr">
+                      <a:solidFill>
+                        <a:schemeClr val="tx1"/>
+                      </a:solidFill>
+                      <a:prstDash val="solid"/>
+                      <a:round/>
+                      <a:headEnd type="none" w="med" len="med"/>
+                      <a:tailEnd type="none" w="med" len="med"/>
+                    </a:lnB>
+                    <a:lnTlToBr w="12700" cmpd="sng">
+                      <a:noFill/>
+                      <a:prstDash val="solid"/>
+                    </a:lnTlToBr>
+                    <a:lnBlToTr w="12700" cmpd="sng">
+                      <a:noFill/>
+                      <a:prstDash val="solid"/>
+                    </a:lnBlToTr>
+                  </a:tcPr>
+                </a:tc>
+                <a:tc>
+                  <a:txBody>
+                    <a:bodyPr/>
+                    <a:lstStyle/>
+                    <a:p>
+                      <a:pPr algn="ctr" latinLnBrk="1"/>
+                      <a:r>
+                        <a:rPr lang="ko-KR" altLang="en-US" sz="1800" dirty="0"/>
+                        <a:t>주석</a:t>
+                      </a:r>
+                    </a:p>
+                  </a:txBody>
+                  <a:tcPr anchor="ctr">
+                    <a:lnL w="12700" cap="flat" cmpd="sng" algn="ctr">
+                      <a:solidFill>
+                        <a:schemeClr val="tx1"/>
+                      </a:solidFill>
+                      <a:prstDash val="solid"/>
+                      <a:round/>
+                      <a:headEnd type="none" w="med" len="med"/>
+                      <a:tailEnd type="none" w="med" len="med"/>
+                    </a:lnL>
+                    <a:lnR w="12700" cap="flat" cmpd="sng" algn="ctr">
+                      <a:solidFill>
+                        <a:schemeClr val="tx1"/>
+                      </a:solidFill>
+                      <a:prstDash val="solid"/>
+                      <a:round/>
+                      <a:headEnd type="none" w="med" len="med"/>
+                      <a:tailEnd type="none" w="med" len="med"/>
+                    </a:lnR>
+                    <a:lnT w="12700" cap="flat" cmpd="sng" algn="ctr">
+                      <a:solidFill>
+                        <a:schemeClr val="tx1"/>
+                      </a:solidFill>
+                      <a:prstDash val="solid"/>
+                      <a:round/>
+                      <a:headEnd type="none" w="med" len="med"/>
+                      <a:tailEnd type="none" w="med" len="med"/>
+                    </a:lnT>
+                    <a:lnB w="12700" cap="flat" cmpd="sng" algn="ctr">
+                      <a:solidFill>
+                        <a:schemeClr val="tx1"/>
+                      </a:solidFill>
+                      <a:prstDash val="solid"/>
+                      <a:round/>
+                      <a:headEnd type="none" w="med" len="med"/>
+                      <a:tailEnd type="none" w="med" len="med"/>
+                    </a:lnB>
+                    <a:lnTlToBr w="12700" cmpd="sng">
+                      <a:noFill/>
+                      <a:prstDash val="solid"/>
+                    </a:lnTlToBr>
+                    <a:lnBlToTr w="12700" cmpd="sng">
+                      <a:noFill/>
+                      <a:prstDash val="solid"/>
+                    </a:lnBlToTr>
+                  </a:tcPr>
+                </a:tc>
+                <a:extLst>
+                  <a:ext uri="{0D108BD9-81ED-4DB2-BD59-A6C34878D82A}">
+                    <a16:rowId xmlns:a16="http://schemas.microsoft.com/office/drawing/2014/main" val="3952501529"/>
+                  </a:ext>
+                </a:extLst>
+              </a:tr>
+              <a:tr h="397084">
+                <a:tc>
+                  <a:txBody>
+                    <a:bodyPr/>
+                    <a:lstStyle/>
+                    <a:p>
+                      <a:pPr marL="0" indent="0" algn="ctr" latinLnBrk="1">
+                        <a:buFont typeface="+mj-lt"/>
+                        <a:buNone/>
+                      </a:pPr>
+                      <a:r>
+                        <a:rPr lang="en-US" altLang="ko-KR" sz="1200" dirty="0"/>
+                        <a:t>HP</a:t>
+                      </a:r>
+                      <a:endParaRPr lang="ko-KR" altLang="en-US" sz="1200" dirty="0"/>
+                    </a:p>
+                  </a:txBody>
+                  <a:tcPr anchor="ctr">
+                    <a:lnL w="12700" cap="flat" cmpd="sng" algn="ctr">
+                      <a:solidFill>
+                        <a:schemeClr val="tx1"/>
+                      </a:solidFill>
+                      <a:prstDash val="solid"/>
+                      <a:round/>
+                      <a:headEnd type="none" w="med" len="med"/>
+                      <a:tailEnd type="none" w="med" len="med"/>
+                    </a:lnL>
+                    <a:lnR w="12700" cap="flat" cmpd="sng" algn="ctr">
+                      <a:solidFill>
+                        <a:schemeClr val="tx1"/>
+                      </a:solidFill>
+                      <a:prstDash val="solid"/>
+                      <a:round/>
+                      <a:headEnd type="none" w="med" len="med"/>
+                      <a:tailEnd type="none" w="med" len="med"/>
+                    </a:lnR>
+                    <a:lnT w="12700" cap="flat" cmpd="sng" algn="ctr">
+                      <a:solidFill>
+                        <a:schemeClr val="tx1"/>
+                      </a:solidFill>
+                      <a:prstDash val="solid"/>
+                      <a:round/>
+                      <a:headEnd type="none" w="med" len="med"/>
+                      <a:tailEnd type="none" w="med" len="med"/>
+                    </a:lnT>
+                    <a:lnB w="12700" cap="flat" cmpd="sng" algn="ctr">
+                      <a:solidFill>
+                        <a:schemeClr val="tx1"/>
+                      </a:solidFill>
+                      <a:prstDash val="solid"/>
+                      <a:round/>
+                      <a:headEnd type="none" w="med" len="med"/>
+                      <a:tailEnd type="none" w="med" len="med"/>
+                    </a:lnB>
+                    <a:lnTlToBr w="12700" cmpd="sng">
+                      <a:noFill/>
+                      <a:prstDash val="solid"/>
+                    </a:lnTlToBr>
+                    <a:lnBlToTr w="12700" cmpd="sng">
+                      <a:noFill/>
+                      <a:prstDash val="solid"/>
+                    </a:lnBlToTr>
+                  </a:tcPr>
+                </a:tc>
+                <a:tc>
+                  <a:txBody>
+                    <a:bodyPr/>
+                    <a:lstStyle/>
+                    <a:p>
+                      <a:pPr marL="0" indent="0" algn="ctr" latinLnBrk="1">
+                        <a:buFont typeface="+mj-lt"/>
+                        <a:buNone/>
+                      </a:pPr>
+                      <a:r>
+                        <a:rPr lang="en-US" altLang="ko-KR" sz="1200" dirty="0"/>
+                        <a:t>3</a:t>
+                      </a:r>
+                      <a:r>
+                        <a:rPr lang="ko-KR" altLang="en-US" sz="1200" dirty="0"/>
+                        <a:t>칸</a:t>
+                      </a:r>
+                    </a:p>
+                  </a:txBody>
+                  <a:tcPr anchor="ctr">
+                    <a:lnL w="12700" cap="flat" cmpd="sng" algn="ctr">
+                      <a:solidFill>
+                        <a:schemeClr val="tx1"/>
+                      </a:solidFill>
+                      <a:prstDash val="solid"/>
+                      <a:round/>
+                      <a:headEnd type="none" w="med" len="med"/>
+                      <a:tailEnd type="none" w="med" len="med"/>
+                    </a:lnL>
+                    <a:lnR w="12700" cap="flat" cmpd="sng" algn="ctr">
+                      <a:solidFill>
+                        <a:schemeClr val="tx1"/>
+                      </a:solidFill>
+                      <a:prstDash val="solid"/>
+                      <a:round/>
+                      <a:headEnd type="none" w="med" len="med"/>
+                      <a:tailEnd type="none" w="med" len="med"/>
+                    </a:lnR>
+                    <a:lnT w="12700" cap="flat" cmpd="sng" algn="ctr">
+                      <a:solidFill>
+                        <a:schemeClr val="tx1"/>
+                      </a:solidFill>
+                      <a:prstDash val="solid"/>
+                      <a:round/>
+                      <a:headEnd type="none" w="med" len="med"/>
+                      <a:tailEnd type="none" w="med" len="med"/>
+                    </a:lnT>
+                    <a:lnB w="12700" cap="flat" cmpd="sng" algn="ctr">
+                      <a:solidFill>
+                        <a:schemeClr val="tx1"/>
+                      </a:solidFill>
+                      <a:prstDash val="solid"/>
+                      <a:round/>
+                      <a:headEnd type="none" w="med" len="med"/>
+                      <a:tailEnd type="none" w="med" len="med"/>
+                    </a:lnB>
+                    <a:lnTlToBr w="12700" cmpd="sng">
+                      <a:noFill/>
+                      <a:prstDash val="solid"/>
+                    </a:lnTlToBr>
+                    <a:lnBlToTr w="12700" cmpd="sng">
+                      <a:noFill/>
+                      <a:prstDash val="solid"/>
+                    </a:lnBlToTr>
+                  </a:tcPr>
+                </a:tc>
+                <a:tc>
+                  <a:txBody>
+                    <a:bodyPr/>
+                    <a:lstStyle/>
+                    <a:p>
+                      <a:pPr marL="0" indent="0" algn="ctr" latinLnBrk="1">
+                        <a:buFont typeface="+mj-lt"/>
+                        <a:buNone/>
+                      </a:pPr>
+                      <a:r>
+                        <a:rPr lang="ko-KR" altLang="en-US" sz="1200" dirty="0"/>
+                        <a:t>총</a:t>
+                      </a:r>
+                      <a:r>
+                        <a:rPr lang="en-US" altLang="ko-KR" sz="1200" dirty="0"/>
+                        <a:t>, </a:t>
+                      </a:r>
+                      <a:r>
+                        <a:rPr lang="ko-KR" altLang="en-US" sz="1200" dirty="0"/>
+                        <a:t>몬스터에게 피격 시 </a:t>
+                      </a:r>
+                      <a:r>
+                        <a:rPr lang="en-US" altLang="ko-KR" sz="1200" dirty="0"/>
+                        <a:t>1</a:t>
+                      </a:r>
+                      <a:r>
+                        <a:rPr lang="ko-KR" altLang="en-US" sz="1200" dirty="0" err="1"/>
+                        <a:t>칸씩</a:t>
+                      </a:r>
+                      <a:r>
+                        <a:rPr lang="ko-KR" altLang="en-US" sz="1200" dirty="0"/>
+                        <a:t> 닳음</a:t>
+                      </a:r>
+                      <a:r>
+                        <a:rPr lang="en-US" altLang="ko-KR" sz="1200" dirty="0"/>
+                        <a:t>.</a:t>
+                      </a:r>
+                      <a:endParaRPr lang="ko-KR" altLang="en-US" sz="1200" dirty="0"/>
+                    </a:p>
+                  </a:txBody>
+                  <a:tcPr anchor="ctr">
+                    <a:lnL w="12700" cap="flat" cmpd="sng" algn="ctr">
+                      <a:solidFill>
+                        <a:schemeClr val="tx1"/>
+                      </a:solidFill>
+                      <a:prstDash val="solid"/>
+                      <a:round/>
+                      <a:headEnd type="none" w="med" len="med"/>
+                      <a:tailEnd type="none" w="med" len="med"/>
+                    </a:lnL>
+                    <a:lnR w="12700" cap="flat" cmpd="sng" algn="ctr">
+                      <a:solidFill>
+                        <a:schemeClr val="tx1"/>
+                      </a:solidFill>
+                      <a:prstDash val="solid"/>
+                      <a:round/>
+                      <a:headEnd type="none" w="med" len="med"/>
+                      <a:tailEnd type="none" w="med" len="med"/>
+                    </a:lnR>
+                    <a:lnT w="12700" cap="flat" cmpd="sng" algn="ctr">
+                      <a:solidFill>
+                        <a:schemeClr val="tx1"/>
+                      </a:solidFill>
+                      <a:prstDash val="solid"/>
+                      <a:round/>
+                      <a:headEnd type="none" w="med" len="med"/>
+                      <a:tailEnd type="none" w="med" len="med"/>
+                    </a:lnT>
+                    <a:lnB w="12700" cap="flat" cmpd="sng" algn="ctr">
+                      <a:solidFill>
+                        <a:schemeClr val="tx1"/>
+                      </a:solidFill>
+                      <a:prstDash val="solid"/>
+                      <a:round/>
+                      <a:headEnd type="none" w="med" len="med"/>
+                      <a:tailEnd type="none" w="med" len="med"/>
+                    </a:lnB>
+                    <a:lnTlToBr w="12700" cmpd="sng">
+                      <a:noFill/>
+                      <a:prstDash val="solid"/>
+                    </a:lnTlToBr>
+                    <a:lnBlToTr w="12700" cmpd="sng">
+                      <a:noFill/>
+                      <a:prstDash val="solid"/>
+                    </a:lnBlToTr>
+                  </a:tcPr>
+                </a:tc>
+                <a:extLst>
+                  <a:ext uri="{0D108BD9-81ED-4DB2-BD59-A6C34878D82A}">
+                    <a16:rowId xmlns:a16="http://schemas.microsoft.com/office/drawing/2014/main" val="2347358794"/>
+                  </a:ext>
+                </a:extLst>
+              </a:tr>
+              <a:tr h="397084">
+                <a:tc>
+                  <a:txBody>
+                    <a:bodyPr/>
+                    <a:lstStyle/>
+                    <a:p>
+                      <a:pPr marL="0" indent="0" algn="ctr" latinLnBrk="1">
+                        <a:buFont typeface="+mj-lt"/>
+                        <a:buNone/>
+                      </a:pPr>
+                      <a:r>
+                        <a:rPr lang="ko-KR" altLang="en-US" sz="1200" dirty="0"/>
+                        <a:t>폭탄 목걸이</a:t>
+                      </a:r>
+                    </a:p>
+                  </a:txBody>
+                  <a:tcPr anchor="ctr">
+                    <a:lnL w="12700" cap="flat" cmpd="sng" algn="ctr">
+                      <a:solidFill>
+                        <a:schemeClr val="tx1"/>
+                      </a:solidFill>
+                      <a:prstDash val="solid"/>
+                      <a:round/>
+                      <a:headEnd type="none" w="med" len="med"/>
+                      <a:tailEnd type="none" w="med" len="med"/>
+                    </a:lnL>
+                    <a:lnR w="12700" cap="flat" cmpd="sng" algn="ctr">
+                      <a:solidFill>
+                        <a:schemeClr val="tx1"/>
+                      </a:solidFill>
+                      <a:prstDash val="solid"/>
+                      <a:round/>
+                      <a:headEnd type="none" w="med" len="med"/>
+                      <a:tailEnd type="none" w="med" len="med"/>
+                    </a:lnR>
+                    <a:lnT w="12700" cap="flat" cmpd="sng" algn="ctr">
+                      <a:solidFill>
+                        <a:schemeClr val="tx1"/>
+                      </a:solidFill>
+                      <a:prstDash val="solid"/>
+                      <a:round/>
+                      <a:headEnd type="none" w="med" len="med"/>
+                      <a:tailEnd type="none" w="med" len="med"/>
+                    </a:lnT>
+                    <a:lnB w="12700" cap="flat" cmpd="sng" algn="ctr">
+                      <a:solidFill>
+                        <a:schemeClr val="tx1"/>
+                      </a:solidFill>
+                      <a:prstDash val="solid"/>
+                      <a:round/>
+                      <a:headEnd type="none" w="med" len="med"/>
+                      <a:tailEnd type="none" w="med" len="med"/>
+                    </a:lnB>
+                    <a:lnTlToBr w="12700" cmpd="sng">
+                      <a:noFill/>
+                      <a:prstDash val="solid"/>
+                    </a:lnTlToBr>
+                    <a:lnBlToTr w="12700" cmpd="sng">
+                      <a:noFill/>
+                      <a:prstDash val="solid"/>
+                    </a:lnBlToTr>
+                  </a:tcPr>
+                </a:tc>
+                <a:tc>
+                  <a:txBody>
+                    <a:bodyPr/>
+                    <a:lstStyle/>
+                    <a:p>
+                      <a:pPr marL="0" indent="0" algn="ctr" latinLnBrk="1">
+                        <a:buFont typeface="+mj-lt"/>
+                        <a:buNone/>
+                      </a:pPr>
+                      <a:r>
+                        <a:rPr lang="en-US" altLang="ko-KR" sz="1200" dirty="0"/>
+                        <a:t>240</a:t>
+                      </a:r>
+                      <a:r>
+                        <a:rPr lang="ko-KR" altLang="en-US" sz="1200" dirty="0"/>
+                        <a:t>초</a:t>
+                      </a:r>
+                    </a:p>
+                  </a:txBody>
+                  <a:tcPr anchor="ctr">
+                    <a:lnL w="12700" cap="flat" cmpd="sng" algn="ctr">
+                      <a:solidFill>
+                        <a:schemeClr val="tx1"/>
+                      </a:solidFill>
+                      <a:prstDash val="solid"/>
+                      <a:round/>
+                      <a:headEnd type="none" w="med" len="med"/>
+                      <a:tailEnd type="none" w="med" len="med"/>
+                    </a:lnL>
+                    <a:lnR w="12700" cap="flat" cmpd="sng" algn="ctr">
+                      <a:solidFill>
+                        <a:schemeClr val="tx1"/>
+                      </a:solidFill>
+                      <a:prstDash val="solid"/>
+                      <a:round/>
+                      <a:headEnd type="none" w="med" len="med"/>
+                      <a:tailEnd type="none" w="med" len="med"/>
+                    </a:lnR>
+                    <a:lnT w="12700" cap="flat" cmpd="sng" algn="ctr">
+                      <a:solidFill>
+                        <a:schemeClr val="tx1"/>
+                      </a:solidFill>
+                      <a:prstDash val="solid"/>
+                      <a:round/>
+                      <a:headEnd type="none" w="med" len="med"/>
+                      <a:tailEnd type="none" w="med" len="med"/>
+                    </a:lnT>
+                    <a:lnB w="12700" cap="flat" cmpd="sng" algn="ctr">
+                      <a:solidFill>
+                        <a:schemeClr val="tx1"/>
+                      </a:solidFill>
+                      <a:prstDash val="solid"/>
+                      <a:round/>
+                      <a:headEnd type="none" w="med" len="med"/>
+                      <a:tailEnd type="none" w="med" len="med"/>
+                    </a:lnB>
+                    <a:lnTlToBr w="12700" cmpd="sng">
+                      <a:noFill/>
+                      <a:prstDash val="solid"/>
+                    </a:lnTlToBr>
+                    <a:lnBlToTr w="12700" cmpd="sng">
+                      <a:noFill/>
+                      <a:prstDash val="solid"/>
+                    </a:lnBlToTr>
+                  </a:tcPr>
+                </a:tc>
+                <a:tc>
+                  <a:txBody>
+                    <a:bodyPr/>
+                    <a:lstStyle/>
+                    <a:p>
+                      <a:pPr marL="0" indent="0" algn="ctr" latinLnBrk="1">
+                        <a:buFont typeface="+mj-lt"/>
+                        <a:buNone/>
+                      </a:pPr>
+                      <a:r>
+                        <a:rPr lang="ko-KR" altLang="en-US" sz="1200" dirty="0"/>
+                        <a:t>총에 피격 시 </a:t>
+                      </a:r>
+                      <a:r>
+                        <a:rPr lang="en-US" altLang="ko-KR" sz="1200" dirty="0"/>
+                        <a:t>30</a:t>
+                      </a:r>
+                      <a:r>
+                        <a:rPr lang="ko-KR" altLang="en-US" sz="1200" dirty="0"/>
+                        <a:t>초 </a:t>
+                      </a:r>
+                      <a:r>
+                        <a:rPr lang="ko-KR" altLang="en-US" sz="1200" dirty="0" err="1"/>
+                        <a:t>줄어듬</a:t>
+                      </a:r>
+                      <a:r>
+                        <a:rPr lang="en-US" altLang="ko-KR" sz="1200" dirty="0"/>
+                        <a:t>.</a:t>
+                      </a:r>
+                      <a:endParaRPr lang="ko-KR" altLang="en-US" sz="1200" dirty="0"/>
+                    </a:p>
+                  </a:txBody>
+                  <a:tcPr anchor="ctr">
+                    <a:lnL w="12700" cap="flat" cmpd="sng" algn="ctr">
+                      <a:solidFill>
+                        <a:schemeClr val="tx1"/>
+                      </a:solidFill>
+                      <a:prstDash val="solid"/>
+                      <a:round/>
+                      <a:headEnd type="none" w="med" len="med"/>
+                      <a:tailEnd type="none" w="med" len="med"/>
+                    </a:lnL>
+                    <a:lnR w="12700" cap="flat" cmpd="sng" algn="ctr">
+                      <a:solidFill>
+                        <a:schemeClr val="tx1"/>
+                      </a:solidFill>
+                      <a:prstDash val="solid"/>
+                      <a:round/>
+                      <a:headEnd type="none" w="med" len="med"/>
+                      <a:tailEnd type="none" w="med" len="med"/>
+                    </a:lnR>
+                    <a:lnT w="12700" cap="flat" cmpd="sng" algn="ctr">
+                      <a:solidFill>
+                        <a:schemeClr val="tx1"/>
+                      </a:solidFill>
+                      <a:prstDash val="solid"/>
+                      <a:round/>
+                      <a:headEnd type="none" w="med" len="med"/>
+                      <a:tailEnd type="none" w="med" len="med"/>
+                    </a:lnT>
+                    <a:lnB w="12700" cap="flat" cmpd="sng" algn="ctr">
+                      <a:solidFill>
+                        <a:schemeClr val="tx1"/>
+                      </a:solidFill>
+                      <a:prstDash val="solid"/>
+                      <a:round/>
+                      <a:headEnd type="none" w="med" len="med"/>
+                      <a:tailEnd type="none" w="med" len="med"/>
+                    </a:lnB>
+                    <a:lnTlToBr w="12700" cmpd="sng">
+                      <a:noFill/>
+                      <a:prstDash val="solid"/>
+                    </a:lnTlToBr>
+                    <a:lnBlToTr w="12700" cmpd="sng">
+                      <a:noFill/>
+                      <a:prstDash val="solid"/>
+                    </a:lnBlToTr>
+                  </a:tcPr>
+                </a:tc>
+                <a:extLst>
+                  <a:ext uri="{0D108BD9-81ED-4DB2-BD59-A6C34878D82A}">
+                    <a16:rowId xmlns:a16="http://schemas.microsoft.com/office/drawing/2014/main" val="2422118565"/>
+                  </a:ext>
+                </a:extLst>
+              </a:tr>
+              <a:tr h="397084">
+                <a:tc>
+                  <a:txBody>
+                    <a:bodyPr/>
+                    <a:lstStyle/>
+                    <a:p>
+                      <a:pPr marL="0" indent="0" algn="ctr" latinLnBrk="1">
+                        <a:buFont typeface="+mj-lt"/>
+                        <a:buNone/>
+                      </a:pPr>
+                      <a:r>
+                        <a:rPr lang="ko-KR" altLang="en-US" sz="1200" dirty="0"/>
+                        <a:t>탄알 주머니</a:t>
+                      </a:r>
+                    </a:p>
+                  </a:txBody>
+                  <a:tcPr anchor="ctr">
+                    <a:lnL w="12700" cap="flat" cmpd="sng" algn="ctr">
+                      <a:solidFill>
+                        <a:schemeClr val="tx1"/>
+                      </a:solidFill>
+                      <a:prstDash val="solid"/>
+                      <a:round/>
+                      <a:headEnd type="none" w="med" len="med"/>
+                      <a:tailEnd type="none" w="med" len="med"/>
+                    </a:lnL>
+                    <a:lnR w="12700" cap="flat" cmpd="sng" algn="ctr">
+                      <a:solidFill>
+                        <a:schemeClr val="tx1"/>
+                      </a:solidFill>
+                      <a:prstDash val="solid"/>
+                      <a:round/>
+                      <a:headEnd type="none" w="med" len="med"/>
+                      <a:tailEnd type="none" w="med" len="med"/>
+                    </a:lnR>
+                    <a:lnT w="12700" cap="flat" cmpd="sng" algn="ctr">
+                      <a:solidFill>
+                        <a:schemeClr val="tx1"/>
+                      </a:solidFill>
+                      <a:prstDash val="solid"/>
+                      <a:round/>
+                      <a:headEnd type="none" w="med" len="med"/>
+                      <a:tailEnd type="none" w="med" len="med"/>
+                    </a:lnT>
+                    <a:lnB w="12700" cap="flat" cmpd="sng" algn="ctr">
+                      <a:solidFill>
+                        <a:schemeClr val="tx1"/>
+                      </a:solidFill>
+                      <a:prstDash val="solid"/>
+                      <a:round/>
+                      <a:headEnd type="none" w="med" len="med"/>
+                      <a:tailEnd type="none" w="med" len="med"/>
+                    </a:lnB>
+                    <a:lnTlToBr w="12700" cmpd="sng">
+                      <a:noFill/>
+                      <a:prstDash val="solid"/>
+                    </a:lnTlToBr>
+                    <a:lnBlToTr w="12700" cmpd="sng">
+                      <a:noFill/>
+                      <a:prstDash val="solid"/>
+                    </a:lnBlToTr>
+                  </a:tcPr>
+                </a:tc>
+                <a:tc>
+                  <a:txBody>
+                    <a:bodyPr/>
+                    <a:lstStyle/>
+                    <a:p>
+                      <a:pPr marL="0" indent="0" algn="ctr" latinLnBrk="1">
+                        <a:buFont typeface="+mj-lt"/>
+                        <a:buNone/>
+                      </a:pPr>
+                      <a:r>
+                        <a:rPr lang="en-US" altLang="ko-KR" sz="1200" dirty="0"/>
+                        <a:t>6</a:t>
+                      </a:r>
+                      <a:r>
+                        <a:rPr lang="ko-KR" altLang="en-US" sz="1200" dirty="0"/>
+                        <a:t>개</a:t>
+                      </a:r>
+                    </a:p>
+                  </a:txBody>
+                  <a:tcPr anchor="ctr">
+                    <a:lnL w="12700" cap="flat" cmpd="sng" algn="ctr">
+                      <a:solidFill>
+                        <a:schemeClr val="tx1"/>
+                      </a:solidFill>
+                      <a:prstDash val="solid"/>
+                      <a:round/>
+                      <a:headEnd type="none" w="med" len="med"/>
+                      <a:tailEnd type="none" w="med" len="med"/>
+                    </a:lnL>
+                    <a:lnR w="12700" cap="flat" cmpd="sng" algn="ctr">
+                      <a:solidFill>
+                        <a:schemeClr val="tx1"/>
+                      </a:solidFill>
+                      <a:prstDash val="solid"/>
+                      <a:round/>
+                      <a:headEnd type="none" w="med" len="med"/>
+                      <a:tailEnd type="none" w="med" len="med"/>
+                    </a:lnR>
+                    <a:lnT w="12700" cap="flat" cmpd="sng" algn="ctr">
+                      <a:solidFill>
+                        <a:schemeClr val="tx1"/>
+                      </a:solidFill>
+                      <a:prstDash val="solid"/>
+                      <a:round/>
+                      <a:headEnd type="none" w="med" len="med"/>
+                      <a:tailEnd type="none" w="med" len="med"/>
+                    </a:lnT>
+                    <a:lnB w="12700" cap="flat" cmpd="sng" algn="ctr">
+                      <a:solidFill>
+                        <a:schemeClr val="tx1"/>
+                      </a:solidFill>
+                      <a:prstDash val="solid"/>
+                      <a:round/>
+                      <a:headEnd type="none" w="med" len="med"/>
+                      <a:tailEnd type="none" w="med" len="med"/>
+                    </a:lnB>
+                    <a:lnTlToBr w="12700" cmpd="sng">
+                      <a:noFill/>
+                      <a:prstDash val="solid"/>
+                    </a:lnTlToBr>
+                    <a:lnBlToTr w="12700" cmpd="sng">
+                      <a:noFill/>
+                      <a:prstDash val="solid"/>
+                    </a:lnBlToTr>
+                  </a:tcPr>
+                </a:tc>
+                <a:tc>
+                  <a:txBody>
+                    <a:bodyPr/>
+                    <a:lstStyle/>
+                    <a:p>
+                      <a:pPr marL="0" indent="0" algn="ctr" latinLnBrk="1">
+                        <a:buFont typeface="+mj-lt"/>
+                        <a:buNone/>
+                      </a:pPr>
+                      <a:r>
+                        <a:rPr lang="ko-KR" altLang="en-US" sz="1200" dirty="0"/>
+                        <a:t>총알을 많이 수집할 수 있다</a:t>
+                      </a:r>
+                      <a:r>
+                        <a:rPr lang="en-US" altLang="ko-KR" sz="1200" dirty="0"/>
+                        <a:t>.</a:t>
+                      </a:r>
+                      <a:endParaRPr lang="ko-KR" altLang="en-US" sz="1200" dirty="0"/>
+                    </a:p>
+                  </a:txBody>
+                  <a:tcPr anchor="ctr">
+                    <a:lnL w="12700" cap="flat" cmpd="sng" algn="ctr">
+                      <a:solidFill>
+                        <a:schemeClr val="tx1"/>
+                      </a:solidFill>
+                      <a:prstDash val="solid"/>
+                      <a:round/>
+                      <a:headEnd type="none" w="med" len="med"/>
+                      <a:tailEnd type="none" w="med" len="med"/>
+                    </a:lnL>
+                    <a:lnR w="12700" cap="flat" cmpd="sng" algn="ctr">
+                      <a:solidFill>
+                        <a:schemeClr val="tx1"/>
+                      </a:solidFill>
+                      <a:prstDash val="solid"/>
+                      <a:round/>
+                      <a:headEnd type="none" w="med" len="med"/>
+                      <a:tailEnd type="none" w="med" len="med"/>
+                    </a:lnR>
+                    <a:lnT w="12700" cap="flat" cmpd="sng" algn="ctr">
+                      <a:solidFill>
+                        <a:schemeClr val="tx1"/>
+                      </a:solidFill>
+                      <a:prstDash val="solid"/>
+                      <a:round/>
+                      <a:headEnd type="none" w="med" len="med"/>
+                      <a:tailEnd type="none" w="med" len="med"/>
+                    </a:lnT>
+                    <a:lnB w="12700" cap="flat" cmpd="sng" algn="ctr">
+                      <a:solidFill>
+                        <a:schemeClr val="tx1"/>
+                      </a:solidFill>
+                      <a:prstDash val="solid"/>
+                      <a:round/>
+                      <a:headEnd type="none" w="med" len="med"/>
+                      <a:tailEnd type="none" w="med" len="med"/>
+                    </a:lnB>
+                    <a:lnTlToBr w="12700" cmpd="sng">
+                      <a:noFill/>
+                      <a:prstDash val="solid"/>
+                    </a:lnTlToBr>
+                    <a:lnBlToTr w="12700" cmpd="sng">
+                      <a:noFill/>
+                      <a:prstDash val="solid"/>
+                    </a:lnBlToTr>
+                  </a:tcPr>
+                </a:tc>
+                <a:extLst>
+                  <a:ext uri="{0D108BD9-81ED-4DB2-BD59-A6C34878D82A}">
+                    <a16:rowId xmlns:a16="http://schemas.microsoft.com/office/drawing/2014/main" val="4210688304"/>
+                  </a:ext>
+                </a:extLst>
+              </a:tr>
+              <a:tr h="397084">
+                <a:tc>
+                  <a:txBody>
+                    <a:bodyPr/>
+                    <a:lstStyle/>
+                    <a:p>
+                      <a:pPr marL="0" indent="0" algn="ctr" latinLnBrk="1">
+                        <a:buFont typeface="+mj-lt"/>
+                        <a:buNone/>
+                      </a:pPr>
+                      <a:r>
+                        <a:rPr lang="ko-KR" altLang="en-US" sz="1200" dirty="0"/>
+                        <a:t>이동속도</a:t>
+                      </a:r>
+                    </a:p>
+                  </a:txBody>
+                  <a:tcPr anchor="ctr">
+                    <a:lnL w="12700" cap="flat" cmpd="sng" algn="ctr">
+                      <a:solidFill>
+                        <a:schemeClr val="tx1"/>
+                      </a:solidFill>
+                      <a:prstDash val="solid"/>
+                      <a:round/>
+                      <a:headEnd type="none" w="med" len="med"/>
+                      <a:tailEnd type="none" w="med" len="med"/>
+                    </a:lnL>
+                    <a:lnR w="12700" cap="flat" cmpd="sng" algn="ctr">
+                      <a:solidFill>
+                        <a:schemeClr val="tx1"/>
+                      </a:solidFill>
+                      <a:prstDash val="solid"/>
+                      <a:round/>
+                      <a:headEnd type="none" w="med" len="med"/>
+                      <a:tailEnd type="none" w="med" len="med"/>
+                    </a:lnR>
+                    <a:lnT w="12700" cap="flat" cmpd="sng" algn="ctr">
+                      <a:solidFill>
+                        <a:schemeClr val="tx1"/>
+                      </a:solidFill>
+                      <a:prstDash val="solid"/>
+                      <a:round/>
+                      <a:headEnd type="none" w="med" len="med"/>
+                      <a:tailEnd type="none" w="med" len="med"/>
+                    </a:lnT>
+                    <a:lnB w="12700" cap="flat" cmpd="sng" algn="ctr">
+                      <a:solidFill>
+                        <a:schemeClr val="tx1"/>
+                      </a:solidFill>
+                      <a:prstDash val="solid"/>
+                      <a:round/>
+                      <a:headEnd type="none" w="med" len="med"/>
+                      <a:tailEnd type="none" w="med" len="med"/>
+                    </a:lnB>
+                    <a:lnTlToBr w="12700" cmpd="sng">
+                      <a:noFill/>
+                      <a:prstDash val="solid"/>
+                    </a:lnTlToBr>
+                    <a:lnBlToTr w="12700" cmpd="sng">
+                      <a:noFill/>
+                      <a:prstDash val="solid"/>
+                    </a:lnBlToTr>
+                  </a:tcPr>
+                </a:tc>
+                <a:tc>
+                  <a:txBody>
+                    <a:bodyPr/>
+                    <a:lstStyle/>
+                    <a:p>
+                      <a:pPr marL="0" indent="0" algn="ctr" latinLnBrk="1">
+                        <a:buFont typeface="+mj-lt"/>
+                        <a:buNone/>
+                      </a:pPr>
+                      <a:r>
+                        <a:rPr lang="en-US" altLang="ko-KR" sz="1200" dirty="0"/>
+                        <a:t>0.9</a:t>
+                      </a:r>
+                      <a:endParaRPr lang="ko-KR" altLang="en-US" sz="1200" dirty="0"/>
+                    </a:p>
+                  </a:txBody>
+                  <a:tcPr anchor="ctr">
+                    <a:lnL w="12700" cap="flat" cmpd="sng" algn="ctr">
+                      <a:solidFill>
+                        <a:schemeClr val="tx1"/>
+                      </a:solidFill>
+                      <a:prstDash val="solid"/>
+                      <a:round/>
+                      <a:headEnd type="none" w="med" len="med"/>
+                      <a:tailEnd type="none" w="med" len="med"/>
+                    </a:lnL>
+                    <a:lnR w="12700" cap="flat" cmpd="sng" algn="ctr">
+                      <a:solidFill>
+                        <a:schemeClr val="tx1"/>
+                      </a:solidFill>
+                      <a:prstDash val="solid"/>
+                      <a:round/>
+                      <a:headEnd type="none" w="med" len="med"/>
+                      <a:tailEnd type="none" w="med" len="med"/>
+                    </a:lnR>
+                    <a:lnT w="12700" cap="flat" cmpd="sng" algn="ctr">
+                      <a:solidFill>
+                        <a:schemeClr val="tx1"/>
+                      </a:solidFill>
+                      <a:prstDash val="solid"/>
+                      <a:round/>
+                      <a:headEnd type="none" w="med" len="med"/>
+                      <a:tailEnd type="none" w="med" len="med"/>
+                    </a:lnT>
+                    <a:lnB w="12700" cap="flat" cmpd="sng" algn="ctr">
+                      <a:solidFill>
+                        <a:schemeClr val="tx1"/>
+                      </a:solidFill>
+                      <a:prstDash val="solid"/>
+                      <a:round/>
+                      <a:headEnd type="none" w="med" len="med"/>
+                      <a:tailEnd type="none" w="med" len="med"/>
+                    </a:lnB>
+                    <a:lnTlToBr w="12700" cmpd="sng">
+                      <a:noFill/>
+                      <a:prstDash val="solid"/>
+                    </a:lnTlToBr>
+                    <a:lnBlToTr w="12700" cmpd="sng">
+                      <a:noFill/>
+                      <a:prstDash val="solid"/>
+                    </a:lnBlToTr>
+                  </a:tcPr>
+                </a:tc>
+                <a:tc>
+                  <a:txBody>
+                    <a:bodyPr/>
+                    <a:lstStyle/>
+                    <a:p>
+                      <a:pPr marL="0" indent="0" algn="ctr" latinLnBrk="1">
+                        <a:buFont typeface="+mj-lt"/>
+                        <a:buNone/>
+                      </a:pPr>
+                      <a:r>
+                        <a:rPr lang="ko-KR" altLang="en-US" sz="1200" dirty="0"/>
+                        <a:t>기본 이동속도보다 살짝 빠르다</a:t>
+                      </a:r>
+                      <a:r>
+                        <a:rPr lang="en-US" altLang="ko-KR" sz="1200" dirty="0"/>
+                        <a:t>.</a:t>
+                      </a:r>
+                      <a:endParaRPr lang="ko-KR" altLang="en-US" sz="1200" dirty="0"/>
+                    </a:p>
+                  </a:txBody>
+                  <a:tcPr anchor="ctr">
+                    <a:lnL w="12700" cap="flat" cmpd="sng" algn="ctr">
+                      <a:solidFill>
+                        <a:schemeClr val="tx1"/>
+                      </a:solidFill>
+                      <a:prstDash val="solid"/>
+                      <a:round/>
+                      <a:headEnd type="none" w="med" len="med"/>
+                      <a:tailEnd type="none" w="med" len="med"/>
+                    </a:lnL>
+                    <a:lnR w="12700" cap="flat" cmpd="sng" algn="ctr">
+                      <a:solidFill>
+                        <a:schemeClr val="tx1"/>
+                      </a:solidFill>
+                      <a:prstDash val="solid"/>
+                      <a:round/>
+                      <a:headEnd type="none" w="med" len="med"/>
+                      <a:tailEnd type="none" w="med" len="med"/>
+                    </a:lnR>
+                    <a:lnT w="12700" cap="flat" cmpd="sng" algn="ctr">
+                      <a:solidFill>
+                        <a:schemeClr val="tx1"/>
+                      </a:solidFill>
+                      <a:prstDash val="solid"/>
+                      <a:round/>
+                      <a:headEnd type="none" w="med" len="med"/>
+                      <a:tailEnd type="none" w="med" len="med"/>
+                    </a:lnT>
+                    <a:lnB w="12700" cap="flat" cmpd="sng" algn="ctr">
+                      <a:solidFill>
+                        <a:schemeClr val="tx1"/>
+                      </a:solidFill>
+                      <a:prstDash val="solid"/>
+                      <a:round/>
+                      <a:headEnd type="none" w="med" len="med"/>
+                      <a:tailEnd type="none" w="med" len="med"/>
+                    </a:lnB>
+                    <a:lnTlToBr w="12700" cmpd="sng">
+                      <a:noFill/>
+                      <a:prstDash val="solid"/>
+                    </a:lnTlToBr>
+                    <a:lnBlToTr w="12700" cmpd="sng">
+                      <a:noFill/>
+                      <a:prstDash val="solid"/>
+                    </a:lnBlToTr>
+                  </a:tcPr>
+                </a:tc>
+                <a:extLst>
+                  <a:ext uri="{0D108BD9-81ED-4DB2-BD59-A6C34878D82A}">
+                    <a16:rowId xmlns:a16="http://schemas.microsoft.com/office/drawing/2014/main" val="2738056909"/>
+                  </a:ext>
+                </a:extLst>
+              </a:tr>
+              <a:tr h="397084">
+                <a:tc>
+                  <a:txBody>
+                    <a:bodyPr/>
+                    <a:lstStyle/>
+                    <a:p>
+                      <a:pPr marL="0" indent="0" algn="ctr" latinLnBrk="1">
+                        <a:buFont typeface="+mj-lt"/>
+                        <a:buNone/>
+                      </a:pPr>
+                      <a:r>
+                        <a:rPr lang="ko-KR" altLang="en-US" sz="1200" dirty="0"/>
+                        <a:t>총알 발사 딜레이</a:t>
+                      </a:r>
+                    </a:p>
+                  </a:txBody>
+                  <a:tcPr anchor="ctr">
+                    <a:lnL w="12700" cap="flat" cmpd="sng" algn="ctr">
+                      <a:solidFill>
+                        <a:schemeClr val="tx1"/>
+                      </a:solidFill>
+                      <a:prstDash val="solid"/>
+                      <a:round/>
+                      <a:headEnd type="none" w="med" len="med"/>
+                      <a:tailEnd type="none" w="med" len="med"/>
+                    </a:lnL>
+                    <a:lnR w="12700" cap="flat" cmpd="sng" algn="ctr">
+                      <a:solidFill>
+                        <a:schemeClr val="tx1"/>
+                      </a:solidFill>
+                      <a:prstDash val="solid"/>
+                      <a:round/>
+                      <a:headEnd type="none" w="med" len="med"/>
+                      <a:tailEnd type="none" w="med" len="med"/>
+                    </a:lnR>
+                    <a:lnT w="12700" cap="flat" cmpd="sng" algn="ctr">
+                      <a:solidFill>
+                        <a:schemeClr val="tx1"/>
+                      </a:solidFill>
+                      <a:prstDash val="solid"/>
+                      <a:round/>
+                      <a:headEnd type="none" w="med" len="med"/>
+                      <a:tailEnd type="none" w="med" len="med"/>
+                    </a:lnT>
+                    <a:lnB w="12700" cap="flat" cmpd="sng" algn="ctr">
+                      <a:solidFill>
+                        <a:schemeClr val="tx1"/>
+                      </a:solidFill>
+                      <a:prstDash val="solid"/>
+                      <a:round/>
+                      <a:headEnd type="none" w="med" len="med"/>
+                      <a:tailEnd type="none" w="med" len="med"/>
+                    </a:lnB>
+                    <a:lnTlToBr w="12700" cmpd="sng">
+                      <a:noFill/>
+                      <a:prstDash val="solid"/>
+                    </a:lnTlToBr>
+                    <a:lnBlToTr w="12700" cmpd="sng">
+                      <a:noFill/>
+                      <a:prstDash val="solid"/>
+                    </a:lnBlToTr>
+                  </a:tcPr>
+                </a:tc>
+                <a:tc>
+                  <a:txBody>
+                    <a:bodyPr/>
+                    <a:lstStyle/>
+                    <a:p>
+                      <a:pPr marL="0" indent="0" algn="ctr" latinLnBrk="1">
+                        <a:buFont typeface="+mj-lt"/>
+                        <a:buNone/>
+                      </a:pPr>
+                      <a:r>
+                        <a:rPr lang="en-US" altLang="ko-KR" sz="1200" dirty="0"/>
+                        <a:t>2.0</a:t>
+                      </a:r>
+                      <a:endParaRPr lang="ko-KR" altLang="en-US" sz="1200" dirty="0"/>
+                    </a:p>
+                  </a:txBody>
+                  <a:tcPr anchor="ctr">
+                    <a:lnL w="12700" cap="flat" cmpd="sng" algn="ctr">
+                      <a:solidFill>
+                        <a:schemeClr val="tx1"/>
+                      </a:solidFill>
+                      <a:prstDash val="solid"/>
+                      <a:round/>
+                      <a:headEnd type="none" w="med" len="med"/>
+                      <a:tailEnd type="none" w="med" len="med"/>
+                    </a:lnL>
+                    <a:lnR w="12700" cap="flat" cmpd="sng" algn="ctr">
+                      <a:solidFill>
+                        <a:schemeClr val="tx1"/>
+                      </a:solidFill>
+                      <a:prstDash val="solid"/>
+                      <a:round/>
+                      <a:headEnd type="none" w="med" len="med"/>
+                      <a:tailEnd type="none" w="med" len="med"/>
+                    </a:lnR>
+                    <a:lnT w="12700" cap="flat" cmpd="sng" algn="ctr">
+                      <a:solidFill>
+                        <a:schemeClr val="tx1"/>
+                      </a:solidFill>
+                      <a:prstDash val="solid"/>
+                      <a:round/>
+                      <a:headEnd type="none" w="med" len="med"/>
+                      <a:tailEnd type="none" w="med" len="med"/>
+                    </a:lnT>
+                    <a:lnB w="12700" cap="flat" cmpd="sng" algn="ctr">
+                      <a:solidFill>
+                        <a:schemeClr val="tx1"/>
+                      </a:solidFill>
+                      <a:prstDash val="solid"/>
+                      <a:round/>
+                      <a:headEnd type="none" w="med" len="med"/>
+                      <a:tailEnd type="none" w="med" len="med"/>
+                    </a:lnB>
+                    <a:lnTlToBr w="12700" cmpd="sng">
+                      <a:noFill/>
+                      <a:prstDash val="solid"/>
+                    </a:lnTlToBr>
+                    <a:lnBlToTr w="12700" cmpd="sng">
+                      <a:noFill/>
+                      <a:prstDash val="solid"/>
+                    </a:lnBlToTr>
+                  </a:tcPr>
+                </a:tc>
+                <a:tc>
+                  <a:txBody>
+                    <a:bodyPr/>
+                    <a:lstStyle/>
+                    <a:p>
+                      <a:pPr marL="0" indent="0" algn="ctr" latinLnBrk="1">
+                        <a:buFont typeface="+mj-lt"/>
+                        <a:buNone/>
+                      </a:pPr>
+                      <a:r>
+                        <a:rPr lang="ko-KR" altLang="en-US" sz="1200" dirty="0"/>
+                        <a:t>기본 발사 딜레이보다 느리다</a:t>
+                      </a:r>
+                    </a:p>
+                  </a:txBody>
+                  <a:tcPr anchor="ctr">
+                    <a:lnL w="12700" cap="flat" cmpd="sng" algn="ctr">
+                      <a:solidFill>
+                        <a:schemeClr val="tx1"/>
+                      </a:solidFill>
+                      <a:prstDash val="solid"/>
+                      <a:round/>
+                      <a:headEnd type="none" w="med" len="med"/>
+                      <a:tailEnd type="none" w="med" len="med"/>
+                    </a:lnL>
+                    <a:lnR w="12700" cap="flat" cmpd="sng" algn="ctr">
+                      <a:solidFill>
+                        <a:schemeClr val="tx1"/>
+                      </a:solidFill>
+                      <a:prstDash val="solid"/>
+                      <a:round/>
+                      <a:headEnd type="none" w="med" len="med"/>
+                      <a:tailEnd type="none" w="med" len="med"/>
+                    </a:lnR>
+                    <a:lnT w="12700" cap="flat" cmpd="sng" algn="ctr">
+                      <a:solidFill>
+                        <a:schemeClr val="tx1"/>
+                      </a:solidFill>
+                      <a:prstDash val="solid"/>
+                      <a:round/>
+                      <a:headEnd type="none" w="med" len="med"/>
+                      <a:tailEnd type="none" w="med" len="med"/>
+                    </a:lnT>
+                    <a:lnB w="12700" cap="flat" cmpd="sng" algn="ctr">
+                      <a:solidFill>
+                        <a:schemeClr val="tx1"/>
+                      </a:solidFill>
+                      <a:prstDash val="solid"/>
+                      <a:round/>
+                      <a:headEnd type="none" w="med" len="med"/>
+                      <a:tailEnd type="none" w="med" len="med"/>
+                    </a:lnB>
+                    <a:lnTlToBr w="12700" cmpd="sng">
+                      <a:noFill/>
+                      <a:prstDash val="solid"/>
+                    </a:lnTlToBr>
+                    <a:lnBlToTr w="12700" cmpd="sng">
+                      <a:noFill/>
+                      <a:prstDash val="solid"/>
+                    </a:lnBlToTr>
+                  </a:tcPr>
+                </a:tc>
+                <a:extLst>
+                  <a:ext uri="{0D108BD9-81ED-4DB2-BD59-A6C34878D82A}">
+                    <a16:rowId xmlns:a16="http://schemas.microsoft.com/office/drawing/2014/main" val="2677022759"/>
+                  </a:ext>
+                </a:extLst>
+              </a:tr>
+              <a:tr h="397084">
+                <a:tc>
+                  <a:txBody>
+                    <a:bodyPr/>
+                    <a:lstStyle/>
+                    <a:p>
+                      <a:pPr marL="0" indent="0" algn="ctr" latinLnBrk="1">
+                        <a:buFont typeface="+mj-lt"/>
+                        <a:buNone/>
+                      </a:pPr>
+                      <a:r>
+                        <a:rPr lang="ko-KR" altLang="en-US" sz="1200" dirty="0"/>
+                        <a:t>총알 발사 속도</a:t>
+                      </a:r>
+                    </a:p>
+                  </a:txBody>
+                  <a:tcPr anchor="ctr">
+                    <a:lnL w="12700" cap="flat" cmpd="sng" algn="ctr">
+                      <a:solidFill>
+                        <a:schemeClr val="tx1"/>
+                      </a:solidFill>
+                      <a:prstDash val="solid"/>
+                      <a:round/>
+                      <a:headEnd type="none" w="med" len="med"/>
+                      <a:tailEnd type="none" w="med" len="med"/>
+                    </a:lnL>
+                    <a:lnR w="12700" cap="flat" cmpd="sng" algn="ctr">
+                      <a:solidFill>
+                        <a:schemeClr val="tx1"/>
+                      </a:solidFill>
+                      <a:prstDash val="solid"/>
+                      <a:round/>
+                      <a:headEnd type="none" w="med" len="med"/>
+                      <a:tailEnd type="none" w="med" len="med"/>
+                    </a:lnR>
+                    <a:lnT w="12700" cap="flat" cmpd="sng" algn="ctr">
+                      <a:solidFill>
+                        <a:schemeClr val="tx1"/>
+                      </a:solidFill>
+                      <a:prstDash val="solid"/>
+                      <a:round/>
+                      <a:headEnd type="none" w="med" len="med"/>
+                      <a:tailEnd type="none" w="med" len="med"/>
+                    </a:lnT>
+                    <a:lnB w="12700" cap="flat" cmpd="sng" algn="ctr">
+                      <a:solidFill>
+                        <a:schemeClr val="tx1"/>
+                      </a:solidFill>
+                      <a:prstDash val="solid"/>
+                      <a:round/>
+                      <a:headEnd type="none" w="med" len="med"/>
+                      <a:tailEnd type="none" w="med" len="med"/>
+                    </a:lnB>
+                    <a:lnTlToBr w="12700" cmpd="sng">
+                      <a:noFill/>
+                      <a:prstDash val="solid"/>
+                    </a:lnTlToBr>
+                    <a:lnBlToTr w="12700" cmpd="sng">
+                      <a:noFill/>
+                      <a:prstDash val="solid"/>
+                    </a:lnBlToTr>
+                  </a:tcPr>
+                </a:tc>
+                <a:tc>
+                  <a:txBody>
+                    <a:bodyPr/>
+                    <a:lstStyle/>
+                    <a:p>
+                      <a:pPr marL="0" indent="0" algn="ctr" latinLnBrk="1">
+                        <a:buFont typeface="+mj-lt"/>
+                        <a:buNone/>
+                      </a:pPr>
+                      <a:r>
+                        <a:rPr lang="en-US" altLang="ko-KR" sz="1200" dirty="0"/>
+                        <a:t>0.5</a:t>
+                      </a:r>
+                      <a:endParaRPr lang="ko-KR" altLang="en-US" sz="1200" dirty="0"/>
+                    </a:p>
+                  </a:txBody>
+                  <a:tcPr anchor="ctr">
+                    <a:lnL w="12700" cap="flat" cmpd="sng" algn="ctr">
+                      <a:solidFill>
+                        <a:schemeClr val="tx1"/>
+                      </a:solidFill>
+                      <a:prstDash val="solid"/>
+                      <a:round/>
+                      <a:headEnd type="none" w="med" len="med"/>
+                      <a:tailEnd type="none" w="med" len="med"/>
+                    </a:lnL>
+                    <a:lnR w="12700" cap="flat" cmpd="sng" algn="ctr">
+                      <a:solidFill>
+                        <a:schemeClr val="tx1"/>
+                      </a:solidFill>
+                      <a:prstDash val="solid"/>
+                      <a:round/>
+                      <a:headEnd type="none" w="med" len="med"/>
+                      <a:tailEnd type="none" w="med" len="med"/>
+                    </a:lnR>
+                    <a:lnT w="12700" cap="flat" cmpd="sng" algn="ctr">
+                      <a:solidFill>
+                        <a:schemeClr val="tx1"/>
+                      </a:solidFill>
+                      <a:prstDash val="solid"/>
+                      <a:round/>
+                      <a:headEnd type="none" w="med" len="med"/>
+                      <a:tailEnd type="none" w="med" len="med"/>
+                    </a:lnT>
+                    <a:lnB w="12700" cap="flat" cmpd="sng" algn="ctr">
+                      <a:solidFill>
+                        <a:schemeClr val="tx1"/>
+                      </a:solidFill>
+                      <a:prstDash val="solid"/>
+                      <a:round/>
+                      <a:headEnd type="none" w="med" len="med"/>
+                      <a:tailEnd type="none" w="med" len="med"/>
+                    </a:lnB>
+                    <a:lnTlToBr w="12700" cmpd="sng">
+                      <a:noFill/>
+                      <a:prstDash val="solid"/>
+                    </a:lnTlToBr>
+                    <a:lnBlToTr w="12700" cmpd="sng">
+                      <a:noFill/>
+                      <a:prstDash val="solid"/>
+                    </a:lnBlToTr>
+                  </a:tcPr>
+                </a:tc>
+                <a:tc>
+                  <a:txBody>
+                    <a:bodyPr/>
+                    <a:lstStyle/>
+                    <a:p>
+                      <a:pPr marL="0" indent="0" algn="ctr" latinLnBrk="1">
+                        <a:buFont typeface="+mj-lt"/>
+                        <a:buNone/>
+                      </a:pPr>
+                      <a:r>
+                        <a:rPr lang="ko-KR" altLang="en-US" sz="1200" dirty="0"/>
+                        <a:t>기본 총알 발사 속도</a:t>
+                      </a:r>
+                    </a:p>
+                  </a:txBody>
+                  <a:tcPr anchor="ctr">
+                    <a:lnL w="12700" cap="flat" cmpd="sng" algn="ctr">
+                      <a:solidFill>
+                        <a:schemeClr val="tx1"/>
+                      </a:solidFill>
+                      <a:prstDash val="solid"/>
+                      <a:round/>
+                      <a:headEnd type="none" w="med" len="med"/>
+                      <a:tailEnd type="none" w="med" len="med"/>
+                    </a:lnL>
+                    <a:lnR w="12700" cap="flat" cmpd="sng" algn="ctr">
+                      <a:solidFill>
+                        <a:schemeClr val="tx1"/>
+                      </a:solidFill>
+                      <a:prstDash val="solid"/>
+                      <a:round/>
+                      <a:headEnd type="none" w="med" len="med"/>
+                      <a:tailEnd type="none" w="med" len="med"/>
+                    </a:lnR>
+                    <a:lnT w="12700" cap="flat" cmpd="sng" algn="ctr">
+                      <a:solidFill>
+                        <a:schemeClr val="tx1"/>
+                      </a:solidFill>
+                      <a:prstDash val="solid"/>
+                      <a:round/>
+                      <a:headEnd type="none" w="med" len="med"/>
+                      <a:tailEnd type="none" w="med" len="med"/>
+                    </a:lnT>
+                    <a:lnB w="12700" cap="flat" cmpd="sng" algn="ctr">
+                      <a:solidFill>
+                        <a:schemeClr val="tx1"/>
+                      </a:solidFill>
+                      <a:prstDash val="solid"/>
+                      <a:round/>
+                      <a:headEnd type="none" w="med" len="med"/>
+                      <a:tailEnd type="none" w="med" len="med"/>
+                    </a:lnB>
+                    <a:lnTlToBr w="12700" cmpd="sng">
+                      <a:noFill/>
+                      <a:prstDash val="solid"/>
+                    </a:lnTlToBr>
+                    <a:lnBlToTr w="12700" cmpd="sng">
+                      <a:noFill/>
+                      <a:prstDash val="solid"/>
+                    </a:lnBlToTr>
+                  </a:tcPr>
+                </a:tc>
+                <a:extLst>
+                  <a:ext uri="{0D108BD9-81ED-4DB2-BD59-A6C34878D82A}">
+                    <a16:rowId xmlns:a16="http://schemas.microsoft.com/office/drawing/2014/main" val="3949302187"/>
+                  </a:ext>
+                </a:extLst>
+              </a:tr>
+            </a:tbl>
+          </a:graphicData>
+        </a:graphic>
+      </p:graphicFrame>
+    </p:spTree>
+    <p:extLst>
+      <p:ext uri="{BB962C8B-B14F-4D97-AF65-F5344CB8AC3E}">
+        <p14:creationId xmlns:p14="http://schemas.microsoft.com/office/powerpoint/2010/main" val="4128579612"/>
+      </p:ext>
+    </p:extLst>
+  </p:cSld>
+  <p:clrMapOvr>
+    <a:masterClrMapping/>
+  </p:clrMapOvr>
+</p:sld>
+</file>
+
 <file path=ppt/theme/theme1.xml><?xml version="1.0" encoding="utf-8"?>
 <a:theme xmlns:a="http://schemas.openxmlformats.org/drawingml/2006/main" name="Office 테마">
   <a:themeElements>

--- a/기획/TRASHES 직업 기획서 - 수정 의견 이정우.pptx
+++ b/기획/TRASHES 직업 기획서 - 수정 의견 이정우.pptx
@@ -14,7 +14,6 @@
     <p:sldId id="262" r:id="rId8"/>
     <p:sldId id="263" r:id="rId9"/>
     <p:sldId id="264" r:id="rId10"/>
-    <p:sldId id="265" r:id="rId11"/>
   </p:sldIdLst>
   <p:sldSz cx="12192000" cy="6858000"/>
   <p:notesSz cx="6858000" cy="9144000"/>
@@ -268,7 +267,7 @@
           <a:p>
             <a:fld id="{31274F74-C1B4-44DB-B185-FC08F0ACA9F7}" type="datetimeFigureOut">
               <a:rPr lang="ko-KR" altLang="en-US" smtClean="0"/>
-              <a:t>2023-10-14</a:t>
+              <a:t>2023-10-23</a:t>
             </a:fld>
             <a:endParaRPr lang="ko-KR" altLang="en-US"/>
           </a:p>
@@ -466,7 +465,7 @@
           <a:p>
             <a:fld id="{31274F74-C1B4-44DB-B185-FC08F0ACA9F7}" type="datetimeFigureOut">
               <a:rPr lang="ko-KR" altLang="en-US" smtClean="0"/>
-              <a:t>2023-10-14</a:t>
+              <a:t>2023-10-23</a:t>
             </a:fld>
             <a:endParaRPr lang="ko-KR" altLang="en-US"/>
           </a:p>
@@ -674,7 +673,7 @@
           <a:p>
             <a:fld id="{31274F74-C1B4-44DB-B185-FC08F0ACA9F7}" type="datetimeFigureOut">
               <a:rPr lang="ko-KR" altLang="en-US" smtClean="0"/>
-              <a:t>2023-10-14</a:t>
+              <a:t>2023-10-23</a:t>
             </a:fld>
             <a:endParaRPr lang="ko-KR" altLang="en-US"/>
           </a:p>
@@ -872,7 +871,7 @@
           <a:p>
             <a:fld id="{31274F74-C1B4-44DB-B185-FC08F0ACA9F7}" type="datetimeFigureOut">
               <a:rPr lang="ko-KR" altLang="en-US" smtClean="0"/>
-              <a:t>2023-10-14</a:t>
+              <a:t>2023-10-23</a:t>
             </a:fld>
             <a:endParaRPr lang="ko-KR" altLang="en-US"/>
           </a:p>
@@ -1147,7 +1146,7 @@
           <a:p>
             <a:fld id="{31274F74-C1B4-44DB-B185-FC08F0ACA9F7}" type="datetimeFigureOut">
               <a:rPr lang="ko-KR" altLang="en-US" smtClean="0"/>
-              <a:t>2023-10-14</a:t>
+              <a:t>2023-10-23</a:t>
             </a:fld>
             <a:endParaRPr lang="ko-KR" altLang="en-US"/>
           </a:p>
@@ -1412,7 +1411,7 @@
           <a:p>
             <a:fld id="{31274F74-C1B4-44DB-B185-FC08F0ACA9F7}" type="datetimeFigureOut">
               <a:rPr lang="ko-KR" altLang="en-US" smtClean="0"/>
-              <a:t>2023-10-14</a:t>
+              <a:t>2023-10-23</a:t>
             </a:fld>
             <a:endParaRPr lang="ko-KR" altLang="en-US"/>
           </a:p>
@@ -1824,7 +1823,7 @@
           <a:p>
             <a:fld id="{31274F74-C1B4-44DB-B185-FC08F0ACA9F7}" type="datetimeFigureOut">
               <a:rPr lang="ko-KR" altLang="en-US" smtClean="0"/>
-              <a:t>2023-10-14</a:t>
+              <a:t>2023-10-23</a:t>
             </a:fld>
             <a:endParaRPr lang="ko-KR" altLang="en-US"/>
           </a:p>
@@ -1965,7 +1964,7 @@
           <a:p>
             <a:fld id="{31274F74-C1B4-44DB-B185-FC08F0ACA9F7}" type="datetimeFigureOut">
               <a:rPr lang="ko-KR" altLang="en-US" smtClean="0"/>
-              <a:t>2023-10-14</a:t>
+              <a:t>2023-10-23</a:t>
             </a:fld>
             <a:endParaRPr lang="ko-KR" altLang="en-US"/>
           </a:p>
@@ -2078,7 +2077,7 @@
           <a:p>
             <a:fld id="{31274F74-C1B4-44DB-B185-FC08F0ACA9F7}" type="datetimeFigureOut">
               <a:rPr lang="ko-KR" altLang="en-US" smtClean="0"/>
-              <a:t>2023-10-14</a:t>
+              <a:t>2023-10-23</a:t>
             </a:fld>
             <a:endParaRPr lang="ko-KR" altLang="en-US"/>
           </a:p>
@@ -2389,7 +2388,7 @@
           <a:p>
             <a:fld id="{31274F74-C1B4-44DB-B185-FC08F0ACA9F7}" type="datetimeFigureOut">
               <a:rPr lang="ko-KR" altLang="en-US" smtClean="0"/>
-              <a:t>2023-10-14</a:t>
+              <a:t>2023-10-23</a:t>
             </a:fld>
             <a:endParaRPr lang="ko-KR" altLang="en-US"/>
           </a:p>
@@ -2677,7 +2676,7 @@
           <a:p>
             <a:fld id="{31274F74-C1B4-44DB-B185-FC08F0ACA9F7}" type="datetimeFigureOut">
               <a:rPr lang="ko-KR" altLang="en-US" smtClean="0"/>
-              <a:t>2023-10-14</a:t>
+              <a:t>2023-10-23</a:t>
             </a:fld>
             <a:endParaRPr lang="ko-KR" altLang="en-US"/>
           </a:p>
@@ -2918,7 +2917,7 @@
           <a:p>
             <a:fld id="{31274F74-C1B4-44DB-B185-FC08F0ACA9F7}" type="datetimeFigureOut">
               <a:rPr lang="ko-KR" altLang="en-US" smtClean="0"/>
-              <a:t>2023-10-14</a:t>
+              <a:t>2023-10-23</a:t>
             </a:fld>
             <a:endParaRPr lang="ko-KR" altLang="en-US"/>
           </a:p>
@@ -3408,2336 +3407,6 @@
 </p:sld>
 </file>
 
-<file path=ppt/slides/slide10.xml><?xml version="1.0" encoding="utf-8"?>
-<p:sld xmlns:a="http://schemas.openxmlformats.org/drawingml/2006/main" xmlns:r="http://schemas.openxmlformats.org/officeDocument/2006/relationships" xmlns:p="http://schemas.openxmlformats.org/presentationml/2006/main">
-  <p:cSld>
-    <p:spTree>
-      <p:nvGrpSpPr>
-        <p:cNvPr id="1" name=""/>
-        <p:cNvGrpSpPr/>
-        <p:nvPr/>
-      </p:nvGrpSpPr>
-      <p:grpSpPr>
-        <a:xfrm>
-          <a:off x="0" y="0"/>
-          <a:ext cx="0" cy="0"/>
-          <a:chOff x="0" y="0"/>
-          <a:chExt cx="0" cy="0"/>
-        </a:xfrm>
-      </p:grpSpPr>
-      <p:sp>
-        <p:nvSpPr>
-          <p:cNvPr id="2" name="제목 1">
-            <a:extLst>
-              <a:ext uri="{FF2B5EF4-FFF2-40B4-BE49-F238E27FC236}">
-                <a16:creationId xmlns:a16="http://schemas.microsoft.com/office/drawing/2014/main" id="{DDC64BBE-2F5F-3D17-016B-4D9EB1F89A33}"/>
-              </a:ext>
-            </a:extLst>
-          </p:cNvPr>
-          <p:cNvSpPr>
-            <a:spLocks noGrp="1"/>
-          </p:cNvSpPr>
-          <p:nvPr>
-            <p:ph type="title"/>
-          </p:nvPr>
-        </p:nvSpPr>
-        <p:spPr/>
-        <p:txBody>
-          <a:bodyPr/>
-          <a:lstStyle/>
-          <a:p>
-            <a:r>
-              <a:rPr lang="en-US" altLang="ko-KR" dirty="0"/>
-              <a:t>9. </a:t>
-            </a:r>
-            <a:r>
-              <a:rPr lang="ko-KR" altLang="en-US" dirty="0"/>
-              <a:t>탐지</a:t>
-            </a:r>
-          </a:p>
-        </p:txBody>
-      </p:sp>
-      <p:sp>
-        <p:nvSpPr>
-          <p:cNvPr id="3" name="내용 개체 틀 2">
-            <a:extLst>
-              <a:ext uri="{FF2B5EF4-FFF2-40B4-BE49-F238E27FC236}">
-                <a16:creationId xmlns:a16="http://schemas.microsoft.com/office/drawing/2014/main" id="{A2AD6ACE-68A0-7003-C05E-56FF5EBF5A50}"/>
-              </a:ext>
-            </a:extLst>
-          </p:cNvPr>
-          <p:cNvSpPr>
-            <a:spLocks noGrp="1"/>
-          </p:cNvSpPr>
-          <p:nvPr>
-            <p:ph idx="1"/>
-          </p:nvPr>
-        </p:nvSpPr>
-        <p:spPr>
-          <a:xfrm>
-            <a:off x="838200" y="1357493"/>
-            <a:ext cx="5257800" cy="2061077"/>
-          </a:xfrm>
-        </p:spPr>
-        <p:txBody>
-          <a:bodyPr>
-            <a:normAutofit/>
-          </a:bodyPr>
-          <a:lstStyle/>
-          <a:p>
-            <a:r>
-              <a:rPr lang="en-US" altLang="ko-KR" sz="1400" dirty="0"/>
-              <a:t>‘</a:t>
-            </a:r>
-            <a:r>
-              <a:rPr lang="ko-KR" altLang="en-US" sz="1400" dirty="0"/>
-              <a:t>방탄복</a:t>
-            </a:r>
-            <a:r>
-              <a:rPr lang="en-US" altLang="ko-KR" sz="1400" dirty="0"/>
-              <a:t>’</a:t>
-            </a:r>
-            <a:r>
-              <a:rPr lang="ko-KR" altLang="en-US" sz="1400" dirty="0"/>
-              <a:t>이라는 직업 아이템을 먹으면 전직 가능하다</a:t>
-            </a:r>
-            <a:r>
-              <a:rPr lang="en-US" altLang="ko-KR" sz="1400" dirty="0"/>
-              <a:t>.</a:t>
-            </a:r>
-          </a:p>
-          <a:p>
-            <a:r>
-              <a:rPr lang="ko-KR" altLang="en-US" sz="1400" dirty="0"/>
-              <a:t>단단한 탱커 컨셉으로 강화 방탄복을 입은 직업</a:t>
-            </a:r>
-            <a:endParaRPr lang="en-US" altLang="ko-KR" sz="1400" dirty="0"/>
-          </a:p>
-        </p:txBody>
-      </p:sp>
-      <p:graphicFrame>
-        <p:nvGraphicFramePr>
-          <p:cNvPr id="10" name="표 9">
-            <a:extLst>
-              <a:ext uri="{FF2B5EF4-FFF2-40B4-BE49-F238E27FC236}">
-                <a16:creationId xmlns:a16="http://schemas.microsoft.com/office/drawing/2014/main" id="{9796D849-39D6-143B-49A8-B4833851198E}"/>
-              </a:ext>
-            </a:extLst>
-          </p:cNvPr>
-          <p:cNvGraphicFramePr>
-            <a:graphicFrameLocks noGrp="1"/>
-          </p:cNvGraphicFramePr>
-          <p:nvPr/>
-        </p:nvGraphicFramePr>
-        <p:xfrm>
-          <a:off x="838200" y="5400829"/>
-          <a:ext cx="5373030" cy="1266213"/>
-        </p:xfrm>
-        <a:graphic>
-          <a:graphicData uri="http://schemas.openxmlformats.org/drawingml/2006/table">
-            <a:tbl>
-              <a:tblPr firstRow="1" bandRow="1">
-                <a:tableStyleId>{F5AB1C69-6EDB-4FF4-983F-18BD219EF322}</a:tableStyleId>
-              </a:tblPr>
-              <a:tblGrid>
-                <a:gridCol w="1429139">
-                  <a:extLst>
-                    <a:ext uri="{9D8B030D-6E8A-4147-A177-3AD203B41FA5}">
-                      <a16:colId xmlns:a16="http://schemas.microsoft.com/office/drawing/2014/main" val="1096772183"/>
-                    </a:ext>
-                  </a:extLst>
-                </a:gridCol>
-                <a:gridCol w="1156996">
-                  <a:extLst>
-                    <a:ext uri="{9D8B030D-6E8A-4147-A177-3AD203B41FA5}">
-                      <a16:colId xmlns:a16="http://schemas.microsoft.com/office/drawing/2014/main" val="3276011012"/>
-                    </a:ext>
-                  </a:extLst>
-                </a:gridCol>
-                <a:gridCol w="2786895">
-                  <a:extLst>
-                    <a:ext uri="{9D8B030D-6E8A-4147-A177-3AD203B41FA5}">
-                      <a16:colId xmlns:a16="http://schemas.microsoft.com/office/drawing/2014/main" val="1120309742"/>
-                    </a:ext>
-                  </a:extLst>
-                </a:gridCol>
-              </a:tblGrid>
-              <a:tr h="422071">
-                <a:tc>
-                  <a:txBody>
-                    <a:bodyPr/>
-                    <a:lstStyle/>
-                    <a:p>
-                      <a:pPr algn="ctr" latinLnBrk="1"/>
-                      <a:r>
-                        <a:rPr lang="ko-KR" altLang="en-US" sz="1800" dirty="0" err="1"/>
-                        <a:t>스킬명</a:t>
-                      </a:r>
-                      <a:endParaRPr lang="ko-KR" altLang="en-US" sz="1800" dirty="0"/>
-                    </a:p>
-                  </a:txBody>
-                  <a:tcPr anchor="ctr">
-                    <a:lnL w="12700" cap="flat" cmpd="sng" algn="ctr">
-                      <a:solidFill>
-                        <a:schemeClr val="tx1"/>
-                      </a:solidFill>
-                      <a:prstDash val="solid"/>
-                      <a:round/>
-                      <a:headEnd type="none" w="med" len="med"/>
-                      <a:tailEnd type="none" w="med" len="med"/>
-                    </a:lnL>
-                    <a:lnR w="12700" cap="flat" cmpd="sng" algn="ctr">
-                      <a:solidFill>
-                        <a:schemeClr val="tx1"/>
-                      </a:solidFill>
-                      <a:prstDash val="solid"/>
-                      <a:round/>
-                      <a:headEnd type="none" w="med" len="med"/>
-                      <a:tailEnd type="none" w="med" len="med"/>
-                    </a:lnR>
-                    <a:lnT w="12700" cap="flat" cmpd="sng" algn="ctr">
-                      <a:solidFill>
-                        <a:schemeClr val="tx1"/>
-                      </a:solidFill>
-                      <a:prstDash val="solid"/>
-                      <a:round/>
-                      <a:headEnd type="none" w="med" len="med"/>
-                      <a:tailEnd type="none" w="med" len="med"/>
-                    </a:lnT>
-                    <a:lnB w="12700" cap="flat" cmpd="sng" algn="ctr">
-                      <a:solidFill>
-                        <a:schemeClr val="tx1"/>
-                      </a:solidFill>
-                      <a:prstDash val="solid"/>
-                      <a:round/>
-                      <a:headEnd type="none" w="med" len="med"/>
-                      <a:tailEnd type="none" w="med" len="med"/>
-                    </a:lnB>
-                  </a:tcPr>
-                </a:tc>
-                <a:tc>
-                  <a:txBody>
-                    <a:bodyPr/>
-                    <a:lstStyle/>
-                    <a:p>
-                      <a:pPr algn="ctr" latinLnBrk="1"/>
-                      <a:r>
-                        <a:rPr lang="ko-KR" altLang="en-US" sz="1800" dirty="0" err="1"/>
-                        <a:t>쿨타임</a:t>
-                      </a:r>
-                      <a:endParaRPr lang="ko-KR" altLang="en-US" sz="1800" dirty="0"/>
-                    </a:p>
-                  </a:txBody>
-                  <a:tcPr anchor="ctr">
-                    <a:lnL w="12700" cap="flat" cmpd="sng" algn="ctr">
-                      <a:solidFill>
-                        <a:schemeClr val="tx1"/>
-                      </a:solidFill>
-                      <a:prstDash val="solid"/>
-                      <a:round/>
-                      <a:headEnd type="none" w="med" len="med"/>
-                      <a:tailEnd type="none" w="med" len="med"/>
-                    </a:lnL>
-                    <a:lnR w="12700" cap="flat" cmpd="sng" algn="ctr">
-                      <a:solidFill>
-                        <a:schemeClr val="tx1"/>
-                      </a:solidFill>
-                      <a:prstDash val="solid"/>
-                      <a:round/>
-                      <a:headEnd type="none" w="med" len="med"/>
-                      <a:tailEnd type="none" w="med" len="med"/>
-                    </a:lnR>
-                    <a:lnT w="12700" cap="flat" cmpd="sng" algn="ctr">
-                      <a:solidFill>
-                        <a:schemeClr val="tx1"/>
-                      </a:solidFill>
-                      <a:prstDash val="solid"/>
-                      <a:round/>
-                      <a:headEnd type="none" w="med" len="med"/>
-                      <a:tailEnd type="none" w="med" len="med"/>
-                    </a:lnT>
-                    <a:lnB w="12700" cap="flat" cmpd="sng" algn="ctr">
-                      <a:solidFill>
-                        <a:schemeClr val="tx1"/>
-                      </a:solidFill>
-                      <a:prstDash val="solid"/>
-                      <a:round/>
-                      <a:headEnd type="none" w="med" len="med"/>
-                      <a:tailEnd type="none" w="med" len="med"/>
-                    </a:lnB>
-                  </a:tcPr>
-                </a:tc>
-                <a:tc>
-                  <a:txBody>
-                    <a:bodyPr/>
-                    <a:lstStyle/>
-                    <a:p>
-                      <a:pPr algn="ctr" latinLnBrk="1"/>
-                      <a:r>
-                        <a:rPr lang="ko-KR" altLang="en-US" sz="1800" dirty="0"/>
-                        <a:t>설명</a:t>
-                      </a:r>
-                    </a:p>
-                  </a:txBody>
-                  <a:tcPr anchor="ctr">
-                    <a:lnL w="12700" cap="flat" cmpd="sng" algn="ctr">
-                      <a:solidFill>
-                        <a:schemeClr val="tx1"/>
-                      </a:solidFill>
-                      <a:prstDash val="solid"/>
-                      <a:round/>
-                      <a:headEnd type="none" w="med" len="med"/>
-                      <a:tailEnd type="none" w="med" len="med"/>
-                    </a:lnL>
-                    <a:lnR w="12700" cap="flat" cmpd="sng" algn="ctr">
-                      <a:solidFill>
-                        <a:schemeClr val="tx1"/>
-                      </a:solidFill>
-                      <a:prstDash val="solid"/>
-                      <a:round/>
-                      <a:headEnd type="none" w="med" len="med"/>
-                      <a:tailEnd type="none" w="med" len="med"/>
-                    </a:lnR>
-                    <a:lnT w="12700" cap="flat" cmpd="sng" algn="ctr">
-                      <a:solidFill>
-                        <a:schemeClr val="tx1"/>
-                      </a:solidFill>
-                      <a:prstDash val="solid"/>
-                      <a:round/>
-                      <a:headEnd type="none" w="med" len="med"/>
-                      <a:tailEnd type="none" w="med" len="med"/>
-                    </a:lnT>
-                    <a:lnB w="12700" cap="flat" cmpd="sng" algn="ctr">
-                      <a:solidFill>
-                        <a:schemeClr val="tx1"/>
-                      </a:solidFill>
-                      <a:prstDash val="solid"/>
-                      <a:round/>
-                      <a:headEnd type="none" w="med" len="med"/>
-                      <a:tailEnd type="none" w="med" len="med"/>
-                    </a:lnB>
-                  </a:tcPr>
-                </a:tc>
-                <a:extLst>
-                  <a:ext uri="{0D108BD9-81ED-4DB2-BD59-A6C34878D82A}">
-                    <a16:rowId xmlns:a16="http://schemas.microsoft.com/office/drawing/2014/main" val="3934898473"/>
-                  </a:ext>
-                </a:extLst>
-              </a:tr>
-              <a:tr h="422071">
-                <a:tc>
-                  <a:txBody>
-                    <a:bodyPr/>
-                    <a:lstStyle/>
-                    <a:p>
-                      <a:pPr algn="ctr" latinLnBrk="1"/>
-                      <a:r>
-                        <a:rPr lang="ko-KR" altLang="en-US" sz="1200" dirty="0"/>
-                        <a:t>유체화</a:t>
-                      </a:r>
-                    </a:p>
-                  </a:txBody>
-                  <a:tcPr anchor="ctr">
-                    <a:lnL w="12700" cap="flat" cmpd="sng" algn="ctr">
-                      <a:solidFill>
-                        <a:schemeClr val="tx1"/>
-                      </a:solidFill>
-                      <a:prstDash val="solid"/>
-                      <a:round/>
-                      <a:headEnd type="none" w="med" len="med"/>
-                      <a:tailEnd type="none" w="med" len="med"/>
-                    </a:lnL>
-                    <a:lnR w="12700" cap="flat" cmpd="sng" algn="ctr">
-                      <a:solidFill>
-                        <a:schemeClr val="tx1"/>
-                      </a:solidFill>
-                      <a:prstDash val="solid"/>
-                      <a:round/>
-                      <a:headEnd type="none" w="med" len="med"/>
-                      <a:tailEnd type="none" w="med" len="med"/>
-                    </a:lnR>
-                    <a:lnT w="12700" cap="flat" cmpd="sng" algn="ctr">
-                      <a:solidFill>
-                        <a:schemeClr val="tx1"/>
-                      </a:solidFill>
-                      <a:prstDash val="solid"/>
-                      <a:round/>
-                      <a:headEnd type="none" w="med" len="med"/>
-                      <a:tailEnd type="none" w="med" len="med"/>
-                    </a:lnT>
-                    <a:lnB w="12700" cap="flat" cmpd="sng" algn="ctr">
-                      <a:solidFill>
-                        <a:schemeClr val="tx1"/>
-                      </a:solidFill>
-                      <a:prstDash val="solid"/>
-                      <a:round/>
-                      <a:headEnd type="none" w="med" len="med"/>
-                      <a:tailEnd type="none" w="med" len="med"/>
-                    </a:lnB>
-                  </a:tcPr>
-                </a:tc>
-                <a:tc>
-                  <a:txBody>
-                    <a:bodyPr/>
-                    <a:lstStyle/>
-                    <a:p>
-                      <a:pPr algn="ctr" latinLnBrk="1"/>
-                      <a:r>
-                        <a:rPr lang="en-US" altLang="ko-KR" sz="1200" dirty="0"/>
-                        <a:t>10</a:t>
-                      </a:r>
-                      <a:r>
-                        <a:rPr lang="ko-KR" altLang="en-US" sz="1200" dirty="0"/>
-                        <a:t>초</a:t>
-                      </a:r>
-                    </a:p>
-                  </a:txBody>
-                  <a:tcPr anchor="ctr">
-                    <a:lnL w="12700" cap="flat" cmpd="sng" algn="ctr">
-                      <a:solidFill>
-                        <a:schemeClr val="tx1"/>
-                      </a:solidFill>
-                      <a:prstDash val="solid"/>
-                      <a:round/>
-                      <a:headEnd type="none" w="med" len="med"/>
-                      <a:tailEnd type="none" w="med" len="med"/>
-                    </a:lnL>
-                    <a:lnR w="12700" cap="flat" cmpd="sng" algn="ctr">
-                      <a:solidFill>
-                        <a:schemeClr val="tx1"/>
-                      </a:solidFill>
-                      <a:prstDash val="solid"/>
-                      <a:round/>
-                      <a:headEnd type="none" w="med" len="med"/>
-                      <a:tailEnd type="none" w="med" len="med"/>
-                    </a:lnR>
-                    <a:lnT w="12700" cap="flat" cmpd="sng" algn="ctr">
-                      <a:solidFill>
-                        <a:schemeClr val="tx1"/>
-                      </a:solidFill>
-                      <a:prstDash val="solid"/>
-                      <a:round/>
-                      <a:headEnd type="none" w="med" len="med"/>
-                      <a:tailEnd type="none" w="med" len="med"/>
-                    </a:lnT>
-                    <a:lnB w="12700" cap="flat" cmpd="sng" algn="ctr">
-                      <a:solidFill>
-                        <a:schemeClr val="tx1"/>
-                      </a:solidFill>
-                      <a:prstDash val="solid"/>
-                      <a:round/>
-                      <a:headEnd type="none" w="med" len="med"/>
-                      <a:tailEnd type="none" w="med" len="med"/>
-                    </a:lnB>
-                  </a:tcPr>
-                </a:tc>
-                <a:tc>
-                  <a:txBody>
-                    <a:bodyPr/>
-                    <a:lstStyle/>
-                    <a:p>
-                      <a:pPr algn="ctr" latinLnBrk="1"/>
-                      <a:r>
-                        <a:rPr lang="en-US" altLang="ko-KR" sz="1200" dirty="0"/>
-                        <a:t>1</a:t>
-                      </a:r>
-                      <a:r>
-                        <a:rPr lang="ko-KR" altLang="en-US" sz="1200" dirty="0"/>
-                        <a:t>초간 이동속도가 </a:t>
-                      </a:r>
-                      <a:r>
-                        <a:rPr lang="en-US" altLang="ko-KR" sz="1200" dirty="0"/>
-                        <a:t>0.5 </a:t>
-                      </a:r>
-                      <a:r>
-                        <a:rPr lang="ko-KR" altLang="en-US" sz="1200" dirty="0"/>
-                        <a:t>증가한다</a:t>
-                      </a:r>
-                      <a:r>
-                        <a:rPr lang="en-US" altLang="ko-KR" sz="1200" dirty="0"/>
-                        <a:t>.</a:t>
-                      </a:r>
-                      <a:endParaRPr lang="ko-KR" altLang="en-US" sz="1200" dirty="0"/>
-                    </a:p>
-                  </a:txBody>
-                  <a:tcPr anchor="ctr">
-                    <a:lnL w="12700" cap="flat" cmpd="sng" algn="ctr">
-                      <a:solidFill>
-                        <a:schemeClr val="tx1"/>
-                      </a:solidFill>
-                      <a:prstDash val="solid"/>
-                      <a:round/>
-                      <a:headEnd type="none" w="med" len="med"/>
-                      <a:tailEnd type="none" w="med" len="med"/>
-                    </a:lnL>
-                    <a:lnR w="12700" cap="flat" cmpd="sng" algn="ctr">
-                      <a:solidFill>
-                        <a:schemeClr val="tx1"/>
-                      </a:solidFill>
-                      <a:prstDash val="solid"/>
-                      <a:round/>
-                      <a:headEnd type="none" w="med" len="med"/>
-                      <a:tailEnd type="none" w="med" len="med"/>
-                    </a:lnR>
-                    <a:lnT w="12700" cap="flat" cmpd="sng" algn="ctr">
-                      <a:solidFill>
-                        <a:schemeClr val="tx1"/>
-                      </a:solidFill>
-                      <a:prstDash val="solid"/>
-                      <a:round/>
-                      <a:headEnd type="none" w="med" len="med"/>
-                      <a:tailEnd type="none" w="med" len="med"/>
-                    </a:lnT>
-                    <a:lnB w="12700" cap="flat" cmpd="sng" algn="ctr">
-                      <a:solidFill>
-                        <a:schemeClr val="tx1"/>
-                      </a:solidFill>
-                      <a:prstDash val="solid"/>
-                      <a:round/>
-                      <a:headEnd type="none" w="med" len="med"/>
-                      <a:tailEnd type="none" w="med" len="med"/>
-                    </a:lnB>
-                  </a:tcPr>
-                </a:tc>
-                <a:extLst>
-                  <a:ext uri="{0D108BD9-81ED-4DB2-BD59-A6C34878D82A}">
-                    <a16:rowId xmlns:a16="http://schemas.microsoft.com/office/drawing/2014/main" val="3806283605"/>
-                  </a:ext>
-                </a:extLst>
-              </a:tr>
-              <a:tr h="422071">
-                <a:tc>
-                  <a:txBody>
-                    <a:bodyPr/>
-                    <a:lstStyle/>
-                    <a:p>
-                      <a:pPr algn="ctr" latinLnBrk="1"/>
-                      <a:endParaRPr lang="ko-KR" altLang="en-US" sz="1200" dirty="0"/>
-                    </a:p>
-                  </a:txBody>
-                  <a:tcPr anchor="ctr">
-                    <a:lnL w="12700" cap="flat" cmpd="sng" algn="ctr">
-                      <a:solidFill>
-                        <a:schemeClr val="tx1"/>
-                      </a:solidFill>
-                      <a:prstDash val="solid"/>
-                      <a:round/>
-                      <a:headEnd type="none" w="med" len="med"/>
-                      <a:tailEnd type="none" w="med" len="med"/>
-                    </a:lnL>
-                    <a:lnR w="12700" cap="flat" cmpd="sng" algn="ctr">
-                      <a:solidFill>
-                        <a:schemeClr val="tx1"/>
-                      </a:solidFill>
-                      <a:prstDash val="solid"/>
-                      <a:round/>
-                      <a:headEnd type="none" w="med" len="med"/>
-                      <a:tailEnd type="none" w="med" len="med"/>
-                    </a:lnR>
-                    <a:lnT w="12700" cap="flat" cmpd="sng" algn="ctr">
-                      <a:solidFill>
-                        <a:schemeClr val="tx1"/>
-                      </a:solidFill>
-                      <a:prstDash val="solid"/>
-                      <a:round/>
-                      <a:headEnd type="none" w="med" len="med"/>
-                      <a:tailEnd type="none" w="med" len="med"/>
-                    </a:lnT>
-                    <a:lnB w="12700" cap="flat" cmpd="sng" algn="ctr">
-                      <a:solidFill>
-                        <a:schemeClr val="tx1"/>
-                      </a:solidFill>
-                      <a:prstDash val="solid"/>
-                      <a:round/>
-                      <a:headEnd type="none" w="med" len="med"/>
-                      <a:tailEnd type="none" w="med" len="med"/>
-                    </a:lnB>
-                  </a:tcPr>
-                </a:tc>
-                <a:tc>
-                  <a:txBody>
-                    <a:bodyPr/>
-                    <a:lstStyle/>
-                    <a:p>
-                      <a:pPr algn="ctr" latinLnBrk="1"/>
-                      <a:endParaRPr lang="ko-KR" altLang="en-US" sz="1200" dirty="0"/>
-                    </a:p>
-                  </a:txBody>
-                  <a:tcPr anchor="ctr">
-                    <a:lnL w="12700" cap="flat" cmpd="sng" algn="ctr">
-                      <a:solidFill>
-                        <a:schemeClr val="tx1"/>
-                      </a:solidFill>
-                      <a:prstDash val="solid"/>
-                      <a:round/>
-                      <a:headEnd type="none" w="med" len="med"/>
-                      <a:tailEnd type="none" w="med" len="med"/>
-                    </a:lnL>
-                    <a:lnR w="12700" cap="flat" cmpd="sng" algn="ctr">
-                      <a:solidFill>
-                        <a:schemeClr val="tx1"/>
-                      </a:solidFill>
-                      <a:prstDash val="solid"/>
-                      <a:round/>
-                      <a:headEnd type="none" w="med" len="med"/>
-                      <a:tailEnd type="none" w="med" len="med"/>
-                    </a:lnR>
-                    <a:lnT w="12700" cap="flat" cmpd="sng" algn="ctr">
-                      <a:solidFill>
-                        <a:schemeClr val="tx1"/>
-                      </a:solidFill>
-                      <a:prstDash val="solid"/>
-                      <a:round/>
-                      <a:headEnd type="none" w="med" len="med"/>
-                      <a:tailEnd type="none" w="med" len="med"/>
-                    </a:lnT>
-                    <a:lnB w="12700" cap="flat" cmpd="sng" algn="ctr">
-                      <a:solidFill>
-                        <a:schemeClr val="tx1"/>
-                      </a:solidFill>
-                      <a:prstDash val="solid"/>
-                      <a:round/>
-                      <a:headEnd type="none" w="med" len="med"/>
-                      <a:tailEnd type="none" w="med" len="med"/>
-                    </a:lnB>
-                  </a:tcPr>
-                </a:tc>
-                <a:tc>
-                  <a:txBody>
-                    <a:bodyPr/>
-                    <a:lstStyle/>
-                    <a:p>
-                      <a:pPr algn="ctr" latinLnBrk="1"/>
-                      <a:endParaRPr lang="ko-KR" altLang="en-US" sz="1200" dirty="0"/>
-                    </a:p>
-                  </a:txBody>
-                  <a:tcPr anchor="ctr">
-                    <a:lnL w="12700" cap="flat" cmpd="sng" algn="ctr">
-                      <a:solidFill>
-                        <a:schemeClr val="tx1"/>
-                      </a:solidFill>
-                      <a:prstDash val="solid"/>
-                      <a:round/>
-                      <a:headEnd type="none" w="med" len="med"/>
-                      <a:tailEnd type="none" w="med" len="med"/>
-                    </a:lnL>
-                    <a:lnR w="12700" cap="flat" cmpd="sng" algn="ctr">
-                      <a:solidFill>
-                        <a:schemeClr val="tx1"/>
-                      </a:solidFill>
-                      <a:prstDash val="solid"/>
-                      <a:round/>
-                      <a:headEnd type="none" w="med" len="med"/>
-                      <a:tailEnd type="none" w="med" len="med"/>
-                    </a:lnR>
-                    <a:lnT w="12700" cap="flat" cmpd="sng" algn="ctr">
-                      <a:solidFill>
-                        <a:schemeClr val="tx1"/>
-                      </a:solidFill>
-                      <a:prstDash val="solid"/>
-                      <a:round/>
-                      <a:headEnd type="none" w="med" len="med"/>
-                      <a:tailEnd type="none" w="med" len="med"/>
-                    </a:lnT>
-                    <a:lnB w="12700" cap="flat" cmpd="sng" algn="ctr">
-                      <a:solidFill>
-                        <a:schemeClr val="tx1"/>
-                      </a:solidFill>
-                      <a:prstDash val="solid"/>
-                      <a:round/>
-                      <a:headEnd type="none" w="med" len="med"/>
-                      <a:tailEnd type="none" w="med" len="med"/>
-                    </a:lnB>
-                  </a:tcPr>
-                </a:tc>
-                <a:extLst>
-                  <a:ext uri="{0D108BD9-81ED-4DB2-BD59-A6C34878D82A}">
-                    <a16:rowId xmlns:a16="http://schemas.microsoft.com/office/drawing/2014/main" val="377653799"/>
-                  </a:ext>
-                </a:extLst>
-              </a:tr>
-            </a:tbl>
-          </a:graphicData>
-        </a:graphic>
-      </p:graphicFrame>
-      <p:sp>
-        <p:nvSpPr>
-          <p:cNvPr id="11" name="내용 개체 틀 2">
-            <a:extLst>
-              <a:ext uri="{FF2B5EF4-FFF2-40B4-BE49-F238E27FC236}">
-                <a16:creationId xmlns:a16="http://schemas.microsoft.com/office/drawing/2014/main" id="{8F71B3B7-083C-1D06-E635-FFF32162D3A7}"/>
-              </a:ext>
-            </a:extLst>
-          </p:cNvPr>
-          <p:cNvSpPr txBox="1">
-            <a:spLocks/>
-          </p:cNvSpPr>
-          <p:nvPr/>
-        </p:nvSpPr>
-        <p:spPr>
-          <a:xfrm>
-            <a:off x="6625866" y="6034702"/>
-            <a:ext cx="5257800" cy="563203"/>
-          </a:xfrm>
-          <a:prstGeom prst="rect">
-            <a:avLst/>
-          </a:prstGeom>
-        </p:spPr>
-        <p:txBody>
-          <a:bodyPr vert="horz" lIns="91440" tIns="45720" rIns="91440" bIns="45720" rtlCol="0">
-            <a:normAutofit/>
-          </a:bodyPr>
-          <a:lstStyle>
-            <a:lvl1pPr marL="228600" indent="-228600" algn="l" defTabSz="914400" rtl="0" eaLnBrk="1" latinLnBrk="1" hangingPunct="1">
-              <a:lnSpc>
-                <a:spcPct val="90000"/>
-              </a:lnSpc>
-              <a:spcBef>
-                <a:spcPts val="1000"/>
-              </a:spcBef>
-              <a:buFont typeface="Arial" panose="020B0604020202020204" pitchFamily="34" charset="0"/>
-              <a:buChar char="•"/>
-              <a:defRPr sz="2800" kern="1200">
-                <a:solidFill>
-                  <a:schemeClr val="tx1"/>
-                </a:solidFill>
-                <a:latin typeface="+mn-lt"/>
-                <a:ea typeface="+mn-ea"/>
-                <a:cs typeface="+mn-cs"/>
-              </a:defRPr>
-            </a:lvl1pPr>
-            <a:lvl2pPr marL="685800" indent="-228600" algn="l" defTabSz="914400" rtl="0" eaLnBrk="1" latinLnBrk="1" hangingPunct="1">
-              <a:lnSpc>
-                <a:spcPct val="90000"/>
-              </a:lnSpc>
-              <a:spcBef>
-                <a:spcPts val="500"/>
-              </a:spcBef>
-              <a:buFont typeface="Arial" panose="020B0604020202020204" pitchFamily="34" charset="0"/>
-              <a:buChar char="•"/>
-              <a:defRPr sz="2400" kern="1200">
-                <a:solidFill>
-                  <a:schemeClr val="tx1"/>
-                </a:solidFill>
-                <a:latin typeface="+mn-lt"/>
-                <a:ea typeface="+mn-ea"/>
-                <a:cs typeface="+mn-cs"/>
-              </a:defRPr>
-            </a:lvl2pPr>
-            <a:lvl3pPr marL="1143000" indent="-228600" algn="l" defTabSz="914400" rtl="0" eaLnBrk="1" latinLnBrk="1" hangingPunct="1">
-              <a:lnSpc>
-                <a:spcPct val="90000"/>
-              </a:lnSpc>
-              <a:spcBef>
-                <a:spcPts val="500"/>
-              </a:spcBef>
-              <a:buFont typeface="Arial" panose="020B0604020202020204" pitchFamily="34" charset="0"/>
-              <a:buChar char="•"/>
-              <a:defRPr sz="2000" kern="1200">
-                <a:solidFill>
-                  <a:schemeClr val="tx1"/>
-                </a:solidFill>
-                <a:latin typeface="+mn-lt"/>
-                <a:ea typeface="+mn-ea"/>
-                <a:cs typeface="+mn-cs"/>
-              </a:defRPr>
-            </a:lvl3pPr>
-            <a:lvl4pPr marL="1600200" indent="-228600" algn="l" defTabSz="914400" rtl="0" eaLnBrk="1" latinLnBrk="1" hangingPunct="1">
-              <a:lnSpc>
-                <a:spcPct val="90000"/>
-              </a:lnSpc>
-              <a:spcBef>
-                <a:spcPts val="500"/>
-              </a:spcBef>
-              <a:buFont typeface="Arial" panose="020B0604020202020204" pitchFamily="34" charset="0"/>
-              <a:buChar char="•"/>
-              <a:defRPr sz="1800" kern="1200">
-                <a:solidFill>
-                  <a:schemeClr val="tx1"/>
-                </a:solidFill>
-                <a:latin typeface="+mn-lt"/>
-                <a:ea typeface="+mn-ea"/>
-                <a:cs typeface="+mn-cs"/>
-              </a:defRPr>
-            </a:lvl4pPr>
-            <a:lvl5pPr marL="2057400" indent="-228600" algn="l" defTabSz="914400" rtl="0" eaLnBrk="1" latinLnBrk="1" hangingPunct="1">
-              <a:lnSpc>
-                <a:spcPct val="90000"/>
-              </a:lnSpc>
-              <a:spcBef>
-                <a:spcPts val="500"/>
-              </a:spcBef>
-              <a:buFont typeface="Arial" panose="020B0604020202020204" pitchFamily="34" charset="0"/>
-              <a:buChar char="•"/>
-              <a:defRPr sz="1800" kern="1200">
-                <a:solidFill>
-                  <a:schemeClr val="tx1"/>
-                </a:solidFill>
-                <a:latin typeface="+mn-lt"/>
-                <a:ea typeface="+mn-ea"/>
-                <a:cs typeface="+mn-cs"/>
-              </a:defRPr>
-            </a:lvl5pPr>
-            <a:lvl6pPr marL="2514600" indent="-228600" algn="l" defTabSz="914400" rtl="0" eaLnBrk="1" latinLnBrk="1" hangingPunct="1">
-              <a:lnSpc>
-                <a:spcPct val="90000"/>
-              </a:lnSpc>
-              <a:spcBef>
-                <a:spcPts val="500"/>
-              </a:spcBef>
-              <a:buFont typeface="Arial" panose="020B0604020202020204" pitchFamily="34" charset="0"/>
-              <a:buChar char="•"/>
-              <a:defRPr sz="1800" kern="1200">
-                <a:solidFill>
-                  <a:schemeClr val="tx1"/>
-                </a:solidFill>
-                <a:latin typeface="+mn-lt"/>
-                <a:ea typeface="+mn-ea"/>
-                <a:cs typeface="+mn-cs"/>
-              </a:defRPr>
-            </a:lvl6pPr>
-            <a:lvl7pPr marL="2971800" indent="-228600" algn="l" defTabSz="914400" rtl="0" eaLnBrk="1" latinLnBrk="1" hangingPunct="1">
-              <a:lnSpc>
-                <a:spcPct val="90000"/>
-              </a:lnSpc>
-              <a:spcBef>
-                <a:spcPts val="500"/>
-              </a:spcBef>
-              <a:buFont typeface="Arial" panose="020B0604020202020204" pitchFamily="34" charset="0"/>
-              <a:buChar char="•"/>
-              <a:defRPr sz="1800" kern="1200">
-                <a:solidFill>
-                  <a:schemeClr val="tx1"/>
-                </a:solidFill>
-                <a:latin typeface="+mn-lt"/>
-                <a:ea typeface="+mn-ea"/>
-                <a:cs typeface="+mn-cs"/>
-              </a:defRPr>
-            </a:lvl7pPr>
-            <a:lvl8pPr marL="3429000" indent="-228600" algn="l" defTabSz="914400" rtl="0" eaLnBrk="1" latinLnBrk="1" hangingPunct="1">
-              <a:lnSpc>
-                <a:spcPct val="90000"/>
-              </a:lnSpc>
-              <a:spcBef>
-                <a:spcPts val="500"/>
-              </a:spcBef>
-              <a:buFont typeface="Arial" panose="020B0604020202020204" pitchFamily="34" charset="0"/>
-              <a:buChar char="•"/>
-              <a:defRPr sz="1800" kern="1200">
-                <a:solidFill>
-                  <a:schemeClr val="tx1"/>
-                </a:solidFill>
-                <a:latin typeface="+mn-lt"/>
-                <a:ea typeface="+mn-ea"/>
-                <a:cs typeface="+mn-cs"/>
-              </a:defRPr>
-            </a:lvl8pPr>
-            <a:lvl9pPr marL="3886200" indent="-228600" algn="l" defTabSz="914400" rtl="0" eaLnBrk="1" latinLnBrk="1" hangingPunct="1">
-              <a:lnSpc>
-                <a:spcPct val="90000"/>
-              </a:lnSpc>
-              <a:spcBef>
-                <a:spcPts val="500"/>
-              </a:spcBef>
-              <a:buFont typeface="Arial" panose="020B0604020202020204" pitchFamily="34" charset="0"/>
-              <a:buChar char="•"/>
-              <a:defRPr sz="1800" kern="1200">
-                <a:solidFill>
-                  <a:schemeClr val="tx1"/>
-                </a:solidFill>
-                <a:latin typeface="+mn-lt"/>
-                <a:ea typeface="+mn-ea"/>
-                <a:cs typeface="+mn-cs"/>
-              </a:defRPr>
-            </a:lvl9pPr>
-          </a:lstStyle>
-          <a:p>
-            <a:pPr marL="0" indent="0" algn="ctr">
-              <a:buNone/>
-            </a:pPr>
-            <a:r>
-              <a:rPr lang="ko-KR" altLang="en-US" dirty="0"/>
-              <a:t>예시 캐릭터 사진</a:t>
-            </a:r>
-            <a:endParaRPr lang="en-US" altLang="ko-KR" sz="1400" dirty="0"/>
-          </a:p>
-        </p:txBody>
-      </p:sp>
-      <p:graphicFrame>
-        <p:nvGraphicFramePr>
-          <p:cNvPr id="7" name="표 6">
-            <a:extLst>
-              <a:ext uri="{FF2B5EF4-FFF2-40B4-BE49-F238E27FC236}">
-                <a16:creationId xmlns:a16="http://schemas.microsoft.com/office/drawing/2014/main" id="{191A037D-BD59-A58F-18D8-CEE9ADE721BF}"/>
-              </a:ext>
-            </a:extLst>
-          </p:cNvPr>
-          <p:cNvGraphicFramePr>
-            <a:graphicFrameLocks noGrp="1"/>
-          </p:cNvGraphicFramePr>
-          <p:nvPr/>
-        </p:nvGraphicFramePr>
-        <p:xfrm>
-          <a:off x="838200" y="2465768"/>
-          <a:ext cx="5373031" cy="2779588"/>
-        </p:xfrm>
-        <a:graphic>
-          <a:graphicData uri="http://schemas.openxmlformats.org/drawingml/2006/table">
-            <a:tbl>
-              <a:tblPr firstRow="1" bandRow="1">
-                <a:tableStyleId>{21E4AEA4-8DFA-4A89-87EB-49C32662AFE0}</a:tableStyleId>
-              </a:tblPr>
-              <a:tblGrid>
-                <a:gridCol w="1429282">
-                  <a:extLst>
-                    <a:ext uri="{9D8B030D-6E8A-4147-A177-3AD203B41FA5}">
-                      <a16:colId xmlns:a16="http://schemas.microsoft.com/office/drawing/2014/main" val="649444370"/>
-                    </a:ext>
-                  </a:extLst>
-                </a:gridCol>
-                <a:gridCol w="1167767">
-                  <a:extLst>
-                    <a:ext uri="{9D8B030D-6E8A-4147-A177-3AD203B41FA5}">
-                      <a16:colId xmlns:a16="http://schemas.microsoft.com/office/drawing/2014/main" val="894170241"/>
-                    </a:ext>
-                  </a:extLst>
-                </a:gridCol>
-                <a:gridCol w="2775982">
-                  <a:extLst>
-                    <a:ext uri="{9D8B030D-6E8A-4147-A177-3AD203B41FA5}">
-                      <a16:colId xmlns:a16="http://schemas.microsoft.com/office/drawing/2014/main" val="788308112"/>
-                    </a:ext>
-                  </a:extLst>
-                </a:gridCol>
-              </a:tblGrid>
-              <a:tr h="397084">
-                <a:tc>
-                  <a:txBody>
-                    <a:bodyPr/>
-                    <a:lstStyle/>
-                    <a:p>
-                      <a:pPr algn="ctr" latinLnBrk="1"/>
-                      <a:r>
-                        <a:rPr lang="ko-KR" altLang="en-US" sz="1800" dirty="0" err="1"/>
-                        <a:t>스텟</a:t>
-                      </a:r>
-                      <a:endParaRPr lang="ko-KR" altLang="en-US" sz="1800" dirty="0"/>
-                    </a:p>
-                  </a:txBody>
-                  <a:tcPr anchor="ctr">
-                    <a:lnL w="12700" cap="flat" cmpd="sng" algn="ctr">
-                      <a:solidFill>
-                        <a:schemeClr val="tx1"/>
-                      </a:solidFill>
-                      <a:prstDash val="solid"/>
-                      <a:round/>
-                      <a:headEnd type="none" w="med" len="med"/>
-                      <a:tailEnd type="none" w="med" len="med"/>
-                    </a:lnL>
-                    <a:lnR w="12700" cap="flat" cmpd="sng" algn="ctr">
-                      <a:solidFill>
-                        <a:schemeClr val="tx1"/>
-                      </a:solidFill>
-                      <a:prstDash val="solid"/>
-                      <a:round/>
-                      <a:headEnd type="none" w="med" len="med"/>
-                      <a:tailEnd type="none" w="med" len="med"/>
-                    </a:lnR>
-                    <a:lnT w="12700" cap="flat" cmpd="sng" algn="ctr">
-                      <a:solidFill>
-                        <a:schemeClr val="tx1"/>
-                      </a:solidFill>
-                      <a:prstDash val="solid"/>
-                      <a:round/>
-                      <a:headEnd type="none" w="med" len="med"/>
-                      <a:tailEnd type="none" w="med" len="med"/>
-                    </a:lnT>
-                    <a:lnB w="12700" cap="flat" cmpd="sng" algn="ctr">
-                      <a:solidFill>
-                        <a:schemeClr val="tx1"/>
-                      </a:solidFill>
-                      <a:prstDash val="solid"/>
-                      <a:round/>
-                      <a:headEnd type="none" w="med" len="med"/>
-                      <a:tailEnd type="none" w="med" len="med"/>
-                    </a:lnB>
-                    <a:lnTlToBr w="12700" cmpd="sng">
-                      <a:noFill/>
-                      <a:prstDash val="solid"/>
-                    </a:lnTlToBr>
-                    <a:lnBlToTr w="12700" cmpd="sng">
-                      <a:noFill/>
-                      <a:prstDash val="solid"/>
-                    </a:lnBlToTr>
-                  </a:tcPr>
-                </a:tc>
-                <a:tc>
-                  <a:txBody>
-                    <a:bodyPr/>
-                    <a:lstStyle/>
-                    <a:p>
-                      <a:pPr algn="ctr" latinLnBrk="1"/>
-                      <a:r>
-                        <a:rPr lang="ko-KR" altLang="en-US" sz="1800" dirty="0"/>
-                        <a:t>수치</a:t>
-                      </a:r>
-                    </a:p>
-                  </a:txBody>
-                  <a:tcPr anchor="ctr">
-                    <a:lnL w="12700" cap="flat" cmpd="sng" algn="ctr">
-                      <a:solidFill>
-                        <a:schemeClr val="tx1"/>
-                      </a:solidFill>
-                      <a:prstDash val="solid"/>
-                      <a:round/>
-                      <a:headEnd type="none" w="med" len="med"/>
-                      <a:tailEnd type="none" w="med" len="med"/>
-                    </a:lnL>
-                    <a:lnR w="12700" cap="flat" cmpd="sng" algn="ctr">
-                      <a:solidFill>
-                        <a:schemeClr val="tx1"/>
-                      </a:solidFill>
-                      <a:prstDash val="solid"/>
-                      <a:round/>
-                      <a:headEnd type="none" w="med" len="med"/>
-                      <a:tailEnd type="none" w="med" len="med"/>
-                    </a:lnR>
-                    <a:lnT w="12700" cap="flat" cmpd="sng" algn="ctr">
-                      <a:solidFill>
-                        <a:schemeClr val="tx1"/>
-                      </a:solidFill>
-                      <a:prstDash val="solid"/>
-                      <a:round/>
-                      <a:headEnd type="none" w="med" len="med"/>
-                      <a:tailEnd type="none" w="med" len="med"/>
-                    </a:lnT>
-                    <a:lnB w="12700" cap="flat" cmpd="sng" algn="ctr">
-                      <a:solidFill>
-                        <a:schemeClr val="tx1"/>
-                      </a:solidFill>
-                      <a:prstDash val="solid"/>
-                      <a:round/>
-                      <a:headEnd type="none" w="med" len="med"/>
-                      <a:tailEnd type="none" w="med" len="med"/>
-                    </a:lnB>
-                    <a:lnTlToBr w="12700" cmpd="sng">
-                      <a:noFill/>
-                      <a:prstDash val="solid"/>
-                    </a:lnTlToBr>
-                    <a:lnBlToTr w="12700" cmpd="sng">
-                      <a:noFill/>
-                      <a:prstDash val="solid"/>
-                    </a:lnBlToTr>
-                  </a:tcPr>
-                </a:tc>
-                <a:tc>
-                  <a:txBody>
-                    <a:bodyPr/>
-                    <a:lstStyle/>
-                    <a:p>
-                      <a:pPr algn="ctr" latinLnBrk="1"/>
-                      <a:r>
-                        <a:rPr lang="ko-KR" altLang="en-US" sz="1800" dirty="0"/>
-                        <a:t>주석</a:t>
-                      </a:r>
-                    </a:p>
-                  </a:txBody>
-                  <a:tcPr anchor="ctr">
-                    <a:lnL w="12700" cap="flat" cmpd="sng" algn="ctr">
-                      <a:solidFill>
-                        <a:schemeClr val="tx1"/>
-                      </a:solidFill>
-                      <a:prstDash val="solid"/>
-                      <a:round/>
-                      <a:headEnd type="none" w="med" len="med"/>
-                      <a:tailEnd type="none" w="med" len="med"/>
-                    </a:lnL>
-                    <a:lnR w="12700" cap="flat" cmpd="sng" algn="ctr">
-                      <a:solidFill>
-                        <a:schemeClr val="tx1"/>
-                      </a:solidFill>
-                      <a:prstDash val="solid"/>
-                      <a:round/>
-                      <a:headEnd type="none" w="med" len="med"/>
-                      <a:tailEnd type="none" w="med" len="med"/>
-                    </a:lnR>
-                    <a:lnT w="12700" cap="flat" cmpd="sng" algn="ctr">
-                      <a:solidFill>
-                        <a:schemeClr val="tx1"/>
-                      </a:solidFill>
-                      <a:prstDash val="solid"/>
-                      <a:round/>
-                      <a:headEnd type="none" w="med" len="med"/>
-                      <a:tailEnd type="none" w="med" len="med"/>
-                    </a:lnT>
-                    <a:lnB w="12700" cap="flat" cmpd="sng" algn="ctr">
-                      <a:solidFill>
-                        <a:schemeClr val="tx1"/>
-                      </a:solidFill>
-                      <a:prstDash val="solid"/>
-                      <a:round/>
-                      <a:headEnd type="none" w="med" len="med"/>
-                      <a:tailEnd type="none" w="med" len="med"/>
-                    </a:lnB>
-                    <a:lnTlToBr w="12700" cmpd="sng">
-                      <a:noFill/>
-                      <a:prstDash val="solid"/>
-                    </a:lnTlToBr>
-                    <a:lnBlToTr w="12700" cmpd="sng">
-                      <a:noFill/>
-                      <a:prstDash val="solid"/>
-                    </a:lnBlToTr>
-                  </a:tcPr>
-                </a:tc>
-                <a:extLst>
-                  <a:ext uri="{0D108BD9-81ED-4DB2-BD59-A6C34878D82A}">
-                    <a16:rowId xmlns:a16="http://schemas.microsoft.com/office/drawing/2014/main" val="3952501529"/>
-                  </a:ext>
-                </a:extLst>
-              </a:tr>
-              <a:tr h="397084">
-                <a:tc>
-                  <a:txBody>
-                    <a:bodyPr/>
-                    <a:lstStyle/>
-                    <a:p>
-                      <a:pPr marL="0" indent="0" algn="ctr" latinLnBrk="1">
-                        <a:buFont typeface="+mj-lt"/>
-                        <a:buNone/>
-                      </a:pPr>
-                      <a:r>
-                        <a:rPr lang="en-US" altLang="ko-KR" sz="1200" dirty="0"/>
-                        <a:t>HP</a:t>
-                      </a:r>
-                      <a:endParaRPr lang="ko-KR" altLang="en-US" sz="1200" dirty="0"/>
-                    </a:p>
-                  </a:txBody>
-                  <a:tcPr anchor="ctr">
-                    <a:lnL w="12700" cap="flat" cmpd="sng" algn="ctr">
-                      <a:solidFill>
-                        <a:schemeClr val="tx1"/>
-                      </a:solidFill>
-                      <a:prstDash val="solid"/>
-                      <a:round/>
-                      <a:headEnd type="none" w="med" len="med"/>
-                      <a:tailEnd type="none" w="med" len="med"/>
-                    </a:lnL>
-                    <a:lnR w="12700" cap="flat" cmpd="sng" algn="ctr">
-                      <a:solidFill>
-                        <a:schemeClr val="tx1"/>
-                      </a:solidFill>
-                      <a:prstDash val="solid"/>
-                      <a:round/>
-                      <a:headEnd type="none" w="med" len="med"/>
-                      <a:tailEnd type="none" w="med" len="med"/>
-                    </a:lnR>
-                    <a:lnT w="12700" cap="flat" cmpd="sng" algn="ctr">
-                      <a:solidFill>
-                        <a:schemeClr val="tx1"/>
-                      </a:solidFill>
-                      <a:prstDash val="solid"/>
-                      <a:round/>
-                      <a:headEnd type="none" w="med" len="med"/>
-                      <a:tailEnd type="none" w="med" len="med"/>
-                    </a:lnT>
-                    <a:lnB w="12700" cap="flat" cmpd="sng" algn="ctr">
-                      <a:solidFill>
-                        <a:schemeClr val="tx1"/>
-                      </a:solidFill>
-                      <a:prstDash val="solid"/>
-                      <a:round/>
-                      <a:headEnd type="none" w="med" len="med"/>
-                      <a:tailEnd type="none" w="med" len="med"/>
-                    </a:lnB>
-                    <a:lnTlToBr w="12700" cmpd="sng">
-                      <a:noFill/>
-                      <a:prstDash val="solid"/>
-                    </a:lnTlToBr>
-                    <a:lnBlToTr w="12700" cmpd="sng">
-                      <a:noFill/>
-                      <a:prstDash val="solid"/>
-                    </a:lnBlToTr>
-                  </a:tcPr>
-                </a:tc>
-                <a:tc>
-                  <a:txBody>
-                    <a:bodyPr/>
-                    <a:lstStyle/>
-                    <a:p>
-                      <a:pPr marL="0" indent="0" algn="ctr" latinLnBrk="1">
-                        <a:buFont typeface="+mj-lt"/>
-                        <a:buNone/>
-                      </a:pPr>
-                      <a:r>
-                        <a:rPr lang="en-US" altLang="ko-KR" sz="1200" dirty="0"/>
-                        <a:t>3</a:t>
-                      </a:r>
-                      <a:r>
-                        <a:rPr lang="ko-KR" altLang="en-US" sz="1200" dirty="0"/>
-                        <a:t>칸</a:t>
-                      </a:r>
-                    </a:p>
-                  </a:txBody>
-                  <a:tcPr anchor="ctr">
-                    <a:lnL w="12700" cap="flat" cmpd="sng" algn="ctr">
-                      <a:solidFill>
-                        <a:schemeClr val="tx1"/>
-                      </a:solidFill>
-                      <a:prstDash val="solid"/>
-                      <a:round/>
-                      <a:headEnd type="none" w="med" len="med"/>
-                      <a:tailEnd type="none" w="med" len="med"/>
-                    </a:lnL>
-                    <a:lnR w="12700" cap="flat" cmpd="sng" algn="ctr">
-                      <a:solidFill>
-                        <a:schemeClr val="tx1"/>
-                      </a:solidFill>
-                      <a:prstDash val="solid"/>
-                      <a:round/>
-                      <a:headEnd type="none" w="med" len="med"/>
-                      <a:tailEnd type="none" w="med" len="med"/>
-                    </a:lnR>
-                    <a:lnT w="12700" cap="flat" cmpd="sng" algn="ctr">
-                      <a:solidFill>
-                        <a:schemeClr val="tx1"/>
-                      </a:solidFill>
-                      <a:prstDash val="solid"/>
-                      <a:round/>
-                      <a:headEnd type="none" w="med" len="med"/>
-                      <a:tailEnd type="none" w="med" len="med"/>
-                    </a:lnT>
-                    <a:lnB w="12700" cap="flat" cmpd="sng" algn="ctr">
-                      <a:solidFill>
-                        <a:schemeClr val="tx1"/>
-                      </a:solidFill>
-                      <a:prstDash val="solid"/>
-                      <a:round/>
-                      <a:headEnd type="none" w="med" len="med"/>
-                      <a:tailEnd type="none" w="med" len="med"/>
-                    </a:lnB>
-                    <a:lnTlToBr w="12700" cmpd="sng">
-                      <a:noFill/>
-                      <a:prstDash val="solid"/>
-                    </a:lnTlToBr>
-                    <a:lnBlToTr w="12700" cmpd="sng">
-                      <a:noFill/>
-                      <a:prstDash val="solid"/>
-                    </a:lnBlToTr>
-                  </a:tcPr>
-                </a:tc>
-                <a:tc>
-                  <a:txBody>
-                    <a:bodyPr/>
-                    <a:lstStyle/>
-                    <a:p>
-                      <a:pPr marL="0" indent="0" algn="ctr" latinLnBrk="1">
-                        <a:buFont typeface="+mj-lt"/>
-                        <a:buNone/>
-                      </a:pPr>
-                      <a:r>
-                        <a:rPr lang="ko-KR" altLang="en-US" sz="1200" dirty="0"/>
-                        <a:t>총</a:t>
-                      </a:r>
-                      <a:r>
-                        <a:rPr lang="en-US" altLang="ko-KR" sz="1200" dirty="0"/>
-                        <a:t>, </a:t>
-                      </a:r>
-                      <a:r>
-                        <a:rPr lang="ko-KR" altLang="en-US" sz="1200" dirty="0"/>
-                        <a:t>몬스터에게 피격 시 </a:t>
-                      </a:r>
-                      <a:r>
-                        <a:rPr lang="en-US" altLang="ko-KR" sz="1200" dirty="0"/>
-                        <a:t>1</a:t>
-                      </a:r>
-                      <a:r>
-                        <a:rPr lang="ko-KR" altLang="en-US" sz="1200" dirty="0" err="1"/>
-                        <a:t>칸씩</a:t>
-                      </a:r>
-                      <a:r>
-                        <a:rPr lang="ko-KR" altLang="en-US" sz="1200" dirty="0"/>
-                        <a:t> 닳음</a:t>
-                      </a:r>
-                      <a:r>
-                        <a:rPr lang="en-US" altLang="ko-KR" sz="1200" dirty="0"/>
-                        <a:t>.</a:t>
-                      </a:r>
-                      <a:endParaRPr lang="ko-KR" altLang="en-US" sz="1200" dirty="0"/>
-                    </a:p>
-                  </a:txBody>
-                  <a:tcPr anchor="ctr">
-                    <a:lnL w="12700" cap="flat" cmpd="sng" algn="ctr">
-                      <a:solidFill>
-                        <a:schemeClr val="tx1"/>
-                      </a:solidFill>
-                      <a:prstDash val="solid"/>
-                      <a:round/>
-                      <a:headEnd type="none" w="med" len="med"/>
-                      <a:tailEnd type="none" w="med" len="med"/>
-                    </a:lnL>
-                    <a:lnR w="12700" cap="flat" cmpd="sng" algn="ctr">
-                      <a:solidFill>
-                        <a:schemeClr val="tx1"/>
-                      </a:solidFill>
-                      <a:prstDash val="solid"/>
-                      <a:round/>
-                      <a:headEnd type="none" w="med" len="med"/>
-                      <a:tailEnd type="none" w="med" len="med"/>
-                    </a:lnR>
-                    <a:lnT w="12700" cap="flat" cmpd="sng" algn="ctr">
-                      <a:solidFill>
-                        <a:schemeClr val="tx1"/>
-                      </a:solidFill>
-                      <a:prstDash val="solid"/>
-                      <a:round/>
-                      <a:headEnd type="none" w="med" len="med"/>
-                      <a:tailEnd type="none" w="med" len="med"/>
-                    </a:lnT>
-                    <a:lnB w="12700" cap="flat" cmpd="sng" algn="ctr">
-                      <a:solidFill>
-                        <a:schemeClr val="tx1"/>
-                      </a:solidFill>
-                      <a:prstDash val="solid"/>
-                      <a:round/>
-                      <a:headEnd type="none" w="med" len="med"/>
-                      <a:tailEnd type="none" w="med" len="med"/>
-                    </a:lnB>
-                    <a:lnTlToBr w="12700" cmpd="sng">
-                      <a:noFill/>
-                      <a:prstDash val="solid"/>
-                    </a:lnTlToBr>
-                    <a:lnBlToTr w="12700" cmpd="sng">
-                      <a:noFill/>
-                      <a:prstDash val="solid"/>
-                    </a:lnBlToTr>
-                  </a:tcPr>
-                </a:tc>
-                <a:extLst>
-                  <a:ext uri="{0D108BD9-81ED-4DB2-BD59-A6C34878D82A}">
-                    <a16:rowId xmlns:a16="http://schemas.microsoft.com/office/drawing/2014/main" val="2347358794"/>
-                  </a:ext>
-                </a:extLst>
-              </a:tr>
-              <a:tr h="397084">
-                <a:tc>
-                  <a:txBody>
-                    <a:bodyPr/>
-                    <a:lstStyle/>
-                    <a:p>
-                      <a:pPr marL="0" indent="0" algn="ctr" latinLnBrk="1">
-                        <a:buFont typeface="+mj-lt"/>
-                        <a:buNone/>
-                      </a:pPr>
-                      <a:r>
-                        <a:rPr lang="ko-KR" altLang="en-US" sz="1200" dirty="0"/>
-                        <a:t>폭탄 목걸이</a:t>
-                      </a:r>
-                    </a:p>
-                  </a:txBody>
-                  <a:tcPr anchor="ctr">
-                    <a:lnL w="12700" cap="flat" cmpd="sng" algn="ctr">
-                      <a:solidFill>
-                        <a:schemeClr val="tx1"/>
-                      </a:solidFill>
-                      <a:prstDash val="solid"/>
-                      <a:round/>
-                      <a:headEnd type="none" w="med" len="med"/>
-                      <a:tailEnd type="none" w="med" len="med"/>
-                    </a:lnL>
-                    <a:lnR w="12700" cap="flat" cmpd="sng" algn="ctr">
-                      <a:solidFill>
-                        <a:schemeClr val="tx1"/>
-                      </a:solidFill>
-                      <a:prstDash val="solid"/>
-                      <a:round/>
-                      <a:headEnd type="none" w="med" len="med"/>
-                      <a:tailEnd type="none" w="med" len="med"/>
-                    </a:lnR>
-                    <a:lnT w="12700" cap="flat" cmpd="sng" algn="ctr">
-                      <a:solidFill>
-                        <a:schemeClr val="tx1"/>
-                      </a:solidFill>
-                      <a:prstDash val="solid"/>
-                      <a:round/>
-                      <a:headEnd type="none" w="med" len="med"/>
-                      <a:tailEnd type="none" w="med" len="med"/>
-                    </a:lnT>
-                    <a:lnB w="12700" cap="flat" cmpd="sng" algn="ctr">
-                      <a:solidFill>
-                        <a:schemeClr val="tx1"/>
-                      </a:solidFill>
-                      <a:prstDash val="solid"/>
-                      <a:round/>
-                      <a:headEnd type="none" w="med" len="med"/>
-                      <a:tailEnd type="none" w="med" len="med"/>
-                    </a:lnB>
-                    <a:lnTlToBr w="12700" cmpd="sng">
-                      <a:noFill/>
-                      <a:prstDash val="solid"/>
-                    </a:lnTlToBr>
-                    <a:lnBlToTr w="12700" cmpd="sng">
-                      <a:noFill/>
-                      <a:prstDash val="solid"/>
-                    </a:lnBlToTr>
-                  </a:tcPr>
-                </a:tc>
-                <a:tc>
-                  <a:txBody>
-                    <a:bodyPr/>
-                    <a:lstStyle/>
-                    <a:p>
-                      <a:pPr marL="0" indent="0" algn="ctr" latinLnBrk="1">
-                        <a:buFont typeface="+mj-lt"/>
-                        <a:buNone/>
-                      </a:pPr>
-                      <a:r>
-                        <a:rPr lang="en-US" altLang="ko-KR" sz="1200" dirty="0"/>
-                        <a:t>240</a:t>
-                      </a:r>
-                      <a:r>
-                        <a:rPr lang="ko-KR" altLang="en-US" sz="1200" dirty="0"/>
-                        <a:t>초</a:t>
-                      </a:r>
-                    </a:p>
-                  </a:txBody>
-                  <a:tcPr anchor="ctr">
-                    <a:lnL w="12700" cap="flat" cmpd="sng" algn="ctr">
-                      <a:solidFill>
-                        <a:schemeClr val="tx1"/>
-                      </a:solidFill>
-                      <a:prstDash val="solid"/>
-                      <a:round/>
-                      <a:headEnd type="none" w="med" len="med"/>
-                      <a:tailEnd type="none" w="med" len="med"/>
-                    </a:lnL>
-                    <a:lnR w="12700" cap="flat" cmpd="sng" algn="ctr">
-                      <a:solidFill>
-                        <a:schemeClr val="tx1"/>
-                      </a:solidFill>
-                      <a:prstDash val="solid"/>
-                      <a:round/>
-                      <a:headEnd type="none" w="med" len="med"/>
-                      <a:tailEnd type="none" w="med" len="med"/>
-                    </a:lnR>
-                    <a:lnT w="12700" cap="flat" cmpd="sng" algn="ctr">
-                      <a:solidFill>
-                        <a:schemeClr val="tx1"/>
-                      </a:solidFill>
-                      <a:prstDash val="solid"/>
-                      <a:round/>
-                      <a:headEnd type="none" w="med" len="med"/>
-                      <a:tailEnd type="none" w="med" len="med"/>
-                    </a:lnT>
-                    <a:lnB w="12700" cap="flat" cmpd="sng" algn="ctr">
-                      <a:solidFill>
-                        <a:schemeClr val="tx1"/>
-                      </a:solidFill>
-                      <a:prstDash val="solid"/>
-                      <a:round/>
-                      <a:headEnd type="none" w="med" len="med"/>
-                      <a:tailEnd type="none" w="med" len="med"/>
-                    </a:lnB>
-                    <a:lnTlToBr w="12700" cmpd="sng">
-                      <a:noFill/>
-                      <a:prstDash val="solid"/>
-                    </a:lnTlToBr>
-                    <a:lnBlToTr w="12700" cmpd="sng">
-                      <a:noFill/>
-                      <a:prstDash val="solid"/>
-                    </a:lnBlToTr>
-                  </a:tcPr>
-                </a:tc>
-                <a:tc>
-                  <a:txBody>
-                    <a:bodyPr/>
-                    <a:lstStyle/>
-                    <a:p>
-                      <a:pPr marL="0" indent="0" algn="ctr" latinLnBrk="1">
-                        <a:buFont typeface="+mj-lt"/>
-                        <a:buNone/>
-                      </a:pPr>
-                      <a:r>
-                        <a:rPr lang="ko-KR" altLang="en-US" sz="1200" dirty="0"/>
-                        <a:t>총에 피격 시 </a:t>
-                      </a:r>
-                      <a:r>
-                        <a:rPr lang="en-US" altLang="ko-KR" sz="1200" dirty="0"/>
-                        <a:t>30</a:t>
-                      </a:r>
-                      <a:r>
-                        <a:rPr lang="ko-KR" altLang="en-US" sz="1200" dirty="0"/>
-                        <a:t>초 </a:t>
-                      </a:r>
-                      <a:r>
-                        <a:rPr lang="ko-KR" altLang="en-US" sz="1200" dirty="0" err="1"/>
-                        <a:t>줄어듬</a:t>
-                      </a:r>
-                      <a:r>
-                        <a:rPr lang="en-US" altLang="ko-KR" sz="1200" dirty="0"/>
-                        <a:t>.</a:t>
-                      </a:r>
-                      <a:endParaRPr lang="ko-KR" altLang="en-US" sz="1200" dirty="0"/>
-                    </a:p>
-                  </a:txBody>
-                  <a:tcPr anchor="ctr">
-                    <a:lnL w="12700" cap="flat" cmpd="sng" algn="ctr">
-                      <a:solidFill>
-                        <a:schemeClr val="tx1"/>
-                      </a:solidFill>
-                      <a:prstDash val="solid"/>
-                      <a:round/>
-                      <a:headEnd type="none" w="med" len="med"/>
-                      <a:tailEnd type="none" w="med" len="med"/>
-                    </a:lnL>
-                    <a:lnR w="12700" cap="flat" cmpd="sng" algn="ctr">
-                      <a:solidFill>
-                        <a:schemeClr val="tx1"/>
-                      </a:solidFill>
-                      <a:prstDash val="solid"/>
-                      <a:round/>
-                      <a:headEnd type="none" w="med" len="med"/>
-                      <a:tailEnd type="none" w="med" len="med"/>
-                    </a:lnR>
-                    <a:lnT w="12700" cap="flat" cmpd="sng" algn="ctr">
-                      <a:solidFill>
-                        <a:schemeClr val="tx1"/>
-                      </a:solidFill>
-                      <a:prstDash val="solid"/>
-                      <a:round/>
-                      <a:headEnd type="none" w="med" len="med"/>
-                      <a:tailEnd type="none" w="med" len="med"/>
-                    </a:lnT>
-                    <a:lnB w="12700" cap="flat" cmpd="sng" algn="ctr">
-                      <a:solidFill>
-                        <a:schemeClr val="tx1"/>
-                      </a:solidFill>
-                      <a:prstDash val="solid"/>
-                      <a:round/>
-                      <a:headEnd type="none" w="med" len="med"/>
-                      <a:tailEnd type="none" w="med" len="med"/>
-                    </a:lnB>
-                    <a:lnTlToBr w="12700" cmpd="sng">
-                      <a:noFill/>
-                      <a:prstDash val="solid"/>
-                    </a:lnTlToBr>
-                    <a:lnBlToTr w="12700" cmpd="sng">
-                      <a:noFill/>
-                      <a:prstDash val="solid"/>
-                    </a:lnBlToTr>
-                  </a:tcPr>
-                </a:tc>
-                <a:extLst>
-                  <a:ext uri="{0D108BD9-81ED-4DB2-BD59-A6C34878D82A}">
-                    <a16:rowId xmlns:a16="http://schemas.microsoft.com/office/drawing/2014/main" val="2422118565"/>
-                  </a:ext>
-                </a:extLst>
-              </a:tr>
-              <a:tr h="397084">
-                <a:tc>
-                  <a:txBody>
-                    <a:bodyPr/>
-                    <a:lstStyle/>
-                    <a:p>
-                      <a:pPr marL="0" indent="0" algn="ctr" latinLnBrk="1">
-                        <a:buFont typeface="+mj-lt"/>
-                        <a:buNone/>
-                      </a:pPr>
-                      <a:r>
-                        <a:rPr lang="ko-KR" altLang="en-US" sz="1200" dirty="0"/>
-                        <a:t>탄알 주머니</a:t>
-                      </a:r>
-                    </a:p>
-                  </a:txBody>
-                  <a:tcPr anchor="ctr">
-                    <a:lnL w="12700" cap="flat" cmpd="sng" algn="ctr">
-                      <a:solidFill>
-                        <a:schemeClr val="tx1"/>
-                      </a:solidFill>
-                      <a:prstDash val="solid"/>
-                      <a:round/>
-                      <a:headEnd type="none" w="med" len="med"/>
-                      <a:tailEnd type="none" w="med" len="med"/>
-                    </a:lnL>
-                    <a:lnR w="12700" cap="flat" cmpd="sng" algn="ctr">
-                      <a:solidFill>
-                        <a:schemeClr val="tx1"/>
-                      </a:solidFill>
-                      <a:prstDash val="solid"/>
-                      <a:round/>
-                      <a:headEnd type="none" w="med" len="med"/>
-                      <a:tailEnd type="none" w="med" len="med"/>
-                    </a:lnR>
-                    <a:lnT w="12700" cap="flat" cmpd="sng" algn="ctr">
-                      <a:solidFill>
-                        <a:schemeClr val="tx1"/>
-                      </a:solidFill>
-                      <a:prstDash val="solid"/>
-                      <a:round/>
-                      <a:headEnd type="none" w="med" len="med"/>
-                      <a:tailEnd type="none" w="med" len="med"/>
-                    </a:lnT>
-                    <a:lnB w="12700" cap="flat" cmpd="sng" algn="ctr">
-                      <a:solidFill>
-                        <a:schemeClr val="tx1"/>
-                      </a:solidFill>
-                      <a:prstDash val="solid"/>
-                      <a:round/>
-                      <a:headEnd type="none" w="med" len="med"/>
-                      <a:tailEnd type="none" w="med" len="med"/>
-                    </a:lnB>
-                    <a:lnTlToBr w="12700" cmpd="sng">
-                      <a:noFill/>
-                      <a:prstDash val="solid"/>
-                    </a:lnTlToBr>
-                    <a:lnBlToTr w="12700" cmpd="sng">
-                      <a:noFill/>
-                      <a:prstDash val="solid"/>
-                    </a:lnBlToTr>
-                  </a:tcPr>
-                </a:tc>
-                <a:tc>
-                  <a:txBody>
-                    <a:bodyPr/>
-                    <a:lstStyle/>
-                    <a:p>
-                      <a:pPr marL="0" indent="0" algn="ctr" latinLnBrk="1">
-                        <a:buFont typeface="+mj-lt"/>
-                        <a:buNone/>
-                      </a:pPr>
-                      <a:r>
-                        <a:rPr lang="en-US" altLang="ko-KR" sz="1200" dirty="0"/>
-                        <a:t>6</a:t>
-                      </a:r>
-                      <a:r>
-                        <a:rPr lang="ko-KR" altLang="en-US" sz="1200" dirty="0"/>
-                        <a:t>개</a:t>
-                      </a:r>
-                    </a:p>
-                  </a:txBody>
-                  <a:tcPr anchor="ctr">
-                    <a:lnL w="12700" cap="flat" cmpd="sng" algn="ctr">
-                      <a:solidFill>
-                        <a:schemeClr val="tx1"/>
-                      </a:solidFill>
-                      <a:prstDash val="solid"/>
-                      <a:round/>
-                      <a:headEnd type="none" w="med" len="med"/>
-                      <a:tailEnd type="none" w="med" len="med"/>
-                    </a:lnL>
-                    <a:lnR w="12700" cap="flat" cmpd="sng" algn="ctr">
-                      <a:solidFill>
-                        <a:schemeClr val="tx1"/>
-                      </a:solidFill>
-                      <a:prstDash val="solid"/>
-                      <a:round/>
-                      <a:headEnd type="none" w="med" len="med"/>
-                      <a:tailEnd type="none" w="med" len="med"/>
-                    </a:lnR>
-                    <a:lnT w="12700" cap="flat" cmpd="sng" algn="ctr">
-                      <a:solidFill>
-                        <a:schemeClr val="tx1"/>
-                      </a:solidFill>
-                      <a:prstDash val="solid"/>
-                      <a:round/>
-                      <a:headEnd type="none" w="med" len="med"/>
-                      <a:tailEnd type="none" w="med" len="med"/>
-                    </a:lnT>
-                    <a:lnB w="12700" cap="flat" cmpd="sng" algn="ctr">
-                      <a:solidFill>
-                        <a:schemeClr val="tx1"/>
-                      </a:solidFill>
-                      <a:prstDash val="solid"/>
-                      <a:round/>
-                      <a:headEnd type="none" w="med" len="med"/>
-                      <a:tailEnd type="none" w="med" len="med"/>
-                    </a:lnB>
-                    <a:lnTlToBr w="12700" cmpd="sng">
-                      <a:noFill/>
-                      <a:prstDash val="solid"/>
-                    </a:lnTlToBr>
-                    <a:lnBlToTr w="12700" cmpd="sng">
-                      <a:noFill/>
-                      <a:prstDash val="solid"/>
-                    </a:lnBlToTr>
-                  </a:tcPr>
-                </a:tc>
-                <a:tc>
-                  <a:txBody>
-                    <a:bodyPr/>
-                    <a:lstStyle/>
-                    <a:p>
-                      <a:pPr marL="0" indent="0" algn="ctr" latinLnBrk="1">
-                        <a:buFont typeface="+mj-lt"/>
-                        <a:buNone/>
-                      </a:pPr>
-                      <a:r>
-                        <a:rPr lang="ko-KR" altLang="en-US" sz="1200" dirty="0"/>
-                        <a:t>총알을 많이 수집할 수 있다</a:t>
-                      </a:r>
-                      <a:r>
-                        <a:rPr lang="en-US" altLang="ko-KR" sz="1200" dirty="0"/>
-                        <a:t>.</a:t>
-                      </a:r>
-                      <a:endParaRPr lang="ko-KR" altLang="en-US" sz="1200" dirty="0"/>
-                    </a:p>
-                  </a:txBody>
-                  <a:tcPr anchor="ctr">
-                    <a:lnL w="12700" cap="flat" cmpd="sng" algn="ctr">
-                      <a:solidFill>
-                        <a:schemeClr val="tx1"/>
-                      </a:solidFill>
-                      <a:prstDash val="solid"/>
-                      <a:round/>
-                      <a:headEnd type="none" w="med" len="med"/>
-                      <a:tailEnd type="none" w="med" len="med"/>
-                    </a:lnL>
-                    <a:lnR w="12700" cap="flat" cmpd="sng" algn="ctr">
-                      <a:solidFill>
-                        <a:schemeClr val="tx1"/>
-                      </a:solidFill>
-                      <a:prstDash val="solid"/>
-                      <a:round/>
-                      <a:headEnd type="none" w="med" len="med"/>
-                      <a:tailEnd type="none" w="med" len="med"/>
-                    </a:lnR>
-                    <a:lnT w="12700" cap="flat" cmpd="sng" algn="ctr">
-                      <a:solidFill>
-                        <a:schemeClr val="tx1"/>
-                      </a:solidFill>
-                      <a:prstDash val="solid"/>
-                      <a:round/>
-                      <a:headEnd type="none" w="med" len="med"/>
-                      <a:tailEnd type="none" w="med" len="med"/>
-                    </a:lnT>
-                    <a:lnB w="12700" cap="flat" cmpd="sng" algn="ctr">
-                      <a:solidFill>
-                        <a:schemeClr val="tx1"/>
-                      </a:solidFill>
-                      <a:prstDash val="solid"/>
-                      <a:round/>
-                      <a:headEnd type="none" w="med" len="med"/>
-                      <a:tailEnd type="none" w="med" len="med"/>
-                    </a:lnB>
-                    <a:lnTlToBr w="12700" cmpd="sng">
-                      <a:noFill/>
-                      <a:prstDash val="solid"/>
-                    </a:lnTlToBr>
-                    <a:lnBlToTr w="12700" cmpd="sng">
-                      <a:noFill/>
-                      <a:prstDash val="solid"/>
-                    </a:lnBlToTr>
-                  </a:tcPr>
-                </a:tc>
-                <a:extLst>
-                  <a:ext uri="{0D108BD9-81ED-4DB2-BD59-A6C34878D82A}">
-                    <a16:rowId xmlns:a16="http://schemas.microsoft.com/office/drawing/2014/main" val="4210688304"/>
-                  </a:ext>
-                </a:extLst>
-              </a:tr>
-              <a:tr h="397084">
-                <a:tc>
-                  <a:txBody>
-                    <a:bodyPr/>
-                    <a:lstStyle/>
-                    <a:p>
-                      <a:pPr marL="0" indent="0" algn="ctr" latinLnBrk="1">
-                        <a:buFont typeface="+mj-lt"/>
-                        <a:buNone/>
-                      </a:pPr>
-                      <a:r>
-                        <a:rPr lang="ko-KR" altLang="en-US" sz="1200" dirty="0"/>
-                        <a:t>이동속도</a:t>
-                      </a:r>
-                    </a:p>
-                  </a:txBody>
-                  <a:tcPr anchor="ctr">
-                    <a:lnL w="12700" cap="flat" cmpd="sng" algn="ctr">
-                      <a:solidFill>
-                        <a:schemeClr val="tx1"/>
-                      </a:solidFill>
-                      <a:prstDash val="solid"/>
-                      <a:round/>
-                      <a:headEnd type="none" w="med" len="med"/>
-                      <a:tailEnd type="none" w="med" len="med"/>
-                    </a:lnL>
-                    <a:lnR w="12700" cap="flat" cmpd="sng" algn="ctr">
-                      <a:solidFill>
-                        <a:schemeClr val="tx1"/>
-                      </a:solidFill>
-                      <a:prstDash val="solid"/>
-                      <a:round/>
-                      <a:headEnd type="none" w="med" len="med"/>
-                      <a:tailEnd type="none" w="med" len="med"/>
-                    </a:lnR>
-                    <a:lnT w="12700" cap="flat" cmpd="sng" algn="ctr">
-                      <a:solidFill>
-                        <a:schemeClr val="tx1"/>
-                      </a:solidFill>
-                      <a:prstDash val="solid"/>
-                      <a:round/>
-                      <a:headEnd type="none" w="med" len="med"/>
-                      <a:tailEnd type="none" w="med" len="med"/>
-                    </a:lnT>
-                    <a:lnB w="12700" cap="flat" cmpd="sng" algn="ctr">
-                      <a:solidFill>
-                        <a:schemeClr val="tx1"/>
-                      </a:solidFill>
-                      <a:prstDash val="solid"/>
-                      <a:round/>
-                      <a:headEnd type="none" w="med" len="med"/>
-                      <a:tailEnd type="none" w="med" len="med"/>
-                    </a:lnB>
-                    <a:lnTlToBr w="12700" cmpd="sng">
-                      <a:noFill/>
-                      <a:prstDash val="solid"/>
-                    </a:lnTlToBr>
-                    <a:lnBlToTr w="12700" cmpd="sng">
-                      <a:noFill/>
-                      <a:prstDash val="solid"/>
-                    </a:lnBlToTr>
-                  </a:tcPr>
-                </a:tc>
-                <a:tc>
-                  <a:txBody>
-                    <a:bodyPr/>
-                    <a:lstStyle/>
-                    <a:p>
-                      <a:pPr marL="0" indent="0" algn="ctr" latinLnBrk="1">
-                        <a:buFont typeface="+mj-lt"/>
-                        <a:buNone/>
-                      </a:pPr>
-                      <a:r>
-                        <a:rPr lang="en-US" altLang="ko-KR" sz="1200" dirty="0"/>
-                        <a:t>0.9</a:t>
-                      </a:r>
-                      <a:endParaRPr lang="ko-KR" altLang="en-US" sz="1200" dirty="0"/>
-                    </a:p>
-                  </a:txBody>
-                  <a:tcPr anchor="ctr">
-                    <a:lnL w="12700" cap="flat" cmpd="sng" algn="ctr">
-                      <a:solidFill>
-                        <a:schemeClr val="tx1"/>
-                      </a:solidFill>
-                      <a:prstDash val="solid"/>
-                      <a:round/>
-                      <a:headEnd type="none" w="med" len="med"/>
-                      <a:tailEnd type="none" w="med" len="med"/>
-                    </a:lnL>
-                    <a:lnR w="12700" cap="flat" cmpd="sng" algn="ctr">
-                      <a:solidFill>
-                        <a:schemeClr val="tx1"/>
-                      </a:solidFill>
-                      <a:prstDash val="solid"/>
-                      <a:round/>
-                      <a:headEnd type="none" w="med" len="med"/>
-                      <a:tailEnd type="none" w="med" len="med"/>
-                    </a:lnR>
-                    <a:lnT w="12700" cap="flat" cmpd="sng" algn="ctr">
-                      <a:solidFill>
-                        <a:schemeClr val="tx1"/>
-                      </a:solidFill>
-                      <a:prstDash val="solid"/>
-                      <a:round/>
-                      <a:headEnd type="none" w="med" len="med"/>
-                      <a:tailEnd type="none" w="med" len="med"/>
-                    </a:lnT>
-                    <a:lnB w="12700" cap="flat" cmpd="sng" algn="ctr">
-                      <a:solidFill>
-                        <a:schemeClr val="tx1"/>
-                      </a:solidFill>
-                      <a:prstDash val="solid"/>
-                      <a:round/>
-                      <a:headEnd type="none" w="med" len="med"/>
-                      <a:tailEnd type="none" w="med" len="med"/>
-                    </a:lnB>
-                    <a:lnTlToBr w="12700" cmpd="sng">
-                      <a:noFill/>
-                      <a:prstDash val="solid"/>
-                    </a:lnTlToBr>
-                    <a:lnBlToTr w="12700" cmpd="sng">
-                      <a:noFill/>
-                      <a:prstDash val="solid"/>
-                    </a:lnBlToTr>
-                  </a:tcPr>
-                </a:tc>
-                <a:tc>
-                  <a:txBody>
-                    <a:bodyPr/>
-                    <a:lstStyle/>
-                    <a:p>
-                      <a:pPr marL="0" indent="0" algn="ctr" latinLnBrk="1">
-                        <a:buFont typeface="+mj-lt"/>
-                        <a:buNone/>
-                      </a:pPr>
-                      <a:r>
-                        <a:rPr lang="ko-KR" altLang="en-US" sz="1200" dirty="0"/>
-                        <a:t>기본 이동속도보다 살짝 빠르다</a:t>
-                      </a:r>
-                      <a:r>
-                        <a:rPr lang="en-US" altLang="ko-KR" sz="1200" dirty="0"/>
-                        <a:t>.</a:t>
-                      </a:r>
-                      <a:endParaRPr lang="ko-KR" altLang="en-US" sz="1200" dirty="0"/>
-                    </a:p>
-                  </a:txBody>
-                  <a:tcPr anchor="ctr">
-                    <a:lnL w="12700" cap="flat" cmpd="sng" algn="ctr">
-                      <a:solidFill>
-                        <a:schemeClr val="tx1"/>
-                      </a:solidFill>
-                      <a:prstDash val="solid"/>
-                      <a:round/>
-                      <a:headEnd type="none" w="med" len="med"/>
-                      <a:tailEnd type="none" w="med" len="med"/>
-                    </a:lnL>
-                    <a:lnR w="12700" cap="flat" cmpd="sng" algn="ctr">
-                      <a:solidFill>
-                        <a:schemeClr val="tx1"/>
-                      </a:solidFill>
-                      <a:prstDash val="solid"/>
-                      <a:round/>
-                      <a:headEnd type="none" w="med" len="med"/>
-                      <a:tailEnd type="none" w="med" len="med"/>
-                    </a:lnR>
-                    <a:lnT w="12700" cap="flat" cmpd="sng" algn="ctr">
-                      <a:solidFill>
-                        <a:schemeClr val="tx1"/>
-                      </a:solidFill>
-                      <a:prstDash val="solid"/>
-                      <a:round/>
-                      <a:headEnd type="none" w="med" len="med"/>
-                      <a:tailEnd type="none" w="med" len="med"/>
-                    </a:lnT>
-                    <a:lnB w="12700" cap="flat" cmpd="sng" algn="ctr">
-                      <a:solidFill>
-                        <a:schemeClr val="tx1"/>
-                      </a:solidFill>
-                      <a:prstDash val="solid"/>
-                      <a:round/>
-                      <a:headEnd type="none" w="med" len="med"/>
-                      <a:tailEnd type="none" w="med" len="med"/>
-                    </a:lnB>
-                    <a:lnTlToBr w="12700" cmpd="sng">
-                      <a:noFill/>
-                      <a:prstDash val="solid"/>
-                    </a:lnTlToBr>
-                    <a:lnBlToTr w="12700" cmpd="sng">
-                      <a:noFill/>
-                      <a:prstDash val="solid"/>
-                    </a:lnBlToTr>
-                  </a:tcPr>
-                </a:tc>
-                <a:extLst>
-                  <a:ext uri="{0D108BD9-81ED-4DB2-BD59-A6C34878D82A}">
-                    <a16:rowId xmlns:a16="http://schemas.microsoft.com/office/drawing/2014/main" val="2738056909"/>
-                  </a:ext>
-                </a:extLst>
-              </a:tr>
-              <a:tr h="397084">
-                <a:tc>
-                  <a:txBody>
-                    <a:bodyPr/>
-                    <a:lstStyle/>
-                    <a:p>
-                      <a:pPr marL="0" indent="0" algn="ctr" latinLnBrk="1">
-                        <a:buFont typeface="+mj-lt"/>
-                        <a:buNone/>
-                      </a:pPr>
-                      <a:r>
-                        <a:rPr lang="ko-KR" altLang="en-US" sz="1200" dirty="0"/>
-                        <a:t>총알 발사 딜레이</a:t>
-                      </a:r>
-                    </a:p>
-                  </a:txBody>
-                  <a:tcPr anchor="ctr">
-                    <a:lnL w="12700" cap="flat" cmpd="sng" algn="ctr">
-                      <a:solidFill>
-                        <a:schemeClr val="tx1"/>
-                      </a:solidFill>
-                      <a:prstDash val="solid"/>
-                      <a:round/>
-                      <a:headEnd type="none" w="med" len="med"/>
-                      <a:tailEnd type="none" w="med" len="med"/>
-                    </a:lnL>
-                    <a:lnR w="12700" cap="flat" cmpd="sng" algn="ctr">
-                      <a:solidFill>
-                        <a:schemeClr val="tx1"/>
-                      </a:solidFill>
-                      <a:prstDash val="solid"/>
-                      <a:round/>
-                      <a:headEnd type="none" w="med" len="med"/>
-                      <a:tailEnd type="none" w="med" len="med"/>
-                    </a:lnR>
-                    <a:lnT w="12700" cap="flat" cmpd="sng" algn="ctr">
-                      <a:solidFill>
-                        <a:schemeClr val="tx1"/>
-                      </a:solidFill>
-                      <a:prstDash val="solid"/>
-                      <a:round/>
-                      <a:headEnd type="none" w="med" len="med"/>
-                      <a:tailEnd type="none" w="med" len="med"/>
-                    </a:lnT>
-                    <a:lnB w="12700" cap="flat" cmpd="sng" algn="ctr">
-                      <a:solidFill>
-                        <a:schemeClr val="tx1"/>
-                      </a:solidFill>
-                      <a:prstDash val="solid"/>
-                      <a:round/>
-                      <a:headEnd type="none" w="med" len="med"/>
-                      <a:tailEnd type="none" w="med" len="med"/>
-                    </a:lnB>
-                    <a:lnTlToBr w="12700" cmpd="sng">
-                      <a:noFill/>
-                      <a:prstDash val="solid"/>
-                    </a:lnTlToBr>
-                    <a:lnBlToTr w="12700" cmpd="sng">
-                      <a:noFill/>
-                      <a:prstDash val="solid"/>
-                    </a:lnBlToTr>
-                  </a:tcPr>
-                </a:tc>
-                <a:tc>
-                  <a:txBody>
-                    <a:bodyPr/>
-                    <a:lstStyle/>
-                    <a:p>
-                      <a:pPr marL="0" indent="0" algn="ctr" latinLnBrk="1">
-                        <a:buFont typeface="+mj-lt"/>
-                        <a:buNone/>
-                      </a:pPr>
-                      <a:r>
-                        <a:rPr lang="en-US" altLang="ko-KR" sz="1200" dirty="0"/>
-                        <a:t>2.0</a:t>
-                      </a:r>
-                      <a:endParaRPr lang="ko-KR" altLang="en-US" sz="1200" dirty="0"/>
-                    </a:p>
-                  </a:txBody>
-                  <a:tcPr anchor="ctr">
-                    <a:lnL w="12700" cap="flat" cmpd="sng" algn="ctr">
-                      <a:solidFill>
-                        <a:schemeClr val="tx1"/>
-                      </a:solidFill>
-                      <a:prstDash val="solid"/>
-                      <a:round/>
-                      <a:headEnd type="none" w="med" len="med"/>
-                      <a:tailEnd type="none" w="med" len="med"/>
-                    </a:lnL>
-                    <a:lnR w="12700" cap="flat" cmpd="sng" algn="ctr">
-                      <a:solidFill>
-                        <a:schemeClr val="tx1"/>
-                      </a:solidFill>
-                      <a:prstDash val="solid"/>
-                      <a:round/>
-                      <a:headEnd type="none" w="med" len="med"/>
-                      <a:tailEnd type="none" w="med" len="med"/>
-                    </a:lnR>
-                    <a:lnT w="12700" cap="flat" cmpd="sng" algn="ctr">
-                      <a:solidFill>
-                        <a:schemeClr val="tx1"/>
-                      </a:solidFill>
-                      <a:prstDash val="solid"/>
-                      <a:round/>
-                      <a:headEnd type="none" w="med" len="med"/>
-                      <a:tailEnd type="none" w="med" len="med"/>
-                    </a:lnT>
-                    <a:lnB w="12700" cap="flat" cmpd="sng" algn="ctr">
-                      <a:solidFill>
-                        <a:schemeClr val="tx1"/>
-                      </a:solidFill>
-                      <a:prstDash val="solid"/>
-                      <a:round/>
-                      <a:headEnd type="none" w="med" len="med"/>
-                      <a:tailEnd type="none" w="med" len="med"/>
-                    </a:lnB>
-                    <a:lnTlToBr w="12700" cmpd="sng">
-                      <a:noFill/>
-                      <a:prstDash val="solid"/>
-                    </a:lnTlToBr>
-                    <a:lnBlToTr w="12700" cmpd="sng">
-                      <a:noFill/>
-                      <a:prstDash val="solid"/>
-                    </a:lnBlToTr>
-                  </a:tcPr>
-                </a:tc>
-                <a:tc>
-                  <a:txBody>
-                    <a:bodyPr/>
-                    <a:lstStyle/>
-                    <a:p>
-                      <a:pPr marL="0" indent="0" algn="ctr" latinLnBrk="1">
-                        <a:buFont typeface="+mj-lt"/>
-                        <a:buNone/>
-                      </a:pPr>
-                      <a:r>
-                        <a:rPr lang="ko-KR" altLang="en-US" sz="1200" dirty="0"/>
-                        <a:t>기본 발사 딜레이보다 느리다</a:t>
-                      </a:r>
-                    </a:p>
-                  </a:txBody>
-                  <a:tcPr anchor="ctr">
-                    <a:lnL w="12700" cap="flat" cmpd="sng" algn="ctr">
-                      <a:solidFill>
-                        <a:schemeClr val="tx1"/>
-                      </a:solidFill>
-                      <a:prstDash val="solid"/>
-                      <a:round/>
-                      <a:headEnd type="none" w="med" len="med"/>
-                      <a:tailEnd type="none" w="med" len="med"/>
-                    </a:lnL>
-                    <a:lnR w="12700" cap="flat" cmpd="sng" algn="ctr">
-                      <a:solidFill>
-                        <a:schemeClr val="tx1"/>
-                      </a:solidFill>
-                      <a:prstDash val="solid"/>
-                      <a:round/>
-                      <a:headEnd type="none" w="med" len="med"/>
-                      <a:tailEnd type="none" w="med" len="med"/>
-                    </a:lnR>
-                    <a:lnT w="12700" cap="flat" cmpd="sng" algn="ctr">
-                      <a:solidFill>
-                        <a:schemeClr val="tx1"/>
-                      </a:solidFill>
-                      <a:prstDash val="solid"/>
-                      <a:round/>
-                      <a:headEnd type="none" w="med" len="med"/>
-                      <a:tailEnd type="none" w="med" len="med"/>
-                    </a:lnT>
-                    <a:lnB w="12700" cap="flat" cmpd="sng" algn="ctr">
-                      <a:solidFill>
-                        <a:schemeClr val="tx1"/>
-                      </a:solidFill>
-                      <a:prstDash val="solid"/>
-                      <a:round/>
-                      <a:headEnd type="none" w="med" len="med"/>
-                      <a:tailEnd type="none" w="med" len="med"/>
-                    </a:lnB>
-                    <a:lnTlToBr w="12700" cmpd="sng">
-                      <a:noFill/>
-                      <a:prstDash val="solid"/>
-                    </a:lnTlToBr>
-                    <a:lnBlToTr w="12700" cmpd="sng">
-                      <a:noFill/>
-                      <a:prstDash val="solid"/>
-                    </a:lnBlToTr>
-                  </a:tcPr>
-                </a:tc>
-                <a:extLst>
-                  <a:ext uri="{0D108BD9-81ED-4DB2-BD59-A6C34878D82A}">
-                    <a16:rowId xmlns:a16="http://schemas.microsoft.com/office/drawing/2014/main" val="2677022759"/>
-                  </a:ext>
-                </a:extLst>
-              </a:tr>
-              <a:tr h="397084">
-                <a:tc>
-                  <a:txBody>
-                    <a:bodyPr/>
-                    <a:lstStyle/>
-                    <a:p>
-                      <a:pPr marL="0" indent="0" algn="ctr" latinLnBrk="1">
-                        <a:buFont typeface="+mj-lt"/>
-                        <a:buNone/>
-                      </a:pPr>
-                      <a:r>
-                        <a:rPr lang="ko-KR" altLang="en-US" sz="1200" dirty="0"/>
-                        <a:t>총알 발사 속도</a:t>
-                      </a:r>
-                    </a:p>
-                  </a:txBody>
-                  <a:tcPr anchor="ctr">
-                    <a:lnL w="12700" cap="flat" cmpd="sng" algn="ctr">
-                      <a:solidFill>
-                        <a:schemeClr val="tx1"/>
-                      </a:solidFill>
-                      <a:prstDash val="solid"/>
-                      <a:round/>
-                      <a:headEnd type="none" w="med" len="med"/>
-                      <a:tailEnd type="none" w="med" len="med"/>
-                    </a:lnL>
-                    <a:lnR w="12700" cap="flat" cmpd="sng" algn="ctr">
-                      <a:solidFill>
-                        <a:schemeClr val="tx1"/>
-                      </a:solidFill>
-                      <a:prstDash val="solid"/>
-                      <a:round/>
-                      <a:headEnd type="none" w="med" len="med"/>
-                      <a:tailEnd type="none" w="med" len="med"/>
-                    </a:lnR>
-                    <a:lnT w="12700" cap="flat" cmpd="sng" algn="ctr">
-                      <a:solidFill>
-                        <a:schemeClr val="tx1"/>
-                      </a:solidFill>
-                      <a:prstDash val="solid"/>
-                      <a:round/>
-                      <a:headEnd type="none" w="med" len="med"/>
-                      <a:tailEnd type="none" w="med" len="med"/>
-                    </a:lnT>
-                    <a:lnB w="12700" cap="flat" cmpd="sng" algn="ctr">
-                      <a:solidFill>
-                        <a:schemeClr val="tx1"/>
-                      </a:solidFill>
-                      <a:prstDash val="solid"/>
-                      <a:round/>
-                      <a:headEnd type="none" w="med" len="med"/>
-                      <a:tailEnd type="none" w="med" len="med"/>
-                    </a:lnB>
-                    <a:lnTlToBr w="12700" cmpd="sng">
-                      <a:noFill/>
-                      <a:prstDash val="solid"/>
-                    </a:lnTlToBr>
-                    <a:lnBlToTr w="12700" cmpd="sng">
-                      <a:noFill/>
-                      <a:prstDash val="solid"/>
-                    </a:lnBlToTr>
-                  </a:tcPr>
-                </a:tc>
-                <a:tc>
-                  <a:txBody>
-                    <a:bodyPr/>
-                    <a:lstStyle/>
-                    <a:p>
-                      <a:pPr marL="0" indent="0" algn="ctr" latinLnBrk="1">
-                        <a:buFont typeface="+mj-lt"/>
-                        <a:buNone/>
-                      </a:pPr>
-                      <a:r>
-                        <a:rPr lang="en-US" altLang="ko-KR" sz="1200" dirty="0"/>
-                        <a:t>0.5</a:t>
-                      </a:r>
-                      <a:endParaRPr lang="ko-KR" altLang="en-US" sz="1200" dirty="0"/>
-                    </a:p>
-                  </a:txBody>
-                  <a:tcPr anchor="ctr">
-                    <a:lnL w="12700" cap="flat" cmpd="sng" algn="ctr">
-                      <a:solidFill>
-                        <a:schemeClr val="tx1"/>
-                      </a:solidFill>
-                      <a:prstDash val="solid"/>
-                      <a:round/>
-                      <a:headEnd type="none" w="med" len="med"/>
-                      <a:tailEnd type="none" w="med" len="med"/>
-                    </a:lnL>
-                    <a:lnR w="12700" cap="flat" cmpd="sng" algn="ctr">
-                      <a:solidFill>
-                        <a:schemeClr val="tx1"/>
-                      </a:solidFill>
-                      <a:prstDash val="solid"/>
-                      <a:round/>
-                      <a:headEnd type="none" w="med" len="med"/>
-                      <a:tailEnd type="none" w="med" len="med"/>
-                    </a:lnR>
-                    <a:lnT w="12700" cap="flat" cmpd="sng" algn="ctr">
-                      <a:solidFill>
-                        <a:schemeClr val="tx1"/>
-                      </a:solidFill>
-                      <a:prstDash val="solid"/>
-                      <a:round/>
-                      <a:headEnd type="none" w="med" len="med"/>
-                      <a:tailEnd type="none" w="med" len="med"/>
-                    </a:lnT>
-                    <a:lnB w="12700" cap="flat" cmpd="sng" algn="ctr">
-                      <a:solidFill>
-                        <a:schemeClr val="tx1"/>
-                      </a:solidFill>
-                      <a:prstDash val="solid"/>
-                      <a:round/>
-                      <a:headEnd type="none" w="med" len="med"/>
-                      <a:tailEnd type="none" w="med" len="med"/>
-                    </a:lnB>
-                    <a:lnTlToBr w="12700" cmpd="sng">
-                      <a:noFill/>
-                      <a:prstDash val="solid"/>
-                    </a:lnTlToBr>
-                    <a:lnBlToTr w="12700" cmpd="sng">
-                      <a:noFill/>
-                      <a:prstDash val="solid"/>
-                    </a:lnBlToTr>
-                  </a:tcPr>
-                </a:tc>
-                <a:tc>
-                  <a:txBody>
-                    <a:bodyPr/>
-                    <a:lstStyle/>
-                    <a:p>
-                      <a:pPr marL="0" indent="0" algn="ctr" latinLnBrk="1">
-                        <a:buFont typeface="+mj-lt"/>
-                        <a:buNone/>
-                      </a:pPr>
-                      <a:r>
-                        <a:rPr lang="ko-KR" altLang="en-US" sz="1200" dirty="0"/>
-                        <a:t>기본 총알 발사 속도</a:t>
-                      </a:r>
-                    </a:p>
-                  </a:txBody>
-                  <a:tcPr anchor="ctr">
-                    <a:lnL w="12700" cap="flat" cmpd="sng" algn="ctr">
-                      <a:solidFill>
-                        <a:schemeClr val="tx1"/>
-                      </a:solidFill>
-                      <a:prstDash val="solid"/>
-                      <a:round/>
-                      <a:headEnd type="none" w="med" len="med"/>
-                      <a:tailEnd type="none" w="med" len="med"/>
-                    </a:lnL>
-                    <a:lnR w="12700" cap="flat" cmpd="sng" algn="ctr">
-                      <a:solidFill>
-                        <a:schemeClr val="tx1"/>
-                      </a:solidFill>
-                      <a:prstDash val="solid"/>
-                      <a:round/>
-                      <a:headEnd type="none" w="med" len="med"/>
-                      <a:tailEnd type="none" w="med" len="med"/>
-                    </a:lnR>
-                    <a:lnT w="12700" cap="flat" cmpd="sng" algn="ctr">
-                      <a:solidFill>
-                        <a:schemeClr val="tx1"/>
-                      </a:solidFill>
-                      <a:prstDash val="solid"/>
-                      <a:round/>
-                      <a:headEnd type="none" w="med" len="med"/>
-                      <a:tailEnd type="none" w="med" len="med"/>
-                    </a:lnT>
-                    <a:lnB w="12700" cap="flat" cmpd="sng" algn="ctr">
-                      <a:solidFill>
-                        <a:schemeClr val="tx1"/>
-                      </a:solidFill>
-                      <a:prstDash val="solid"/>
-                      <a:round/>
-                      <a:headEnd type="none" w="med" len="med"/>
-                      <a:tailEnd type="none" w="med" len="med"/>
-                    </a:lnB>
-                    <a:lnTlToBr w="12700" cmpd="sng">
-                      <a:noFill/>
-                      <a:prstDash val="solid"/>
-                    </a:lnTlToBr>
-                    <a:lnBlToTr w="12700" cmpd="sng">
-                      <a:noFill/>
-                      <a:prstDash val="solid"/>
-                    </a:lnBlToTr>
-                  </a:tcPr>
-                </a:tc>
-                <a:extLst>
-                  <a:ext uri="{0D108BD9-81ED-4DB2-BD59-A6C34878D82A}">
-                    <a16:rowId xmlns:a16="http://schemas.microsoft.com/office/drawing/2014/main" val="3949302187"/>
-                  </a:ext>
-                </a:extLst>
-              </a:tr>
-            </a:tbl>
-          </a:graphicData>
-        </a:graphic>
-      </p:graphicFrame>
-    </p:spTree>
-    <p:extLst>
-      <p:ext uri="{BB962C8B-B14F-4D97-AF65-F5344CB8AC3E}">
-        <p14:creationId xmlns:p14="http://schemas.microsoft.com/office/powerpoint/2010/main" val="3875540452"/>
-      </p:ext>
-    </p:extLst>
-  </p:cSld>
-  <p:clrMapOvr>
-    <a:masterClrMapping/>
-  </p:clrMapOvr>
-</p:sld>
-</file>
-
 <file path=ppt/slides/slide2.xml><?xml version="1.0" encoding="utf-8"?>
 <p:sld xmlns:a="http://schemas.openxmlformats.org/drawingml/2006/main" xmlns:r="http://schemas.openxmlformats.org/officeDocument/2006/relationships" xmlns:p="http://schemas.openxmlformats.org/presentationml/2006/main">
   <p:cSld>
@@ -15692,54 +13361,6 @@
           </a:prstGeom>
         </p:spPr>
       </p:pic>
-      <p:sp>
-        <p:nvSpPr>
-          <p:cNvPr id="4" name="TextBox 3">
-            <a:extLst>
-              <a:ext uri="{FF2B5EF4-FFF2-40B4-BE49-F238E27FC236}">
-                <a16:creationId xmlns:a16="http://schemas.microsoft.com/office/drawing/2014/main" id="{491583A2-5697-3299-FD3D-21DD4969F616}"/>
-              </a:ext>
-            </a:extLst>
-          </p:cNvPr>
-          <p:cNvSpPr txBox="1"/>
-          <p:nvPr/>
-        </p:nvSpPr>
-        <p:spPr>
-          <a:xfrm>
-            <a:off x="7362394" y="5867577"/>
-            <a:ext cx="3014570" cy="646331"/>
-          </a:xfrm>
-          <a:prstGeom prst="rect">
-            <a:avLst/>
-          </a:prstGeom>
-          <a:noFill/>
-        </p:spPr>
-        <p:txBody>
-          <a:bodyPr wrap="square" rtlCol="0">
-            <a:spAutoFit/>
-          </a:bodyPr>
-          <a:lstStyle/>
-          <a:p>
-            <a:r>
-              <a:rPr lang="ko-KR" altLang="en-US" dirty="0"/>
-              <a:t>혼자 스킬이 두개</a:t>
-            </a:r>
-            <a:r>
-              <a:rPr lang="en-US" altLang="ko-KR" dirty="0"/>
-              <a:t>? </a:t>
-            </a:r>
-            <a:r>
-              <a:rPr lang="ko-KR" altLang="en-US" dirty="0"/>
-              <a:t>형평성이 음</a:t>
-            </a:r>
-            <a:r>
-              <a:rPr lang="en-US" altLang="ko-KR" dirty="0"/>
-              <a:t>..</a:t>
-            </a:r>
-            <a:endParaRPr lang="ko-KR" altLang="en-US" dirty="0"/>
-          </a:p>
-        </p:txBody>
-      </p:sp>
     </p:spTree>
     <p:extLst>
       <p:ext uri="{BB962C8B-B14F-4D97-AF65-F5344CB8AC3E}">
@@ -18380,14 +16001,14 @@
           <p:nvPr>
             <p:extLst>
               <p:ext uri="{D42A27DB-BD31-4B8C-83A1-F6EECF244321}">
-                <p14:modId xmlns:p14="http://schemas.microsoft.com/office/powerpoint/2010/main" val="854730385"/>
+                <p14:modId xmlns:p14="http://schemas.microsoft.com/office/powerpoint/2010/main" val="2301015990"/>
               </p:ext>
             </p:extLst>
           </p:nvPr>
         </p:nvGraphicFramePr>
         <p:xfrm>
           <a:off x="6568251" y="4058004"/>
-          <a:ext cx="5373030" cy="1667102"/>
+          <a:ext cx="5373030" cy="1301342"/>
         </p:xfrm>
         <a:graphic>
           <a:graphicData uri="http://schemas.openxmlformats.org/drawingml/2006/table">
@@ -18821,97 +16442,80 @@
                     <a:p>
                       <a:pPr algn="ctr" latinLnBrk="1"/>
                       <a:r>
+                        <a:rPr lang="ko-KR" altLang="en-US" sz="1200" dirty="0"/>
+                        <a:t>패시브</a:t>
+                      </a:r>
+                    </a:p>
+                  </a:txBody>
+                  <a:tcPr anchor="ctr">
+                    <a:lnL w="12700" cap="flat" cmpd="sng" algn="ctr">
+                      <a:solidFill>
+                        <a:schemeClr val="tx1"/>
+                      </a:solidFill>
+                      <a:prstDash val="solid"/>
+                      <a:round/>
+                      <a:headEnd type="none" w="med" len="med"/>
+                      <a:tailEnd type="none" w="med" len="med"/>
+                    </a:lnL>
+                    <a:lnR w="12700" cap="flat" cmpd="sng" algn="ctr">
+                      <a:solidFill>
+                        <a:schemeClr val="tx1"/>
+                      </a:solidFill>
+                      <a:prstDash val="solid"/>
+                      <a:round/>
+                      <a:headEnd type="none" w="med" len="med"/>
+                      <a:tailEnd type="none" w="med" len="med"/>
+                    </a:lnR>
+                    <a:lnT w="12700" cap="flat" cmpd="sng" algn="ctr">
+                      <a:solidFill>
+                        <a:schemeClr val="tx1"/>
+                      </a:solidFill>
+                      <a:prstDash val="solid"/>
+                      <a:round/>
+                      <a:headEnd type="none" w="med" len="med"/>
+                      <a:tailEnd type="none" w="med" len="med"/>
+                    </a:lnT>
+                    <a:lnB w="12700" cap="flat" cmpd="sng" algn="ctr">
+                      <a:solidFill>
+                        <a:schemeClr val="tx1"/>
+                      </a:solidFill>
+                      <a:prstDash val="solid"/>
+                      <a:round/>
+                      <a:headEnd type="none" w="med" len="med"/>
+                      <a:tailEnd type="none" w="med" len="med"/>
+                    </a:lnB>
+                  </a:tcPr>
+                </a:tc>
+                <a:tc>
+                  <a:txBody>
+                    <a:bodyPr/>
+                    <a:lstStyle/>
+                    <a:p>
+                      <a:pPr algn="ctr"/>
+                      <a:r>
+                        <a:rPr lang="ko-KR" altLang="en-US" sz="1200" dirty="0"/>
+                        <a:t>탄환을 적중 시 대상의 </a:t>
+                      </a:r>
+                      <a:r>
                         <a:rPr lang="en-US" altLang="ko-KR" sz="1200" dirty="0"/>
-                        <a:t>60</a:t>
+                        <a:t>3</a:t>
                       </a:r>
                       <a:r>
                         <a:rPr lang="ko-KR" altLang="en-US" sz="1200" dirty="0"/>
-                        <a:t>초</a:t>
-                      </a:r>
-                    </a:p>
-                  </a:txBody>
-                  <a:tcPr anchor="ctr">
-                    <a:lnL w="12700" cap="flat" cmpd="sng" algn="ctr">
-                      <a:solidFill>
-                        <a:schemeClr val="tx1"/>
-                      </a:solidFill>
-                      <a:prstDash val="solid"/>
-                      <a:round/>
-                      <a:headEnd type="none" w="med" len="med"/>
-                      <a:tailEnd type="none" w="med" len="med"/>
-                    </a:lnL>
-                    <a:lnR w="12700" cap="flat" cmpd="sng" algn="ctr">
-                      <a:solidFill>
-                        <a:schemeClr val="tx1"/>
-                      </a:solidFill>
-                      <a:prstDash val="solid"/>
-                      <a:round/>
-                      <a:headEnd type="none" w="med" len="med"/>
-                      <a:tailEnd type="none" w="med" len="med"/>
-                    </a:lnR>
-                    <a:lnT w="12700" cap="flat" cmpd="sng" algn="ctr">
-                      <a:solidFill>
-                        <a:schemeClr val="tx1"/>
-                      </a:solidFill>
-                      <a:prstDash val="solid"/>
-                      <a:round/>
-                      <a:headEnd type="none" w="med" len="med"/>
-                      <a:tailEnd type="none" w="med" len="med"/>
-                    </a:lnT>
-                    <a:lnB w="12700" cap="flat" cmpd="sng" algn="ctr">
-                      <a:solidFill>
-                        <a:schemeClr val="tx1"/>
-                      </a:solidFill>
-                      <a:prstDash val="solid"/>
-                      <a:round/>
-                      <a:headEnd type="none" w="med" len="med"/>
-                      <a:tailEnd type="none" w="med" len="med"/>
-                    </a:lnB>
-                  </a:tcPr>
-                </a:tc>
-                <a:tc>
-                  <a:txBody>
-                    <a:bodyPr/>
-                    <a:lstStyle/>
-                    <a:p>
-                      <a:pPr algn="ctr" latinLnBrk="1"/>
+                        <a:t>초간 이동속도 </a:t>
+                      </a:r>
+                      <a:r>
+                        <a:rPr lang="en-US" altLang="ko-KR" sz="1200" dirty="0"/>
+                        <a:t>0.3 </a:t>
+                      </a:r>
                       <a:r>
                         <a:rPr lang="ko-KR" altLang="en-US" sz="1200" dirty="0"/>
-                        <a:t>얼음으로 된 탄환을 전방으로 발사</a:t>
-                      </a:r>
-                      <a:endParaRPr lang="en-US" altLang="ko-KR" sz="1200" dirty="0"/>
-                    </a:p>
-                    <a:p>
-                      <a:pPr algn="ctr" latinLnBrk="1"/>
-                      <a:r>
-                        <a:rPr lang="ko-KR" altLang="en-US" sz="1200" dirty="0"/>
-                        <a:t>탄환의 수치는 기본 탄과 동일하지만 피격 시 </a:t>
-                      </a:r>
-                      <a:r>
-                        <a:rPr lang="en-US" altLang="ko-KR" sz="1200" dirty="0"/>
-                        <a:t>5</a:t>
-                      </a:r>
-                      <a:r>
-                        <a:rPr lang="ko-KR" altLang="en-US" sz="1200" dirty="0"/>
-                        <a:t>초간 이동속도를 </a:t>
-                      </a:r>
-                      <a:endParaRPr lang="en-US" altLang="ko-KR" sz="1200" dirty="0"/>
-                    </a:p>
-                    <a:p>
-                      <a:pPr algn="ctr" latinLnBrk="1"/>
-                      <a:r>
-                        <a:rPr lang="en-US" altLang="ko-KR" sz="1200" dirty="0"/>
-                        <a:t>0.8</a:t>
-                      </a:r>
-                      <a:r>
-                        <a:rPr lang="ko-KR" altLang="en-US" sz="1200" dirty="0"/>
-                        <a:t> 감소시킨다</a:t>
+                        <a:t>감소시킨다</a:t>
                       </a:r>
                       <a:r>
                         <a:rPr lang="en-US" altLang="ko-KR" sz="1200" dirty="0"/>
                         <a:t>.</a:t>
                       </a:r>
-                      <a:endParaRPr lang="ko-KR" altLang="en-US" sz="1200" dirty="0"/>
                     </a:p>
                   </a:txBody>
                   <a:tcPr anchor="ctr">
@@ -20783,9 +18387,49 @@
           <a:p>
             <a:r>
               <a:rPr lang="ko-KR" altLang="en-US" sz="1400" dirty="0"/>
-              <a:t>은신 플레이 컨셉의 투명화 스킬을  사용하는 직업</a:t>
+              <a:t>액티브 스킬의 </a:t>
             </a:r>
-            <a:endParaRPr lang="en-US" altLang="ko-KR" sz="1400" dirty="0"/>
+            <a:r>
+              <a:rPr lang="ko-KR" altLang="en-US" sz="1400" dirty="0" err="1"/>
+              <a:t>쿨타임이</a:t>
+            </a:r>
+            <a:r>
+              <a:rPr lang="ko-KR" altLang="en-US" sz="1400" dirty="0"/>
+              <a:t> 게임시작부터 생긴다 </a:t>
+            </a:r>
+            <a:br>
+              <a:rPr lang="en-US" altLang="ko-KR" sz="1400" dirty="0"/>
+            </a:br>
+            <a:r>
+              <a:rPr lang="en-US" altLang="ko-KR" sz="1400" dirty="0"/>
+              <a:t>(</a:t>
+            </a:r>
+            <a:r>
+              <a:rPr lang="ko-KR" altLang="en-US" sz="1400" dirty="0"/>
+              <a:t>밤에 스킬을 사용하도록</a:t>
+            </a:r>
+            <a:r>
+              <a:rPr lang="en-US" altLang="ko-KR" sz="1400" dirty="0"/>
+              <a:t>)</a:t>
+            </a:r>
+          </a:p>
+          <a:p>
+            <a:r>
+              <a:rPr lang="ko-KR" altLang="en-US" sz="1400" dirty="0"/>
+              <a:t>밤에 시야 </a:t>
+            </a:r>
+            <a:r>
+              <a:rPr lang="ko-KR" altLang="en-US" sz="1400" dirty="0" err="1"/>
+              <a:t>패널티를</a:t>
+            </a:r>
+            <a:r>
+              <a:rPr lang="ko-KR" altLang="en-US" sz="1400" dirty="0"/>
+              <a:t> 받지 않는다</a:t>
+            </a:r>
+            <a:r>
+              <a:rPr lang="en-US" altLang="ko-KR" sz="1400" dirty="0"/>
+              <a:t>.</a:t>
+            </a:r>
           </a:p>
         </p:txBody>
       </p:sp>
@@ -20804,14 +18448,14 @@
           <p:nvPr>
             <p:extLst>
               <p:ext uri="{D42A27DB-BD31-4B8C-83A1-F6EECF244321}">
-                <p14:modId xmlns:p14="http://schemas.microsoft.com/office/powerpoint/2010/main" val="1488841171"/>
+                <p14:modId xmlns:p14="http://schemas.microsoft.com/office/powerpoint/2010/main" val="3098915309"/>
               </p:ext>
             </p:extLst>
           </p:nvPr>
         </p:nvGraphicFramePr>
         <p:xfrm>
-          <a:off x="838200" y="5400829"/>
-          <a:ext cx="5373030" cy="1266213"/>
+          <a:off x="6330499" y="4209160"/>
+          <a:ext cx="5373030" cy="1723413"/>
         </p:xfrm>
         <a:graphic>
           <a:graphicData uri="http://schemas.openxmlformats.org/drawingml/2006/table">
@@ -21192,6 +18836,10 @@
                     <a:lstStyle/>
                     <a:p>
                       <a:pPr algn="ctr" latinLnBrk="1"/>
+                      <a:r>
+                        <a:rPr lang="ko-KR" altLang="en-US" sz="1200" dirty="0" err="1"/>
+                        <a:t>야간전</a:t>
+                      </a:r>
                       <a:endParaRPr lang="ko-KR" altLang="en-US" sz="1200" dirty="0"/>
                     </a:p>
                   </a:txBody>
@@ -21240,6 +18888,257 @@
                     <a:lstStyle/>
                     <a:p>
                       <a:pPr algn="ctr" latinLnBrk="1"/>
+                      <a:r>
+                        <a:rPr lang="en-US" altLang="ko-KR" sz="1200" dirty="0"/>
+                        <a:t>75</a:t>
+                      </a:r>
+                      <a:r>
+                        <a:rPr lang="ko-KR" altLang="en-US" sz="1200" dirty="0"/>
+                        <a:t>초</a:t>
+                      </a:r>
+                    </a:p>
+                  </a:txBody>
+                  <a:tcPr anchor="ctr">
+                    <a:lnL w="12700" cap="flat" cmpd="sng" algn="ctr">
+                      <a:solidFill>
+                        <a:schemeClr val="tx1"/>
+                      </a:solidFill>
+                      <a:prstDash val="solid"/>
+                      <a:round/>
+                      <a:headEnd type="none" w="med" len="med"/>
+                      <a:tailEnd type="none" w="med" len="med"/>
+                    </a:lnL>
+                    <a:lnR w="12700" cap="flat" cmpd="sng" algn="ctr">
+                      <a:solidFill>
+                        <a:schemeClr val="tx1"/>
+                      </a:solidFill>
+                      <a:prstDash val="solid"/>
+                      <a:round/>
+                      <a:headEnd type="none" w="med" len="med"/>
+                      <a:tailEnd type="none" w="med" len="med"/>
+                    </a:lnR>
+                    <a:lnT w="12700" cap="flat" cmpd="sng" algn="ctr">
+                      <a:solidFill>
+                        <a:schemeClr val="tx1"/>
+                      </a:solidFill>
+                      <a:prstDash val="solid"/>
+                      <a:round/>
+                      <a:headEnd type="none" w="med" len="med"/>
+                      <a:tailEnd type="none" w="med" len="med"/>
+                    </a:lnT>
+                    <a:lnB w="12700" cap="flat" cmpd="sng" algn="ctr">
+                      <a:solidFill>
+                        <a:schemeClr val="tx1"/>
+                      </a:solidFill>
+                      <a:prstDash val="solid"/>
+                      <a:round/>
+                      <a:headEnd type="none" w="med" len="med"/>
+                      <a:tailEnd type="none" w="med" len="med"/>
+                    </a:lnB>
+                  </a:tcPr>
+                </a:tc>
+                <a:tc>
+                  <a:txBody>
+                    <a:bodyPr/>
+                    <a:lstStyle/>
+                    <a:p>
+                      <a:pPr algn="ctr" latinLnBrk="1"/>
+                      <a:r>
+                        <a:rPr lang="en-US" altLang="ko-KR" sz="1200" dirty="0"/>
+                        <a:t>10</a:t>
+                      </a:r>
+                      <a:r>
+                        <a:rPr lang="ko-KR" altLang="en-US" sz="1200" dirty="0"/>
+                        <a:t>초간 이동속도 </a:t>
+                      </a:r>
+                      <a:r>
+                        <a:rPr lang="en-US" altLang="ko-KR" sz="1200" dirty="0"/>
+                        <a:t>0.3 </a:t>
+                      </a:r>
+                      <a:r>
+                        <a:rPr lang="ko-KR" altLang="en-US" sz="1200" dirty="0"/>
+                        <a:t>증가한다</a:t>
+                      </a:r>
+                      <a:r>
+                        <a:rPr lang="en-US" altLang="ko-KR" sz="1200" dirty="0"/>
+                        <a:t>.</a:t>
+                      </a:r>
+                    </a:p>
+                  </a:txBody>
+                  <a:tcPr anchor="ctr">
+                    <a:lnL w="12700" cap="flat" cmpd="sng" algn="ctr">
+                      <a:solidFill>
+                        <a:schemeClr val="tx1"/>
+                      </a:solidFill>
+                      <a:prstDash val="solid"/>
+                      <a:round/>
+                      <a:headEnd type="none" w="med" len="med"/>
+                      <a:tailEnd type="none" w="med" len="med"/>
+                    </a:lnL>
+                    <a:lnR w="12700" cap="flat" cmpd="sng" algn="ctr">
+                      <a:solidFill>
+                        <a:schemeClr val="tx1"/>
+                      </a:solidFill>
+                      <a:prstDash val="solid"/>
+                      <a:round/>
+                      <a:headEnd type="none" w="med" len="med"/>
+                      <a:tailEnd type="none" w="med" len="med"/>
+                    </a:lnR>
+                    <a:lnT w="12700" cap="flat" cmpd="sng" algn="ctr">
+                      <a:solidFill>
+                        <a:schemeClr val="tx1"/>
+                      </a:solidFill>
+                      <a:prstDash val="solid"/>
+                      <a:round/>
+                      <a:headEnd type="none" w="med" len="med"/>
+                      <a:tailEnd type="none" w="med" len="med"/>
+                    </a:lnT>
+                    <a:lnB w="12700" cap="flat" cmpd="sng" algn="ctr">
+                      <a:solidFill>
+                        <a:schemeClr val="tx1"/>
+                      </a:solidFill>
+                      <a:prstDash val="solid"/>
+                      <a:round/>
+                      <a:headEnd type="none" w="med" len="med"/>
+                      <a:tailEnd type="none" w="med" len="med"/>
+                    </a:lnB>
+                  </a:tcPr>
+                </a:tc>
+                <a:extLst>
+                  <a:ext uri="{0D108BD9-81ED-4DB2-BD59-A6C34878D82A}">
+                    <a16:rowId xmlns:a16="http://schemas.microsoft.com/office/drawing/2014/main" val="3182664690"/>
+                  </a:ext>
+                </a:extLst>
+              </a:tr>
+              <a:tr h="422071">
+                <a:tc>
+                  <a:txBody>
+                    <a:bodyPr/>
+                    <a:lstStyle/>
+                    <a:p>
+                      <a:pPr algn="ctr" latinLnBrk="1"/>
+                      <a:r>
+                        <a:rPr lang="ko-KR" altLang="en-US" sz="1200" dirty="0"/>
+                        <a:t>야간투시경</a:t>
+                      </a:r>
+                    </a:p>
+                  </a:txBody>
+                  <a:tcPr anchor="ctr">
+                    <a:lnL w="12700" cap="flat" cmpd="sng" algn="ctr">
+                      <a:solidFill>
+                        <a:schemeClr val="tx1"/>
+                      </a:solidFill>
+                      <a:prstDash val="solid"/>
+                      <a:round/>
+                      <a:headEnd type="none" w="med" len="med"/>
+                      <a:tailEnd type="none" w="med" len="med"/>
+                    </a:lnL>
+                    <a:lnR w="12700" cap="flat" cmpd="sng" algn="ctr">
+                      <a:solidFill>
+                        <a:schemeClr val="tx1"/>
+                      </a:solidFill>
+                      <a:prstDash val="solid"/>
+                      <a:round/>
+                      <a:headEnd type="none" w="med" len="med"/>
+                      <a:tailEnd type="none" w="med" len="med"/>
+                    </a:lnR>
+                    <a:lnT w="12700" cap="flat" cmpd="sng" algn="ctr">
+                      <a:solidFill>
+                        <a:schemeClr val="tx1"/>
+                      </a:solidFill>
+                      <a:prstDash val="solid"/>
+                      <a:round/>
+                      <a:headEnd type="none" w="med" len="med"/>
+                      <a:tailEnd type="none" w="med" len="med"/>
+                    </a:lnT>
+                    <a:lnB w="12700" cap="flat" cmpd="sng" algn="ctr">
+                      <a:solidFill>
+                        <a:schemeClr val="tx1"/>
+                      </a:solidFill>
+                      <a:prstDash val="solid"/>
+                      <a:round/>
+                      <a:headEnd type="none" w="med" len="med"/>
+                      <a:tailEnd type="none" w="med" len="med"/>
+                    </a:lnB>
+                  </a:tcPr>
+                </a:tc>
+                <a:tc>
+                  <a:txBody>
+                    <a:bodyPr/>
+                    <a:lstStyle/>
+                    <a:p>
+                      <a:pPr algn="ctr" latinLnBrk="1"/>
+                      <a:r>
+                        <a:rPr lang="ko-KR" altLang="en-US" sz="1200" dirty="0"/>
+                        <a:t>패시브</a:t>
+                      </a:r>
+                    </a:p>
+                  </a:txBody>
+                  <a:tcPr anchor="ctr">
+                    <a:lnL w="12700" cap="flat" cmpd="sng" algn="ctr">
+                      <a:solidFill>
+                        <a:schemeClr val="tx1"/>
+                      </a:solidFill>
+                      <a:prstDash val="solid"/>
+                      <a:round/>
+                      <a:headEnd type="none" w="med" len="med"/>
+                      <a:tailEnd type="none" w="med" len="med"/>
+                    </a:lnL>
+                    <a:lnR w="12700" cap="flat" cmpd="sng" algn="ctr">
+                      <a:solidFill>
+                        <a:schemeClr val="tx1"/>
+                      </a:solidFill>
+                      <a:prstDash val="solid"/>
+                      <a:round/>
+                      <a:headEnd type="none" w="med" len="med"/>
+                      <a:tailEnd type="none" w="med" len="med"/>
+                    </a:lnR>
+                    <a:lnT w="12700" cap="flat" cmpd="sng" algn="ctr">
+                      <a:solidFill>
+                        <a:schemeClr val="tx1"/>
+                      </a:solidFill>
+                      <a:prstDash val="solid"/>
+                      <a:round/>
+                      <a:headEnd type="none" w="med" len="med"/>
+                      <a:tailEnd type="none" w="med" len="med"/>
+                    </a:lnT>
+                    <a:lnB w="12700" cap="flat" cmpd="sng" algn="ctr">
+                      <a:solidFill>
+                        <a:schemeClr val="tx1"/>
+                      </a:solidFill>
+                      <a:prstDash val="solid"/>
+                      <a:round/>
+                      <a:headEnd type="none" w="med" len="med"/>
+                      <a:tailEnd type="none" w="med" len="med"/>
+                    </a:lnB>
+                  </a:tcPr>
+                </a:tc>
+                <a:tc>
+                  <a:txBody>
+                    <a:bodyPr/>
+                    <a:lstStyle/>
+                    <a:p>
+                      <a:pPr algn="ctr" latinLnBrk="1"/>
+                      <a:r>
+                        <a:rPr lang="ko-KR" altLang="en-US" sz="1200" dirty="0"/>
+                        <a:t>밤에 시야가 어두워지는 </a:t>
+                      </a:r>
+                      <a:endParaRPr lang="en-US" altLang="ko-KR" sz="1200" dirty="0"/>
+                    </a:p>
+                    <a:p>
+                      <a:pPr algn="ctr" latinLnBrk="1"/>
+                      <a:r>
+                        <a:rPr lang="ko-KR" altLang="en-US" sz="1200" dirty="0" err="1"/>
+                        <a:t>패널티를</a:t>
+                      </a:r>
+                      <a:r>
+                        <a:rPr lang="ko-KR" altLang="en-US" sz="1200" dirty="0"/>
+                        <a:t> 받지 않는다</a:t>
+                      </a:r>
+                      <a:r>
+                        <a:rPr lang="en-US" altLang="ko-KR" sz="1200" dirty="0"/>
+                        <a:t>.</a:t>
+                      </a:r>
                       <a:endParaRPr lang="ko-KR" altLang="en-US" sz="1200" dirty="0"/>
                     </a:p>
                   </a:txBody>
@@ -21282,12 +19181,2408 @@
                     </a:lnB>
                   </a:tcPr>
                 </a:tc>
+                <a:extLst>
+                  <a:ext uri="{0D108BD9-81ED-4DB2-BD59-A6C34878D82A}">
+                    <a16:rowId xmlns:a16="http://schemas.microsoft.com/office/drawing/2014/main" val="377653799"/>
+                  </a:ext>
+                </a:extLst>
+              </a:tr>
+            </a:tbl>
+          </a:graphicData>
+        </a:graphic>
+      </p:graphicFrame>
+      <p:sp>
+        <p:nvSpPr>
+          <p:cNvPr id="11" name="내용 개체 틀 2">
+            <a:extLst>
+              <a:ext uri="{FF2B5EF4-FFF2-40B4-BE49-F238E27FC236}">
+                <a16:creationId xmlns:a16="http://schemas.microsoft.com/office/drawing/2014/main" id="{8F71B3B7-083C-1D06-E635-FFF32162D3A7}"/>
+              </a:ext>
+            </a:extLst>
+          </p:cNvPr>
+          <p:cNvSpPr txBox="1">
+            <a:spLocks/>
+          </p:cNvSpPr>
+          <p:nvPr/>
+        </p:nvSpPr>
+        <p:spPr>
+          <a:xfrm>
+            <a:off x="181267" y="6074155"/>
+            <a:ext cx="5257800" cy="563203"/>
+          </a:xfrm>
+          <a:prstGeom prst="rect">
+            <a:avLst/>
+          </a:prstGeom>
+        </p:spPr>
+        <p:txBody>
+          <a:bodyPr vert="horz" lIns="91440" tIns="45720" rIns="91440" bIns="45720" rtlCol="0">
+            <a:normAutofit/>
+          </a:bodyPr>
+          <a:lstStyle>
+            <a:lvl1pPr marL="228600" indent="-228600" algn="l" defTabSz="914400" rtl="0" eaLnBrk="1" latinLnBrk="1" hangingPunct="1">
+              <a:lnSpc>
+                <a:spcPct val="90000"/>
+              </a:lnSpc>
+              <a:spcBef>
+                <a:spcPts val="1000"/>
+              </a:spcBef>
+              <a:buFont typeface="Arial" panose="020B0604020202020204" pitchFamily="34" charset="0"/>
+              <a:buChar char="•"/>
+              <a:defRPr sz="2800" kern="1200">
+                <a:solidFill>
+                  <a:schemeClr val="tx1"/>
+                </a:solidFill>
+                <a:latin typeface="+mn-lt"/>
+                <a:ea typeface="+mn-ea"/>
+                <a:cs typeface="+mn-cs"/>
+              </a:defRPr>
+            </a:lvl1pPr>
+            <a:lvl2pPr marL="685800" indent="-228600" algn="l" defTabSz="914400" rtl="0" eaLnBrk="1" latinLnBrk="1" hangingPunct="1">
+              <a:lnSpc>
+                <a:spcPct val="90000"/>
+              </a:lnSpc>
+              <a:spcBef>
+                <a:spcPts val="500"/>
+              </a:spcBef>
+              <a:buFont typeface="Arial" panose="020B0604020202020204" pitchFamily="34" charset="0"/>
+              <a:buChar char="•"/>
+              <a:defRPr sz="2400" kern="1200">
+                <a:solidFill>
+                  <a:schemeClr val="tx1"/>
+                </a:solidFill>
+                <a:latin typeface="+mn-lt"/>
+                <a:ea typeface="+mn-ea"/>
+                <a:cs typeface="+mn-cs"/>
+              </a:defRPr>
+            </a:lvl2pPr>
+            <a:lvl3pPr marL="1143000" indent="-228600" algn="l" defTabSz="914400" rtl="0" eaLnBrk="1" latinLnBrk="1" hangingPunct="1">
+              <a:lnSpc>
+                <a:spcPct val="90000"/>
+              </a:lnSpc>
+              <a:spcBef>
+                <a:spcPts val="500"/>
+              </a:spcBef>
+              <a:buFont typeface="Arial" panose="020B0604020202020204" pitchFamily="34" charset="0"/>
+              <a:buChar char="•"/>
+              <a:defRPr sz="2000" kern="1200">
+                <a:solidFill>
+                  <a:schemeClr val="tx1"/>
+                </a:solidFill>
+                <a:latin typeface="+mn-lt"/>
+                <a:ea typeface="+mn-ea"/>
+                <a:cs typeface="+mn-cs"/>
+              </a:defRPr>
+            </a:lvl3pPr>
+            <a:lvl4pPr marL="1600200" indent="-228600" algn="l" defTabSz="914400" rtl="0" eaLnBrk="1" latinLnBrk="1" hangingPunct="1">
+              <a:lnSpc>
+                <a:spcPct val="90000"/>
+              </a:lnSpc>
+              <a:spcBef>
+                <a:spcPts val="500"/>
+              </a:spcBef>
+              <a:buFont typeface="Arial" panose="020B0604020202020204" pitchFamily="34" charset="0"/>
+              <a:buChar char="•"/>
+              <a:defRPr sz="1800" kern="1200">
+                <a:solidFill>
+                  <a:schemeClr val="tx1"/>
+                </a:solidFill>
+                <a:latin typeface="+mn-lt"/>
+                <a:ea typeface="+mn-ea"/>
+                <a:cs typeface="+mn-cs"/>
+              </a:defRPr>
+            </a:lvl4pPr>
+            <a:lvl5pPr marL="2057400" indent="-228600" algn="l" defTabSz="914400" rtl="0" eaLnBrk="1" latinLnBrk="1" hangingPunct="1">
+              <a:lnSpc>
+                <a:spcPct val="90000"/>
+              </a:lnSpc>
+              <a:spcBef>
+                <a:spcPts val="500"/>
+              </a:spcBef>
+              <a:buFont typeface="Arial" panose="020B0604020202020204" pitchFamily="34" charset="0"/>
+              <a:buChar char="•"/>
+              <a:defRPr sz="1800" kern="1200">
+                <a:solidFill>
+                  <a:schemeClr val="tx1"/>
+                </a:solidFill>
+                <a:latin typeface="+mn-lt"/>
+                <a:ea typeface="+mn-ea"/>
+                <a:cs typeface="+mn-cs"/>
+              </a:defRPr>
+            </a:lvl5pPr>
+            <a:lvl6pPr marL="2514600" indent="-228600" algn="l" defTabSz="914400" rtl="0" eaLnBrk="1" latinLnBrk="1" hangingPunct="1">
+              <a:lnSpc>
+                <a:spcPct val="90000"/>
+              </a:lnSpc>
+              <a:spcBef>
+                <a:spcPts val="500"/>
+              </a:spcBef>
+              <a:buFont typeface="Arial" panose="020B0604020202020204" pitchFamily="34" charset="0"/>
+              <a:buChar char="•"/>
+              <a:defRPr sz="1800" kern="1200">
+                <a:solidFill>
+                  <a:schemeClr val="tx1"/>
+                </a:solidFill>
+                <a:latin typeface="+mn-lt"/>
+                <a:ea typeface="+mn-ea"/>
+                <a:cs typeface="+mn-cs"/>
+              </a:defRPr>
+            </a:lvl6pPr>
+            <a:lvl7pPr marL="2971800" indent="-228600" algn="l" defTabSz="914400" rtl="0" eaLnBrk="1" latinLnBrk="1" hangingPunct="1">
+              <a:lnSpc>
+                <a:spcPct val="90000"/>
+              </a:lnSpc>
+              <a:spcBef>
+                <a:spcPts val="500"/>
+              </a:spcBef>
+              <a:buFont typeface="Arial" panose="020B0604020202020204" pitchFamily="34" charset="0"/>
+              <a:buChar char="•"/>
+              <a:defRPr sz="1800" kern="1200">
+                <a:solidFill>
+                  <a:schemeClr val="tx1"/>
+                </a:solidFill>
+                <a:latin typeface="+mn-lt"/>
+                <a:ea typeface="+mn-ea"/>
+                <a:cs typeface="+mn-cs"/>
+              </a:defRPr>
+            </a:lvl7pPr>
+            <a:lvl8pPr marL="3429000" indent="-228600" algn="l" defTabSz="914400" rtl="0" eaLnBrk="1" latinLnBrk="1" hangingPunct="1">
+              <a:lnSpc>
+                <a:spcPct val="90000"/>
+              </a:lnSpc>
+              <a:spcBef>
+                <a:spcPts val="500"/>
+              </a:spcBef>
+              <a:buFont typeface="Arial" panose="020B0604020202020204" pitchFamily="34" charset="0"/>
+              <a:buChar char="•"/>
+              <a:defRPr sz="1800" kern="1200">
+                <a:solidFill>
+                  <a:schemeClr val="tx1"/>
+                </a:solidFill>
+                <a:latin typeface="+mn-lt"/>
+                <a:ea typeface="+mn-ea"/>
+                <a:cs typeface="+mn-cs"/>
+              </a:defRPr>
+            </a:lvl8pPr>
+            <a:lvl9pPr marL="3886200" indent="-228600" algn="l" defTabSz="914400" rtl="0" eaLnBrk="1" latinLnBrk="1" hangingPunct="1">
+              <a:lnSpc>
+                <a:spcPct val="90000"/>
+              </a:lnSpc>
+              <a:spcBef>
+                <a:spcPts val="500"/>
+              </a:spcBef>
+              <a:buFont typeface="Arial" panose="020B0604020202020204" pitchFamily="34" charset="0"/>
+              <a:buChar char="•"/>
+              <a:defRPr sz="1800" kern="1200">
+                <a:solidFill>
+                  <a:schemeClr val="tx1"/>
+                </a:solidFill>
+                <a:latin typeface="+mn-lt"/>
+                <a:ea typeface="+mn-ea"/>
+                <a:cs typeface="+mn-cs"/>
+              </a:defRPr>
+            </a:lvl9pPr>
+          </a:lstStyle>
+          <a:p>
+            <a:pPr marL="0" indent="0" algn="ctr">
+              <a:buNone/>
+            </a:pPr>
+            <a:r>
+              <a:rPr lang="ko-KR" altLang="en-US" dirty="0"/>
+              <a:t>예시 캐릭터 사진</a:t>
+            </a:r>
+            <a:endParaRPr lang="en-US" altLang="ko-KR" sz="1400" dirty="0"/>
+          </a:p>
+        </p:txBody>
+      </p:sp>
+      <p:graphicFrame>
+        <p:nvGraphicFramePr>
+          <p:cNvPr id="7" name="표 6">
+            <a:extLst>
+              <a:ext uri="{FF2B5EF4-FFF2-40B4-BE49-F238E27FC236}">
+                <a16:creationId xmlns:a16="http://schemas.microsoft.com/office/drawing/2014/main" id="{191A037D-BD59-A58F-18D8-CEE9ADE721BF}"/>
+              </a:ext>
+            </a:extLst>
+          </p:cNvPr>
+          <p:cNvGraphicFramePr>
+            <a:graphicFrameLocks noGrp="1"/>
+          </p:cNvGraphicFramePr>
+          <p:nvPr>
+            <p:extLst>
+              <p:ext uri="{D42A27DB-BD31-4B8C-83A1-F6EECF244321}">
+                <p14:modId xmlns:p14="http://schemas.microsoft.com/office/powerpoint/2010/main" val="104438063"/>
+              </p:ext>
+            </p:extLst>
+          </p:nvPr>
+        </p:nvGraphicFramePr>
+        <p:xfrm>
+          <a:off x="6330499" y="1230994"/>
+          <a:ext cx="5373031" cy="2779588"/>
+        </p:xfrm>
+        <a:graphic>
+          <a:graphicData uri="http://schemas.openxmlformats.org/drawingml/2006/table">
+            <a:tbl>
+              <a:tblPr firstRow="1" bandRow="1">
+                <a:tableStyleId>{21E4AEA4-8DFA-4A89-87EB-49C32662AFE0}</a:tableStyleId>
+              </a:tblPr>
+              <a:tblGrid>
+                <a:gridCol w="1429282">
+                  <a:extLst>
+                    <a:ext uri="{9D8B030D-6E8A-4147-A177-3AD203B41FA5}">
+                      <a16:colId xmlns:a16="http://schemas.microsoft.com/office/drawing/2014/main" val="649444370"/>
+                    </a:ext>
+                  </a:extLst>
+                </a:gridCol>
+                <a:gridCol w="1167767">
+                  <a:extLst>
+                    <a:ext uri="{9D8B030D-6E8A-4147-A177-3AD203B41FA5}">
+                      <a16:colId xmlns:a16="http://schemas.microsoft.com/office/drawing/2014/main" val="894170241"/>
+                    </a:ext>
+                  </a:extLst>
+                </a:gridCol>
+                <a:gridCol w="2775982">
+                  <a:extLst>
+                    <a:ext uri="{9D8B030D-6E8A-4147-A177-3AD203B41FA5}">
+                      <a16:colId xmlns:a16="http://schemas.microsoft.com/office/drawing/2014/main" val="788308112"/>
+                    </a:ext>
+                  </a:extLst>
+                </a:gridCol>
+              </a:tblGrid>
+              <a:tr h="397084">
                 <a:tc>
                   <a:txBody>
                     <a:bodyPr/>
                     <a:lstStyle/>
                     <a:p>
                       <a:pPr algn="ctr" latinLnBrk="1"/>
+                      <a:r>
+                        <a:rPr lang="ko-KR" altLang="en-US" sz="1800" dirty="0" err="1"/>
+                        <a:t>스텟</a:t>
+                      </a:r>
+                      <a:endParaRPr lang="ko-KR" altLang="en-US" sz="1800" dirty="0"/>
+                    </a:p>
+                  </a:txBody>
+                  <a:tcPr anchor="ctr">
+                    <a:lnL w="12700" cap="flat" cmpd="sng" algn="ctr">
+                      <a:solidFill>
+                        <a:schemeClr val="tx1"/>
+                      </a:solidFill>
+                      <a:prstDash val="solid"/>
+                      <a:round/>
+                      <a:headEnd type="none" w="med" len="med"/>
+                      <a:tailEnd type="none" w="med" len="med"/>
+                    </a:lnL>
+                    <a:lnR w="12700" cap="flat" cmpd="sng" algn="ctr">
+                      <a:solidFill>
+                        <a:schemeClr val="tx1"/>
+                      </a:solidFill>
+                      <a:prstDash val="solid"/>
+                      <a:round/>
+                      <a:headEnd type="none" w="med" len="med"/>
+                      <a:tailEnd type="none" w="med" len="med"/>
+                    </a:lnR>
+                    <a:lnT w="12700" cap="flat" cmpd="sng" algn="ctr">
+                      <a:solidFill>
+                        <a:schemeClr val="tx1"/>
+                      </a:solidFill>
+                      <a:prstDash val="solid"/>
+                      <a:round/>
+                      <a:headEnd type="none" w="med" len="med"/>
+                      <a:tailEnd type="none" w="med" len="med"/>
+                    </a:lnT>
+                    <a:lnB w="12700" cap="flat" cmpd="sng" algn="ctr">
+                      <a:solidFill>
+                        <a:schemeClr val="tx1"/>
+                      </a:solidFill>
+                      <a:prstDash val="solid"/>
+                      <a:round/>
+                      <a:headEnd type="none" w="med" len="med"/>
+                      <a:tailEnd type="none" w="med" len="med"/>
+                    </a:lnB>
+                    <a:lnTlToBr w="12700" cmpd="sng">
+                      <a:noFill/>
+                      <a:prstDash val="solid"/>
+                    </a:lnTlToBr>
+                    <a:lnBlToTr w="12700" cmpd="sng">
+                      <a:noFill/>
+                      <a:prstDash val="solid"/>
+                    </a:lnBlToTr>
+                  </a:tcPr>
+                </a:tc>
+                <a:tc>
+                  <a:txBody>
+                    <a:bodyPr/>
+                    <a:lstStyle/>
+                    <a:p>
+                      <a:pPr algn="ctr" latinLnBrk="1"/>
+                      <a:r>
+                        <a:rPr lang="ko-KR" altLang="en-US" sz="1800" dirty="0"/>
+                        <a:t>수치</a:t>
+                      </a:r>
+                    </a:p>
+                  </a:txBody>
+                  <a:tcPr anchor="ctr">
+                    <a:lnL w="12700" cap="flat" cmpd="sng" algn="ctr">
+                      <a:solidFill>
+                        <a:schemeClr val="tx1"/>
+                      </a:solidFill>
+                      <a:prstDash val="solid"/>
+                      <a:round/>
+                      <a:headEnd type="none" w="med" len="med"/>
+                      <a:tailEnd type="none" w="med" len="med"/>
+                    </a:lnL>
+                    <a:lnR w="12700" cap="flat" cmpd="sng" algn="ctr">
+                      <a:solidFill>
+                        <a:schemeClr val="tx1"/>
+                      </a:solidFill>
+                      <a:prstDash val="solid"/>
+                      <a:round/>
+                      <a:headEnd type="none" w="med" len="med"/>
+                      <a:tailEnd type="none" w="med" len="med"/>
+                    </a:lnR>
+                    <a:lnT w="12700" cap="flat" cmpd="sng" algn="ctr">
+                      <a:solidFill>
+                        <a:schemeClr val="tx1"/>
+                      </a:solidFill>
+                      <a:prstDash val="solid"/>
+                      <a:round/>
+                      <a:headEnd type="none" w="med" len="med"/>
+                      <a:tailEnd type="none" w="med" len="med"/>
+                    </a:lnT>
+                    <a:lnB w="12700" cap="flat" cmpd="sng" algn="ctr">
+                      <a:solidFill>
+                        <a:schemeClr val="tx1"/>
+                      </a:solidFill>
+                      <a:prstDash val="solid"/>
+                      <a:round/>
+                      <a:headEnd type="none" w="med" len="med"/>
+                      <a:tailEnd type="none" w="med" len="med"/>
+                    </a:lnB>
+                    <a:lnTlToBr w="12700" cmpd="sng">
+                      <a:noFill/>
+                      <a:prstDash val="solid"/>
+                    </a:lnTlToBr>
+                    <a:lnBlToTr w="12700" cmpd="sng">
+                      <a:noFill/>
+                      <a:prstDash val="solid"/>
+                    </a:lnBlToTr>
+                  </a:tcPr>
+                </a:tc>
+                <a:tc>
+                  <a:txBody>
+                    <a:bodyPr/>
+                    <a:lstStyle/>
+                    <a:p>
+                      <a:pPr algn="ctr" latinLnBrk="1"/>
+                      <a:r>
+                        <a:rPr lang="ko-KR" altLang="en-US" sz="1800" dirty="0"/>
+                        <a:t>주석</a:t>
+                      </a:r>
+                    </a:p>
+                  </a:txBody>
+                  <a:tcPr anchor="ctr">
+                    <a:lnL w="12700" cap="flat" cmpd="sng" algn="ctr">
+                      <a:solidFill>
+                        <a:schemeClr val="tx1"/>
+                      </a:solidFill>
+                      <a:prstDash val="solid"/>
+                      <a:round/>
+                      <a:headEnd type="none" w="med" len="med"/>
+                      <a:tailEnd type="none" w="med" len="med"/>
+                    </a:lnL>
+                    <a:lnR w="12700" cap="flat" cmpd="sng" algn="ctr">
+                      <a:solidFill>
+                        <a:schemeClr val="tx1"/>
+                      </a:solidFill>
+                      <a:prstDash val="solid"/>
+                      <a:round/>
+                      <a:headEnd type="none" w="med" len="med"/>
+                      <a:tailEnd type="none" w="med" len="med"/>
+                    </a:lnR>
+                    <a:lnT w="12700" cap="flat" cmpd="sng" algn="ctr">
+                      <a:solidFill>
+                        <a:schemeClr val="tx1"/>
+                      </a:solidFill>
+                      <a:prstDash val="solid"/>
+                      <a:round/>
+                      <a:headEnd type="none" w="med" len="med"/>
+                      <a:tailEnd type="none" w="med" len="med"/>
+                    </a:lnT>
+                    <a:lnB w="12700" cap="flat" cmpd="sng" algn="ctr">
+                      <a:solidFill>
+                        <a:schemeClr val="tx1"/>
+                      </a:solidFill>
+                      <a:prstDash val="solid"/>
+                      <a:round/>
+                      <a:headEnd type="none" w="med" len="med"/>
+                      <a:tailEnd type="none" w="med" len="med"/>
+                    </a:lnB>
+                    <a:lnTlToBr w="12700" cmpd="sng">
+                      <a:noFill/>
+                      <a:prstDash val="solid"/>
+                    </a:lnTlToBr>
+                    <a:lnBlToTr w="12700" cmpd="sng">
+                      <a:noFill/>
+                      <a:prstDash val="solid"/>
+                    </a:lnBlToTr>
+                  </a:tcPr>
+                </a:tc>
+                <a:extLst>
+                  <a:ext uri="{0D108BD9-81ED-4DB2-BD59-A6C34878D82A}">
+                    <a16:rowId xmlns:a16="http://schemas.microsoft.com/office/drawing/2014/main" val="3952501529"/>
+                  </a:ext>
+                </a:extLst>
+              </a:tr>
+              <a:tr h="397084">
+                <a:tc>
+                  <a:txBody>
+                    <a:bodyPr/>
+                    <a:lstStyle/>
+                    <a:p>
+                      <a:pPr marL="0" indent="0" algn="ctr" latinLnBrk="1">
+                        <a:buFont typeface="+mj-lt"/>
+                        <a:buNone/>
+                      </a:pPr>
+                      <a:r>
+                        <a:rPr lang="en-US" altLang="ko-KR" sz="1200" dirty="0"/>
+                        <a:t>HP</a:t>
+                      </a:r>
+                      <a:endParaRPr lang="ko-KR" altLang="en-US" sz="1200" dirty="0"/>
+                    </a:p>
+                  </a:txBody>
+                  <a:tcPr anchor="ctr">
+                    <a:lnL w="12700" cap="flat" cmpd="sng" algn="ctr">
+                      <a:solidFill>
+                        <a:schemeClr val="tx1"/>
+                      </a:solidFill>
+                      <a:prstDash val="solid"/>
+                      <a:round/>
+                      <a:headEnd type="none" w="med" len="med"/>
+                      <a:tailEnd type="none" w="med" len="med"/>
+                    </a:lnL>
+                    <a:lnR w="12700" cap="flat" cmpd="sng" algn="ctr">
+                      <a:solidFill>
+                        <a:schemeClr val="tx1"/>
+                      </a:solidFill>
+                      <a:prstDash val="solid"/>
+                      <a:round/>
+                      <a:headEnd type="none" w="med" len="med"/>
+                      <a:tailEnd type="none" w="med" len="med"/>
+                    </a:lnR>
+                    <a:lnT w="12700" cap="flat" cmpd="sng" algn="ctr">
+                      <a:solidFill>
+                        <a:schemeClr val="tx1"/>
+                      </a:solidFill>
+                      <a:prstDash val="solid"/>
+                      <a:round/>
+                      <a:headEnd type="none" w="med" len="med"/>
+                      <a:tailEnd type="none" w="med" len="med"/>
+                    </a:lnT>
+                    <a:lnB w="12700" cap="flat" cmpd="sng" algn="ctr">
+                      <a:solidFill>
+                        <a:schemeClr val="tx1"/>
+                      </a:solidFill>
+                      <a:prstDash val="solid"/>
+                      <a:round/>
+                      <a:headEnd type="none" w="med" len="med"/>
+                      <a:tailEnd type="none" w="med" len="med"/>
+                    </a:lnB>
+                    <a:lnTlToBr w="12700" cmpd="sng">
+                      <a:noFill/>
+                      <a:prstDash val="solid"/>
+                    </a:lnTlToBr>
+                    <a:lnBlToTr w="12700" cmpd="sng">
+                      <a:noFill/>
+                      <a:prstDash val="solid"/>
+                    </a:lnBlToTr>
+                  </a:tcPr>
+                </a:tc>
+                <a:tc>
+                  <a:txBody>
+                    <a:bodyPr/>
+                    <a:lstStyle/>
+                    <a:p>
+                      <a:pPr marL="0" indent="0" algn="ctr" latinLnBrk="1">
+                        <a:buFont typeface="+mj-lt"/>
+                        <a:buNone/>
+                      </a:pPr>
+                      <a:r>
+                        <a:rPr lang="en-US" altLang="ko-KR" sz="1200" dirty="0"/>
+                        <a:t>3</a:t>
+                      </a:r>
+                      <a:r>
+                        <a:rPr lang="ko-KR" altLang="en-US" sz="1200" dirty="0"/>
+                        <a:t>칸</a:t>
+                      </a:r>
+                    </a:p>
+                  </a:txBody>
+                  <a:tcPr anchor="ctr">
+                    <a:lnL w="12700" cap="flat" cmpd="sng" algn="ctr">
+                      <a:solidFill>
+                        <a:schemeClr val="tx1"/>
+                      </a:solidFill>
+                      <a:prstDash val="solid"/>
+                      <a:round/>
+                      <a:headEnd type="none" w="med" len="med"/>
+                      <a:tailEnd type="none" w="med" len="med"/>
+                    </a:lnL>
+                    <a:lnR w="12700" cap="flat" cmpd="sng" algn="ctr">
+                      <a:solidFill>
+                        <a:schemeClr val="tx1"/>
+                      </a:solidFill>
+                      <a:prstDash val="solid"/>
+                      <a:round/>
+                      <a:headEnd type="none" w="med" len="med"/>
+                      <a:tailEnd type="none" w="med" len="med"/>
+                    </a:lnR>
+                    <a:lnT w="12700" cap="flat" cmpd="sng" algn="ctr">
+                      <a:solidFill>
+                        <a:schemeClr val="tx1"/>
+                      </a:solidFill>
+                      <a:prstDash val="solid"/>
+                      <a:round/>
+                      <a:headEnd type="none" w="med" len="med"/>
+                      <a:tailEnd type="none" w="med" len="med"/>
+                    </a:lnT>
+                    <a:lnB w="12700" cap="flat" cmpd="sng" algn="ctr">
+                      <a:solidFill>
+                        <a:schemeClr val="tx1"/>
+                      </a:solidFill>
+                      <a:prstDash val="solid"/>
+                      <a:round/>
+                      <a:headEnd type="none" w="med" len="med"/>
+                      <a:tailEnd type="none" w="med" len="med"/>
+                    </a:lnB>
+                    <a:lnTlToBr w="12700" cmpd="sng">
+                      <a:noFill/>
+                      <a:prstDash val="solid"/>
+                    </a:lnTlToBr>
+                    <a:lnBlToTr w="12700" cmpd="sng">
+                      <a:noFill/>
+                      <a:prstDash val="solid"/>
+                    </a:lnBlToTr>
+                  </a:tcPr>
+                </a:tc>
+                <a:tc>
+                  <a:txBody>
+                    <a:bodyPr/>
+                    <a:lstStyle/>
+                    <a:p>
+                      <a:pPr marL="0" indent="0" algn="ctr" latinLnBrk="1">
+                        <a:buFont typeface="+mj-lt"/>
+                        <a:buNone/>
+                      </a:pPr>
+                      <a:r>
+                        <a:rPr lang="ko-KR" altLang="en-US" sz="1200" dirty="0"/>
+                        <a:t>총</a:t>
+                      </a:r>
+                      <a:r>
+                        <a:rPr lang="en-US" altLang="ko-KR" sz="1200" dirty="0"/>
+                        <a:t>, </a:t>
+                      </a:r>
+                      <a:r>
+                        <a:rPr lang="ko-KR" altLang="en-US" sz="1200" dirty="0"/>
+                        <a:t>몬스터에게 피격 시 </a:t>
+                      </a:r>
+                      <a:r>
+                        <a:rPr lang="en-US" altLang="ko-KR" sz="1200" dirty="0"/>
+                        <a:t>1</a:t>
+                      </a:r>
+                      <a:r>
+                        <a:rPr lang="ko-KR" altLang="en-US" sz="1200" dirty="0" err="1"/>
+                        <a:t>칸씩</a:t>
+                      </a:r>
+                      <a:r>
+                        <a:rPr lang="ko-KR" altLang="en-US" sz="1200" dirty="0"/>
+                        <a:t> 닳음</a:t>
+                      </a:r>
+                      <a:r>
+                        <a:rPr lang="en-US" altLang="ko-KR" sz="1200" dirty="0"/>
+                        <a:t>.</a:t>
+                      </a:r>
+                      <a:endParaRPr lang="ko-KR" altLang="en-US" sz="1200" dirty="0"/>
+                    </a:p>
+                  </a:txBody>
+                  <a:tcPr anchor="ctr">
+                    <a:lnL w="12700" cap="flat" cmpd="sng" algn="ctr">
+                      <a:solidFill>
+                        <a:schemeClr val="tx1"/>
+                      </a:solidFill>
+                      <a:prstDash val="solid"/>
+                      <a:round/>
+                      <a:headEnd type="none" w="med" len="med"/>
+                      <a:tailEnd type="none" w="med" len="med"/>
+                    </a:lnL>
+                    <a:lnR w="12700" cap="flat" cmpd="sng" algn="ctr">
+                      <a:solidFill>
+                        <a:schemeClr val="tx1"/>
+                      </a:solidFill>
+                      <a:prstDash val="solid"/>
+                      <a:round/>
+                      <a:headEnd type="none" w="med" len="med"/>
+                      <a:tailEnd type="none" w="med" len="med"/>
+                    </a:lnR>
+                    <a:lnT w="12700" cap="flat" cmpd="sng" algn="ctr">
+                      <a:solidFill>
+                        <a:schemeClr val="tx1"/>
+                      </a:solidFill>
+                      <a:prstDash val="solid"/>
+                      <a:round/>
+                      <a:headEnd type="none" w="med" len="med"/>
+                      <a:tailEnd type="none" w="med" len="med"/>
+                    </a:lnT>
+                    <a:lnB w="12700" cap="flat" cmpd="sng" algn="ctr">
+                      <a:solidFill>
+                        <a:schemeClr val="tx1"/>
+                      </a:solidFill>
+                      <a:prstDash val="solid"/>
+                      <a:round/>
+                      <a:headEnd type="none" w="med" len="med"/>
+                      <a:tailEnd type="none" w="med" len="med"/>
+                    </a:lnB>
+                    <a:lnTlToBr w="12700" cmpd="sng">
+                      <a:noFill/>
+                      <a:prstDash val="solid"/>
+                    </a:lnTlToBr>
+                    <a:lnBlToTr w="12700" cmpd="sng">
+                      <a:noFill/>
+                      <a:prstDash val="solid"/>
+                    </a:lnBlToTr>
+                  </a:tcPr>
+                </a:tc>
+                <a:extLst>
+                  <a:ext uri="{0D108BD9-81ED-4DB2-BD59-A6C34878D82A}">
+                    <a16:rowId xmlns:a16="http://schemas.microsoft.com/office/drawing/2014/main" val="2347358794"/>
+                  </a:ext>
+                </a:extLst>
+              </a:tr>
+              <a:tr h="397084">
+                <a:tc>
+                  <a:txBody>
+                    <a:bodyPr/>
+                    <a:lstStyle/>
+                    <a:p>
+                      <a:pPr marL="0" indent="0" algn="ctr" latinLnBrk="1">
+                        <a:buFont typeface="+mj-lt"/>
+                        <a:buNone/>
+                      </a:pPr>
+                      <a:r>
+                        <a:rPr lang="ko-KR" altLang="en-US" sz="1200" dirty="0"/>
+                        <a:t>폭탄 목걸이</a:t>
+                      </a:r>
+                    </a:p>
+                  </a:txBody>
+                  <a:tcPr anchor="ctr">
+                    <a:lnL w="12700" cap="flat" cmpd="sng" algn="ctr">
+                      <a:solidFill>
+                        <a:schemeClr val="tx1"/>
+                      </a:solidFill>
+                      <a:prstDash val="solid"/>
+                      <a:round/>
+                      <a:headEnd type="none" w="med" len="med"/>
+                      <a:tailEnd type="none" w="med" len="med"/>
+                    </a:lnL>
+                    <a:lnR w="12700" cap="flat" cmpd="sng" algn="ctr">
+                      <a:solidFill>
+                        <a:schemeClr val="tx1"/>
+                      </a:solidFill>
+                      <a:prstDash val="solid"/>
+                      <a:round/>
+                      <a:headEnd type="none" w="med" len="med"/>
+                      <a:tailEnd type="none" w="med" len="med"/>
+                    </a:lnR>
+                    <a:lnT w="12700" cap="flat" cmpd="sng" algn="ctr">
+                      <a:solidFill>
+                        <a:schemeClr val="tx1"/>
+                      </a:solidFill>
+                      <a:prstDash val="solid"/>
+                      <a:round/>
+                      <a:headEnd type="none" w="med" len="med"/>
+                      <a:tailEnd type="none" w="med" len="med"/>
+                    </a:lnT>
+                    <a:lnB w="12700" cap="flat" cmpd="sng" algn="ctr">
+                      <a:solidFill>
+                        <a:schemeClr val="tx1"/>
+                      </a:solidFill>
+                      <a:prstDash val="solid"/>
+                      <a:round/>
+                      <a:headEnd type="none" w="med" len="med"/>
+                      <a:tailEnd type="none" w="med" len="med"/>
+                    </a:lnB>
+                    <a:lnTlToBr w="12700" cmpd="sng">
+                      <a:noFill/>
+                      <a:prstDash val="solid"/>
+                    </a:lnTlToBr>
+                    <a:lnBlToTr w="12700" cmpd="sng">
+                      <a:noFill/>
+                      <a:prstDash val="solid"/>
+                    </a:lnBlToTr>
+                  </a:tcPr>
+                </a:tc>
+                <a:tc>
+                  <a:txBody>
+                    <a:bodyPr/>
+                    <a:lstStyle/>
+                    <a:p>
+                      <a:pPr marL="0" indent="0" algn="ctr" latinLnBrk="1">
+                        <a:buFont typeface="+mj-lt"/>
+                        <a:buNone/>
+                      </a:pPr>
+                      <a:r>
+                        <a:rPr lang="en-US" altLang="ko-KR" sz="1200" dirty="0"/>
+                        <a:t>240</a:t>
+                      </a:r>
+                      <a:r>
+                        <a:rPr lang="ko-KR" altLang="en-US" sz="1200" dirty="0"/>
+                        <a:t>초</a:t>
+                      </a:r>
+                    </a:p>
+                  </a:txBody>
+                  <a:tcPr anchor="ctr">
+                    <a:lnL w="12700" cap="flat" cmpd="sng" algn="ctr">
+                      <a:solidFill>
+                        <a:schemeClr val="tx1"/>
+                      </a:solidFill>
+                      <a:prstDash val="solid"/>
+                      <a:round/>
+                      <a:headEnd type="none" w="med" len="med"/>
+                      <a:tailEnd type="none" w="med" len="med"/>
+                    </a:lnL>
+                    <a:lnR w="12700" cap="flat" cmpd="sng" algn="ctr">
+                      <a:solidFill>
+                        <a:schemeClr val="tx1"/>
+                      </a:solidFill>
+                      <a:prstDash val="solid"/>
+                      <a:round/>
+                      <a:headEnd type="none" w="med" len="med"/>
+                      <a:tailEnd type="none" w="med" len="med"/>
+                    </a:lnR>
+                    <a:lnT w="12700" cap="flat" cmpd="sng" algn="ctr">
+                      <a:solidFill>
+                        <a:schemeClr val="tx1"/>
+                      </a:solidFill>
+                      <a:prstDash val="solid"/>
+                      <a:round/>
+                      <a:headEnd type="none" w="med" len="med"/>
+                      <a:tailEnd type="none" w="med" len="med"/>
+                    </a:lnT>
+                    <a:lnB w="12700" cap="flat" cmpd="sng" algn="ctr">
+                      <a:solidFill>
+                        <a:schemeClr val="tx1"/>
+                      </a:solidFill>
+                      <a:prstDash val="solid"/>
+                      <a:round/>
+                      <a:headEnd type="none" w="med" len="med"/>
+                      <a:tailEnd type="none" w="med" len="med"/>
+                    </a:lnB>
+                    <a:lnTlToBr w="12700" cmpd="sng">
+                      <a:noFill/>
+                      <a:prstDash val="solid"/>
+                    </a:lnTlToBr>
+                    <a:lnBlToTr w="12700" cmpd="sng">
+                      <a:noFill/>
+                      <a:prstDash val="solid"/>
+                    </a:lnBlToTr>
+                  </a:tcPr>
+                </a:tc>
+                <a:tc>
+                  <a:txBody>
+                    <a:bodyPr/>
+                    <a:lstStyle/>
+                    <a:p>
+                      <a:pPr marL="0" indent="0" algn="ctr" latinLnBrk="1">
+                        <a:buFont typeface="+mj-lt"/>
+                        <a:buNone/>
+                      </a:pPr>
+                      <a:r>
+                        <a:rPr lang="ko-KR" altLang="en-US" sz="1200" dirty="0"/>
+                        <a:t>총에 피격 시 </a:t>
+                      </a:r>
+                      <a:r>
+                        <a:rPr lang="en-US" altLang="ko-KR" sz="1200" dirty="0"/>
+                        <a:t>30</a:t>
+                      </a:r>
+                      <a:r>
+                        <a:rPr lang="ko-KR" altLang="en-US" sz="1200" dirty="0"/>
+                        <a:t>초 </a:t>
+                      </a:r>
+                      <a:r>
+                        <a:rPr lang="ko-KR" altLang="en-US" sz="1200" dirty="0" err="1"/>
+                        <a:t>줄어듬</a:t>
+                      </a:r>
+                      <a:r>
+                        <a:rPr lang="en-US" altLang="ko-KR" sz="1200" dirty="0"/>
+                        <a:t>.</a:t>
+                      </a:r>
+                      <a:endParaRPr lang="ko-KR" altLang="en-US" sz="1200" dirty="0"/>
+                    </a:p>
+                  </a:txBody>
+                  <a:tcPr anchor="ctr">
+                    <a:lnL w="12700" cap="flat" cmpd="sng" algn="ctr">
+                      <a:solidFill>
+                        <a:schemeClr val="tx1"/>
+                      </a:solidFill>
+                      <a:prstDash val="solid"/>
+                      <a:round/>
+                      <a:headEnd type="none" w="med" len="med"/>
+                      <a:tailEnd type="none" w="med" len="med"/>
+                    </a:lnL>
+                    <a:lnR w="12700" cap="flat" cmpd="sng" algn="ctr">
+                      <a:solidFill>
+                        <a:schemeClr val="tx1"/>
+                      </a:solidFill>
+                      <a:prstDash val="solid"/>
+                      <a:round/>
+                      <a:headEnd type="none" w="med" len="med"/>
+                      <a:tailEnd type="none" w="med" len="med"/>
+                    </a:lnR>
+                    <a:lnT w="12700" cap="flat" cmpd="sng" algn="ctr">
+                      <a:solidFill>
+                        <a:schemeClr val="tx1"/>
+                      </a:solidFill>
+                      <a:prstDash val="solid"/>
+                      <a:round/>
+                      <a:headEnd type="none" w="med" len="med"/>
+                      <a:tailEnd type="none" w="med" len="med"/>
+                    </a:lnT>
+                    <a:lnB w="12700" cap="flat" cmpd="sng" algn="ctr">
+                      <a:solidFill>
+                        <a:schemeClr val="tx1"/>
+                      </a:solidFill>
+                      <a:prstDash val="solid"/>
+                      <a:round/>
+                      <a:headEnd type="none" w="med" len="med"/>
+                      <a:tailEnd type="none" w="med" len="med"/>
+                    </a:lnB>
+                    <a:lnTlToBr w="12700" cmpd="sng">
+                      <a:noFill/>
+                      <a:prstDash val="solid"/>
+                    </a:lnTlToBr>
+                    <a:lnBlToTr w="12700" cmpd="sng">
+                      <a:noFill/>
+                      <a:prstDash val="solid"/>
+                    </a:lnBlToTr>
+                  </a:tcPr>
+                </a:tc>
+                <a:extLst>
+                  <a:ext uri="{0D108BD9-81ED-4DB2-BD59-A6C34878D82A}">
+                    <a16:rowId xmlns:a16="http://schemas.microsoft.com/office/drawing/2014/main" val="2422118565"/>
+                  </a:ext>
+                </a:extLst>
+              </a:tr>
+              <a:tr h="397084">
+                <a:tc>
+                  <a:txBody>
+                    <a:bodyPr/>
+                    <a:lstStyle/>
+                    <a:p>
+                      <a:pPr marL="0" indent="0" algn="ctr" latinLnBrk="1">
+                        <a:buFont typeface="+mj-lt"/>
+                        <a:buNone/>
+                      </a:pPr>
+                      <a:r>
+                        <a:rPr lang="ko-KR" altLang="en-US" sz="1200" dirty="0"/>
+                        <a:t>탄알 주머니</a:t>
+                      </a:r>
+                    </a:p>
+                  </a:txBody>
+                  <a:tcPr anchor="ctr">
+                    <a:lnL w="12700" cap="flat" cmpd="sng" algn="ctr">
+                      <a:solidFill>
+                        <a:schemeClr val="tx1"/>
+                      </a:solidFill>
+                      <a:prstDash val="solid"/>
+                      <a:round/>
+                      <a:headEnd type="none" w="med" len="med"/>
+                      <a:tailEnd type="none" w="med" len="med"/>
+                    </a:lnL>
+                    <a:lnR w="12700" cap="flat" cmpd="sng" algn="ctr">
+                      <a:solidFill>
+                        <a:schemeClr val="tx1"/>
+                      </a:solidFill>
+                      <a:prstDash val="solid"/>
+                      <a:round/>
+                      <a:headEnd type="none" w="med" len="med"/>
+                      <a:tailEnd type="none" w="med" len="med"/>
+                    </a:lnR>
+                    <a:lnT w="12700" cap="flat" cmpd="sng" algn="ctr">
+                      <a:solidFill>
+                        <a:schemeClr val="tx1"/>
+                      </a:solidFill>
+                      <a:prstDash val="solid"/>
+                      <a:round/>
+                      <a:headEnd type="none" w="med" len="med"/>
+                      <a:tailEnd type="none" w="med" len="med"/>
+                    </a:lnT>
+                    <a:lnB w="12700" cap="flat" cmpd="sng" algn="ctr">
+                      <a:solidFill>
+                        <a:schemeClr val="tx1"/>
+                      </a:solidFill>
+                      <a:prstDash val="solid"/>
+                      <a:round/>
+                      <a:headEnd type="none" w="med" len="med"/>
+                      <a:tailEnd type="none" w="med" len="med"/>
+                    </a:lnB>
+                    <a:lnTlToBr w="12700" cmpd="sng">
+                      <a:noFill/>
+                      <a:prstDash val="solid"/>
+                    </a:lnTlToBr>
+                    <a:lnBlToTr w="12700" cmpd="sng">
+                      <a:noFill/>
+                      <a:prstDash val="solid"/>
+                    </a:lnBlToTr>
+                  </a:tcPr>
+                </a:tc>
+                <a:tc>
+                  <a:txBody>
+                    <a:bodyPr/>
+                    <a:lstStyle/>
+                    <a:p>
+                      <a:pPr marL="0" indent="0" algn="ctr" latinLnBrk="1">
+                        <a:buFont typeface="+mj-lt"/>
+                        <a:buNone/>
+                      </a:pPr>
+                      <a:r>
+                        <a:rPr lang="en-US" altLang="ko-KR" sz="1200" dirty="0"/>
+                        <a:t>8</a:t>
+                      </a:r>
+                      <a:r>
+                        <a:rPr lang="ko-KR" altLang="en-US" sz="1200" dirty="0"/>
+                        <a:t>개</a:t>
+                      </a:r>
+                    </a:p>
+                  </a:txBody>
+                  <a:tcPr anchor="ctr">
+                    <a:lnL w="12700" cap="flat" cmpd="sng" algn="ctr">
+                      <a:solidFill>
+                        <a:schemeClr val="tx1"/>
+                      </a:solidFill>
+                      <a:prstDash val="solid"/>
+                      <a:round/>
+                      <a:headEnd type="none" w="med" len="med"/>
+                      <a:tailEnd type="none" w="med" len="med"/>
+                    </a:lnL>
+                    <a:lnR w="12700" cap="flat" cmpd="sng" algn="ctr">
+                      <a:solidFill>
+                        <a:schemeClr val="tx1"/>
+                      </a:solidFill>
+                      <a:prstDash val="solid"/>
+                      <a:round/>
+                      <a:headEnd type="none" w="med" len="med"/>
+                      <a:tailEnd type="none" w="med" len="med"/>
+                    </a:lnR>
+                    <a:lnT w="12700" cap="flat" cmpd="sng" algn="ctr">
+                      <a:solidFill>
+                        <a:schemeClr val="tx1"/>
+                      </a:solidFill>
+                      <a:prstDash val="solid"/>
+                      <a:round/>
+                      <a:headEnd type="none" w="med" len="med"/>
+                      <a:tailEnd type="none" w="med" len="med"/>
+                    </a:lnT>
+                    <a:lnB w="12700" cap="flat" cmpd="sng" algn="ctr">
+                      <a:solidFill>
+                        <a:schemeClr val="tx1"/>
+                      </a:solidFill>
+                      <a:prstDash val="solid"/>
+                      <a:round/>
+                      <a:headEnd type="none" w="med" len="med"/>
+                      <a:tailEnd type="none" w="med" len="med"/>
+                    </a:lnB>
+                    <a:lnTlToBr w="12700" cmpd="sng">
+                      <a:noFill/>
+                      <a:prstDash val="solid"/>
+                    </a:lnTlToBr>
+                    <a:lnBlToTr w="12700" cmpd="sng">
+                      <a:noFill/>
+                      <a:prstDash val="solid"/>
+                    </a:lnBlToTr>
+                  </a:tcPr>
+                </a:tc>
+                <a:tc>
+                  <a:txBody>
+                    <a:bodyPr/>
+                    <a:lstStyle/>
+                    <a:p>
+                      <a:pPr marL="0" indent="0" algn="ctr" latinLnBrk="1">
+                        <a:buFont typeface="+mj-lt"/>
+                        <a:buNone/>
+                      </a:pPr>
+                      <a:r>
+                        <a:rPr lang="ko-KR" altLang="en-US" sz="1200" dirty="0"/>
+                        <a:t>총알을 많이 수집할 수 있다</a:t>
+                      </a:r>
+                      <a:r>
+                        <a:rPr lang="en-US" altLang="ko-KR" sz="1200" dirty="0"/>
+                        <a:t>.</a:t>
+                      </a:r>
+                      <a:endParaRPr lang="ko-KR" altLang="en-US" sz="1200" dirty="0"/>
+                    </a:p>
+                  </a:txBody>
+                  <a:tcPr anchor="ctr">
+                    <a:lnL w="12700" cap="flat" cmpd="sng" algn="ctr">
+                      <a:solidFill>
+                        <a:schemeClr val="tx1"/>
+                      </a:solidFill>
+                      <a:prstDash val="solid"/>
+                      <a:round/>
+                      <a:headEnd type="none" w="med" len="med"/>
+                      <a:tailEnd type="none" w="med" len="med"/>
+                    </a:lnL>
+                    <a:lnR w="12700" cap="flat" cmpd="sng" algn="ctr">
+                      <a:solidFill>
+                        <a:schemeClr val="tx1"/>
+                      </a:solidFill>
+                      <a:prstDash val="solid"/>
+                      <a:round/>
+                      <a:headEnd type="none" w="med" len="med"/>
+                      <a:tailEnd type="none" w="med" len="med"/>
+                    </a:lnR>
+                    <a:lnT w="12700" cap="flat" cmpd="sng" algn="ctr">
+                      <a:solidFill>
+                        <a:schemeClr val="tx1"/>
+                      </a:solidFill>
+                      <a:prstDash val="solid"/>
+                      <a:round/>
+                      <a:headEnd type="none" w="med" len="med"/>
+                      <a:tailEnd type="none" w="med" len="med"/>
+                    </a:lnT>
+                    <a:lnB w="12700" cap="flat" cmpd="sng" algn="ctr">
+                      <a:solidFill>
+                        <a:schemeClr val="tx1"/>
+                      </a:solidFill>
+                      <a:prstDash val="solid"/>
+                      <a:round/>
+                      <a:headEnd type="none" w="med" len="med"/>
+                      <a:tailEnd type="none" w="med" len="med"/>
+                    </a:lnB>
+                    <a:lnTlToBr w="12700" cmpd="sng">
+                      <a:noFill/>
+                      <a:prstDash val="solid"/>
+                    </a:lnTlToBr>
+                    <a:lnBlToTr w="12700" cmpd="sng">
+                      <a:noFill/>
+                      <a:prstDash val="solid"/>
+                    </a:lnBlToTr>
+                  </a:tcPr>
+                </a:tc>
+                <a:extLst>
+                  <a:ext uri="{0D108BD9-81ED-4DB2-BD59-A6C34878D82A}">
+                    <a16:rowId xmlns:a16="http://schemas.microsoft.com/office/drawing/2014/main" val="4210688304"/>
+                  </a:ext>
+                </a:extLst>
+              </a:tr>
+              <a:tr h="397084">
+                <a:tc>
+                  <a:txBody>
+                    <a:bodyPr/>
+                    <a:lstStyle/>
+                    <a:p>
+                      <a:pPr marL="0" indent="0" algn="ctr" latinLnBrk="1">
+                        <a:buFont typeface="+mj-lt"/>
+                        <a:buNone/>
+                      </a:pPr>
+                      <a:r>
+                        <a:rPr lang="ko-KR" altLang="en-US" sz="1200" dirty="0"/>
+                        <a:t>이동속도</a:t>
+                      </a:r>
+                    </a:p>
+                  </a:txBody>
+                  <a:tcPr anchor="ctr">
+                    <a:lnL w="12700" cap="flat" cmpd="sng" algn="ctr">
+                      <a:solidFill>
+                        <a:schemeClr val="tx1"/>
+                      </a:solidFill>
+                      <a:prstDash val="solid"/>
+                      <a:round/>
+                      <a:headEnd type="none" w="med" len="med"/>
+                      <a:tailEnd type="none" w="med" len="med"/>
+                    </a:lnL>
+                    <a:lnR w="12700" cap="flat" cmpd="sng" algn="ctr">
+                      <a:solidFill>
+                        <a:schemeClr val="tx1"/>
+                      </a:solidFill>
+                      <a:prstDash val="solid"/>
+                      <a:round/>
+                      <a:headEnd type="none" w="med" len="med"/>
+                      <a:tailEnd type="none" w="med" len="med"/>
+                    </a:lnR>
+                    <a:lnT w="12700" cap="flat" cmpd="sng" algn="ctr">
+                      <a:solidFill>
+                        <a:schemeClr val="tx1"/>
+                      </a:solidFill>
+                      <a:prstDash val="solid"/>
+                      <a:round/>
+                      <a:headEnd type="none" w="med" len="med"/>
+                      <a:tailEnd type="none" w="med" len="med"/>
+                    </a:lnT>
+                    <a:lnB w="12700" cap="flat" cmpd="sng" algn="ctr">
+                      <a:solidFill>
+                        <a:schemeClr val="tx1"/>
+                      </a:solidFill>
+                      <a:prstDash val="solid"/>
+                      <a:round/>
+                      <a:headEnd type="none" w="med" len="med"/>
+                      <a:tailEnd type="none" w="med" len="med"/>
+                    </a:lnB>
+                    <a:lnTlToBr w="12700" cmpd="sng">
+                      <a:noFill/>
+                      <a:prstDash val="solid"/>
+                    </a:lnTlToBr>
+                    <a:lnBlToTr w="12700" cmpd="sng">
+                      <a:noFill/>
+                      <a:prstDash val="solid"/>
+                    </a:lnBlToTr>
+                  </a:tcPr>
+                </a:tc>
+                <a:tc>
+                  <a:txBody>
+                    <a:bodyPr/>
+                    <a:lstStyle/>
+                    <a:p>
+                      <a:pPr marL="0" indent="0" algn="ctr" latinLnBrk="1">
+                        <a:buFont typeface="+mj-lt"/>
+                        <a:buNone/>
+                      </a:pPr>
+                      <a:r>
+                        <a:rPr lang="en-US" altLang="ko-KR" sz="1200" dirty="0"/>
+                        <a:t>1</a:t>
+                      </a:r>
+                      <a:endParaRPr lang="ko-KR" altLang="en-US" sz="1200" dirty="0"/>
+                    </a:p>
+                  </a:txBody>
+                  <a:tcPr anchor="ctr">
+                    <a:lnL w="12700" cap="flat" cmpd="sng" algn="ctr">
+                      <a:solidFill>
+                        <a:schemeClr val="tx1"/>
+                      </a:solidFill>
+                      <a:prstDash val="solid"/>
+                      <a:round/>
+                      <a:headEnd type="none" w="med" len="med"/>
+                      <a:tailEnd type="none" w="med" len="med"/>
+                    </a:lnL>
+                    <a:lnR w="12700" cap="flat" cmpd="sng" algn="ctr">
+                      <a:solidFill>
+                        <a:schemeClr val="tx1"/>
+                      </a:solidFill>
+                      <a:prstDash val="solid"/>
+                      <a:round/>
+                      <a:headEnd type="none" w="med" len="med"/>
+                      <a:tailEnd type="none" w="med" len="med"/>
+                    </a:lnR>
+                    <a:lnT w="12700" cap="flat" cmpd="sng" algn="ctr">
+                      <a:solidFill>
+                        <a:schemeClr val="tx1"/>
+                      </a:solidFill>
+                      <a:prstDash val="solid"/>
+                      <a:round/>
+                      <a:headEnd type="none" w="med" len="med"/>
+                      <a:tailEnd type="none" w="med" len="med"/>
+                    </a:lnT>
+                    <a:lnB w="12700" cap="flat" cmpd="sng" algn="ctr">
+                      <a:solidFill>
+                        <a:schemeClr val="tx1"/>
+                      </a:solidFill>
+                      <a:prstDash val="solid"/>
+                      <a:round/>
+                      <a:headEnd type="none" w="med" len="med"/>
+                      <a:tailEnd type="none" w="med" len="med"/>
+                    </a:lnB>
+                    <a:lnTlToBr w="12700" cmpd="sng">
+                      <a:noFill/>
+                      <a:prstDash val="solid"/>
+                    </a:lnTlToBr>
+                    <a:lnBlToTr w="12700" cmpd="sng">
+                      <a:noFill/>
+                      <a:prstDash val="solid"/>
+                    </a:lnBlToTr>
+                  </a:tcPr>
+                </a:tc>
+                <a:tc>
+                  <a:txBody>
+                    <a:bodyPr/>
+                    <a:lstStyle/>
+                    <a:p>
+                      <a:pPr marL="0" indent="0" algn="ctr" latinLnBrk="1">
+                        <a:buFont typeface="+mj-lt"/>
+                        <a:buNone/>
+                      </a:pPr>
+                      <a:r>
+                        <a:rPr lang="ko-KR" altLang="en-US" sz="1200" dirty="0"/>
+                        <a:t>기본 이동속도보다 살짝 빠르다</a:t>
+                      </a:r>
+                      <a:r>
+                        <a:rPr lang="en-US" altLang="ko-KR" sz="1200" dirty="0"/>
+                        <a:t>.</a:t>
+                      </a:r>
+                      <a:endParaRPr lang="ko-KR" altLang="en-US" sz="1200" dirty="0"/>
+                    </a:p>
+                  </a:txBody>
+                  <a:tcPr anchor="ctr">
+                    <a:lnL w="12700" cap="flat" cmpd="sng" algn="ctr">
+                      <a:solidFill>
+                        <a:schemeClr val="tx1"/>
+                      </a:solidFill>
+                      <a:prstDash val="solid"/>
+                      <a:round/>
+                      <a:headEnd type="none" w="med" len="med"/>
+                      <a:tailEnd type="none" w="med" len="med"/>
+                    </a:lnL>
+                    <a:lnR w="12700" cap="flat" cmpd="sng" algn="ctr">
+                      <a:solidFill>
+                        <a:schemeClr val="tx1"/>
+                      </a:solidFill>
+                      <a:prstDash val="solid"/>
+                      <a:round/>
+                      <a:headEnd type="none" w="med" len="med"/>
+                      <a:tailEnd type="none" w="med" len="med"/>
+                    </a:lnR>
+                    <a:lnT w="12700" cap="flat" cmpd="sng" algn="ctr">
+                      <a:solidFill>
+                        <a:schemeClr val="tx1"/>
+                      </a:solidFill>
+                      <a:prstDash val="solid"/>
+                      <a:round/>
+                      <a:headEnd type="none" w="med" len="med"/>
+                      <a:tailEnd type="none" w="med" len="med"/>
+                    </a:lnT>
+                    <a:lnB w="12700" cap="flat" cmpd="sng" algn="ctr">
+                      <a:solidFill>
+                        <a:schemeClr val="tx1"/>
+                      </a:solidFill>
+                      <a:prstDash val="solid"/>
+                      <a:round/>
+                      <a:headEnd type="none" w="med" len="med"/>
+                      <a:tailEnd type="none" w="med" len="med"/>
+                    </a:lnB>
+                    <a:lnTlToBr w="12700" cmpd="sng">
+                      <a:noFill/>
+                      <a:prstDash val="solid"/>
+                    </a:lnTlToBr>
+                    <a:lnBlToTr w="12700" cmpd="sng">
+                      <a:noFill/>
+                      <a:prstDash val="solid"/>
+                    </a:lnBlToTr>
+                  </a:tcPr>
+                </a:tc>
+                <a:extLst>
+                  <a:ext uri="{0D108BD9-81ED-4DB2-BD59-A6C34878D82A}">
+                    <a16:rowId xmlns:a16="http://schemas.microsoft.com/office/drawing/2014/main" val="2738056909"/>
+                  </a:ext>
+                </a:extLst>
+              </a:tr>
+              <a:tr h="397084">
+                <a:tc>
+                  <a:txBody>
+                    <a:bodyPr/>
+                    <a:lstStyle/>
+                    <a:p>
+                      <a:pPr marL="0" indent="0" algn="ctr" latinLnBrk="1">
+                        <a:buFont typeface="+mj-lt"/>
+                        <a:buNone/>
+                      </a:pPr>
+                      <a:r>
+                        <a:rPr lang="ko-KR" altLang="en-US" sz="1200" dirty="0"/>
+                        <a:t>총알 발사 딜레이</a:t>
+                      </a:r>
+                    </a:p>
+                  </a:txBody>
+                  <a:tcPr anchor="ctr">
+                    <a:lnL w="12700" cap="flat" cmpd="sng" algn="ctr">
+                      <a:solidFill>
+                        <a:schemeClr val="tx1"/>
+                      </a:solidFill>
+                      <a:prstDash val="solid"/>
+                      <a:round/>
+                      <a:headEnd type="none" w="med" len="med"/>
+                      <a:tailEnd type="none" w="med" len="med"/>
+                    </a:lnL>
+                    <a:lnR w="12700" cap="flat" cmpd="sng" algn="ctr">
+                      <a:solidFill>
+                        <a:schemeClr val="tx1"/>
+                      </a:solidFill>
+                      <a:prstDash val="solid"/>
+                      <a:round/>
+                      <a:headEnd type="none" w="med" len="med"/>
+                      <a:tailEnd type="none" w="med" len="med"/>
+                    </a:lnR>
+                    <a:lnT w="12700" cap="flat" cmpd="sng" algn="ctr">
+                      <a:solidFill>
+                        <a:schemeClr val="tx1"/>
+                      </a:solidFill>
+                      <a:prstDash val="solid"/>
+                      <a:round/>
+                      <a:headEnd type="none" w="med" len="med"/>
+                      <a:tailEnd type="none" w="med" len="med"/>
+                    </a:lnT>
+                    <a:lnB w="12700" cap="flat" cmpd="sng" algn="ctr">
+                      <a:solidFill>
+                        <a:schemeClr val="tx1"/>
+                      </a:solidFill>
+                      <a:prstDash val="solid"/>
+                      <a:round/>
+                      <a:headEnd type="none" w="med" len="med"/>
+                      <a:tailEnd type="none" w="med" len="med"/>
+                    </a:lnB>
+                    <a:lnTlToBr w="12700" cmpd="sng">
+                      <a:noFill/>
+                      <a:prstDash val="solid"/>
+                    </a:lnTlToBr>
+                    <a:lnBlToTr w="12700" cmpd="sng">
+                      <a:noFill/>
+                      <a:prstDash val="solid"/>
+                    </a:lnBlToTr>
+                  </a:tcPr>
+                </a:tc>
+                <a:tc>
+                  <a:txBody>
+                    <a:bodyPr/>
+                    <a:lstStyle/>
+                    <a:p>
+                      <a:pPr marL="0" indent="0" algn="ctr" latinLnBrk="1">
+                        <a:buFont typeface="+mj-lt"/>
+                        <a:buNone/>
+                      </a:pPr>
+                      <a:r>
+                        <a:rPr lang="en-US" altLang="ko-KR" sz="1200" dirty="0"/>
+                        <a:t>1.5</a:t>
+                      </a:r>
+                      <a:endParaRPr lang="ko-KR" altLang="en-US" sz="1200" dirty="0"/>
+                    </a:p>
+                  </a:txBody>
+                  <a:tcPr anchor="ctr">
+                    <a:lnL w="12700" cap="flat" cmpd="sng" algn="ctr">
+                      <a:solidFill>
+                        <a:schemeClr val="tx1"/>
+                      </a:solidFill>
+                      <a:prstDash val="solid"/>
+                      <a:round/>
+                      <a:headEnd type="none" w="med" len="med"/>
+                      <a:tailEnd type="none" w="med" len="med"/>
+                    </a:lnL>
+                    <a:lnR w="12700" cap="flat" cmpd="sng" algn="ctr">
+                      <a:solidFill>
+                        <a:schemeClr val="tx1"/>
+                      </a:solidFill>
+                      <a:prstDash val="solid"/>
+                      <a:round/>
+                      <a:headEnd type="none" w="med" len="med"/>
+                      <a:tailEnd type="none" w="med" len="med"/>
+                    </a:lnR>
+                    <a:lnT w="12700" cap="flat" cmpd="sng" algn="ctr">
+                      <a:solidFill>
+                        <a:schemeClr val="tx1"/>
+                      </a:solidFill>
+                      <a:prstDash val="solid"/>
+                      <a:round/>
+                      <a:headEnd type="none" w="med" len="med"/>
+                      <a:tailEnd type="none" w="med" len="med"/>
+                    </a:lnT>
+                    <a:lnB w="12700" cap="flat" cmpd="sng" algn="ctr">
+                      <a:solidFill>
+                        <a:schemeClr val="tx1"/>
+                      </a:solidFill>
+                      <a:prstDash val="solid"/>
+                      <a:round/>
+                      <a:headEnd type="none" w="med" len="med"/>
+                      <a:tailEnd type="none" w="med" len="med"/>
+                    </a:lnB>
+                    <a:lnTlToBr w="12700" cmpd="sng">
+                      <a:noFill/>
+                      <a:prstDash val="solid"/>
+                    </a:lnTlToBr>
+                    <a:lnBlToTr w="12700" cmpd="sng">
+                      <a:noFill/>
+                      <a:prstDash val="solid"/>
+                    </a:lnBlToTr>
+                  </a:tcPr>
+                </a:tc>
+                <a:tc>
+                  <a:txBody>
+                    <a:bodyPr/>
+                    <a:lstStyle/>
+                    <a:p>
+                      <a:pPr marL="0" indent="0" algn="ctr" latinLnBrk="1">
+                        <a:buFont typeface="+mj-lt"/>
+                        <a:buNone/>
+                      </a:pPr>
+                      <a:r>
+                        <a:rPr lang="ko-KR" altLang="en-US" sz="1200" dirty="0"/>
+                        <a:t>기본 발사 딜레이보다 느리다</a:t>
+                      </a:r>
+                    </a:p>
+                  </a:txBody>
+                  <a:tcPr anchor="ctr">
+                    <a:lnL w="12700" cap="flat" cmpd="sng" algn="ctr">
+                      <a:solidFill>
+                        <a:schemeClr val="tx1"/>
+                      </a:solidFill>
+                      <a:prstDash val="solid"/>
+                      <a:round/>
+                      <a:headEnd type="none" w="med" len="med"/>
+                      <a:tailEnd type="none" w="med" len="med"/>
+                    </a:lnL>
+                    <a:lnR w="12700" cap="flat" cmpd="sng" algn="ctr">
+                      <a:solidFill>
+                        <a:schemeClr val="tx1"/>
+                      </a:solidFill>
+                      <a:prstDash val="solid"/>
+                      <a:round/>
+                      <a:headEnd type="none" w="med" len="med"/>
+                      <a:tailEnd type="none" w="med" len="med"/>
+                    </a:lnR>
+                    <a:lnT w="12700" cap="flat" cmpd="sng" algn="ctr">
+                      <a:solidFill>
+                        <a:schemeClr val="tx1"/>
+                      </a:solidFill>
+                      <a:prstDash val="solid"/>
+                      <a:round/>
+                      <a:headEnd type="none" w="med" len="med"/>
+                      <a:tailEnd type="none" w="med" len="med"/>
+                    </a:lnT>
+                    <a:lnB w="12700" cap="flat" cmpd="sng" algn="ctr">
+                      <a:solidFill>
+                        <a:schemeClr val="tx1"/>
+                      </a:solidFill>
+                      <a:prstDash val="solid"/>
+                      <a:round/>
+                      <a:headEnd type="none" w="med" len="med"/>
+                      <a:tailEnd type="none" w="med" len="med"/>
+                    </a:lnB>
+                    <a:lnTlToBr w="12700" cmpd="sng">
+                      <a:noFill/>
+                      <a:prstDash val="solid"/>
+                    </a:lnTlToBr>
+                    <a:lnBlToTr w="12700" cmpd="sng">
+                      <a:noFill/>
+                      <a:prstDash val="solid"/>
+                    </a:lnBlToTr>
+                  </a:tcPr>
+                </a:tc>
+                <a:extLst>
+                  <a:ext uri="{0D108BD9-81ED-4DB2-BD59-A6C34878D82A}">
+                    <a16:rowId xmlns:a16="http://schemas.microsoft.com/office/drawing/2014/main" val="2677022759"/>
+                  </a:ext>
+                </a:extLst>
+              </a:tr>
+              <a:tr h="397084">
+                <a:tc>
+                  <a:txBody>
+                    <a:bodyPr/>
+                    <a:lstStyle/>
+                    <a:p>
+                      <a:pPr marL="0" indent="0" algn="ctr" latinLnBrk="1">
+                        <a:buFont typeface="+mj-lt"/>
+                        <a:buNone/>
+                      </a:pPr>
+                      <a:r>
+                        <a:rPr lang="ko-KR" altLang="en-US" sz="1200" dirty="0"/>
+                        <a:t>총알 발사 속도</a:t>
+                      </a:r>
+                    </a:p>
+                  </a:txBody>
+                  <a:tcPr anchor="ctr">
+                    <a:lnL w="12700" cap="flat" cmpd="sng" algn="ctr">
+                      <a:solidFill>
+                        <a:schemeClr val="tx1"/>
+                      </a:solidFill>
+                      <a:prstDash val="solid"/>
+                      <a:round/>
+                      <a:headEnd type="none" w="med" len="med"/>
+                      <a:tailEnd type="none" w="med" len="med"/>
+                    </a:lnL>
+                    <a:lnR w="12700" cap="flat" cmpd="sng" algn="ctr">
+                      <a:solidFill>
+                        <a:schemeClr val="tx1"/>
+                      </a:solidFill>
+                      <a:prstDash val="solid"/>
+                      <a:round/>
+                      <a:headEnd type="none" w="med" len="med"/>
+                      <a:tailEnd type="none" w="med" len="med"/>
+                    </a:lnR>
+                    <a:lnT w="12700" cap="flat" cmpd="sng" algn="ctr">
+                      <a:solidFill>
+                        <a:schemeClr val="tx1"/>
+                      </a:solidFill>
+                      <a:prstDash val="solid"/>
+                      <a:round/>
+                      <a:headEnd type="none" w="med" len="med"/>
+                      <a:tailEnd type="none" w="med" len="med"/>
+                    </a:lnT>
+                    <a:lnB w="12700" cap="flat" cmpd="sng" algn="ctr">
+                      <a:solidFill>
+                        <a:schemeClr val="tx1"/>
+                      </a:solidFill>
+                      <a:prstDash val="solid"/>
+                      <a:round/>
+                      <a:headEnd type="none" w="med" len="med"/>
+                      <a:tailEnd type="none" w="med" len="med"/>
+                    </a:lnB>
+                    <a:lnTlToBr w="12700" cmpd="sng">
+                      <a:noFill/>
+                      <a:prstDash val="solid"/>
+                    </a:lnTlToBr>
+                    <a:lnBlToTr w="12700" cmpd="sng">
+                      <a:noFill/>
+                      <a:prstDash val="solid"/>
+                    </a:lnBlToTr>
+                  </a:tcPr>
+                </a:tc>
+                <a:tc>
+                  <a:txBody>
+                    <a:bodyPr/>
+                    <a:lstStyle/>
+                    <a:p>
+                      <a:pPr marL="0" indent="0" algn="ctr" latinLnBrk="1">
+                        <a:buFont typeface="+mj-lt"/>
+                        <a:buNone/>
+                      </a:pPr>
+                      <a:r>
+                        <a:rPr lang="en-US" altLang="ko-KR" sz="1200" dirty="0"/>
+                        <a:t>1.0</a:t>
+                      </a:r>
+                      <a:endParaRPr lang="ko-KR" altLang="en-US" sz="1200" dirty="0"/>
+                    </a:p>
+                  </a:txBody>
+                  <a:tcPr anchor="ctr">
+                    <a:lnL w="12700" cap="flat" cmpd="sng" algn="ctr">
+                      <a:solidFill>
+                        <a:schemeClr val="tx1"/>
+                      </a:solidFill>
+                      <a:prstDash val="solid"/>
+                      <a:round/>
+                      <a:headEnd type="none" w="med" len="med"/>
+                      <a:tailEnd type="none" w="med" len="med"/>
+                    </a:lnL>
+                    <a:lnR w="12700" cap="flat" cmpd="sng" algn="ctr">
+                      <a:solidFill>
+                        <a:schemeClr val="tx1"/>
+                      </a:solidFill>
+                      <a:prstDash val="solid"/>
+                      <a:round/>
+                      <a:headEnd type="none" w="med" len="med"/>
+                      <a:tailEnd type="none" w="med" len="med"/>
+                    </a:lnR>
+                    <a:lnT w="12700" cap="flat" cmpd="sng" algn="ctr">
+                      <a:solidFill>
+                        <a:schemeClr val="tx1"/>
+                      </a:solidFill>
+                      <a:prstDash val="solid"/>
+                      <a:round/>
+                      <a:headEnd type="none" w="med" len="med"/>
+                      <a:tailEnd type="none" w="med" len="med"/>
+                    </a:lnT>
+                    <a:lnB w="12700" cap="flat" cmpd="sng" algn="ctr">
+                      <a:solidFill>
+                        <a:schemeClr val="tx1"/>
+                      </a:solidFill>
+                      <a:prstDash val="solid"/>
+                      <a:round/>
+                      <a:headEnd type="none" w="med" len="med"/>
+                      <a:tailEnd type="none" w="med" len="med"/>
+                    </a:lnB>
+                    <a:lnTlToBr w="12700" cmpd="sng">
+                      <a:noFill/>
+                      <a:prstDash val="solid"/>
+                    </a:lnTlToBr>
+                    <a:lnBlToTr w="12700" cmpd="sng">
+                      <a:noFill/>
+                      <a:prstDash val="solid"/>
+                    </a:lnBlToTr>
+                  </a:tcPr>
+                </a:tc>
+                <a:tc>
+                  <a:txBody>
+                    <a:bodyPr/>
+                    <a:lstStyle/>
+                    <a:p>
+                      <a:pPr marL="0" indent="0" algn="ctr" latinLnBrk="1">
+                        <a:buFont typeface="+mj-lt"/>
+                        <a:buNone/>
+                      </a:pPr>
+                      <a:r>
+                        <a:rPr lang="ko-KR" altLang="en-US" sz="1200" dirty="0"/>
+                        <a:t>기본 총알 발사 속도</a:t>
+                      </a:r>
+                    </a:p>
+                  </a:txBody>
+                  <a:tcPr anchor="ctr">
+                    <a:lnL w="12700" cap="flat" cmpd="sng" algn="ctr">
+                      <a:solidFill>
+                        <a:schemeClr val="tx1"/>
+                      </a:solidFill>
+                      <a:prstDash val="solid"/>
+                      <a:round/>
+                      <a:headEnd type="none" w="med" len="med"/>
+                      <a:tailEnd type="none" w="med" len="med"/>
+                    </a:lnL>
+                    <a:lnR w="12700" cap="flat" cmpd="sng" algn="ctr">
+                      <a:solidFill>
+                        <a:schemeClr val="tx1"/>
+                      </a:solidFill>
+                      <a:prstDash val="solid"/>
+                      <a:round/>
+                      <a:headEnd type="none" w="med" len="med"/>
+                      <a:tailEnd type="none" w="med" len="med"/>
+                    </a:lnR>
+                    <a:lnT w="12700" cap="flat" cmpd="sng" algn="ctr">
+                      <a:solidFill>
+                        <a:schemeClr val="tx1"/>
+                      </a:solidFill>
+                      <a:prstDash val="solid"/>
+                      <a:round/>
+                      <a:headEnd type="none" w="med" len="med"/>
+                      <a:tailEnd type="none" w="med" len="med"/>
+                    </a:lnT>
+                    <a:lnB w="12700" cap="flat" cmpd="sng" algn="ctr">
+                      <a:solidFill>
+                        <a:schemeClr val="tx1"/>
+                      </a:solidFill>
+                      <a:prstDash val="solid"/>
+                      <a:round/>
+                      <a:headEnd type="none" w="med" len="med"/>
+                      <a:tailEnd type="none" w="med" len="med"/>
+                    </a:lnB>
+                    <a:lnTlToBr w="12700" cmpd="sng">
+                      <a:noFill/>
+                      <a:prstDash val="solid"/>
+                    </a:lnTlToBr>
+                    <a:lnBlToTr w="12700" cmpd="sng">
+                      <a:noFill/>
+                      <a:prstDash val="solid"/>
+                    </a:lnBlToTr>
+                  </a:tcPr>
+                </a:tc>
+                <a:extLst>
+                  <a:ext uri="{0D108BD9-81ED-4DB2-BD59-A6C34878D82A}">
+                    <a16:rowId xmlns:a16="http://schemas.microsoft.com/office/drawing/2014/main" val="3949302187"/>
+                  </a:ext>
+                </a:extLst>
+              </a:tr>
+            </a:tbl>
+          </a:graphicData>
+        </a:graphic>
+      </p:graphicFrame>
+      <p:pic>
+        <p:nvPicPr>
+          <p:cNvPr id="2050" name="Picture 2" descr="스플린터 셀 블랙리스트 지원 | 공식 Ubisoft Help">
+            <a:extLst>
+              <a:ext uri="{FF2B5EF4-FFF2-40B4-BE49-F238E27FC236}">
+                <a16:creationId xmlns:a16="http://schemas.microsoft.com/office/drawing/2014/main" id="{28C601EE-E672-22D9-FF2F-84E23D715AF9}"/>
+              </a:ext>
+            </a:extLst>
+          </p:cNvPr>
+          <p:cNvPicPr>
+            <a:picLocks noChangeAspect="1" noChangeArrowheads="1"/>
+          </p:cNvPicPr>
+          <p:nvPr/>
+        </p:nvPicPr>
+        <p:blipFill rotWithShape="1">
+          <a:blip r:embed="rId2">
+            <a:extLst>
+              <a:ext uri="{28A0092B-C50C-407E-A947-70E740481C1C}">
+                <a14:useLocalDpi xmlns:a14="http://schemas.microsoft.com/office/drawing/2010/main" val="0"/>
+              </a:ext>
+            </a:extLst>
+          </a:blip>
+          <a:srcRect l="30532" t="11613" r="34532" b="-1161"/>
+          <a:stretch/>
+        </p:blipFill>
+        <p:spPr bwMode="auto">
+          <a:xfrm>
+            <a:off x="1612180" y="2523713"/>
+            <a:ext cx="2395974" cy="3454583"/>
+          </a:xfrm>
+          <a:prstGeom prst="rect">
+            <a:avLst/>
+          </a:prstGeom>
+          <a:noFill/>
+          <a:extLst>
+            <a:ext uri="{909E8E84-426E-40DD-AFC4-6F175D3DCCD1}">
+              <a14:hiddenFill xmlns:a14="http://schemas.microsoft.com/office/drawing/2010/main">
+                <a:solidFill>
+                  <a:srgbClr val="FFFFFF"/>
+                </a:solidFill>
+              </a14:hiddenFill>
+            </a:ext>
+          </a:extLst>
+        </p:spPr>
+      </p:pic>
+    </p:spTree>
+    <p:extLst>
+      <p:ext uri="{BB962C8B-B14F-4D97-AF65-F5344CB8AC3E}">
+        <p14:creationId xmlns:p14="http://schemas.microsoft.com/office/powerpoint/2010/main" val="2072468480"/>
+      </p:ext>
+    </p:extLst>
+  </p:cSld>
+  <p:clrMapOvr>
+    <a:masterClrMapping/>
+  </p:clrMapOvr>
+</p:sld>
+</file>
+
+<file path=ppt/slides/slide9.xml><?xml version="1.0" encoding="utf-8"?>
+<p:sld xmlns:a="http://schemas.openxmlformats.org/drawingml/2006/main" xmlns:r="http://schemas.openxmlformats.org/officeDocument/2006/relationships" xmlns:p="http://schemas.openxmlformats.org/presentationml/2006/main">
+  <p:cSld>
+    <p:spTree>
+      <p:nvGrpSpPr>
+        <p:cNvPr id="1" name=""/>
+        <p:cNvGrpSpPr/>
+        <p:nvPr/>
+      </p:nvGrpSpPr>
+      <p:grpSpPr>
+        <a:xfrm>
+          <a:off x="0" y="0"/>
+          <a:ext cx="0" cy="0"/>
+          <a:chOff x="0" y="0"/>
+          <a:chExt cx="0" cy="0"/>
+        </a:xfrm>
+      </p:grpSpPr>
+      <p:sp>
+        <p:nvSpPr>
+          <p:cNvPr id="2" name="제목 1">
+            <a:extLst>
+              <a:ext uri="{FF2B5EF4-FFF2-40B4-BE49-F238E27FC236}">
+                <a16:creationId xmlns:a16="http://schemas.microsoft.com/office/drawing/2014/main" id="{DDC64BBE-2F5F-3D17-016B-4D9EB1F89A33}"/>
+              </a:ext>
+            </a:extLst>
+          </p:cNvPr>
+          <p:cNvSpPr>
+            <a:spLocks noGrp="1"/>
+          </p:cNvSpPr>
+          <p:nvPr>
+            <p:ph type="title"/>
+          </p:nvPr>
+        </p:nvSpPr>
+        <p:spPr/>
+        <p:txBody>
+          <a:bodyPr/>
+          <a:lstStyle/>
+          <a:p>
+            <a:r>
+              <a:rPr lang="en-US" altLang="ko-KR" dirty="0"/>
+              <a:t>8. </a:t>
+            </a:r>
+            <a:r>
+              <a:rPr lang="ko-KR" altLang="en-US" dirty="0" err="1"/>
+              <a:t>저거너트</a:t>
+            </a:r>
+            <a:endParaRPr lang="ko-KR" altLang="en-US" dirty="0"/>
+          </a:p>
+        </p:txBody>
+      </p:sp>
+      <p:sp>
+        <p:nvSpPr>
+          <p:cNvPr id="3" name="내용 개체 틀 2">
+            <a:extLst>
+              <a:ext uri="{FF2B5EF4-FFF2-40B4-BE49-F238E27FC236}">
+                <a16:creationId xmlns:a16="http://schemas.microsoft.com/office/drawing/2014/main" id="{A2AD6ACE-68A0-7003-C05E-56FF5EBF5A50}"/>
+              </a:ext>
+            </a:extLst>
+          </p:cNvPr>
+          <p:cNvSpPr>
+            <a:spLocks noGrp="1"/>
+          </p:cNvSpPr>
+          <p:nvPr>
+            <p:ph idx="1"/>
+          </p:nvPr>
+        </p:nvSpPr>
+        <p:spPr>
+          <a:xfrm>
+            <a:off x="838200" y="1357493"/>
+            <a:ext cx="5257800" cy="2061077"/>
+          </a:xfrm>
+        </p:spPr>
+        <p:txBody>
+          <a:bodyPr>
+            <a:normAutofit/>
+          </a:bodyPr>
+          <a:lstStyle/>
+          <a:p>
+            <a:r>
+              <a:rPr lang="en-US" altLang="ko-KR" sz="1400" dirty="0"/>
+              <a:t>‘</a:t>
+            </a:r>
+            <a:r>
+              <a:rPr lang="ko-KR" altLang="en-US" sz="1400" dirty="0"/>
+              <a:t>방탄복</a:t>
+            </a:r>
+            <a:r>
+              <a:rPr lang="en-US" altLang="ko-KR" sz="1400" dirty="0"/>
+              <a:t>’</a:t>
+            </a:r>
+            <a:r>
+              <a:rPr lang="ko-KR" altLang="en-US" sz="1400" dirty="0"/>
+              <a:t>이라는 직업 아이템을 먹으면 전직 가능하다</a:t>
+            </a:r>
+            <a:r>
+              <a:rPr lang="en-US" altLang="ko-KR" sz="1400" dirty="0"/>
+              <a:t>.</a:t>
+            </a:r>
+          </a:p>
+          <a:p>
+            <a:r>
+              <a:rPr lang="ko-KR" altLang="en-US" sz="1400" dirty="0"/>
+              <a:t>단단한 탱커 컨셉으로 강화 방탄복을 입은 직업</a:t>
+            </a:r>
+            <a:endParaRPr lang="en-US" altLang="ko-KR" sz="1400" dirty="0"/>
+          </a:p>
+        </p:txBody>
+      </p:sp>
+      <p:graphicFrame>
+        <p:nvGraphicFramePr>
+          <p:cNvPr id="10" name="표 9">
+            <a:extLst>
+              <a:ext uri="{FF2B5EF4-FFF2-40B4-BE49-F238E27FC236}">
+                <a16:creationId xmlns:a16="http://schemas.microsoft.com/office/drawing/2014/main" id="{9796D849-39D6-143B-49A8-B4833851198E}"/>
+              </a:ext>
+            </a:extLst>
+          </p:cNvPr>
+          <p:cNvGraphicFramePr>
+            <a:graphicFrameLocks noGrp="1"/>
+          </p:cNvGraphicFramePr>
+          <p:nvPr>
+            <p:extLst>
+              <p:ext uri="{D42A27DB-BD31-4B8C-83A1-F6EECF244321}">
+                <p14:modId xmlns:p14="http://schemas.microsoft.com/office/powerpoint/2010/main" val="1798053903"/>
+              </p:ext>
+            </p:extLst>
+          </p:nvPr>
+        </p:nvGraphicFramePr>
+        <p:xfrm>
+          <a:off x="838200" y="4998685"/>
+          <a:ext cx="5373030" cy="1484222"/>
+        </p:xfrm>
+        <a:graphic>
+          <a:graphicData uri="http://schemas.openxmlformats.org/drawingml/2006/table">
+            <a:tbl>
+              <a:tblPr firstRow="1" bandRow="1">
+                <a:tableStyleId>{F5AB1C69-6EDB-4FF4-983F-18BD219EF322}</a:tableStyleId>
+              </a:tblPr>
+              <a:tblGrid>
+                <a:gridCol w="1429139">
+                  <a:extLst>
+                    <a:ext uri="{9D8B030D-6E8A-4147-A177-3AD203B41FA5}">
+                      <a16:colId xmlns:a16="http://schemas.microsoft.com/office/drawing/2014/main" val="1096772183"/>
+                    </a:ext>
+                  </a:extLst>
+                </a:gridCol>
+                <a:gridCol w="1156996">
+                  <a:extLst>
+                    <a:ext uri="{9D8B030D-6E8A-4147-A177-3AD203B41FA5}">
+                      <a16:colId xmlns:a16="http://schemas.microsoft.com/office/drawing/2014/main" val="3276011012"/>
+                    </a:ext>
+                  </a:extLst>
+                </a:gridCol>
+                <a:gridCol w="2786895">
+                  <a:extLst>
+                    <a:ext uri="{9D8B030D-6E8A-4147-A177-3AD203B41FA5}">
+                      <a16:colId xmlns:a16="http://schemas.microsoft.com/office/drawing/2014/main" val="1120309742"/>
+                    </a:ext>
+                  </a:extLst>
+                </a:gridCol>
+              </a:tblGrid>
+              <a:tr h="422071">
+                <a:tc>
+                  <a:txBody>
+                    <a:bodyPr/>
+                    <a:lstStyle/>
+                    <a:p>
+                      <a:pPr algn="ctr" latinLnBrk="1"/>
+                      <a:r>
+                        <a:rPr lang="ko-KR" altLang="en-US" sz="1800" dirty="0" err="1"/>
+                        <a:t>스킬명</a:t>
+                      </a:r>
+                      <a:endParaRPr lang="ko-KR" altLang="en-US" sz="1800" dirty="0"/>
+                    </a:p>
+                  </a:txBody>
+                  <a:tcPr anchor="ctr">
+                    <a:lnL w="12700" cap="flat" cmpd="sng" algn="ctr">
+                      <a:solidFill>
+                        <a:schemeClr val="tx1"/>
+                      </a:solidFill>
+                      <a:prstDash val="solid"/>
+                      <a:round/>
+                      <a:headEnd type="none" w="med" len="med"/>
+                      <a:tailEnd type="none" w="med" len="med"/>
+                    </a:lnL>
+                    <a:lnR w="12700" cap="flat" cmpd="sng" algn="ctr">
+                      <a:solidFill>
+                        <a:schemeClr val="tx1"/>
+                      </a:solidFill>
+                      <a:prstDash val="solid"/>
+                      <a:round/>
+                      <a:headEnd type="none" w="med" len="med"/>
+                      <a:tailEnd type="none" w="med" len="med"/>
+                    </a:lnR>
+                    <a:lnT w="12700" cap="flat" cmpd="sng" algn="ctr">
+                      <a:solidFill>
+                        <a:schemeClr val="tx1"/>
+                      </a:solidFill>
+                      <a:prstDash val="solid"/>
+                      <a:round/>
+                      <a:headEnd type="none" w="med" len="med"/>
+                      <a:tailEnd type="none" w="med" len="med"/>
+                    </a:lnT>
+                    <a:lnB w="12700" cap="flat" cmpd="sng" algn="ctr">
+                      <a:solidFill>
+                        <a:schemeClr val="tx1"/>
+                      </a:solidFill>
+                      <a:prstDash val="solid"/>
+                      <a:round/>
+                      <a:headEnd type="none" w="med" len="med"/>
+                      <a:tailEnd type="none" w="med" len="med"/>
+                    </a:lnB>
+                  </a:tcPr>
+                </a:tc>
+                <a:tc>
+                  <a:txBody>
+                    <a:bodyPr/>
+                    <a:lstStyle/>
+                    <a:p>
+                      <a:pPr algn="ctr" latinLnBrk="1"/>
+                      <a:r>
+                        <a:rPr lang="ko-KR" altLang="en-US" sz="1800" dirty="0" err="1"/>
+                        <a:t>쿨타임</a:t>
+                      </a:r>
+                      <a:endParaRPr lang="ko-KR" altLang="en-US" sz="1800" dirty="0"/>
+                    </a:p>
+                  </a:txBody>
+                  <a:tcPr anchor="ctr">
+                    <a:lnL w="12700" cap="flat" cmpd="sng" algn="ctr">
+                      <a:solidFill>
+                        <a:schemeClr val="tx1"/>
+                      </a:solidFill>
+                      <a:prstDash val="solid"/>
+                      <a:round/>
+                      <a:headEnd type="none" w="med" len="med"/>
+                      <a:tailEnd type="none" w="med" len="med"/>
+                    </a:lnL>
+                    <a:lnR w="12700" cap="flat" cmpd="sng" algn="ctr">
+                      <a:solidFill>
+                        <a:schemeClr val="tx1"/>
+                      </a:solidFill>
+                      <a:prstDash val="solid"/>
+                      <a:round/>
+                      <a:headEnd type="none" w="med" len="med"/>
+                      <a:tailEnd type="none" w="med" len="med"/>
+                    </a:lnR>
+                    <a:lnT w="12700" cap="flat" cmpd="sng" algn="ctr">
+                      <a:solidFill>
+                        <a:schemeClr val="tx1"/>
+                      </a:solidFill>
+                      <a:prstDash val="solid"/>
+                      <a:round/>
+                      <a:headEnd type="none" w="med" len="med"/>
+                      <a:tailEnd type="none" w="med" len="med"/>
+                    </a:lnT>
+                    <a:lnB w="12700" cap="flat" cmpd="sng" algn="ctr">
+                      <a:solidFill>
+                        <a:schemeClr val="tx1"/>
+                      </a:solidFill>
+                      <a:prstDash val="solid"/>
+                      <a:round/>
+                      <a:headEnd type="none" w="med" len="med"/>
+                      <a:tailEnd type="none" w="med" len="med"/>
+                    </a:lnB>
+                  </a:tcPr>
+                </a:tc>
+                <a:tc>
+                  <a:txBody>
+                    <a:bodyPr/>
+                    <a:lstStyle/>
+                    <a:p>
+                      <a:pPr algn="ctr" latinLnBrk="1"/>
+                      <a:r>
+                        <a:rPr lang="ko-KR" altLang="en-US" sz="1800" dirty="0"/>
+                        <a:t>설명</a:t>
+                      </a:r>
+                    </a:p>
+                  </a:txBody>
+                  <a:tcPr anchor="ctr">
+                    <a:lnL w="12700" cap="flat" cmpd="sng" algn="ctr">
+                      <a:solidFill>
+                        <a:schemeClr val="tx1"/>
+                      </a:solidFill>
+                      <a:prstDash val="solid"/>
+                      <a:round/>
+                      <a:headEnd type="none" w="med" len="med"/>
+                      <a:tailEnd type="none" w="med" len="med"/>
+                    </a:lnL>
+                    <a:lnR w="12700" cap="flat" cmpd="sng" algn="ctr">
+                      <a:solidFill>
+                        <a:schemeClr val="tx1"/>
+                      </a:solidFill>
+                      <a:prstDash val="solid"/>
+                      <a:round/>
+                      <a:headEnd type="none" w="med" len="med"/>
+                      <a:tailEnd type="none" w="med" len="med"/>
+                    </a:lnR>
+                    <a:lnT w="12700" cap="flat" cmpd="sng" algn="ctr">
+                      <a:solidFill>
+                        <a:schemeClr val="tx1"/>
+                      </a:solidFill>
+                      <a:prstDash val="solid"/>
+                      <a:round/>
+                      <a:headEnd type="none" w="med" len="med"/>
+                      <a:tailEnd type="none" w="med" len="med"/>
+                    </a:lnT>
+                    <a:lnB w="12700" cap="flat" cmpd="sng" algn="ctr">
+                      <a:solidFill>
+                        <a:schemeClr val="tx1"/>
+                      </a:solidFill>
+                      <a:prstDash val="solid"/>
+                      <a:round/>
+                      <a:headEnd type="none" w="med" len="med"/>
+                      <a:tailEnd type="none" w="med" len="med"/>
+                    </a:lnB>
+                  </a:tcPr>
+                </a:tc>
+                <a:extLst>
+                  <a:ext uri="{0D108BD9-81ED-4DB2-BD59-A6C34878D82A}">
+                    <a16:rowId xmlns:a16="http://schemas.microsoft.com/office/drawing/2014/main" val="3934898473"/>
+                  </a:ext>
+                </a:extLst>
+              </a:tr>
+              <a:tr h="422071">
+                <a:tc>
+                  <a:txBody>
+                    <a:bodyPr/>
+                    <a:lstStyle/>
+                    <a:p>
+                      <a:pPr algn="ctr" latinLnBrk="1"/>
+                      <a:r>
+                        <a:rPr lang="ko-KR" altLang="en-US" sz="1200" dirty="0"/>
+                        <a:t>유체화</a:t>
+                      </a:r>
+                    </a:p>
+                  </a:txBody>
+                  <a:tcPr anchor="ctr">
+                    <a:lnL w="12700" cap="flat" cmpd="sng" algn="ctr">
+                      <a:solidFill>
+                        <a:schemeClr val="tx1"/>
+                      </a:solidFill>
+                      <a:prstDash val="solid"/>
+                      <a:round/>
+                      <a:headEnd type="none" w="med" len="med"/>
+                      <a:tailEnd type="none" w="med" len="med"/>
+                    </a:lnL>
+                    <a:lnR w="12700" cap="flat" cmpd="sng" algn="ctr">
+                      <a:solidFill>
+                        <a:schemeClr val="tx1"/>
+                      </a:solidFill>
+                      <a:prstDash val="solid"/>
+                      <a:round/>
+                      <a:headEnd type="none" w="med" len="med"/>
+                      <a:tailEnd type="none" w="med" len="med"/>
+                    </a:lnR>
+                    <a:lnT w="12700" cap="flat" cmpd="sng" algn="ctr">
+                      <a:solidFill>
+                        <a:schemeClr val="tx1"/>
+                      </a:solidFill>
+                      <a:prstDash val="solid"/>
+                      <a:round/>
+                      <a:headEnd type="none" w="med" len="med"/>
+                      <a:tailEnd type="none" w="med" len="med"/>
+                    </a:lnT>
+                    <a:lnB w="12700" cap="flat" cmpd="sng" algn="ctr">
+                      <a:solidFill>
+                        <a:schemeClr val="tx1"/>
+                      </a:solidFill>
+                      <a:prstDash val="solid"/>
+                      <a:round/>
+                      <a:headEnd type="none" w="med" len="med"/>
+                      <a:tailEnd type="none" w="med" len="med"/>
+                    </a:lnB>
+                  </a:tcPr>
+                </a:tc>
+                <a:tc>
+                  <a:txBody>
+                    <a:bodyPr/>
+                    <a:lstStyle/>
+                    <a:p>
+                      <a:pPr algn="ctr" latinLnBrk="1"/>
+                      <a:r>
+                        <a:rPr lang="en-US" altLang="ko-KR" sz="1200" dirty="0"/>
+                        <a:t>10</a:t>
+                      </a:r>
+                      <a:r>
+                        <a:rPr lang="ko-KR" altLang="en-US" sz="1200" dirty="0"/>
+                        <a:t>초</a:t>
+                      </a:r>
+                    </a:p>
+                  </a:txBody>
+                  <a:tcPr anchor="ctr">
+                    <a:lnL w="12700" cap="flat" cmpd="sng" algn="ctr">
+                      <a:solidFill>
+                        <a:schemeClr val="tx1"/>
+                      </a:solidFill>
+                      <a:prstDash val="solid"/>
+                      <a:round/>
+                      <a:headEnd type="none" w="med" len="med"/>
+                      <a:tailEnd type="none" w="med" len="med"/>
+                    </a:lnL>
+                    <a:lnR w="12700" cap="flat" cmpd="sng" algn="ctr">
+                      <a:solidFill>
+                        <a:schemeClr val="tx1"/>
+                      </a:solidFill>
+                      <a:prstDash val="solid"/>
+                      <a:round/>
+                      <a:headEnd type="none" w="med" len="med"/>
+                      <a:tailEnd type="none" w="med" len="med"/>
+                    </a:lnR>
+                    <a:lnT w="12700" cap="flat" cmpd="sng" algn="ctr">
+                      <a:solidFill>
+                        <a:schemeClr val="tx1"/>
+                      </a:solidFill>
+                      <a:prstDash val="solid"/>
+                      <a:round/>
+                      <a:headEnd type="none" w="med" len="med"/>
+                      <a:tailEnd type="none" w="med" len="med"/>
+                    </a:lnT>
+                    <a:lnB w="12700" cap="flat" cmpd="sng" algn="ctr">
+                      <a:solidFill>
+                        <a:schemeClr val="tx1"/>
+                      </a:solidFill>
+                      <a:prstDash val="solid"/>
+                      <a:round/>
+                      <a:headEnd type="none" w="med" len="med"/>
+                      <a:tailEnd type="none" w="med" len="med"/>
+                    </a:lnB>
+                  </a:tcPr>
+                </a:tc>
+                <a:tc>
+                  <a:txBody>
+                    <a:bodyPr/>
+                    <a:lstStyle/>
+                    <a:p>
+                      <a:pPr algn="ctr" latinLnBrk="1"/>
+                      <a:r>
+                        <a:rPr lang="en-US" altLang="ko-KR" sz="1200" dirty="0"/>
+                        <a:t>1</a:t>
+                      </a:r>
+                      <a:r>
+                        <a:rPr lang="ko-KR" altLang="en-US" sz="1200" dirty="0"/>
+                        <a:t>초간 이동속도가 </a:t>
+                      </a:r>
+                      <a:r>
+                        <a:rPr lang="en-US" altLang="ko-KR" sz="1200" dirty="0"/>
+                        <a:t>0.5 </a:t>
+                      </a:r>
+                      <a:r>
+                        <a:rPr lang="ko-KR" altLang="en-US" sz="1200" dirty="0"/>
+                        <a:t>증가한다</a:t>
+                      </a:r>
+                      <a:r>
+                        <a:rPr lang="en-US" altLang="ko-KR" sz="1200" dirty="0"/>
+                        <a:t>.</a:t>
+                      </a:r>
+                      <a:endParaRPr lang="ko-KR" altLang="en-US" sz="1200" dirty="0"/>
+                    </a:p>
+                  </a:txBody>
+                  <a:tcPr anchor="ctr">
+                    <a:lnL w="12700" cap="flat" cmpd="sng" algn="ctr">
+                      <a:solidFill>
+                        <a:schemeClr val="tx1"/>
+                      </a:solidFill>
+                      <a:prstDash val="solid"/>
+                      <a:round/>
+                      <a:headEnd type="none" w="med" len="med"/>
+                      <a:tailEnd type="none" w="med" len="med"/>
+                    </a:lnL>
+                    <a:lnR w="12700" cap="flat" cmpd="sng" algn="ctr">
+                      <a:solidFill>
+                        <a:schemeClr val="tx1"/>
+                      </a:solidFill>
+                      <a:prstDash val="solid"/>
+                      <a:round/>
+                      <a:headEnd type="none" w="med" len="med"/>
+                      <a:tailEnd type="none" w="med" len="med"/>
+                    </a:lnR>
+                    <a:lnT w="12700" cap="flat" cmpd="sng" algn="ctr">
+                      <a:solidFill>
+                        <a:schemeClr val="tx1"/>
+                      </a:solidFill>
+                      <a:prstDash val="solid"/>
+                      <a:round/>
+                      <a:headEnd type="none" w="med" len="med"/>
+                      <a:tailEnd type="none" w="med" len="med"/>
+                    </a:lnT>
+                    <a:lnB w="12700" cap="flat" cmpd="sng" algn="ctr">
+                      <a:solidFill>
+                        <a:schemeClr val="tx1"/>
+                      </a:solidFill>
+                      <a:prstDash val="solid"/>
+                      <a:round/>
+                      <a:headEnd type="none" w="med" len="med"/>
+                      <a:tailEnd type="none" w="med" len="med"/>
+                    </a:lnB>
+                  </a:tcPr>
+                </a:tc>
+                <a:extLst>
+                  <a:ext uri="{0D108BD9-81ED-4DB2-BD59-A6C34878D82A}">
+                    <a16:rowId xmlns:a16="http://schemas.microsoft.com/office/drawing/2014/main" val="3806283605"/>
+                  </a:ext>
+                </a:extLst>
+              </a:tr>
+              <a:tr h="422071">
+                <a:tc>
+                  <a:txBody>
+                    <a:bodyPr/>
+                    <a:lstStyle/>
+                    <a:p>
+                      <a:pPr algn="ctr" latinLnBrk="1"/>
+                      <a:r>
+                        <a:rPr lang="ko-KR" altLang="en-US" sz="1200" dirty="0"/>
+                        <a:t>방탄복</a:t>
+                      </a:r>
+                    </a:p>
+                  </a:txBody>
+                  <a:tcPr anchor="ctr">
+                    <a:lnL w="12700" cap="flat" cmpd="sng" algn="ctr">
+                      <a:solidFill>
+                        <a:schemeClr val="tx1"/>
+                      </a:solidFill>
+                      <a:prstDash val="solid"/>
+                      <a:round/>
+                      <a:headEnd type="none" w="med" len="med"/>
+                      <a:tailEnd type="none" w="med" len="med"/>
+                    </a:lnL>
+                    <a:lnR w="12700" cap="flat" cmpd="sng" algn="ctr">
+                      <a:solidFill>
+                        <a:schemeClr val="tx1"/>
+                      </a:solidFill>
+                      <a:prstDash val="solid"/>
+                      <a:round/>
+                      <a:headEnd type="none" w="med" len="med"/>
+                      <a:tailEnd type="none" w="med" len="med"/>
+                    </a:lnR>
+                    <a:lnT w="12700" cap="flat" cmpd="sng" algn="ctr">
+                      <a:solidFill>
+                        <a:schemeClr val="tx1"/>
+                      </a:solidFill>
+                      <a:prstDash val="solid"/>
+                      <a:round/>
+                      <a:headEnd type="none" w="med" len="med"/>
+                      <a:tailEnd type="none" w="med" len="med"/>
+                    </a:lnT>
+                    <a:lnB w="12700" cap="flat" cmpd="sng" algn="ctr">
+                      <a:solidFill>
+                        <a:schemeClr val="tx1"/>
+                      </a:solidFill>
+                      <a:prstDash val="solid"/>
+                      <a:round/>
+                      <a:headEnd type="none" w="med" len="med"/>
+                      <a:tailEnd type="none" w="med" len="med"/>
+                    </a:lnB>
+                  </a:tcPr>
+                </a:tc>
+                <a:tc>
+                  <a:txBody>
+                    <a:bodyPr/>
+                    <a:lstStyle/>
+                    <a:p>
+                      <a:pPr algn="ctr" latinLnBrk="1"/>
+                      <a:r>
+                        <a:rPr lang="en-US" altLang="ko-KR" sz="1200" dirty="0"/>
+                        <a:t>60</a:t>
+                      </a:r>
+                      <a:r>
+                        <a:rPr lang="ko-KR" altLang="en-US" sz="1200" dirty="0"/>
+                        <a:t>초</a:t>
+                      </a:r>
+                    </a:p>
+                  </a:txBody>
+                  <a:tcPr anchor="ctr">
+                    <a:lnL w="12700" cap="flat" cmpd="sng" algn="ctr">
+                      <a:solidFill>
+                        <a:schemeClr val="tx1"/>
+                      </a:solidFill>
+                      <a:prstDash val="solid"/>
+                      <a:round/>
+                      <a:headEnd type="none" w="med" len="med"/>
+                      <a:tailEnd type="none" w="med" len="med"/>
+                    </a:lnL>
+                    <a:lnR w="12700" cap="flat" cmpd="sng" algn="ctr">
+                      <a:solidFill>
+                        <a:schemeClr val="tx1"/>
+                      </a:solidFill>
+                      <a:prstDash val="solid"/>
+                      <a:round/>
+                      <a:headEnd type="none" w="med" len="med"/>
+                      <a:tailEnd type="none" w="med" len="med"/>
+                    </a:lnR>
+                    <a:lnT w="12700" cap="flat" cmpd="sng" algn="ctr">
+                      <a:solidFill>
+                        <a:schemeClr val="tx1"/>
+                      </a:solidFill>
+                      <a:prstDash val="solid"/>
+                      <a:round/>
+                      <a:headEnd type="none" w="med" len="med"/>
+                      <a:tailEnd type="none" w="med" len="med"/>
+                    </a:lnT>
+                    <a:lnB w="12700" cap="flat" cmpd="sng" algn="ctr">
+                      <a:solidFill>
+                        <a:schemeClr val="tx1"/>
+                      </a:solidFill>
+                      <a:prstDash val="solid"/>
+                      <a:round/>
+                      <a:headEnd type="none" w="med" len="med"/>
+                      <a:tailEnd type="none" w="med" len="med"/>
+                    </a:lnB>
+                  </a:tcPr>
+                </a:tc>
+                <a:tc>
+                  <a:txBody>
+                    <a:bodyPr/>
+                    <a:lstStyle/>
+                    <a:p>
+                      <a:pPr algn="ctr" latinLnBrk="1"/>
+                      <a:r>
+                        <a:rPr lang="en-US" altLang="ko-KR" sz="1200" dirty="0"/>
+                        <a:t>3</a:t>
+                      </a:r>
+                      <a:r>
+                        <a:rPr lang="ko-KR" altLang="en-US" sz="1200" dirty="0"/>
+                        <a:t>초간 임시 체력 </a:t>
+                      </a:r>
+                      <a:r>
+                        <a:rPr lang="en-US" altLang="ko-KR" sz="1200" dirty="0"/>
+                        <a:t>2</a:t>
+                      </a:r>
+                      <a:r>
+                        <a:rPr lang="ko-KR" altLang="en-US" sz="1200" dirty="0"/>
+                        <a:t>칸을 얻는다</a:t>
+                      </a:r>
+                      <a:r>
+                        <a:rPr lang="en-US" altLang="ko-KR" sz="1200" dirty="0"/>
+                        <a:t>.</a:t>
+                      </a:r>
+                    </a:p>
+                    <a:p>
+                      <a:pPr algn="ctr" latinLnBrk="1"/>
+                      <a:r>
+                        <a:rPr lang="ko-KR" altLang="en-US" sz="1200" dirty="0"/>
+                        <a:t>피격 시 임시체력이 먼저 닳는다</a:t>
+                      </a:r>
+                      <a:r>
+                        <a:rPr lang="en-US" altLang="ko-KR" sz="1200" dirty="0"/>
+                        <a:t>.</a:t>
+                      </a:r>
+                      <a:br>
+                        <a:rPr lang="en-US" altLang="ko-KR" sz="1200" dirty="0"/>
+                      </a:br>
+                      <a:r>
+                        <a:rPr lang="en-US" altLang="ko-KR" sz="1200" dirty="0"/>
+                        <a:t>3</a:t>
+                      </a:r>
+                      <a:r>
+                        <a:rPr lang="ko-KR" altLang="en-US" sz="1200" dirty="0"/>
+                        <a:t>초 후 임시 체력은 사라진다</a:t>
+                      </a:r>
+                      <a:r>
+                        <a:rPr lang="en-US" altLang="ko-KR" sz="1200" dirty="0"/>
+                        <a:t>.</a:t>
+                      </a:r>
                       <a:endParaRPr lang="ko-KR" altLang="en-US" sz="1200" dirty="0"/>
                     </a:p>
                   </a:txBody>
@@ -21558,13 +21853,13 @@
           <p:nvPr>
             <p:extLst>
               <p:ext uri="{D42A27DB-BD31-4B8C-83A1-F6EECF244321}">
-                <p14:modId xmlns:p14="http://schemas.microsoft.com/office/powerpoint/2010/main" val="3201624477"/>
+                <p14:modId xmlns:p14="http://schemas.microsoft.com/office/powerpoint/2010/main" val="2928159561"/>
               </p:ext>
             </p:extLst>
           </p:nvPr>
         </p:nvGraphicFramePr>
         <p:xfrm>
-          <a:off x="838200" y="2465768"/>
+          <a:off x="838200" y="2039206"/>
           <a:ext cx="5373031" cy="2779588"/>
         </p:xfrm>
         <a:graphic>
@@ -22078,7 +22373,7 @@
                       </a:pPr>
                       <a:r>
                         <a:rPr lang="en-US" altLang="ko-KR" sz="1200" dirty="0"/>
-                        <a:t>240</a:t>
+                        <a:t>210</a:t>
                       </a:r>
                       <a:r>
                         <a:rPr lang="ko-KR" altLang="en-US" sz="1200" dirty="0"/>
@@ -22292,7 +22587,7 @@
                       </a:pPr>
                       <a:r>
                         <a:rPr lang="en-US" altLang="ko-KR" sz="1200" dirty="0"/>
-                        <a:t>6</a:t>
+                        <a:t>10</a:t>
                       </a:r>
                       <a:r>
                         <a:rPr lang="ko-KR" altLang="en-US" sz="1200" dirty="0"/>
@@ -22494,7 +22789,7 @@
                       </a:pPr>
                       <a:r>
                         <a:rPr lang="en-US" altLang="ko-KR" sz="1200" dirty="0"/>
-                        <a:t>0.9</a:t>
+                        <a:t>0.7</a:t>
                       </a:r>
                       <a:endParaRPr lang="ko-KR" altLang="en-US" sz="1200" dirty="0"/>
                     </a:p>
@@ -22693,7 +22988,7 @@
                       </a:pPr>
                       <a:r>
                         <a:rPr lang="en-US" altLang="ko-KR" sz="1200" dirty="0"/>
-                        <a:t>2.0</a:t>
+                        <a:t>1.0</a:t>
                       </a:r>
                       <a:endParaRPr lang="ko-KR" altLang="en-US" sz="1200" dirty="0"/>
                     </a:p>
@@ -22887,7 +23182,7 @@
                       </a:pPr>
                       <a:r>
                         <a:rPr lang="en-US" altLang="ko-KR" sz="1200" dirty="0"/>
-                        <a:t>0.5</a:t>
+                        <a:t>1.0</a:t>
                       </a:r>
                       <a:endParaRPr lang="ko-KR" altLang="en-US" sz="1200" dirty="0"/>
                     </a:p>
@@ -23011,2337 +23306,36 @@
           </a:graphicData>
         </a:graphic>
       </p:graphicFrame>
-    </p:spTree>
-    <p:extLst>
-      <p:ext uri="{BB962C8B-B14F-4D97-AF65-F5344CB8AC3E}">
-        <p14:creationId xmlns:p14="http://schemas.microsoft.com/office/powerpoint/2010/main" val="2072468480"/>
-      </p:ext>
-    </p:extLst>
-  </p:cSld>
-  <p:clrMapOvr>
-    <a:masterClrMapping/>
-  </p:clrMapOvr>
-</p:sld>
-</file>
-
-<file path=ppt/slides/slide9.xml><?xml version="1.0" encoding="utf-8"?>
-<p:sld xmlns:a="http://schemas.openxmlformats.org/drawingml/2006/main" xmlns:r="http://schemas.openxmlformats.org/officeDocument/2006/relationships" xmlns:p="http://schemas.openxmlformats.org/presentationml/2006/main">
-  <p:cSld>
-    <p:spTree>
-      <p:nvGrpSpPr>
-        <p:cNvPr id="1" name=""/>
-        <p:cNvGrpSpPr/>
-        <p:nvPr/>
-      </p:nvGrpSpPr>
-      <p:grpSpPr>
-        <a:xfrm>
-          <a:off x="0" y="0"/>
-          <a:ext cx="0" cy="0"/>
-          <a:chOff x="0" y="0"/>
-          <a:chExt cx="0" cy="0"/>
-        </a:xfrm>
-      </p:grpSpPr>
-      <p:sp>
-        <p:nvSpPr>
-          <p:cNvPr id="2" name="제목 1">
+      <p:pic>
+        <p:nvPicPr>
+          <p:cNvPr id="5" name="그림 4">
             <a:extLst>
               <a:ext uri="{FF2B5EF4-FFF2-40B4-BE49-F238E27FC236}">
-                <a16:creationId xmlns:a16="http://schemas.microsoft.com/office/drawing/2014/main" id="{DDC64BBE-2F5F-3D17-016B-4D9EB1F89A33}"/>
+                <a16:creationId xmlns:a16="http://schemas.microsoft.com/office/drawing/2014/main" id="{19424635-C0D0-9CE4-0C29-6957CA3EBBDA}"/>
               </a:ext>
             </a:extLst>
           </p:cNvPr>
-          <p:cNvSpPr>
-            <a:spLocks noGrp="1"/>
-          </p:cNvSpPr>
-          <p:nvPr>
-            <p:ph type="title"/>
-          </p:nvPr>
-        </p:nvSpPr>
-        <p:spPr/>
-        <p:txBody>
-          <a:bodyPr/>
-          <a:lstStyle/>
-          <a:p>
-            <a:r>
-              <a:rPr lang="en-US" altLang="ko-KR" dirty="0"/>
-              <a:t>8. </a:t>
-            </a:r>
-            <a:r>
-              <a:rPr lang="ko-KR" altLang="en-US" dirty="0" err="1"/>
-              <a:t>저거너트</a:t>
-            </a:r>
-            <a:endParaRPr lang="ko-KR" altLang="en-US" dirty="0"/>
-          </a:p>
-        </p:txBody>
-      </p:sp>
-      <p:sp>
-        <p:nvSpPr>
-          <p:cNvPr id="3" name="내용 개체 틀 2">
-            <a:extLst>
-              <a:ext uri="{FF2B5EF4-FFF2-40B4-BE49-F238E27FC236}">
-                <a16:creationId xmlns:a16="http://schemas.microsoft.com/office/drawing/2014/main" id="{A2AD6ACE-68A0-7003-C05E-56FF5EBF5A50}"/>
-              </a:ext>
-            </a:extLst>
-          </p:cNvPr>
-          <p:cNvSpPr>
-            <a:spLocks noGrp="1"/>
-          </p:cNvSpPr>
-          <p:nvPr>
-            <p:ph idx="1"/>
-          </p:nvPr>
-        </p:nvSpPr>
+          <p:cNvPicPr>
+            <a:picLocks noChangeAspect="1"/>
+          </p:cNvPicPr>
+          <p:nvPr/>
+        </p:nvPicPr>
+        <p:blipFill>
+          <a:blip r:embed="rId2"/>
+          <a:stretch>
+            <a:fillRect/>
+          </a:stretch>
+        </p:blipFill>
         <p:spPr>
           <a:xfrm>
-            <a:off x="838200" y="1357493"/>
-            <a:ext cx="5257800" cy="2061077"/>
-          </a:xfrm>
-        </p:spPr>
-        <p:txBody>
-          <a:bodyPr>
-            <a:normAutofit/>
-          </a:bodyPr>
-          <a:lstStyle/>
-          <a:p>
-            <a:r>
-              <a:rPr lang="en-US" altLang="ko-KR" sz="1400" dirty="0"/>
-              <a:t>‘</a:t>
-            </a:r>
-            <a:r>
-              <a:rPr lang="ko-KR" altLang="en-US" sz="1400" dirty="0"/>
-              <a:t>방탄복</a:t>
-            </a:r>
-            <a:r>
-              <a:rPr lang="en-US" altLang="ko-KR" sz="1400" dirty="0"/>
-              <a:t>’</a:t>
-            </a:r>
-            <a:r>
-              <a:rPr lang="ko-KR" altLang="en-US" sz="1400" dirty="0"/>
-              <a:t>이라는 직업 아이템을 먹으면 전직 가능하다</a:t>
-            </a:r>
-            <a:r>
-              <a:rPr lang="en-US" altLang="ko-KR" sz="1400" dirty="0"/>
-              <a:t>.</a:t>
-            </a:r>
-          </a:p>
-          <a:p>
-            <a:r>
-              <a:rPr lang="ko-KR" altLang="en-US" sz="1400" dirty="0"/>
-              <a:t>단단한 탱커 컨셉으로 강화 방탄복을 입은 직업</a:t>
-            </a:r>
-            <a:endParaRPr lang="en-US" altLang="ko-KR" sz="1400" dirty="0"/>
-          </a:p>
-        </p:txBody>
-      </p:sp>
-      <p:graphicFrame>
-        <p:nvGraphicFramePr>
-          <p:cNvPr id="10" name="표 9">
-            <a:extLst>
-              <a:ext uri="{FF2B5EF4-FFF2-40B4-BE49-F238E27FC236}">
-                <a16:creationId xmlns:a16="http://schemas.microsoft.com/office/drawing/2014/main" id="{9796D849-39D6-143B-49A8-B4833851198E}"/>
-              </a:ext>
-            </a:extLst>
-          </p:cNvPr>
-          <p:cNvGraphicFramePr>
-            <a:graphicFrameLocks noGrp="1"/>
-          </p:cNvGraphicFramePr>
-          <p:nvPr/>
-        </p:nvGraphicFramePr>
-        <p:xfrm>
-          <a:off x="838200" y="5400829"/>
-          <a:ext cx="5373030" cy="1266213"/>
-        </p:xfrm>
-        <a:graphic>
-          <a:graphicData uri="http://schemas.openxmlformats.org/drawingml/2006/table">
-            <a:tbl>
-              <a:tblPr firstRow="1" bandRow="1">
-                <a:tableStyleId>{F5AB1C69-6EDB-4FF4-983F-18BD219EF322}</a:tableStyleId>
-              </a:tblPr>
-              <a:tblGrid>
-                <a:gridCol w="1429139">
-                  <a:extLst>
-                    <a:ext uri="{9D8B030D-6E8A-4147-A177-3AD203B41FA5}">
-                      <a16:colId xmlns:a16="http://schemas.microsoft.com/office/drawing/2014/main" val="1096772183"/>
-                    </a:ext>
-                  </a:extLst>
-                </a:gridCol>
-                <a:gridCol w="1156996">
-                  <a:extLst>
-                    <a:ext uri="{9D8B030D-6E8A-4147-A177-3AD203B41FA5}">
-                      <a16:colId xmlns:a16="http://schemas.microsoft.com/office/drawing/2014/main" val="3276011012"/>
-                    </a:ext>
-                  </a:extLst>
-                </a:gridCol>
-                <a:gridCol w="2786895">
-                  <a:extLst>
-                    <a:ext uri="{9D8B030D-6E8A-4147-A177-3AD203B41FA5}">
-                      <a16:colId xmlns:a16="http://schemas.microsoft.com/office/drawing/2014/main" val="1120309742"/>
-                    </a:ext>
-                  </a:extLst>
-                </a:gridCol>
-              </a:tblGrid>
-              <a:tr h="422071">
-                <a:tc>
-                  <a:txBody>
-                    <a:bodyPr/>
-                    <a:lstStyle/>
-                    <a:p>
-                      <a:pPr algn="ctr" latinLnBrk="1"/>
-                      <a:r>
-                        <a:rPr lang="ko-KR" altLang="en-US" sz="1800" dirty="0" err="1"/>
-                        <a:t>스킬명</a:t>
-                      </a:r>
-                      <a:endParaRPr lang="ko-KR" altLang="en-US" sz="1800" dirty="0"/>
-                    </a:p>
-                  </a:txBody>
-                  <a:tcPr anchor="ctr">
-                    <a:lnL w="12700" cap="flat" cmpd="sng" algn="ctr">
-                      <a:solidFill>
-                        <a:schemeClr val="tx1"/>
-                      </a:solidFill>
-                      <a:prstDash val="solid"/>
-                      <a:round/>
-                      <a:headEnd type="none" w="med" len="med"/>
-                      <a:tailEnd type="none" w="med" len="med"/>
-                    </a:lnL>
-                    <a:lnR w="12700" cap="flat" cmpd="sng" algn="ctr">
-                      <a:solidFill>
-                        <a:schemeClr val="tx1"/>
-                      </a:solidFill>
-                      <a:prstDash val="solid"/>
-                      <a:round/>
-                      <a:headEnd type="none" w="med" len="med"/>
-                      <a:tailEnd type="none" w="med" len="med"/>
-                    </a:lnR>
-                    <a:lnT w="12700" cap="flat" cmpd="sng" algn="ctr">
-                      <a:solidFill>
-                        <a:schemeClr val="tx1"/>
-                      </a:solidFill>
-                      <a:prstDash val="solid"/>
-                      <a:round/>
-                      <a:headEnd type="none" w="med" len="med"/>
-                      <a:tailEnd type="none" w="med" len="med"/>
-                    </a:lnT>
-                    <a:lnB w="12700" cap="flat" cmpd="sng" algn="ctr">
-                      <a:solidFill>
-                        <a:schemeClr val="tx1"/>
-                      </a:solidFill>
-                      <a:prstDash val="solid"/>
-                      <a:round/>
-                      <a:headEnd type="none" w="med" len="med"/>
-                      <a:tailEnd type="none" w="med" len="med"/>
-                    </a:lnB>
-                  </a:tcPr>
-                </a:tc>
-                <a:tc>
-                  <a:txBody>
-                    <a:bodyPr/>
-                    <a:lstStyle/>
-                    <a:p>
-                      <a:pPr algn="ctr" latinLnBrk="1"/>
-                      <a:r>
-                        <a:rPr lang="ko-KR" altLang="en-US" sz="1800" dirty="0" err="1"/>
-                        <a:t>쿨타임</a:t>
-                      </a:r>
-                      <a:endParaRPr lang="ko-KR" altLang="en-US" sz="1800" dirty="0"/>
-                    </a:p>
-                  </a:txBody>
-                  <a:tcPr anchor="ctr">
-                    <a:lnL w="12700" cap="flat" cmpd="sng" algn="ctr">
-                      <a:solidFill>
-                        <a:schemeClr val="tx1"/>
-                      </a:solidFill>
-                      <a:prstDash val="solid"/>
-                      <a:round/>
-                      <a:headEnd type="none" w="med" len="med"/>
-                      <a:tailEnd type="none" w="med" len="med"/>
-                    </a:lnL>
-                    <a:lnR w="12700" cap="flat" cmpd="sng" algn="ctr">
-                      <a:solidFill>
-                        <a:schemeClr val="tx1"/>
-                      </a:solidFill>
-                      <a:prstDash val="solid"/>
-                      <a:round/>
-                      <a:headEnd type="none" w="med" len="med"/>
-                      <a:tailEnd type="none" w="med" len="med"/>
-                    </a:lnR>
-                    <a:lnT w="12700" cap="flat" cmpd="sng" algn="ctr">
-                      <a:solidFill>
-                        <a:schemeClr val="tx1"/>
-                      </a:solidFill>
-                      <a:prstDash val="solid"/>
-                      <a:round/>
-                      <a:headEnd type="none" w="med" len="med"/>
-                      <a:tailEnd type="none" w="med" len="med"/>
-                    </a:lnT>
-                    <a:lnB w="12700" cap="flat" cmpd="sng" algn="ctr">
-                      <a:solidFill>
-                        <a:schemeClr val="tx1"/>
-                      </a:solidFill>
-                      <a:prstDash val="solid"/>
-                      <a:round/>
-                      <a:headEnd type="none" w="med" len="med"/>
-                      <a:tailEnd type="none" w="med" len="med"/>
-                    </a:lnB>
-                  </a:tcPr>
-                </a:tc>
-                <a:tc>
-                  <a:txBody>
-                    <a:bodyPr/>
-                    <a:lstStyle/>
-                    <a:p>
-                      <a:pPr algn="ctr" latinLnBrk="1"/>
-                      <a:r>
-                        <a:rPr lang="ko-KR" altLang="en-US" sz="1800" dirty="0"/>
-                        <a:t>설명</a:t>
-                      </a:r>
-                    </a:p>
-                  </a:txBody>
-                  <a:tcPr anchor="ctr">
-                    <a:lnL w="12700" cap="flat" cmpd="sng" algn="ctr">
-                      <a:solidFill>
-                        <a:schemeClr val="tx1"/>
-                      </a:solidFill>
-                      <a:prstDash val="solid"/>
-                      <a:round/>
-                      <a:headEnd type="none" w="med" len="med"/>
-                      <a:tailEnd type="none" w="med" len="med"/>
-                    </a:lnL>
-                    <a:lnR w="12700" cap="flat" cmpd="sng" algn="ctr">
-                      <a:solidFill>
-                        <a:schemeClr val="tx1"/>
-                      </a:solidFill>
-                      <a:prstDash val="solid"/>
-                      <a:round/>
-                      <a:headEnd type="none" w="med" len="med"/>
-                      <a:tailEnd type="none" w="med" len="med"/>
-                    </a:lnR>
-                    <a:lnT w="12700" cap="flat" cmpd="sng" algn="ctr">
-                      <a:solidFill>
-                        <a:schemeClr val="tx1"/>
-                      </a:solidFill>
-                      <a:prstDash val="solid"/>
-                      <a:round/>
-                      <a:headEnd type="none" w="med" len="med"/>
-                      <a:tailEnd type="none" w="med" len="med"/>
-                    </a:lnT>
-                    <a:lnB w="12700" cap="flat" cmpd="sng" algn="ctr">
-                      <a:solidFill>
-                        <a:schemeClr val="tx1"/>
-                      </a:solidFill>
-                      <a:prstDash val="solid"/>
-                      <a:round/>
-                      <a:headEnd type="none" w="med" len="med"/>
-                      <a:tailEnd type="none" w="med" len="med"/>
-                    </a:lnB>
-                  </a:tcPr>
-                </a:tc>
-                <a:extLst>
-                  <a:ext uri="{0D108BD9-81ED-4DB2-BD59-A6C34878D82A}">
-                    <a16:rowId xmlns:a16="http://schemas.microsoft.com/office/drawing/2014/main" val="3934898473"/>
-                  </a:ext>
-                </a:extLst>
-              </a:tr>
-              <a:tr h="422071">
-                <a:tc>
-                  <a:txBody>
-                    <a:bodyPr/>
-                    <a:lstStyle/>
-                    <a:p>
-                      <a:pPr algn="ctr" latinLnBrk="1"/>
-                      <a:r>
-                        <a:rPr lang="ko-KR" altLang="en-US" sz="1200" dirty="0"/>
-                        <a:t>유체화</a:t>
-                      </a:r>
-                    </a:p>
-                  </a:txBody>
-                  <a:tcPr anchor="ctr">
-                    <a:lnL w="12700" cap="flat" cmpd="sng" algn="ctr">
-                      <a:solidFill>
-                        <a:schemeClr val="tx1"/>
-                      </a:solidFill>
-                      <a:prstDash val="solid"/>
-                      <a:round/>
-                      <a:headEnd type="none" w="med" len="med"/>
-                      <a:tailEnd type="none" w="med" len="med"/>
-                    </a:lnL>
-                    <a:lnR w="12700" cap="flat" cmpd="sng" algn="ctr">
-                      <a:solidFill>
-                        <a:schemeClr val="tx1"/>
-                      </a:solidFill>
-                      <a:prstDash val="solid"/>
-                      <a:round/>
-                      <a:headEnd type="none" w="med" len="med"/>
-                      <a:tailEnd type="none" w="med" len="med"/>
-                    </a:lnR>
-                    <a:lnT w="12700" cap="flat" cmpd="sng" algn="ctr">
-                      <a:solidFill>
-                        <a:schemeClr val="tx1"/>
-                      </a:solidFill>
-                      <a:prstDash val="solid"/>
-                      <a:round/>
-                      <a:headEnd type="none" w="med" len="med"/>
-                      <a:tailEnd type="none" w="med" len="med"/>
-                    </a:lnT>
-                    <a:lnB w="12700" cap="flat" cmpd="sng" algn="ctr">
-                      <a:solidFill>
-                        <a:schemeClr val="tx1"/>
-                      </a:solidFill>
-                      <a:prstDash val="solid"/>
-                      <a:round/>
-                      <a:headEnd type="none" w="med" len="med"/>
-                      <a:tailEnd type="none" w="med" len="med"/>
-                    </a:lnB>
-                  </a:tcPr>
-                </a:tc>
-                <a:tc>
-                  <a:txBody>
-                    <a:bodyPr/>
-                    <a:lstStyle/>
-                    <a:p>
-                      <a:pPr algn="ctr" latinLnBrk="1"/>
-                      <a:r>
-                        <a:rPr lang="en-US" altLang="ko-KR" sz="1200" dirty="0"/>
-                        <a:t>10</a:t>
-                      </a:r>
-                      <a:r>
-                        <a:rPr lang="ko-KR" altLang="en-US" sz="1200" dirty="0"/>
-                        <a:t>초</a:t>
-                      </a:r>
-                    </a:p>
-                  </a:txBody>
-                  <a:tcPr anchor="ctr">
-                    <a:lnL w="12700" cap="flat" cmpd="sng" algn="ctr">
-                      <a:solidFill>
-                        <a:schemeClr val="tx1"/>
-                      </a:solidFill>
-                      <a:prstDash val="solid"/>
-                      <a:round/>
-                      <a:headEnd type="none" w="med" len="med"/>
-                      <a:tailEnd type="none" w="med" len="med"/>
-                    </a:lnL>
-                    <a:lnR w="12700" cap="flat" cmpd="sng" algn="ctr">
-                      <a:solidFill>
-                        <a:schemeClr val="tx1"/>
-                      </a:solidFill>
-                      <a:prstDash val="solid"/>
-                      <a:round/>
-                      <a:headEnd type="none" w="med" len="med"/>
-                      <a:tailEnd type="none" w="med" len="med"/>
-                    </a:lnR>
-                    <a:lnT w="12700" cap="flat" cmpd="sng" algn="ctr">
-                      <a:solidFill>
-                        <a:schemeClr val="tx1"/>
-                      </a:solidFill>
-                      <a:prstDash val="solid"/>
-                      <a:round/>
-                      <a:headEnd type="none" w="med" len="med"/>
-                      <a:tailEnd type="none" w="med" len="med"/>
-                    </a:lnT>
-                    <a:lnB w="12700" cap="flat" cmpd="sng" algn="ctr">
-                      <a:solidFill>
-                        <a:schemeClr val="tx1"/>
-                      </a:solidFill>
-                      <a:prstDash val="solid"/>
-                      <a:round/>
-                      <a:headEnd type="none" w="med" len="med"/>
-                      <a:tailEnd type="none" w="med" len="med"/>
-                    </a:lnB>
-                  </a:tcPr>
-                </a:tc>
-                <a:tc>
-                  <a:txBody>
-                    <a:bodyPr/>
-                    <a:lstStyle/>
-                    <a:p>
-                      <a:pPr algn="ctr" latinLnBrk="1"/>
-                      <a:r>
-                        <a:rPr lang="en-US" altLang="ko-KR" sz="1200" dirty="0"/>
-                        <a:t>1</a:t>
-                      </a:r>
-                      <a:r>
-                        <a:rPr lang="ko-KR" altLang="en-US" sz="1200" dirty="0"/>
-                        <a:t>초간 이동속도가 </a:t>
-                      </a:r>
-                      <a:r>
-                        <a:rPr lang="en-US" altLang="ko-KR" sz="1200" dirty="0"/>
-                        <a:t>0.5 </a:t>
-                      </a:r>
-                      <a:r>
-                        <a:rPr lang="ko-KR" altLang="en-US" sz="1200" dirty="0"/>
-                        <a:t>증가한다</a:t>
-                      </a:r>
-                      <a:r>
-                        <a:rPr lang="en-US" altLang="ko-KR" sz="1200" dirty="0"/>
-                        <a:t>.</a:t>
-                      </a:r>
-                      <a:endParaRPr lang="ko-KR" altLang="en-US" sz="1200" dirty="0"/>
-                    </a:p>
-                  </a:txBody>
-                  <a:tcPr anchor="ctr">
-                    <a:lnL w="12700" cap="flat" cmpd="sng" algn="ctr">
-                      <a:solidFill>
-                        <a:schemeClr val="tx1"/>
-                      </a:solidFill>
-                      <a:prstDash val="solid"/>
-                      <a:round/>
-                      <a:headEnd type="none" w="med" len="med"/>
-                      <a:tailEnd type="none" w="med" len="med"/>
-                    </a:lnL>
-                    <a:lnR w="12700" cap="flat" cmpd="sng" algn="ctr">
-                      <a:solidFill>
-                        <a:schemeClr val="tx1"/>
-                      </a:solidFill>
-                      <a:prstDash val="solid"/>
-                      <a:round/>
-                      <a:headEnd type="none" w="med" len="med"/>
-                      <a:tailEnd type="none" w="med" len="med"/>
-                    </a:lnR>
-                    <a:lnT w="12700" cap="flat" cmpd="sng" algn="ctr">
-                      <a:solidFill>
-                        <a:schemeClr val="tx1"/>
-                      </a:solidFill>
-                      <a:prstDash val="solid"/>
-                      <a:round/>
-                      <a:headEnd type="none" w="med" len="med"/>
-                      <a:tailEnd type="none" w="med" len="med"/>
-                    </a:lnT>
-                    <a:lnB w="12700" cap="flat" cmpd="sng" algn="ctr">
-                      <a:solidFill>
-                        <a:schemeClr val="tx1"/>
-                      </a:solidFill>
-                      <a:prstDash val="solid"/>
-                      <a:round/>
-                      <a:headEnd type="none" w="med" len="med"/>
-                      <a:tailEnd type="none" w="med" len="med"/>
-                    </a:lnB>
-                  </a:tcPr>
-                </a:tc>
-                <a:extLst>
-                  <a:ext uri="{0D108BD9-81ED-4DB2-BD59-A6C34878D82A}">
-                    <a16:rowId xmlns:a16="http://schemas.microsoft.com/office/drawing/2014/main" val="3806283605"/>
-                  </a:ext>
-                </a:extLst>
-              </a:tr>
-              <a:tr h="422071">
-                <a:tc>
-                  <a:txBody>
-                    <a:bodyPr/>
-                    <a:lstStyle/>
-                    <a:p>
-                      <a:pPr algn="ctr" latinLnBrk="1"/>
-                      <a:endParaRPr lang="ko-KR" altLang="en-US" sz="1200" dirty="0"/>
-                    </a:p>
-                  </a:txBody>
-                  <a:tcPr anchor="ctr">
-                    <a:lnL w="12700" cap="flat" cmpd="sng" algn="ctr">
-                      <a:solidFill>
-                        <a:schemeClr val="tx1"/>
-                      </a:solidFill>
-                      <a:prstDash val="solid"/>
-                      <a:round/>
-                      <a:headEnd type="none" w="med" len="med"/>
-                      <a:tailEnd type="none" w="med" len="med"/>
-                    </a:lnL>
-                    <a:lnR w="12700" cap="flat" cmpd="sng" algn="ctr">
-                      <a:solidFill>
-                        <a:schemeClr val="tx1"/>
-                      </a:solidFill>
-                      <a:prstDash val="solid"/>
-                      <a:round/>
-                      <a:headEnd type="none" w="med" len="med"/>
-                      <a:tailEnd type="none" w="med" len="med"/>
-                    </a:lnR>
-                    <a:lnT w="12700" cap="flat" cmpd="sng" algn="ctr">
-                      <a:solidFill>
-                        <a:schemeClr val="tx1"/>
-                      </a:solidFill>
-                      <a:prstDash val="solid"/>
-                      <a:round/>
-                      <a:headEnd type="none" w="med" len="med"/>
-                      <a:tailEnd type="none" w="med" len="med"/>
-                    </a:lnT>
-                    <a:lnB w="12700" cap="flat" cmpd="sng" algn="ctr">
-                      <a:solidFill>
-                        <a:schemeClr val="tx1"/>
-                      </a:solidFill>
-                      <a:prstDash val="solid"/>
-                      <a:round/>
-                      <a:headEnd type="none" w="med" len="med"/>
-                      <a:tailEnd type="none" w="med" len="med"/>
-                    </a:lnB>
-                  </a:tcPr>
-                </a:tc>
-                <a:tc>
-                  <a:txBody>
-                    <a:bodyPr/>
-                    <a:lstStyle/>
-                    <a:p>
-                      <a:pPr algn="ctr" latinLnBrk="1"/>
-                      <a:endParaRPr lang="ko-KR" altLang="en-US" sz="1200" dirty="0"/>
-                    </a:p>
-                  </a:txBody>
-                  <a:tcPr anchor="ctr">
-                    <a:lnL w="12700" cap="flat" cmpd="sng" algn="ctr">
-                      <a:solidFill>
-                        <a:schemeClr val="tx1"/>
-                      </a:solidFill>
-                      <a:prstDash val="solid"/>
-                      <a:round/>
-                      <a:headEnd type="none" w="med" len="med"/>
-                      <a:tailEnd type="none" w="med" len="med"/>
-                    </a:lnL>
-                    <a:lnR w="12700" cap="flat" cmpd="sng" algn="ctr">
-                      <a:solidFill>
-                        <a:schemeClr val="tx1"/>
-                      </a:solidFill>
-                      <a:prstDash val="solid"/>
-                      <a:round/>
-                      <a:headEnd type="none" w="med" len="med"/>
-                      <a:tailEnd type="none" w="med" len="med"/>
-                    </a:lnR>
-                    <a:lnT w="12700" cap="flat" cmpd="sng" algn="ctr">
-                      <a:solidFill>
-                        <a:schemeClr val="tx1"/>
-                      </a:solidFill>
-                      <a:prstDash val="solid"/>
-                      <a:round/>
-                      <a:headEnd type="none" w="med" len="med"/>
-                      <a:tailEnd type="none" w="med" len="med"/>
-                    </a:lnT>
-                    <a:lnB w="12700" cap="flat" cmpd="sng" algn="ctr">
-                      <a:solidFill>
-                        <a:schemeClr val="tx1"/>
-                      </a:solidFill>
-                      <a:prstDash val="solid"/>
-                      <a:round/>
-                      <a:headEnd type="none" w="med" len="med"/>
-                      <a:tailEnd type="none" w="med" len="med"/>
-                    </a:lnB>
-                  </a:tcPr>
-                </a:tc>
-                <a:tc>
-                  <a:txBody>
-                    <a:bodyPr/>
-                    <a:lstStyle/>
-                    <a:p>
-                      <a:pPr algn="ctr" latinLnBrk="1"/>
-                      <a:endParaRPr lang="ko-KR" altLang="en-US" sz="1200" dirty="0"/>
-                    </a:p>
-                  </a:txBody>
-                  <a:tcPr anchor="ctr">
-                    <a:lnL w="12700" cap="flat" cmpd="sng" algn="ctr">
-                      <a:solidFill>
-                        <a:schemeClr val="tx1"/>
-                      </a:solidFill>
-                      <a:prstDash val="solid"/>
-                      <a:round/>
-                      <a:headEnd type="none" w="med" len="med"/>
-                      <a:tailEnd type="none" w="med" len="med"/>
-                    </a:lnL>
-                    <a:lnR w="12700" cap="flat" cmpd="sng" algn="ctr">
-                      <a:solidFill>
-                        <a:schemeClr val="tx1"/>
-                      </a:solidFill>
-                      <a:prstDash val="solid"/>
-                      <a:round/>
-                      <a:headEnd type="none" w="med" len="med"/>
-                      <a:tailEnd type="none" w="med" len="med"/>
-                    </a:lnR>
-                    <a:lnT w="12700" cap="flat" cmpd="sng" algn="ctr">
-                      <a:solidFill>
-                        <a:schemeClr val="tx1"/>
-                      </a:solidFill>
-                      <a:prstDash val="solid"/>
-                      <a:round/>
-                      <a:headEnd type="none" w="med" len="med"/>
-                      <a:tailEnd type="none" w="med" len="med"/>
-                    </a:lnT>
-                    <a:lnB w="12700" cap="flat" cmpd="sng" algn="ctr">
-                      <a:solidFill>
-                        <a:schemeClr val="tx1"/>
-                      </a:solidFill>
-                      <a:prstDash val="solid"/>
-                      <a:round/>
-                      <a:headEnd type="none" w="med" len="med"/>
-                      <a:tailEnd type="none" w="med" len="med"/>
-                    </a:lnB>
-                  </a:tcPr>
-                </a:tc>
-                <a:extLst>
-                  <a:ext uri="{0D108BD9-81ED-4DB2-BD59-A6C34878D82A}">
-                    <a16:rowId xmlns:a16="http://schemas.microsoft.com/office/drawing/2014/main" val="377653799"/>
-                  </a:ext>
-                </a:extLst>
-              </a:tr>
-            </a:tbl>
-          </a:graphicData>
-        </a:graphic>
-      </p:graphicFrame>
-      <p:sp>
-        <p:nvSpPr>
-          <p:cNvPr id="11" name="내용 개체 틀 2">
-            <a:extLst>
-              <a:ext uri="{FF2B5EF4-FFF2-40B4-BE49-F238E27FC236}">
-                <a16:creationId xmlns:a16="http://schemas.microsoft.com/office/drawing/2014/main" id="{8F71B3B7-083C-1D06-E635-FFF32162D3A7}"/>
-              </a:ext>
-            </a:extLst>
-          </p:cNvPr>
-          <p:cNvSpPr txBox="1">
-            <a:spLocks/>
-          </p:cNvSpPr>
-          <p:nvPr/>
-        </p:nvSpPr>
-        <p:spPr>
-          <a:xfrm>
-            <a:off x="6625866" y="6034702"/>
-            <a:ext cx="5257800" cy="563203"/>
+            <a:off x="6402028" y="1357493"/>
+            <a:ext cx="5705475" cy="3800475"/>
           </a:xfrm>
           <a:prstGeom prst="rect">
             <a:avLst/>
           </a:prstGeom>
         </p:spPr>
-        <p:txBody>
-          <a:bodyPr vert="horz" lIns="91440" tIns="45720" rIns="91440" bIns="45720" rtlCol="0">
-            <a:normAutofit/>
-          </a:bodyPr>
-          <a:lstStyle>
-            <a:lvl1pPr marL="228600" indent="-228600" algn="l" defTabSz="914400" rtl="0" eaLnBrk="1" latinLnBrk="1" hangingPunct="1">
-              <a:lnSpc>
-                <a:spcPct val="90000"/>
-              </a:lnSpc>
-              <a:spcBef>
-                <a:spcPts val="1000"/>
-              </a:spcBef>
-              <a:buFont typeface="Arial" panose="020B0604020202020204" pitchFamily="34" charset="0"/>
-              <a:buChar char="•"/>
-              <a:defRPr sz="2800" kern="1200">
-                <a:solidFill>
-                  <a:schemeClr val="tx1"/>
-                </a:solidFill>
-                <a:latin typeface="+mn-lt"/>
-                <a:ea typeface="+mn-ea"/>
-                <a:cs typeface="+mn-cs"/>
-              </a:defRPr>
-            </a:lvl1pPr>
-            <a:lvl2pPr marL="685800" indent="-228600" algn="l" defTabSz="914400" rtl="0" eaLnBrk="1" latinLnBrk="1" hangingPunct="1">
-              <a:lnSpc>
-                <a:spcPct val="90000"/>
-              </a:lnSpc>
-              <a:spcBef>
-                <a:spcPts val="500"/>
-              </a:spcBef>
-              <a:buFont typeface="Arial" panose="020B0604020202020204" pitchFamily="34" charset="0"/>
-              <a:buChar char="•"/>
-              <a:defRPr sz="2400" kern="1200">
-                <a:solidFill>
-                  <a:schemeClr val="tx1"/>
-                </a:solidFill>
-                <a:latin typeface="+mn-lt"/>
-                <a:ea typeface="+mn-ea"/>
-                <a:cs typeface="+mn-cs"/>
-              </a:defRPr>
-            </a:lvl2pPr>
-            <a:lvl3pPr marL="1143000" indent="-228600" algn="l" defTabSz="914400" rtl="0" eaLnBrk="1" latinLnBrk="1" hangingPunct="1">
-              <a:lnSpc>
-                <a:spcPct val="90000"/>
-              </a:lnSpc>
-              <a:spcBef>
-                <a:spcPts val="500"/>
-              </a:spcBef>
-              <a:buFont typeface="Arial" panose="020B0604020202020204" pitchFamily="34" charset="0"/>
-              <a:buChar char="•"/>
-              <a:defRPr sz="2000" kern="1200">
-                <a:solidFill>
-                  <a:schemeClr val="tx1"/>
-                </a:solidFill>
-                <a:latin typeface="+mn-lt"/>
-                <a:ea typeface="+mn-ea"/>
-                <a:cs typeface="+mn-cs"/>
-              </a:defRPr>
-            </a:lvl3pPr>
-            <a:lvl4pPr marL="1600200" indent="-228600" algn="l" defTabSz="914400" rtl="0" eaLnBrk="1" latinLnBrk="1" hangingPunct="1">
-              <a:lnSpc>
-                <a:spcPct val="90000"/>
-              </a:lnSpc>
-              <a:spcBef>
-                <a:spcPts val="500"/>
-              </a:spcBef>
-              <a:buFont typeface="Arial" panose="020B0604020202020204" pitchFamily="34" charset="0"/>
-              <a:buChar char="•"/>
-              <a:defRPr sz="1800" kern="1200">
-                <a:solidFill>
-                  <a:schemeClr val="tx1"/>
-                </a:solidFill>
-                <a:latin typeface="+mn-lt"/>
-                <a:ea typeface="+mn-ea"/>
-                <a:cs typeface="+mn-cs"/>
-              </a:defRPr>
-            </a:lvl4pPr>
-            <a:lvl5pPr marL="2057400" indent="-228600" algn="l" defTabSz="914400" rtl="0" eaLnBrk="1" latinLnBrk="1" hangingPunct="1">
-              <a:lnSpc>
-                <a:spcPct val="90000"/>
-              </a:lnSpc>
-              <a:spcBef>
-                <a:spcPts val="500"/>
-              </a:spcBef>
-              <a:buFont typeface="Arial" panose="020B0604020202020204" pitchFamily="34" charset="0"/>
-              <a:buChar char="•"/>
-              <a:defRPr sz="1800" kern="1200">
-                <a:solidFill>
-                  <a:schemeClr val="tx1"/>
-                </a:solidFill>
-                <a:latin typeface="+mn-lt"/>
-                <a:ea typeface="+mn-ea"/>
-                <a:cs typeface="+mn-cs"/>
-              </a:defRPr>
-            </a:lvl5pPr>
-            <a:lvl6pPr marL="2514600" indent="-228600" algn="l" defTabSz="914400" rtl="0" eaLnBrk="1" latinLnBrk="1" hangingPunct="1">
-              <a:lnSpc>
-                <a:spcPct val="90000"/>
-              </a:lnSpc>
-              <a:spcBef>
-                <a:spcPts val="500"/>
-              </a:spcBef>
-              <a:buFont typeface="Arial" panose="020B0604020202020204" pitchFamily="34" charset="0"/>
-              <a:buChar char="•"/>
-              <a:defRPr sz="1800" kern="1200">
-                <a:solidFill>
-                  <a:schemeClr val="tx1"/>
-                </a:solidFill>
-                <a:latin typeface="+mn-lt"/>
-                <a:ea typeface="+mn-ea"/>
-                <a:cs typeface="+mn-cs"/>
-              </a:defRPr>
-            </a:lvl6pPr>
-            <a:lvl7pPr marL="2971800" indent="-228600" algn="l" defTabSz="914400" rtl="0" eaLnBrk="1" latinLnBrk="1" hangingPunct="1">
-              <a:lnSpc>
-                <a:spcPct val="90000"/>
-              </a:lnSpc>
-              <a:spcBef>
-                <a:spcPts val="500"/>
-              </a:spcBef>
-              <a:buFont typeface="Arial" panose="020B0604020202020204" pitchFamily="34" charset="0"/>
-              <a:buChar char="•"/>
-              <a:defRPr sz="1800" kern="1200">
-                <a:solidFill>
-                  <a:schemeClr val="tx1"/>
-                </a:solidFill>
-                <a:latin typeface="+mn-lt"/>
-                <a:ea typeface="+mn-ea"/>
-                <a:cs typeface="+mn-cs"/>
-              </a:defRPr>
-            </a:lvl7pPr>
-            <a:lvl8pPr marL="3429000" indent="-228600" algn="l" defTabSz="914400" rtl="0" eaLnBrk="1" latinLnBrk="1" hangingPunct="1">
-              <a:lnSpc>
-                <a:spcPct val="90000"/>
-              </a:lnSpc>
-              <a:spcBef>
-                <a:spcPts val="500"/>
-              </a:spcBef>
-              <a:buFont typeface="Arial" panose="020B0604020202020204" pitchFamily="34" charset="0"/>
-              <a:buChar char="•"/>
-              <a:defRPr sz="1800" kern="1200">
-                <a:solidFill>
-                  <a:schemeClr val="tx1"/>
-                </a:solidFill>
-                <a:latin typeface="+mn-lt"/>
-                <a:ea typeface="+mn-ea"/>
-                <a:cs typeface="+mn-cs"/>
-              </a:defRPr>
-            </a:lvl8pPr>
-            <a:lvl9pPr marL="3886200" indent="-228600" algn="l" defTabSz="914400" rtl="0" eaLnBrk="1" latinLnBrk="1" hangingPunct="1">
-              <a:lnSpc>
-                <a:spcPct val="90000"/>
-              </a:lnSpc>
-              <a:spcBef>
-                <a:spcPts val="500"/>
-              </a:spcBef>
-              <a:buFont typeface="Arial" panose="020B0604020202020204" pitchFamily="34" charset="0"/>
-              <a:buChar char="•"/>
-              <a:defRPr sz="1800" kern="1200">
-                <a:solidFill>
-                  <a:schemeClr val="tx1"/>
-                </a:solidFill>
-                <a:latin typeface="+mn-lt"/>
-                <a:ea typeface="+mn-ea"/>
-                <a:cs typeface="+mn-cs"/>
-              </a:defRPr>
-            </a:lvl9pPr>
-          </a:lstStyle>
-          <a:p>
-            <a:pPr marL="0" indent="0" algn="ctr">
-              <a:buNone/>
-            </a:pPr>
-            <a:r>
-              <a:rPr lang="ko-KR" altLang="en-US" dirty="0"/>
-              <a:t>예시 캐릭터 사진</a:t>
-            </a:r>
-            <a:endParaRPr lang="en-US" altLang="ko-KR" sz="1400" dirty="0"/>
-          </a:p>
-        </p:txBody>
-      </p:sp>
-      <p:graphicFrame>
-        <p:nvGraphicFramePr>
-          <p:cNvPr id="7" name="표 6">
-            <a:extLst>
-              <a:ext uri="{FF2B5EF4-FFF2-40B4-BE49-F238E27FC236}">
-                <a16:creationId xmlns:a16="http://schemas.microsoft.com/office/drawing/2014/main" id="{191A037D-BD59-A58F-18D8-CEE9ADE721BF}"/>
-              </a:ext>
-            </a:extLst>
-          </p:cNvPr>
-          <p:cNvGraphicFramePr>
-            <a:graphicFrameLocks noGrp="1"/>
-          </p:cNvGraphicFramePr>
-          <p:nvPr/>
-        </p:nvGraphicFramePr>
-        <p:xfrm>
-          <a:off x="838200" y="2465768"/>
-          <a:ext cx="5373031" cy="2779588"/>
-        </p:xfrm>
-        <a:graphic>
-          <a:graphicData uri="http://schemas.openxmlformats.org/drawingml/2006/table">
-            <a:tbl>
-              <a:tblPr firstRow="1" bandRow="1">
-                <a:tableStyleId>{21E4AEA4-8DFA-4A89-87EB-49C32662AFE0}</a:tableStyleId>
-              </a:tblPr>
-              <a:tblGrid>
-                <a:gridCol w="1429282">
-                  <a:extLst>
-                    <a:ext uri="{9D8B030D-6E8A-4147-A177-3AD203B41FA5}">
-                      <a16:colId xmlns:a16="http://schemas.microsoft.com/office/drawing/2014/main" val="649444370"/>
-                    </a:ext>
-                  </a:extLst>
-                </a:gridCol>
-                <a:gridCol w="1167767">
-                  <a:extLst>
-                    <a:ext uri="{9D8B030D-6E8A-4147-A177-3AD203B41FA5}">
-                      <a16:colId xmlns:a16="http://schemas.microsoft.com/office/drawing/2014/main" val="894170241"/>
-                    </a:ext>
-                  </a:extLst>
-                </a:gridCol>
-                <a:gridCol w="2775982">
-                  <a:extLst>
-                    <a:ext uri="{9D8B030D-6E8A-4147-A177-3AD203B41FA5}">
-                      <a16:colId xmlns:a16="http://schemas.microsoft.com/office/drawing/2014/main" val="788308112"/>
-                    </a:ext>
-                  </a:extLst>
-                </a:gridCol>
-              </a:tblGrid>
-              <a:tr h="397084">
-                <a:tc>
-                  <a:txBody>
-                    <a:bodyPr/>
-                    <a:lstStyle/>
-                    <a:p>
-                      <a:pPr algn="ctr" latinLnBrk="1"/>
-                      <a:r>
-                        <a:rPr lang="ko-KR" altLang="en-US" sz="1800" dirty="0" err="1"/>
-                        <a:t>스텟</a:t>
-                      </a:r>
-                      <a:endParaRPr lang="ko-KR" altLang="en-US" sz="1800" dirty="0"/>
-                    </a:p>
-                  </a:txBody>
-                  <a:tcPr anchor="ctr">
-                    <a:lnL w="12700" cap="flat" cmpd="sng" algn="ctr">
-                      <a:solidFill>
-                        <a:schemeClr val="tx1"/>
-                      </a:solidFill>
-                      <a:prstDash val="solid"/>
-                      <a:round/>
-                      <a:headEnd type="none" w="med" len="med"/>
-                      <a:tailEnd type="none" w="med" len="med"/>
-                    </a:lnL>
-                    <a:lnR w="12700" cap="flat" cmpd="sng" algn="ctr">
-                      <a:solidFill>
-                        <a:schemeClr val="tx1"/>
-                      </a:solidFill>
-                      <a:prstDash val="solid"/>
-                      <a:round/>
-                      <a:headEnd type="none" w="med" len="med"/>
-                      <a:tailEnd type="none" w="med" len="med"/>
-                    </a:lnR>
-                    <a:lnT w="12700" cap="flat" cmpd="sng" algn="ctr">
-                      <a:solidFill>
-                        <a:schemeClr val="tx1"/>
-                      </a:solidFill>
-                      <a:prstDash val="solid"/>
-                      <a:round/>
-                      <a:headEnd type="none" w="med" len="med"/>
-                      <a:tailEnd type="none" w="med" len="med"/>
-                    </a:lnT>
-                    <a:lnB w="12700" cap="flat" cmpd="sng" algn="ctr">
-                      <a:solidFill>
-                        <a:schemeClr val="tx1"/>
-                      </a:solidFill>
-                      <a:prstDash val="solid"/>
-                      <a:round/>
-                      <a:headEnd type="none" w="med" len="med"/>
-                      <a:tailEnd type="none" w="med" len="med"/>
-                    </a:lnB>
-                    <a:lnTlToBr w="12700" cmpd="sng">
-                      <a:noFill/>
-                      <a:prstDash val="solid"/>
-                    </a:lnTlToBr>
-                    <a:lnBlToTr w="12700" cmpd="sng">
-                      <a:noFill/>
-                      <a:prstDash val="solid"/>
-                    </a:lnBlToTr>
-                  </a:tcPr>
-                </a:tc>
-                <a:tc>
-                  <a:txBody>
-                    <a:bodyPr/>
-                    <a:lstStyle/>
-                    <a:p>
-                      <a:pPr algn="ctr" latinLnBrk="1"/>
-                      <a:r>
-                        <a:rPr lang="ko-KR" altLang="en-US" sz="1800" dirty="0"/>
-                        <a:t>수치</a:t>
-                      </a:r>
-                    </a:p>
-                  </a:txBody>
-                  <a:tcPr anchor="ctr">
-                    <a:lnL w="12700" cap="flat" cmpd="sng" algn="ctr">
-                      <a:solidFill>
-                        <a:schemeClr val="tx1"/>
-                      </a:solidFill>
-                      <a:prstDash val="solid"/>
-                      <a:round/>
-                      <a:headEnd type="none" w="med" len="med"/>
-                      <a:tailEnd type="none" w="med" len="med"/>
-                    </a:lnL>
-                    <a:lnR w="12700" cap="flat" cmpd="sng" algn="ctr">
-                      <a:solidFill>
-                        <a:schemeClr val="tx1"/>
-                      </a:solidFill>
-                      <a:prstDash val="solid"/>
-                      <a:round/>
-                      <a:headEnd type="none" w="med" len="med"/>
-                      <a:tailEnd type="none" w="med" len="med"/>
-                    </a:lnR>
-                    <a:lnT w="12700" cap="flat" cmpd="sng" algn="ctr">
-                      <a:solidFill>
-                        <a:schemeClr val="tx1"/>
-                      </a:solidFill>
-                      <a:prstDash val="solid"/>
-                      <a:round/>
-                      <a:headEnd type="none" w="med" len="med"/>
-                      <a:tailEnd type="none" w="med" len="med"/>
-                    </a:lnT>
-                    <a:lnB w="12700" cap="flat" cmpd="sng" algn="ctr">
-                      <a:solidFill>
-                        <a:schemeClr val="tx1"/>
-                      </a:solidFill>
-                      <a:prstDash val="solid"/>
-                      <a:round/>
-                      <a:headEnd type="none" w="med" len="med"/>
-                      <a:tailEnd type="none" w="med" len="med"/>
-                    </a:lnB>
-                    <a:lnTlToBr w="12700" cmpd="sng">
-                      <a:noFill/>
-                      <a:prstDash val="solid"/>
-                    </a:lnTlToBr>
-                    <a:lnBlToTr w="12700" cmpd="sng">
-                      <a:noFill/>
-                      <a:prstDash val="solid"/>
-                    </a:lnBlToTr>
-                  </a:tcPr>
-                </a:tc>
-                <a:tc>
-                  <a:txBody>
-                    <a:bodyPr/>
-                    <a:lstStyle/>
-                    <a:p>
-                      <a:pPr algn="ctr" latinLnBrk="1"/>
-                      <a:r>
-                        <a:rPr lang="ko-KR" altLang="en-US" sz="1800" dirty="0"/>
-                        <a:t>주석</a:t>
-                      </a:r>
-                    </a:p>
-                  </a:txBody>
-                  <a:tcPr anchor="ctr">
-                    <a:lnL w="12700" cap="flat" cmpd="sng" algn="ctr">
-                      <a:solidFill>
-                        <a:schemeClr val="tx1"/>
-                      </a:solidFill>
-                      <a:prstDash val="solid"/>
-                      <a:round/>
-                      <a:headEnd type="none" w="med" len="med"/>
-                      <a:tailEnd type="none" w="med" len="med"/>
-                    </a:lnL>
-                    <a:lnR w="12700" cap="flat" cmpd="sng" algn="ctr">
-                      <a:solidFill>
-                        <a:schemeClr val="tx1"/>
-                      </a:solidFill>
-                      <a:prstDash val="solid"/>
-                      <a:round/>
-                      <a:headEnd type="none" w="med" len="med"/>
-                      <a:tailEnd type="none" w="med" len="med"/>
-                    </a:lnR>
-                    <a:lnT w="12700" cap="flat" cmpd="sng" algn="ctr">
-                      <a:solidFill>
-                        <a:schemeClr val="tx1"/>
-                      </a:solidFill>
-                      <a:prstDash val="solid"/>
-                      <a:round/>
-                      <a:headEnd type="none" w="med" len="med"/>
-                      <a:tailEnd type="none" w="med" len="med"/>
-                    </a:lnT>
-                    <a:lnB w="12700" cap="flat" cmpd="sng" algn="ctr">
-                      <a:solidFill>
-                        <a:schemeClr val="tx1"/>
-                      </a:solidFill>
-                      <a:prstDash val="solid"/>
-                      <a:round/>
-                      <a:headEnd type="none" w="med" len="med"/>
-                      <a:tailEnd type="none" w="med" len="med"/>
-                    </a:lnB>
-                    <a:lnTlToBr w="12700" cmpd="sng">
-                      <a:noFill/>
-                      <a:prstDash val="solid"/>
-                    </a:lnTlToBr>
-                    <a:lnBlToTr w="12700" cmpd="sng">
-                      <a:noFill/>
-                      <a:prstDash val="solid"/>
-                    </a:lnBlToTr>
-                  </a:tcPr>
-                </a:tc>
-                <a:extLst>
-                  <a:ext uri="{0D108BD9-81ED-4DB2-BD59-A6C34878D82A}">
-                    <a16:rowId xmlns:a16="http://schemas.microsoft.com/office/drawing/2014/main" val="3952501529"/>
-                  </a:ext>
-                </a:extLst>
-              </a:tr>
-              <a:tr h="397084">
-                <a:tc>
-                  <a:txBody>
-                    <a:bodyPr/>
-                    <a:lstStyle/>
-                    <a:p>
-                      <a:pPr marL="0" indent="0" algn="ctr" latinLnBrk="1">
-                        <a:buFont typeface="+mj-lt"/>
-                        <a:buNone/>
-                      </a:pPr>
-                      <a:r>
-                        <a:rPr lang="en-US" altLang="ko-KR" sz="1200" dirty="0"/>
-                        <a:t>HP</a:t>
-                      </a:r>
-                      <a:endParaRPr lang="ko-KR" altLang="en-US" sz="1200" dirty="0"/>
-                    </a:p>
-                  </a:txBody>
-                  <a:tcPr anchor="ctr">
-                    <a:lnL w="12700" cap="flat" cmpd="sng" algn="ctr">
-                      <a:solidFill>
-                        <a:schemeClr val="tx1"/>
-                      </a:solidFill>
-                      <a:prstDash val="solid"/>
-                      <a:round/>
-                      <a:headEnd type="none" w="med" len="med"/>
-                      <a:tailEnd type="none" w="med" len="med"/>
-                    </a:lnL>
-                    <a:lnR w="12700" cap="flat" cmpd="sng" algn="ctr">
-                      <a:solidFill>
-                        <a:schemeClr val="tx1"/>
-                      </a:solidFill>
-                      <a:prstDash val="solid"/>
-                      <a:round/>
-                      <a:headEnd type="none" w="med" len="med"/>
-                      <a:tailEnd type="none" w="med" len="med"/>
-                    </a:lnR>
-                    <a:lnT w="12700" cap="flat" cmpd="sng" algn="ctr">
-                      <a:solidFill>
-                        <a:schemeClr val="tx1"/>
-                      </a:solidFill>
-                      <a:prstDash val="solid"/>
-                      <a:round/>
-                      <a:headEnd type="none" w="med" len="med"/>
-                      <a:tailEnd type="none" w="med" len="med"/>
-                    </a:lnT>
-                    <a:lnB w="12700" cap="flat" cmpd="sng" algn="ctr">
-                      <a:solidFill>
-                        <a:schemeClr val="tx1"/>
-                      </a:solidFill>
-                      <a:prstDash val="solid"/>
-                      <a:round/>
-                      <a:headEnd type="none" w="med" len="med"/>
-                      <a:tailEnd type="none" w="med" len="med"/>
-                    </a:lnB>
-                    <a:lnTlToBr w="12700" cmpd="sng">
-                      <a:noFill/>
-                      <a:prstDash val="solid"/>
-                    </a:lnTlToBr>
-                    <a:lnBlToTr w="12700" cmpd="sng">
-                      <a:noFill/>
-                      <a:prstDash val="solid"/>
-                    </a:lnBlToTr>
-                  </a:tcPr>
-                </a:tc>
-                <a:tc>
-                  <a:txBody>
-                    <a:bodyPr/>
-                    <a:lstStyle/>
-                    <a:p>
-                      <a:pPr marL="0" indent="0" algn="ctr" latinLnBrk="1">
-                        <a:buFont typeface="+mj-lt"/>
-                        <a:buNone/>
-                      </a:pPr>
-                      <a:r>
-                        <a:rPr lang="en-US" altLang="ko-KR" sz="1200" dirty="0"/>
-                        <a:t>3</a:t>
-                      </a:r>
-                      <a:r>
-                        <a:rPr lang="ko-KR" altLang="en-US" sz="1200" dirty="0"/>
-                        <a:t>칸</a:t>
-                      </a:r>
-                    </a:p>
-                  </a:txBody>
-                  <a:tcPr anchor="ctr">
-                    <a:lnL w="12700" cap="flat" cmpd="sng" algn="ctr">
-                      <a:solidFill>
-                        <a:schemeClr val="tx1"/>
-                      </a:solidFill>
-                      <a:prstDash val="solid"/>
-                      <a:round/>
-                      <a:headEnd type="none" w="med" len="med"/>
-                      <a:tailEnd type="none" w="med" len="med"/>
-                    </a:lnL>
-                    <a:lnR w="12700" cap="flat" cmpd="sng" algn="ctr">
-                      <a:solidFill>
-                        <a:schemeClr val="tx1"/>
-                      </a:solidFill>
-                      <a:prstDash val="solid"/>
-                      <a:round/>
-                      <a:headEnd type="none" w="med" len="med"/>
-                      <a:tailEnd type="none" w="med" len="med"/>
-                    </a:lnR>
-                    <a:lnT w="12700" cap="flat" cmpd="sng" algn="ctr">
-                      <a:solidFill>
-                        <a:schemeClr val="tx1"/>
-                      </a:solidFill>
-                      <a:prstDash val="solid"/>
-                      <a:round/>
-                      <a:headEnd type="none" w="med" len="med"/>
-                      <a:tailEnd type="none" w="med" len="med"/>
-                    </a:lnT>
-                    <a:lnB w="12700" cap="flat" cmpd="sng" algn="ctr">
-                      <a:solidFill>
-                        <a:schemeClr val="tx1"/>
-                      </a:solidFill>
-                      <a:prstDash val="solid"/>
-                      <a:round/>
-                      <a:headEnd type="none" w="med" len="med"/>
-                      <a:tailEnd type="none" w="med" len="med"/>
-                    </a:lnB>
-                    <a:lnTlToBr w="12700" cmpd="sng">
-                      <a:noFill/>
-                      <a:prstDash val="solid"/>
-                    </a:lnTlToBr>
-                    <a:lnBlToTr w="12700" cmpd="sng">
-                      <a:noFill/>
-                      <a:prstDash val="solid"/>
-                    </a:lnBlToTr>
-                  </a:tcPr>
-                </a:tc>
-                <a:tc>
-                  <a:txBody>
-                    <a:bodyPr/>
-                    <a:lstStyle/>
-                    <a:p>
-                      <a:pPr marL="0" indent="0" algn="ctr" latinLnBrk="1">
-                        <a:buFont typeface="+mj-lt"/>
-                        <a:buNone/>
-                      </a:pPr>
-                      <a:r>
-                        <a:rPr lang="ko-KR" altLang="en-US" sz="1200" dirty="0"/>
-                        <a:t>총</a:t>
-                      </a:r>
-                      <a:r>
-                        <a:rPr lang="en-US" altLang="ko-KR" sz="1200" dirty="0"/>
-                        <a:t>, </a:t>
-                      </a:r>
-                      <a:r>
-                        <a:rPr lang="ko-KR" altLang="en-US" sz="1200" dirty="0"/>
-                        <a:t>몬스터에게 피격 시 </a:t>
-                      </a:r>
-                      <a:r>
-                        <a:rPr lang="en-US" altLang="ko-KR" sz="1200" dirty="0"/>
-                        <a:t>1</a:t>
-                      </a:r>
-                      <a:r>
-                        <a:rPr lang="ko-KR" altLang="en-US" sz="1200" dirty="0" err="1"/>
-                        <a:t>칸씩</a:t>
-                      </a:r>
-                      <a:r>
-                        <a:rPr lang="ko-KR" altLang="en-US" sz="1200" dirty="0"/>
-                        <a:t> 닳음</a:t>
-                      </a:r>
-                      <a:r>
-                        <a:rPr lang="en-US" altLang="ko-KR" sz="1200" dirty="0"/>
-                        <a:t>.</a:t>
-                      </a:r>
-                      <a:endParaRPr lang="ko-KR" altLang="en-US" sz="1200" dirty="0"/>
-                    </a:p>
-                  </a:txBody>
-                  <a:tcPr anchor="ctr">
-                    <a:lnL w="12700" cap="flat" cmpd="sng" algn="ctr">
-                      <a:solidFill>
-                        <a:schemeClr val="tx1"/>
-                      </a:solidFill>
-                      <a:prstDash val="solid"/>
-                      <a:round/>
-                      <a:headEnd type="none" w="med" len="med"/>
-                      <a:tailEnd type="none" w="med" len="med"/>
-                    </a:lnL>
-                    <a:lnR w="12700" cap="flat" cmpd="sng" algn="ctr">
-                      <a:solidFill>
-                        <a:schemeClr val="tx1"/>
-                      </a:solidFill>
-                      <a:prstDash val="solid"/>
-                      <a:round/>
-                      <a:headEnd type="none" w="med" len="med"/>
-                      <a:tailEnd type="none" w="med" len="med"/>
-                    </a:lnR>
-                    <a:lnT w="12700" cap="flat" cmpd="sng" algn="ctr">
-                      <a:solidFill>
-                        <a:schemeClr val="tx1"/>
-                      </a:solidFill>
-                      <a:prstDash val="solid"/>
-                      <a:round/>
-                      <a:headEnd type="none" w="med" len="med"/>
-                      <a:tailEnd type="none" w="med" len="med"/>
-                    </a:lnT>
-                    <a:lnB w="12700" cap="flat" cmpd="sng" algn="ctr">
-                      <a:solidFill>
-                        <a:schemeClr val="tx1"/>
-                      </a:solidFill>
-                      <a:prstDash val="solid"/>
-                      <a:round/>
-                      <a:headEnd type="none" w="med" len="med"/>
-                      <a:tailEnd type="none" w="med" len="med"/>
-                    </a:lnB>
-                    <a:lnTlToBr w="12700" cmpd="sng">
-                      <a:noFill/>
-                      <a:prstDash val="solid"/>
-                    </a:lnTlToBr>
-                    <a:lnBlToTr w="12700" cmpd="sng">
-                      <a:noFill/>
-                      <a:prstDash val="solid"/>
-                    </a:lnBlToTr>
-                  </a:tcPr>
-                </a:tc>
-                <a:extLst>
-                  <a:ext uri="{0D108BD9-81ED-4DB2-BD59-A6C34878D82A}">
-                    <a16:rowId xmlns:a16="http://schemas.microsoft.com/office/drawing/2014/main" val="2347358794"/>
-                  </a:ext>
-                </a:extLst>
-              </a:tr>
-              <a:tr h="397084">
-                <a:tc>
-                  <a:txBody>
-                    <a:bodyPr/>
-                    <a:lstStyle/>
-                    <a:p>
-                      <a:pPr marL="0" indent="0" algn="ctr" latinLnBrk="1">
-                        <a:buFont typeface="+mj-lt"/>
-                        <a:buNone/>
-                      </a:pPr>
-                      <a:r>
-                        <a:rPr lang="ko-KR" altLang="en-US" sz="1200" dirty="0"/>
-                        <a:t>폭탄 목걸이</a:t>
-                      </a:r>
-                    </a:p>
-                  </a:txBody>
-                  <a:tcPr anchor="ctr">
-                    <a:lnL w="12700" cap="flat" cmpd="sng" algn="ctr">
-                      <a:solidFill>
-                        <a:schemeClr val="tx1"/>
-                      </a:solidFill>
-                      <a:prstDash val="solid"/>
-                      <a:round/>
-                      <a:headEnd type="none" w="med" len="med"/>
-                      <a:tailEnd type="none" w="med" len="med"/>
-                    </a:lnL>
-                    <a:lnR w="12700" cap="flat" cmpd="sng" algn="ctr">
-                      <a:solidFill>
-                        <a:schemeClr val="tx1"/>
-                      </a:solidFill>
-                      <a:prstDash val="solid"/>
-                      <a:round/>
-                      <a:headEnd type="none" w="med" len="med"/>
-                      <a:tailEnd type="none" w="med" len="med"/>
-                    </a:lnR>
-                    <a:lnT w="12700" cap="flat" cmpd="sng" algn="ctr">
-                      <a:solidFill>
-                        <a:schemeClr val="tx1"/>
-                      </a:solidFill>
-                      <a:prstDash val="solid"/>
-                      <a:round/>
-                      <a:headEnd type="none" w="med" len="med"/>
-                      <a:tailEnd type="none" w="med" len="med"/>
-                    </a:lnT>
-                    <a:lnB w="12700" cap="flat" cmpd="sng" algn="ctr">
-                      <a:solidFill>
-                        <a:schemeClr val="tx1"/>
-                      </a:solidFill>
-                      <a:prstDash val="solid"/>
-                      <a:round/>
-                      <a:headEnd type="none" w="med" len="med"/>
-                      <a:tailEnd type="none" w="med" len="med"/>
-                    </a:lnB>
-                    <a:lnTlToBr w="12700" cmpd="sng">
-                      <a:noFill/>
-                      <a:prstDash val="solid"/>
-                    </a:lnTlToBr>
-                    <a:lnBlToTr w="12700" cmpd="sng">
-                      <a:noFill/>
-                      <a:prstDash val="solid"/>
-                    </a:lnBlToTr>
-                  </a:tcPr>
-                </a:tc>
-                <a:tc>
-                  <a:txBody>
-                    <a:bodyPr/>
-                    <a:lstStyle/>
-                    <a:p>
-                      <a:pPr marL="0" indent="0" algn="ctr" latinLnBrk="1">
-                        <a:buFont typeface="+mj-lt"/>
-                        <a:buNone/>
-                      </a:pPr>
-                      <a:r>
-                        <a:rPr lang="en-US" altLang="ko-KR" sz="1200" dirty="0"/>
-                        <a:t>240</a:t>
-                      </a:r>
-                      <a:r>
-                        <a:rPr lang="ko-KR" altLang="en-US" sz="1200" dirty="0"/>
-                        <a:t>초</a:t>
-                      </a:r>
-                    </a:p>
-                  </a:txBody>
-                  <a:tcPr anchor="ctr">
-                    <a:lnL w="12700" cap="flat" cmpd="sng" algn="ctr">
-                      <a:solidFill>
-                        <a:schemeClr val="tx1"/>
-                      </a:solidFill>
-                      <a:prstDash val="solid"/>
-                      <a:round/>
-                      <a:headEnd type="none" w="med" len="med"/>
-                      <a:tailEnd type="none" w="med" len="med"/>
-                    </a:lnL>
-                    <a:lnR w="12700" cap="flat" cmpd="sng" algn="ctr">
-                      <a:solidFill>
-                        <a:schemeClr val="tx1"/>
-                      </a:solidFill>
-                      <a:prstDash val="solid"/>
-                      <a:round/>
-                      <a:headEnd type="none" w="med" len="med"/>
-                      <a:tailEnd type="none" w="med" len="med"/>
-                    </a:lnR>
-                    <a:lnT w="12700" cap="flat" cmpd="sng" algn="ctr">
-                      <a:solidFill>
-                        <a:schemeClr val="tx1"/>
-                      </a:solidFill>
-                      <a:prstDash val="solid"/>
-                      <a:round/>
-                      <a:headEnd type="none" w="med" len="med"/>
-                      <a:tailEnd type="none" w="med" len="med"/>
-                    </a:lnT>
-                    <a:lnB w="12700" cap="flat" cmpd="sng" algn="ctr">
-                      <a:solidFill>
-                        <a:schemeClr val="tx1"/>
-                      </a:solidFill>
-                      <a:prstDash val="solid"/>
-                      <a:round/>
-                      <a:headEnd type="none" w="med" len="med"/>
-                      <a:tailEnd type="none" w="med" len="med"/>
-                    </a:lnB>
-                    <a:lnTlToBr w="12700" cmpd="sng">
-                      <a:noFill/>
-                      <a:prstDash val="solid"/>
-                    </a:lnTlToBr>
-                    <a:lnBlToTr w="12700" cmpd="sng">
-                      <a:noFill/>
-                      <a:prstDash val="solid"/>
-                    </a:lnBlToTr>
-                  </a:tcPr>
-                </a:tc>
-                <a:tc>
-                  <a:txBody>
-                    <a:bodyPr/>
-                    <a:lstStyle/>
-                    <a:p>
-                      <a:pPr marL="0" indent="0" algn="ctr" latinLnBrk="1">
-                        <a:buFont typeface="+mj-lt"/>
-                        <a:buNone/>
-                      </a:pPr>
-                      <a:r>
-                        <a:rPr lang="ko-KR" altLang="en-US" sz="1200" dirty="0"/>
-                        <a:t>총에 피격 시 </a:t>
-                      </a:r>
-                      <a:r>
-                        <a:rPr lang="en-US" altLang="ko-KR" sz="1200" dirty="0"/>
-                        <a:t>30</a:t>
-                      </a:r>
-                      <a:r>
-                        <a:rPr lang="ko-KR" altLang="en-US" sz="1200" dirty="0"/>
-                        <a:t>초 </a:t>
-                      </a:r>
-                      <a:r>
-                        <a:rPr lang="ko-KR" altLang="en-US" sz="1200" dirty="0" err="1"/>
-                        <a:t>줄어듬</a:t>
-                      </a:r>
-                      <a:r>
-                        <a:rPr lang="en-US" altLang="ko-KR" sz="1200" dirty="0"/>
-                        <a:t>.</a:t>
-                      </a:r>
-                      <a:endParaRPr lang="ko-KR" altLang="en-US" sz="1200" dirty="0"/>
-                    </a:p>
-                  </a:txBody>
-                  <a:tcPr anchor="ctr">
-                    <a:lnL w="12700" cap="flat" cmpd="sng" algn="ctr">
-                      <a:solidFill>
-                        <a:schemeClr val="tx1"/>
-                      </a:solidFill>
-                      <a:prstDash val="solid"/>
-                      <a:round/>
-                      <a:headEnd type="none" w="med" len="med"/>
-                      <a:tailEnd type="none" w="med" len="med"/>
-                    </a:lnL>
-                    <a:lnR w="12700" cap="flat" cmpd="sng" algn="ctr">
-                      <a:solidFill>
-                        <a:schemeClr val="tx1"/>
-                      </a:solidFill>
-                      <a:prstDash val="solid"/>
-                      <a:round/>
-                      <a:headEnd type="none" w="med" len="med"/>
-                      <a:tailEnd type="none" w="med" len="med"/>
-                    </a:lnR>
-                    <a:lnT w="12700" cap="flat" cmpd="sng" algn="ctr">
-                      <a:solidFill>
-                        <a:schemeClr val="tx1"/>
-                      </a:solidFill>
-                      <a:prstDash val="solid"/>
-                      <a:round/>
-                      <a:headEnd type="none" w="med" len="med"/>
-                      <a:tailEnd type="none" w="med" len="med"/>
-                    </a:lnT>
-                    <a:lnB w="12700" cap="flat" cmpd="sng" algn="ctr">
-                      <a:solidFill>
-                        <a:schemeClr val="tx1"/>
-                      </a:solidFill>
-                      <a:prstDash val="solid"/>
-                      <a:round/>
-                      <a:headEnd type="none" w="med" len="med"/>
-                      <a:tailEnd type="none" w="med" len="med"/>
-                    </a:lnB>
-                    <a:lnTlToBr w="12700" cmpd="sng">
-                      <a:noFill/>
-                      <a:prstDash val="solid"/>
-                    </a:lnTlToBr>
-                    <a:lnBlToTr w="12700" cmpd="sng">
-                      <a:noFill/>
-                      <a:prstDash val="solid"/>
-                    </a:lnBlToTr>
-                  </a:tcPr>
-                </a:tc>
-                <a:extLst>
-                  <a:ext uri="{0D108BD9-81ED-4DB2-BD59-A6C34878D82A}">
-                    <a16:rowId xmlns:a16="http://schemas.microsoft.com/office/drawing/2014/main" val="2422118565"/>
-                  </a:ext>
-                </a:extLst>
-              </a:tr>
-              <a:tr h="397084">
-                <a:tc>
-                  <a:txBody>
-                    <a:bodyPr/>
-                    <a:lstStyle/>
-                    <a:p>
-                      <a:pPr marL="0" indent="0" algn="ctr" latinLnBrk="1">
-                        <a:buFont typeface="+mj-lt"/>
-                        <a:buNone/>
-                      </a:pPr>
-                      <a:r>
-                        <a:rPr lang="ko-KR" altLang="en-US" sz="1200" dirty="0"/>
-                        <a:t>탄알 주머니</a:t>
-                      </a:r>
-                    </a:p>
-                  </a:txBody>
-                  <a:tcPr anchor="ctr">
-                    <a:lnL w="12700" cap="flat" cmpd="sng" algn="ctr">
-                      <a:solidFill>
-                        <a:schemeClr val="tx1"/>
-                      </a:solidFill>
-                      <a:prstDash val="solid"/>
-                      <a:round/>
-                      <a:headEnd type="none" w="med" len="med"/>
-                      <a:tailEnd type="none" w="med" len="med"/>
-                    </a:lnL>
-                    <a:lnR w="12700" cap="flat" cmpd="sng" algn="ctr">
-                      <a:solidFill>
-                        <a:schemeClr val="tx1"/>
-                      </a:solidFill>
-                      <a:prstDash val="solid"/>
-                      <a:round/>
-                      <a:headEnd type="none" w="med" len="med"/>
-                      <a:tailEnd type="none" w="med" len="med"/>
-                    </a:lnR>
-                    <a:lnT w="12700" cap="flat" cmpd="sng" algn="ctr">
-                      <a:solidFill>
-                        <a:schemeClr val="tx1"/>
-                      </a:solidFill>
-                      <a:prstDash val="solid"/>
-                      <a:round/>
-                      <a:headEnd type="none" w="med" len="med"/>
-                      <a:tailEnd type="none" w="med" len="med"/>
-                    </a:lnT>
-                    <a:lnB w="12700" cap="flat" cmpd="sng" algn="ctr">
-                      <a:solidFill>
-                        <a:schemeClr val="tx1"/>
-                      </a:solidFill>
-                      <a:prstDash val="solid"/>
-                      <a:round/>
-                      <a:headEnd type="none" w="med" len="med"/>
-                      <a:tailEnd type="none" w="med" len="med"/>
-                    </a:lnB>
-                    <a:lnTlToBr w="12700" cmpd="sng">
-                      <a:noFill/>
-                      <a:prstDash val="solid"/>
-                    </a:lnTlToBr>
-                    <a:lnBlToTr w="12700" cmpd="sng">
-                      <a:noFill/>
-                      <a:prstDash val="solid"/>
-                    </a:lnBlToTr>
-                  </a:tcPr>
-                </a:tc>
-                <a:tc>
-                  <a:txBody>
-                    <a:bodyPr/>
-                    <a:lstStyle/>
-                    <a:p>
-                      <a:pPr marL="0" indent="0" algn="ctr" latinLnBrk="1">
-                        <a:buFont typeface="+mj-lt"/>
-                        <a:buNone/>
-                      </a:pPr>
-                      <a:r>
-                        <a:rPr lang="en-US" altLang="ko-KR" sz="1200" dirty="0"/>
-                        <a:t>6</a:t>
-                      </a:r>
-                      <a:r>
-                        <a:rPr lang="ko-KR" altLang="en-US" sz="1200" dirty="0"/>
-                        <a:t>개</a:t>
-                      </a:r>
-                    </a:p>
-                  </a:txBody>
-                  <a:tcPr anchor="ctr">
-                    <a:lnL w="12700" cap="flat" cmpd="sng" algn="ctr">
-                      <a:solidFill>
-                        <a:schemeClr val="tx1"/>
-                      </a:solidFill>
-                      <a:prstDash val="solid"/>
-                      <a:round/>
-                      <a:headEnd type="none" w="med" len="med"/>
-                      <a:tailEnd type="none" w="med" len="med"/>
-                    </a:lnL>
-                    <a:lnR w="12700" cap="flat" cmpd="sng" algn="ctr">
-                      <a:solidFill>
-                        <a:schemeClr val="tx1"/>
-                      </a:solidFill>
-                      <a:prstDash val="solid"/>
-                      <a:round/>
-                      <a:headEnd type="none" w="med" len="med"/>
-                      <a:tailEnd type="none" w="med" len="med"/>
-                    </a:lnR>
-                    <a:lnT w="12700" cap="flat" cmpd="sng" algn="ctr">
-                      <a:solidFill>
-                        <a:schemeClr val="tx1"/>
-                      </a:solidFill>
-                      <a:prstDash val="solid"/>
-                      <a:round/>
-                      <a:headEnd type="none" w="med" len="med"/>
-                      <a:tailEnd type="none" w="med" len="med"/>
-                    </a:lnT>
-                    <a:lnB w="12700" cap="flat" cmpd="sng" algn="ctr">
-                      <a:solidFill>
-                        <a:schemeClr val="tx1"/>
-                      </a:solidFill>
-                      <a:prstDash val="solid"/>
-                      <a:round/>
-                      <a:headEnd type="none" w="med" len="med"/>
-                      <a:tailEnd type="none" w="med" len="med"/>
-                    </a:lnB>
-                    <a:lnTlToBr w="12700" cmpd="sng">
-                      <a:noFill/>
-                      <a:prstDash val="solid"/>
-                    </a:lnTlToBr>
-                    <a:lnBlToTr w="12700" cmpd="sng">
-                      <a:noFill/>
-                      <a:prstDash val="solid"/>
-                    </a:lnBlToTr>
-                  </a:tcPr>
-                </a:tc>
-                <a:tc>
-                  <a:txBody>
-                    <a:bodyPr/>
-                    <a:lstStyle/>
-                    <a:p>
-                      <a:pPr marL="0" indent="0" algn="ctr" latinLnBrk="1">
-                        <a:buFont typeface="+mj-lt"/>
-                        <a:buNone/>
-                      </a:pPr>
-                      <a:r>
-                        <a:rPr lang="ko-KR" altLang="en-US" sz="1200" dirty="0"/>
-                        <a:t>총알을 많이 수집할 수 있다</a:t>
-                      </a:r>
-                      <a:r>
-                        <a:rPr lang="en-US" altLang="ko-KR" sz="1200" dirty="0"/>
-                        <a:t>.</a:t>
-                      </a:r>
-                      <a:endParaRPr lang="ko-KR" altLang="en-US" sz="1200" dirty="0"/>
-                    </a:p>
-                  </a:txBody>
-                  <a:tcPr anchor="ctr">
-                    <a:lnL w="12700" cap="flat" cmpd="sng" algn="ctr">
-                      <a:solidFill>
-                        <a:schemeClr val="tx1"/>
-                      </a:solidFill>
-                      <a:prstDash val="solid"/>
-                      <a:round/>
-                      <a:headEnd type="none" w="med" len="med"/>
-                      <a:tailEnd type="none" w="med" len="med"/>
-                    </a:lnL>
-                    <a:lnR w="12700" cap="flat" cmpd="sng" algn="ctr">
-                      <a:solidFill>
-                        <a:schemeClr val="tx1"/>
-                      </a:solidFill>
-                      <a:prstDash val="solid"/>
-                      <a:round/>
-                      <a:headEnd type="none" w="med" len="med"/>
-                      <a:tailEnd type="none" w="med" len="med"/>
-                    </a:lnR>
-                    <a:lnT w="12700" cap="flat" cmpd="sng" algn="ctr">
-                      <a:solidFill>
-                        <a:schemeClr val="tx1"/>
-                      </a:solidFill>
-                      <a:prstDash val="solid"/>
-                      <a:round/>
-                      <a:headEnd type="none" w="med" len="med"/>
-                      <a:tailEnd type="none" w="med" len="med"/>
-                    </a:lnT>
-                    <a:lnB w="12700" cap="flat" cmpd="sng" algn="ctr">
-                      <a:solidFill>
-                        <a:schemeClr val="tx1"/>
-                      </a:solidFill>
-                      <a:prstDash val="solid"/>
-                      <a:round/>
-                      <a:headEnd type="none" w="med" len="med"/>
-                      <a:tailEnd type="none" w="med" len="med"/>
-                    </a:lnB>
-                    <a:lnTlToBr w="12700" cmpd="sng">
-                      <a:noFill/>
-                      <a:prstDash val="solid"/>
-                    </a:lnTlToBr>
-                    <a:lnBlToTr w="12700" cmpd="sng">
-                      <a:noFill/>
-                      <a:prstDash val="solid"/>
-                    </a:lnBlToTr>
-                  </a:tcPr>
-                </a:tc>
-                <a:extLst>
-                  <a:ext uri="{0D108BD9-81ED-4DB2-BD59-A6C34878D82A}">
-                    <a16:rowId xmlns:a16="http://schemas.microsoft.com/office/drawing/2014/main" val="4210688304"/>
-                  </a:ext>
-                </a:extLst>
-              </a:tr>
-              <a:tr h="397084">
-                <a:tc>
-                  <a:txBody>
-                    <a:bodyPr/>
-                    <a:lstStyle/>
-                    <a:p>
-                      <a:pPr marL="0" indent="0" algn="ctr" latinLnBrk="1">
-                        <a:buFont typeface="+mj-lt"/>
-                        <a:buNone/>
-                      </a:pPr>
-                      <a:r>
-                        <a:rPr lang="ko-KR" altLang="en-US" sz="1200" dirty="0"/>
-                        <a:t>이동속도</a:t>
-                      </a:r>
-                    </a:p>
-                  </a:txBody>
-                  <a:tcPr anchor="ctr">
-                    <a:lnL w="12700" cap="flat" cmpd="sng" algn="ctr">
-                      <a:solidFill>
-                        <a:schemeClr val="tx1"/>
-                      </a:solidFill>
-                      <a:prstDash val="solid"/>
-                      <a:round/>
-                      <a:headEnd type="none" w="med" len="med"/>
-                      <a:tailEnd type="none" w="med" len="med"/>
-                    </a:lnL>
-                    <a:lnR w="12700" cap="flat" cmpd="sng" algn="ctr">
-                      <a:solidFill>
-                        <a:schemeClr val="tx1"/>
-                      </a:solidFill>
-                      <a:prstDash val="solid"/>
-                      <a:round/>
-                      <a:headEnd type="none" w="med" len="med"/>
-                      <a:tailEnd type="none" w="med" len="med"/>
-                    </a:lnR>
-                    <a:lnT w="12700" cap="flat" cmpd="sng" algn="ctr">
-                      <a:solidFill>
-                        <a:schemeClr val="tx1"/>
-                      </a:solidFill>
-                      <a:prstDash val="solid"/>
-                      <a:round/>
-                      <a:headEnd type="none" w="med" len="med"/>
-                      <a:tailEnd type="none" w="med" len="med"/>
-                    </a:lnT>
-                    <a:lnB w="12700" cap="flat" cmpd="sng" algn="ctr">
-                      <a:solidFill>
-                        <a:schemeClr val="tx1"/>
-                      </a:solidFill>
-                      <a:prstDash val="solid"/>
-                      <a:round/>
-                      <a:headEnd type="none" w="med" len="med"/>
-                      <a:tailEnd type="none" w="med" len="med"/>
-                    </a:lnB>
-                    <a:lnTlToBr w="12700" cmpd="sng">
-                      <a:noFill/>
-                      <a:prstDash val="solid"/>
-                    </a:lnTlToBr>
-                    <a:lnBlToTr w="12700" cmpd="sng">
-                      <a:noFill/>
-                      <a:prstDash val="solid"/>
-                    </a:lnBlToTr>
-                  </a:tcPr>
-                </a:tc>
-                <a:tc>
-                  <a:txBody>
-                    <a:bodyPr/>
-                    <a:lstStyle/>
-                    <a:p>
-                      <a:pPr marL="0" indent="0" algn="ctr" latinLnBrk="1">
-                        <a:buFont typeface="+mj-lt"/>
-                        <a:buNone/>
-                      </a:pPr>
-                      <a:r>
-                        <a:rPr lang="en-US" altLang="ko-KR" sz="1200" dirty="0"/>
-                        <a:t>0.9</a:t>
-                      </a:r>
-                      <a:endParaRPr lang="ko-KR" altLang="en-US" sz="1200" dirty="0"/>
-                    </a:p>
-                  </a:txBody>
-                  <a:tcPr anchor="ctr">
-                    <a:lnL w="12700" cap="flat" cmpd="sng" algn="ctr">
-                      <a:solidFill>
-                        <a:schemeClr val="tx1"/>
-                      </a:solidFill>
-                      <a:prstDash val="solid"/>
-                      <a:round/>
-                      <a:headEnd type="none" w="med" len="med"/>
-                      <a:tailEnd type="none" w="med" len="med"/>
-                    </a:lnL>
-                    <a:lnR w="12700" cap="flat" cmpd="sng" algn="ctr">
-                      <a:solidFill>
-                        <a:schemeClr val="tx1"/>
-                      </a:solidFill>
-                      <a:prstDash val="solid"/>
-                      <a:round/>
-                      <a:headEnd type="none" w="med" len="med"/>
-                      <a:tailEnd type="none" w="med" len="med"/>
-                    </a:lnR>
-                    <a:lnT w="12700" cap="flat" cmpd="sng" algn="ctr">
-                      <a:solidFill>
-                        <a:schemeClr val="tx1"/>
-                      </a:solidFill>
-                      <a:prstDash val="solid"/>
-                      <a:round/>
-                      <a:headEnd type="none" w="med" len="med"/>
-                      <a:tailEnd type="none" w="med" len="med"/>
-                    </a:lnT>
-                    <a:lnB w="12700" cap="flat" cmpd="sng" algn="ctr">
-                      <a:solidFill>
-                        <a:schemeClr val="tx1"/>
-                      </a:solidFill>
-                      <a:prstDash val="solid"/>
-                      <a:round/>
-                      <a:headEnd type="none" w="med" len="med"/>
-                      <a:tailEnd type="none" w="med" len="med"/>
-                    </a:lnB>
-                    <a:lnTlToBr w="12700" cmpd="sng">
-                      <a:noFill/>
-                      <a:prstDash val="solid"/>
-                    </a:lnTlToBr>
-                    <a:lnBlToTr w="12700" cmpd="sng">
-                      <a:noFill/>
-                      <a:prstDash val="solid"/>
-                    </a:lnBlToTr>
-                  </a:tcPr>
-                </a:tc>
-                <a:tc>
-                  <a:txBody>
-                    <a:bodyPr/>
-                    <a:lstStyle/>
-                    <a:p>
-                      <a:pPr marL="0" indent="0" algn="ctr" latinLnBrk="1">
-                        <a:buFont typeface="+mj-lt"/>
-                        <a:buNone/>
-                      </a:pPr>
-                      <a:r>
-                        <a:rPr lang="ko-KR" altLang="en-US" sz="1200" dirty="0"/>
-                        <a:t>기본 이동속도보다 살짝 빠르다</a:t>
-                      </a:r>
-                      <a:r>
-                        <a:rPr lang="en-US" altLang="ko-KR" sz="1200" dirty="0"/>
-                        <a:t>.</a:t>
-                      </a:r>
-                      <a:endParaRPr lang="ko-KR" altLang="en-US" sz="1200" dirty="0"/>
-                    </a:p>
-                  </a:txBody>
-                  <a:tcPr anchor="ctr">
-                    <a:lnL w="12700" cap="flat" cmpd="sng" algn="ctr">
-                      <a:solidFill>
-                        <a:schemeClr val="tx1"/>
-                      </a:solidFill>
-                      <a:prstDash val="solid"/>
-                      <a:round/>
-                      <a:headEnd type="none" w="med" len="med"/>
-                      <a:tailEnd type="none" w="med" len="med"/>
-                    </a:lnL>
-                    <a:lnR w="12700" cap="flat" cmpd="sng" algn="ctr">
-                      <a:solidFill>
-                        <a:schemeClr val="tx1"/>
-                      </a:solidFill>
-                      <a:prstDash val="solid"/>
-                      <a:round/>
-                      <a:headEnd type="none" w="med" len="med"/>
-                      <a:tailEnd type="none" w="med" len="med"/>
-                    </a:lnR>
-                    <a:lnT w="12700" cap="flat" cmpd="sng" algn="ctr">
-                      <a:solidFill>
-                        <a:schemeClr val="tx1"/>
-                      </a:solidFill>
-                      <a:prstDash val="solid"/>
-                      <a:round/>
-                      <a:headEnd type="none" w="med" len="med"/>
-                      <a:tailEnd type="none" w="med" len="med"/>
-                    </a:lnT>
-                    <a:lnB w="12700" cap="flat" cmpd="sng" algn="ctr">
-                      <a:solidFill>
-                        <a:schemeClr val="tx1"/>
-                      </a:solidFill>
-                      <a:prstDash val="solid"/>
-                      <a:round/>
-                      <a:headEnd type="none" w="med" len="med"/>
-                      <a:tailEnd type="none" w="med" len="med"/>
-                    </a:lnB>
-                    <a:lnTlToBr w="12700" cmpd="sng">
-                      <a:noFill/>
-                      <a:prstDash val="solid"/>
-                    </a:lnTlToBr>
-                    <a:lnBlToTr w="12700" cmpd="sng">
-                      <a:noFill/>
-                      <a:prstDash val="solid"/>
-                    </a:lnBlToTr>
-                  </a:tcPr>
-                </a:tc>
-                <a:extLst>
-                  <a:ext uri="{0D108BD9-81ED-4DB2-BD59-A6C34878D82A}">
-                    <a16:rowId xmlns:a16="http://schemas.microsoft.com/office/drawing/2014/main" val="2738056909"/>
-                  </a:ext>
-                </a:extLst>
-              </a:tr>
-              <a:tr h="397084">
-                <a:tc>
-                  <a:txBody>
-                    <a:bodyPr/>
-                    <a:lstStyle/>
-                    <a:p>
-                      <a:pPr marL="0" indent="0" algn="ctr" latinLnBrk="1">
-                        <a:buFont typeface="+mj-lt"/>
-                        <a:buNone/>
-                      </a:pPr>
-                      <a:r>
-                        <a:rPr lang="ko-KR" altLang="en-US" sz="1200" dirty="0"/>
-                        <a:t>총알 발사 딜레이</a:t>
-                      </a:r>
-                    </a:p>
-                  </a:txBody>
-                  <a:tcPr anchor="ctr">
-                    <a:lnL w="12700" cap="flat" cmpd="sng" algn="ctr">
-                      <a:solidFill>
-                        <a:schemeClr val="tx1"/>
-                      </a:solidFill>
-                      <a:prstDash val="solid"/>
-                      <a:round/>
-                      <a:headEnd type="none" w="med" len="med"/>
-                      <a:tailEnd type="none" w="med" len="med"/>
-                    </a:lnL>
-                    <a:lnR w="12700" cap="flat" cmpd="sng" algn="ctr">
-                      <a:solidFill>
-                        <a:schemeClr val="tx1"/>
-                      </a:solidFill>
-                      <a:prstDash val="solid"/>
-                      <a:round/>
-                      <a:headEnd type="none" w="med" len="med"/>
-                      <a:tailEnd type="none" w="med" len="med"/>
-                    </a:lnR>
-                    <a:lnT w="12700" cap="flat" cmpd="sng" algn="ctr">
-                      <a:solidFill>
-                        <a:schemeClr val="tx1"/>
-                      </a:solidFill>
-                      <a:prstDash val="solid"/>
-                      <a:round/>
-                      <a:headEnd type="none" w="med" len="med"/>
-                      <a:tailEnd type="none" w="med" len="med"/>
-                    </a:lnT>
-                    <a:lnB w="12700" cap="flat" cmpd="sng" algn="ctr">
-                      <a:solidFill>
-                        <a:schemeClr val="tx1"/>
-                      </a:solidFill>
-                      <a:prstDash val="solid"/>
-                      <a:round/>
-                      <a:headEnd type="none" w="med" len="med"/>
-                      <a:tailEnd type="none" w="med" len="med"/>
-                    </a:lnB>
-                    <a:lnTlToBr w="12700" cmpd="sng">
-                      <a:noFill/>
-                      <a:prstDash val="solid"/>
-                    </a:lnTlToBr>
-                    <a:lnBlToTr w="12700" cmpd="sng">
-                      <a:noFill/>
-                      <a:prstDash val="solid"/>
-                    </a:lnBlToTr>
-                  </a:tcPr>
-                </a:tc>
-                <a:tc>
-                  <a:txBody>
-                    <a:bodyPr/>
-                    <a:lstStyle/>
-                    <a:p>
-                      <a:pPr marL="0" indent="0" algn="ctr" latinLnBrk="1">
-                        <a:buFont typeface="+mj-lt"/>
-                        <a:buNone/>
-                      </a:pPr>
-                      <a:r>
-                        <a:rPr lang="en-US" altLang="ko-KR" sz="1200" dirty="0"/>
-                        <a:t>2.0</a:t>
-                      </a:r>
-                      <a:endParaRPr lang="ko-KR" altLang="en-US" sz="1200" dirty="0"/>
-                    </a:p>
-                  </a:txBody>
-                  <a:tcPr anchor="ctr">
-                    <a:lnL w="12700" cap="flat" cmpd="sng" algn="ctr">
-                      <a:solidFill>
-                        <a:schemeClr val="tx1"/>
-                      </a:solidFill>
-                      <a:prstDash val="solid"/>
-                      <a:round/>
-                      <a:headEnd type="none" w="med" len="med"/>
-                      <a:tailEnd type="none" w="med" len="med"/>
-                    </a:lnL>
-                    <a:lnR w="12700" cap="flat" cmpd="sng" algn="ctr">
-                      <a:solidFill>
-                        <a:schemeClr val="tx1"/>
-                      </a:solidFill>
-                      <a:prstDash val="solid"/>
-                      <a:round/>
-                      <a:headEnd type="none" w="med" len="med"/>
-                      <a:tailEnd type="none" w="med" len="med"/>
-                    </a:lnR>
-                    <a:lnT w="12700" cap="flat" cmpd="sng" algn="ctr">
-                      <a:solidFill>
-                        <a:schemeClr val="tx1"/>
-                      </a:solidFill>
-                      <a:prstDash val="solid"/>
-                      <a:round/>
-                      <a:headEnd type="none" w="med" len="med"/>
-                      <a:tailEnd type="none" w="med" len="med"/>
-                    </a:lnT>
-                    <a:lnB w="12700" cap="flat" cmpd="sng" algn="ctr">
-                      <a:solidFill>
-                        <a:schemeClr val="tx1"/>
-                      </a:solidFill>
-                      <a:prstDash val="solid"/>
-                      <a:round/>
-                      <a:headEnd type="none" w="med" len="med"/>
-                      <a:tailEnd type="none" w="med" len="med"/>
-                    </a:lnB>
-                    <a:lnTlToBr w="12700" cmpd="sng">
-                      <a:noFill/>
-                      <a:prstDash val="solid"/>
-                    </a:lnTlToBr>
-                    <a:lnBlToTr w="12700" cmpd="sng">
-                      <a:noFill/>
-                      <a:prstDash val="solid"/>
-                    </a:lnBlToTr>
-                  </a:tcPr>
-                </a:tc>
-                <a:tc>
-                  <a:txBody>
-                    <a:bodyPr/>
-                    <a:lstStyle/>
-                    <a:p>
-                      <a:pPr marL="0" indent="0" algn="ctr" latinLnBrk="1">
-                        <a:buFont typeface="+mj-lt"/>
-                        <a:buNone/>
-                      </a:pPr>
-                      <a:r>
-                        <a:rPr lang="ko-KR" altLang="en-US" sz="1200" dirty="0"/>
-                        <a:t>기본 발사 딜레이보다 느리다</a:t>
-                      </a:r>
-                    </a:p>
-                  </a:txBody>
-                  <a:tcPr anchor="ctr">
-                    <a:lnL w="12700" cap="flat" cmpd="sng" algn="ctr">
-                      <a:solidFill>
-                        <a:schemeClr val="tx1"/>
-                      </a:solidFill>
-                      <a:prstDash val="solid"/>
-                      <a:round/>
-                      <a:headEnd type="none" w="med" len="med"/>
-                      <a:tailEnd type="none" w="med" len="med"/>
-                    </a:lnL>
-                    <a:lnR w="12700" cap="flat" cmpd="sng" algn="ctr">
-                      <a:solidFill>
-                        <a:schemeClr val="tx1"/>
-                      </a:solidFill>
-                      <a:prstDash val="solid"/>
-                      <a:round/>
-                      <a:headEnd type="none" w="med" len="med"/>
-                      <a:tailEnd type="none" w="med" len="med"/>
-                    </a:lnR>
-                    <a:lnT w="12700" cap="flat" cmpd="sng" algn="ctr">
-                      <a:solidFill>
-                        <a:schemeClr val="tx1"/>
-                      </a:solidFill>
-                      <a:prstDash val="solid"/>
-                      <a:round/>
-                      <a:headEnd type="none" w="med" len="med"/>
-                      <a:tailEnd type="none" w="med" len="med"/>
-                    </a:lnT>
-                    <a:lnB w="12700" cap="flat" cmpd="sng" algn="ctr">
-                      <a:solidFill>
-                        <a:schemeClr val="tx1"/>
-                      </a:solidFill>
-                      <a:prstDash val="solid"/>
-                      <a:round/>
-                      <a:headEnd type="none" w="med" len="med"/>
-                      <a:tailEnd type="none" w="med" len="med"/>
-                    </a:lnB>
-                    <a:lnTlToBr w="12700" cmpd="sng">
-                      <a:noFill/>
-                      <a:prstDash val="solid"/>
-                    </a:lnTlToBr>
-                    <a:lnBlToTr w="12700" cmpd="sng">
-                      <a:noFill/>
-                      <a:prstDash val="solid"/>
-                    </a:lnBlToTr>
-                  </a:tcPr>
-                </a:tc>
-                <a:extLst>
-                  <a:ext uri="{0D108BD9-81ED-4DB2-BD59-A6C34878D82A}">
-                    <a16:rowId xmlns:a16="http://schemas.microsoft.com/office/drawing/2014/main" val="2677022759"/>
-                  </a:ext>
-                </a:extLst>
-              </a:tr>
-              <a:tr h="397084">
-                <a:tc>
-                  <a:txBody>
-                    <a:bodyPr/>
-                    <a:lstStyle/>
-                    <a:p>
-                      <a:pPr marL="0" indent="0" algn="ctr" latinLnBrk="1">
-                        <a:buFont typeface="+mj-lt"/>
-                        <a:buNone/>
-                      </a:pPr>
-                      <a:r>
-                        <a:rPr lang="ko-KR" altLang="en-US" sz="1200" dirty="0"/>
-                        <a:t>총알 발사 속도</a:t>
-                      </a:r>
-                    </a:p>
-                  </a:txBody>
-                  <a:tcPr anchor="ctr">
-                    <a:lnL w="12700" cap="flat" cmpd="sng" algn="ctr">
-                      <a:solidFill>
-                        <a:schemeClr val="tx1"/>
-                      </a:solidFill>
-                      <a:prstDash val="solid"/>
-                      <a:round/>
-                      <a:headEnd type="none" w="med" len="med"/>
-                      <a:tailEnd type="none" w="med" len="med"/>
-                    </a:lnL>
-                    <a:lnR w="12700" cap="flat" cmpd="sng" algn="ctr">
-                      <a:solidFill>
-                        <a:schemeClr val="tx1"/>
-                      </a:solidFill>
-                      <a:prstDash val="solid"/>
-                      <a:round/>
-                      <a:headEnd type="none" w="med" len="med"/>
-                      <a:tailEnd type="none" w="med" len="med"/>
-                    </a:lnR>
-                    <a:lnT w="12700" cap="flat" cmpd="sng" algn="ctr">
-                      <a:solidFill>
-                        <a:schemeClr val="tx1"/>
-                      </a:solidFill>
-                      <a:prstDash val="solid"/>
-                      <a:round/>
-                      <a:headEnd type="none" w="med" len="med"/>
-                      <a:tailEnd type="none" w="med" len="med"/>
-                    </a:lnT>
-                    <a:lnB w="12700" cap="flat" cmpd="sng" algn="ctr">
-                      <a:solidFill>
-                        <a:schemeClr val="tx1"/>
-                      </a:solidFill>
-                      <a:prstDash val="solid"/>
-                      <a:round/>
-                      <a:headEnd type="none" w="med" len="med"/>
-                      <a:tailEnd type="none" w="med" len="med"/>
-                    </a:lnB>
-                    <a:lnTlToBr w="12700" cmpd="sng">
-                      <a:noFill/>
-                      <a:prstDash val="solid"/>
-                    </a:lnTlToBr>
-                    <a:lnBlToTr w="12700" cmpd="sng">
-                      <a:noFill/>
-                      <a:prstDash val="solid"/>
-                    </a:lnBlToTr>
-                  </a:tcPr>
-                </a:tc>
-                <a:tc>
-                  <a:txBody>
-                    <a:bodyPr/>
-                    <a:lstStyle/>
-                    <a:p>
-                      <a:pPr marL="0" indent="0" algn="ctr" latinLnBrk="1">
-                        <a:buFont typeface="+mj-lt"/>
-                        <a:buNone/>
-                      </a:pPr>
-                      <a:r>
-                        <a:rPr lang="en-US" altLang="ko-KR" sz="1200" dirty="0"/>
-                        <a:t>0.5</a:t>
-                      </a:r>
-                      <a:endParaRPr lang="ko-KR" altLang="en-US" sz="1200" dirty="0"/>
-                    </a:p>
-                  </a:txBody>
-                  <a:tcPr anchor="ctr">
-                    <a:lnL w="12700" cap="flat" cmpd="sng" algn="ctr">
-                      <a:solidFill>
-                        <a:schemeClr val="tx1"/>
-                      </a:solidFill>
-                      <a:prstDash val="solid"/>
-                      <a:round/>
-                      <a:headEnd type="none" w="med" len="med"/>
-                      <a:tailEnd type="none" w="med" len="med"/>
-                    </a:lnL>
-                    <a:lnR w="12700" cap="flat" cmpd="sng" algn="ctr">
-                      <a:solidFill>
-                        <a:schemeClr val="tx1"/>
-                      </a:solidFill>
-                      <a:prstDash val="solid"/>
-                      <a:round/>
-                      <a:headEnd type="none" w="med" len="med"/>
-                      <a:tailEnd type="none" w="med" len="med"/>
-                    </a:lnR>
-                    <a:lnT w="12700" cap="flat" cmpd="sng" algn="ctr">
-                      <a:solidFill>
-                        <a:schemeClr val="tx1"/>
-                      </a:solidFill>
-                      <a:prstDash val="solid"/>
-                      <a:round/>
-                      <a:headEnd type="none" w="med" len="med"/>
-                      <a:tailEnd type="none" w="med" len="med"/>
-                    </a:lnT>
-                    <a:lnB w="12700" cap="flat" cmpd="sng" algn="ctr">
-                      <a:solidFill>
-                        <a:schemeClr val="tx1"/>
-                      </a:solidFill>
-                      <a:prstDash val="solid"/>
-                      <a:round/>
-                      <a:headEnd type="none" w="med" len="med"/>
-                      <a:tailEnd type="none" w="med" len="med"/>
-                    </a:lnB>
-                    <a:lnTlToBr w="12700" cmpd="sng">
-                      <a:noFill/>
-                      <a:prstDash val="solid"/>
-                    </a:lnTlToBr>
-                    <a:lnBlToTr w="12700" cmpd="sng">
-                      <a:noFill/>
-                      <a:prstDash val="solid"/>
-                    </a:lnBlToTr>
-                  </a:tcPr>
-                </a:tc>
-                <a:tc>
-                  <a:txBody>
-                    <a:bodyPr/>
-                    <a:lstStyle/>
-                    <a:p>
-                      <a:pPr marL="0" indent="0" algn="ctr" latinLnBrk="1">
-                        <a:buFont typeface="+mj-lt"/>
-                        <a:buNone/>
-                      </a:pPr>
-                      <a:r>
-                        <a:rPr lang="ko-KR" altLang="en-US" sz="1200" dirty="0"/>
-                        <a:t>기본 총알 발사 속도</a:t>
-                      </a:r>
-                    </a:p>
-                  </a:txBody>
-                  <a:tcPr anchor="ctr">
-                    <a:lnL w="12700" cap="flat" cmpd="sng" algn="ctr">
-                      <a:solidFill>
-                        <a:schemeClr val="tx1"/>
-                      </a:solidFill>
-                      <a:prstDash val="solid"/>
-                      <a:round/>
-                      <a:headEnd type="none" w="med" len="med"/>
-                      <a:tailEnd type="none" w="med" len="med"/>
-                    </a:lnL>
-                    <a:lnR w="12700" cap="flat" cmpd="sng" algn="ctr">
-                      <a:solidFill>
-                        <a:schemeClr val="tx1"/>
-                      </a:solidFill>
-                      <a:prstDash val="solid"/>
-                      <a:round/>
-                      <a:headEnd type="none" w="med" len="med"/>
-                      <a:tailEnd type="none" w="med" len="med"/>
-                    </a:lnR>
-                    <a:lnT w="12700" cap="flat" cmpd="sng" algn="ctr">
-                      <a:solidFill>
-                        <a:schemeClr val="tx1"/>
-                      </a:solidFill>
-                      <a:prstDash val="solid"/>
-                      <a:round/>
-                      <a:headEnd type="none" w="med" len="med"/>
-                      <a:tailEnd type="none" w="med" len="med"/>
-                    </a:lnT>
-                    <a:lnB w="12700" cap="flat" cmpd="sng" algn="ctr">
-                      <a:solidFill>
-                        <a:schemeClr val="tx1"/>
-                      </a:solidFill>
-                      <a:prstDash val="solid"/>
-                      <a:round/>
-                      <a:headEnd type="none" w="med" len="med"/>
-                      <a:tailEnd type="none" w="med" len="med"/>
-                    </a:lnB>
-                    <a:lnTlToBr w="12700" cmpd="sng">
-                      <a:noFill/>
-                      <a:prstDash val="solid"/>
-                    </a:lnTlToBr>
-                    <a:lnBlToTr w="12700" cmpd="sng">
-                      <a:noFill/>
-                      <a:prstDash val="solid"/>
-                    </a:lnBlToTr>
-                  </a:tcPr>
-                </a:tc>
-                <a:extLst>
-                  <a:ext uri="{0D108BD9-81ED-4DB2-BD59-A6C34878D82A}">
-                    <a16:rowId xmlns:a16="http://schemas.microsoft.com/office/drawing/2014/main" val="3949302187"/>
-                  </a:ext>
-                </a:extLst>
-              </a:tr>
-            </a:tbl>
-          </a:graphicData>
-        </a:graphic>
-      </p:graphicFrame>
+      </p:pic>
     </p:spTree>
     <p:extLst>
       <p:ext uri="{BB962C8B-B14F-4D97-AF65-F5344CB8AC3E}">

--- a/기획/TRASHES 직업 기획서 - 수정 의견 이정우.pptx
+++ b/기획/TRASHES 직업 기획서 - 수정 의견 이정우.pptx
@@ -267,7 +267,7 @@
           <a:p>
             <a:fld id="{31274F74-C1B4-44DB-B185-FC08F0ACA9F7}" type="datetimeFigureOut">
               <a:rPr lang="ko-KR" altLang="en-US" smtClean="0"/>
-              <a:t>2023-10-23</a:t>
+              <a:t>2023-12-04</a:t>
             </a:fld>
             <a:endParaRPr lang="ko-KR" altLang="en-US"/>
           </a:p>
@@ -465,7 +465,7 @@
           <a:p>
             <a:fld id="{31274F74-C1B4-44DB-B185-FC08F0ACA9F7}" type="datetimeFigureOut">
               <a:rPr lang="ko-KR" altLang="en-US" smtClean="0"/>
-              <a:t>2023-10-23</a:t>
+              <a:t>2023-12-04</a:t>
             </a:fld>
             <a:endParaRPr lang="ko-KR" altLang="en-US"/>
           </a:p>
@@ -673,7 +673,7 @@
           <a:p>
             <a:fld id="{31274F74-C1B4-44DB-B185-FC08F0ACA9F7}" type="datetimeFigureOut">
               <a:rPr lang="ko-KR" altLang="en-US" smtClean="0"/>
-              <a:t>2023-10-23</a:t>
+              <a:t>2023-12-04</a:t>
             </a:fld>
             <a:endParaRPr lang="ko-KR" altLang="en-US"/>
           </a:p>
@@ -871,7 +871,7 @@
           <a:p>
             <a:fld id="{31274F74-C1B4-44DB-B185-FC08F0ACA9F7}" type="datetimeFigureOut">
               <a:rPr lang="ko-KR" altLang="en-US" smtClean="0"/>
-              <a:t>2023-10-23</a:t>
+              <a:t>2023-12-04</a:t>
             </a:fld>
             <a:endParaRPr lang="ko-KR" altLang="en-US"/>
           </a:p>
@@ -1146,7 +1146,7 @@
           <a:p>
             <a:fld id="{31274F74-C1B4-44DB-B185-FC08F0ACA9F7}" type="datetimeFigureOut">
               <a:rPr lang="ko-KR" altLang="en-US" smtClean="0"/>
-              <a:t>2023-10-23</a:t>
+              <a:t>2023-12-04</a:t>
             </a:fld>
             <a:endParaRPr lang="ko-KR" altLang="en-US"/>
           </a:p>
@@ -1411,7 +1411,7 @@
           <a:p>
             <a:fld id="{31274F74-C1B4-44DB-B185-FC08F0ACA9F7}" type="datetimeFigureOut">
               <a:rPr lang="ko-KR" altLang="en-US" smtClean="0"/>
-              <a:t>2023-10-23</a:t>
+              <a:t>2023-12-04</a:t>
             </a:fld>
             <a:endParaRPr lang="ko-KR" altLang="en-US"/>
           </a:p>
@@ -1823,7 +1823,7 @@
           <a:p>
             <a:fld id="{31274F74-C1B4-44DB-B185-FC08F0ACA9F7}" type="datetimeFigureOut">
               <a:rPr lang="ko-KR" altLang="en-US" smtClean="0"/>
-              <a:t>2023-10-23</a:t>
+              <a:t>2023-12-04</a:t>
             </a:fld>
             <a:endParaRPr lang="ko-KR" altLang="en-US"/>
           </a:p>
@@ -1964,7 +1964,7 @@
           <a:p>
             <a:fld id="{31274F74-C1B4-44DB-B185-FC08F0ACA9F7}" type="datetimeFigureOut">
               <a:rPr lang="ko-KR" altLang="en-US" smtClean="0"/>
-              <a:t>2023-10-23</a:t>
+              <a:t>2023-12-04</a:t>
             </a:fld>
             <a:endParaRPr lang="ko-KR" altLang="en-US"/>
           </a:p>
@@ -2077,7 +2077,7 @@
           <a:p>
             <a:fld id="{31274F74-C1B4-44DB-B185-FC08F0ACA9F7}" type="datetimeFigureOut">
               <a:rPr lang="ko-KR" altLang="en-US" smtClean="0"/>
-              <a:t>2023-10-23</a:t>
+              <a:t>2023-12-04</a:t>
             </a:fld>
             <a:endParaRPr lang="ko-KR" altLang="en-US"/>
           </a:p>
@@ -2388,7 +2388,7 @@
           <a:p>
             <a:fld id="{31274F74-C1B4-44DB-B185-FC08F0ACA9F7}" type="datetimeFigureOut">
               <a:rPr lang="ko-KR" altLang="en-US" smtClean="0"/>
-              <a:t>2023-10-23</a:t>
+              <a:t>2023-12-04</a:t>
             </a:fld>
             <a:endParaRPr lang="ko-KR" altLang="en-US"/>
           </a:p>
@@ -2676,7 +2676,7 @@
           <a:p>
             <a:fld id="{31274F74-C1B4-44DB-B185-FC08F0ACA9F7}" type="datetimeFigureOut">
               <a:rPr lang="ko-KR" altLang="en-US" smtClean="0"/>
-              <a:t>2023-10-23</a:t>
+              <a:t>2023-12-04</a:t>
             </a:fld>
             <a:endParaRPr lang="ko-KR" altLang="en-US"/>
           </a:p>
@@ -2917,7 +2917,7 @@
           <a:p>
             <a:fld id="{31274F74-C1B4-44DB-B185-FC08F0ACA9F7}" type="datetimeFigureOut">
               <a:rPr lang="ko-KR" altLang="en-US" smtClean="0"/>
-              <a:t>2023-10-23</a:t>
+              <a:t>2023-12-04</a:t>
             </a:fld>
             <a:endParaRPr lang="ko-KR" altLang="en-US"/>
           </a:p>
@@ -18448,14 +18448,14 @@
           <p:nvPr>
             <p:extLst>
               <p:ext uri="{D42A27DB-BD31-4B8C-83A1-F6EECF244321}">
-                <p14:modId xmlns:p14="http://schemas.microsoft.com/office/powerpoint/2010/main" val="3098915309"/>
+                <p14:modId xmlns:p14="http://schemas.microsoft.com/office/powerpoint/2010/main" val="1531970494"/>
               </p:ext>
             </p:extLst>
           </p:nvPr>
         </p:nvGraphicFramePr>
         <p:xfrm>
           <a:off x="6330499" y="4209160"/>
-          <a:ext cx="5373030" cy="1723413"/>
+          <a:ext cx="5373030" cy="1758542"/>
         </p:xfrm>
         <a:graphic>
           <a:graphicData uri="http://schemas.openxmlformats.org/drawingml/2006/table">
@@ -18890,7 +18890,7 @@
                       <a:pPr algn="ctr" latinLnBrk="1"/>
                       <a:r>
                         <a:rPr lang="en-US" altLang="ko-KR" sz="1200" dirty="0"/>
-                        <a:t>75</a:t>
+                        <a:t>60</a:t>
                       </a:r>
                       <a:r>
                         <a:rPr lang="ko-KR" altLang="en-US" sz="1200" dirty="0"/>
@@ -18941,6 +18941,14 @@
                   <a:txBody>
                     <a:bodyPr/>
                     <a:lstStyle/>
+                    <a:p>
+                      <a:pPr algn="ctr" latinLnBrk="1"/>
+                      <a:r>
+                        <a:rPr lang="ko-KR" altLang="en-US" sz="1200" dirty="0"/>
+                        <a:t>밤에만 사용 가능</a:t>
+                      </a:r>
+                      <a:endParaRPr lang="en-US" altLang="ko-KR" sz="1200" dirty="0"/>
+                    </a:p>
                     <a:p>
                       <a:pPr algn="ctr" latinLnBrk="1"/>
                       <a:r>
@@ -21043,14 +21051,14 @@
           <p:nvPr>
             <p:extLst>
               <p:ext uri="{D42A27DB-BD31-4B8C-83A1-F6EECF244321}">
-                <p14:modId xmlns:p14="http://schemas.microsoft.com/office/powerpoint/2010/main" val="1798053903"/>
+                <p14:modId xmlns:p14="http://schemas.microsoft.com/office/powerpoint/2010/main" val="2304560991"/>
               </p:ext>
             </p:extLst>
           </p:nvPr>
         </p:nvGraphicFramePr>
         <p:xfrm>
           <a:off x="838200" y="4998685"/>
-          <a:ext cx="5373030" cy="1484222"/>
+          <a:ext cx="5373030" cy="1266213"/>
         </p:xfrm>
         <a:graphic>
           <a:graphicData uri="http://schemas.openxmlformats.org/drawingml/2006/table">
@@ -21543,41 +21551,7 @@
                       </a:r>
                       <a:r>
                         <a:rPr lang="ko-KR" altLang="en-US" sz="1200" dirty="0"/>
-                        <a:t>초간 임시 체력 </a:t>
-                      </a:r>
-                      <a:r>
-                        <a:rPr lang="en-US" altLang="ko-KR" sz="1200" dirty="0"/>
-                        <a:t>2</a:t>
-                      </a:r>
-                      <a:r>
-                        <a:rPr lang="ko-KR" altLang="en-US" sz="1200" dirty="0"/>
-                        <a:t>칸을 얻는다</a:t>
-                      </a:r>
-                      <a:r>
-                        <a:rPr lang="en-US" altLang="ko-KR" sz="1200" dirty="0"/>
-                        <a:t>.</a:t>
-                      </a:r>
-                    </a:p>
-                    <a:p>
-                      <a:pPr algn="ctr" latinLnBrk="1"/>
-                      <a:r>
-                        <a:rPr lang="ko-KR" altLang="en-US" sz="1200" dirty="0"/>
-                        <a:t>피격 시 임시체력이 먼저 닳는다</a:t>
-                      </a:r>
-                      <a:r>
-                        <a:rPr lang="en-US" altLang="ko-KR" sz="1200" dirty="0"/>
-                        <a:t>.</a:t>
-                      </a:r>
-                      <a:br>
-                        <a:rPr lang="en-US" altLang="ko-KR" sz="1200" dirty="0"/>
-                      </a:br>
-                      <a:r>
-                        <a:rPr lang="en-US" altLang="ko-KR" sz="1200" dirty="0"/>
-                        <a:t>3</a:t>
-                      </a:r>
-                      <a:r>
-                        <a:rPr lang="ko-KR" altLang="en-US" sz="1200" dirty="0"/>
-                        <a:t>초 후 임시 체력은 사라진다</a:t>
+                        <a:t>초간 캐릭터가 무적이 된다</a:t>
                       </a:r>
                       <a:r>
                         <a:rPr lang="en-US" altLang="ko-KR" sz="1200" dirty="0"/>

--- a/기획/TRASHES 직업 기획서 - 수정 의견 이정우.pptx
+++ b/기획/TRASHES 직업 기획서 - 수정 의견 이정우.pptx
@@ -18448,7 +18448,7 @@
           <p:nvPr>
             <p:extLst>
               <p:ext uri="{D42A27DB-BD31-4B8C-83A1-F6EECF244321}">
-                <p14:modId xmlns:p14="http://schemas.microsoft.com/office/powerpoint/2010/main" val="1531970494"/>
+                <p14:modId xmlns:p14="http://schemas.microsoft.com/office/powerpoint/2010/main" val="4006525893"/>
               </p:ext>
             </p:extLst>
           </p:nvPr>
@@ -18961,7 +18961,7 @@
                       </a:r>
                       <a:r>
                         <a:rPr lang="en-US" altLang="ko-KR" sz="1200" dirty="0"/>
-                        <a:t>0.3 </a:t>
+                        <a:t>0.5 </a:t>
                       </a:r>
                       <a:r>
                         <a:rPr lang="ko-KR" altLang="en-US" sz="1200" dirty="0"/>

--- a/기획/TRASHES 직업 기획서 - 수정 의견 이정우.pptx
+++ b/기획/TRASHES 직업 기획서 - 수정 의견 이정우.pptx
@@ -21051,14 +21051,14 @@
           <p:nvPr>
             <p:extLst>
               <p:ext uri="{D42A27DB-BD31-4B8C-83A1-F6EECF244321}">
-                <p14:modId xmlns:p14="http://schemas.microsoft.com/office/powerpoint/2010/main" val="2304560991"/>
+                <p14:modId xmlns:p14="http://schemas.microsoft.com/office/powerpoint/2010/main" val="524302621"/>
               </p:ext>
             </p:extLst>
           </p:nvPr>
         </p:nvGraphicFramePr>
         <p:xfrm>
           <a:off x="838200" y="4998685"/>
-          <a:ext cx="5373030" cy="1266213"/>
+          <a:ext cx="5373030" cy="1301342"/>
         </p:xfrm>
         <a:graphic>
           <a:graphicData uri="http://schemas.openxmlformats.org/drawingml/2006/table">
@@ -21551,7 +21551,15 @@
                       </a:r>
                       <a:r>
                         <a:rPr lang="ko-KR" altLang="en-US" sz="1200" dirty="0"/>
-                        <a:t>초간 캐릭터가 무적이 된다</a:t>
+                        <a:t>초간 캐릭터가 </a:t>
+                      </a:r>
+                      <a:endParaRPr lang="en-US" altLang="ko-KR" sz="1200" dirty="0"/>
+                    </a:p>
+                    <a:p>
+                      <a:pPr algn="ctr" latinLnBrk="1"/>
+                      <a:r>
+                        <a:rPr lang="ko-KR" altLang="en-US" sz="1200" dirty="0"/>
+                        <a:t>총알 피해를 받지 않는다</a:t>
                       </a:r>
                       <a:r>
                         <a:rPr lang="en-US" altLang="ko-KR" sz="1200" dirty="0"/>
